--- a/lessons/msd/figures.pptx
+++ b/lessons/msd/figures.pptx
@@ -8,6 +8,8 @@
     <p:sldId id="259" r:id="rId2"/>
     <p:sldId id="257" r:id="rId3"/>
     <p:sldId id="258" r:id="rId4"/>
+    <p:sldId id="260" r:id="rId5"/>
+    <p:sldId id="261" r:id="rId6"/>
   </p:sldIdLst>
   <p:sldSz cx="12192000" cy="6858000"/>
   <p:notesSz cx="6858000" cy="9144000"/>
@@ -106,13 +108,18 @@
       </a:defRPr>
     </a:lvl9pPr>
   </p:defaultTextStyle>
+  <p:extLst>
+    <p:ext uri="{EFAFB233-063F-42B5-8137-9DF3F51BA10A}">
+      <p15:sldGuideLst xmlns:p15="http://schemas.microsoft.com/office/powerpoint/2012/main"/>
+    </p:ext>
+  </p:extLst>
 </p:presentation>
 </file>
 
 <file path=ppt/revisionInfo.xml><?xml version="1.0" encoding="utf-8"?>
 <p1510:revInfo xmlns:a="http://schemas.openxmlformats.org/drawingml/2006/main" xmlns:r="http://schemas.openxmlformats.org/officeDocument/2006/relationships" xmlns:p1510="http://schemas.microsoft.com/office/powerpoint/2015/10/main">
   <p1510:revLst>
-    <p1510:client id="{CB0A1624-E9CB-4914-8755-EACC6633DDFF}" v="93" dt="2026-02-02T04:36:02.410"/>
+    <p1510:client id="{CB0A1624-E9CB-4914-8755-EACC6633DDFF}" v="390" dt="2026-02-04T00:02:27.095"/>
   </p1510:revLst>
 </p1510:revInfo>
 </file>
@@ -121,17 +128,33 @@
 <pc:chgInfo xmlns:a="http://schemas.openxmlformats.org/drawingml/2006/main" xmlns:r="http://schemas.openxmlformats.org/officeDocument/2006/relationships" xmlns:ac="http://schemas.microsoft.com/office/drawing/2013/main/command" xmlns:pc="http://schemas.microsoft.com/office/powerpoint/2013/main/command">
   <pc:docChgLst>
     <pc:chgData name="Mitchell Fowler" userId="0c3d3d0c9a062725" providerId="LiveId" clId="{50F2C5C9-6B18-44BE-87E6-70F8E9E3C765}"/>
-    <pc:docChg chg="undo custSel addSld modSld sldOrd">
-      <pc:chgData name="Mitchell Fowler" userId="0c3d3d0c9a062725" providerId="LiveId" clId="{50F2C5C9-6B18-44BE-87E6-70F8E9E3C765}" dt="2026-02-02T04:36:17.987" v="653" actId="1036"/>
+    <pc:docChg chg="undo custSel addSld delSld modSld sldOrd">
+      <pc:chgData name="Mitchell Fowler" userId="0c3d3d0c9a062725" providerId="LiveId" clId="{50F2C5C9-6B18-44BE-87E6-70F8E9E3C765}" dt="2026-02-04T00:02:57.138" v="1554" actId="167"/>
       <pc:docMkLst>
         <pc:docMk/>
       </pc:docMkLst>
       <pc:sldChg chg="addSp delSp modSp mod ord">
-        <pc:chgData name="Mitchell Fowler" userId="0c3d3d0c9a062725" providerId="LiveId" clId="{50F2C5C9-6B18-44BE-87E6-70F8E9E3C765}" dt="2026-02-02T00:46:04.254" v="625" actId="1076"/>
+        <pc:chgData name="Mitchell Fowler" userId="0c3d3d0c9a062725" providerId="LiveId" clId="{50F2C5C9-6B18-44BE-87E6-70F8E9E3C765}" dt="2026-02-03T03:31:44.525" v="1431" actId="14100"/>
         <pc:sldMkLst>
           <pc:docMk/>
           <pc:sldMk cId="3354288650" sldId="257"/>
         </pc:sldMkLst>
+        <pc:spChg chg="add mod ord">
+          <ac:chgData name="Mitchell Fowler" userId="0c3d3d0c9a062725" providerId="LiveId" clId="{50F2C5C9-6B18-44BE-87E6-70F8E9E3C765}" dt="2026-02-03T03:31:44.525" v="1431" actId="14100"/>
+          <ac:spMkLst>
+            <pc:docMk/>
+            <pc:sldMk cId="3354288650" sldId="257"/>
+            <ac:spMk id="2" creationId="{F56336F9-C76D-0FA4-CD41-782AA67AFAAC}"/>
+          </ac:spMkLst>
+        </pc:spChg>
+        <pc:spChg chg="add mod">
+          <ac:chgData name="Mitchell Fowler" userId="0c3d3d0c9a062725" providerId="LiveId" clId="{50F2C5C9-6B18-44BE-87E6-70F8E9E3C765}" dt="2026-02-03T03:31:34.149" v="1430" actId="1076"/>
+          <ac:spMkLst>
+            <pc:docMk/>
+            <pc:sldMk cId="3354288650" sldId="257"/>
+            <ac:spMk id="7" creationId="{9BF01B7A-B2E6-B319-4CAF-03D5C45F5E47}"/>
+          </ac:spMkLst>
+        </pc:spChg>
         <pc:spChg chg="mod">
           <ac:chgData name="Mitchell Fowler" userId="0c3d3d0c9a062725" providerId="LiveId" clId="{50F2C5C9-6B18-44BE-87E6-70F8E9E3C765}" dt="2026-02-01T23:59:47.151" v="200" actId="164"/>
           <ac:spMkLst>
@@ -149,7 +172,7 @@
           </ac:spMkLst>
         </pc:spChg>
         <pc:spChg chg="mod">
-          <ac:chgData name="Mitchell Fowler" userId="0c3d3d0c9a062725" providerId="LiveId" clId="{50F2C5C9-6B18-44BE-87E6-70F8E9E3C765}" dt="2026-02-02T00:03:44.090" v="286" actId="1076"/>
+          <ac:chgData name="Mitchell Fowler" userId="0c3d3d0c9a062725" providerId="LiveId" clId="{50F2C5C9-6B18-44BE-87E6-70F8E9E3C765}" dt="2026-02-03T00:23:25.995" v="674" actId="1038"/>
           <ac:spMkLst>
             <pc:docMk/>
             <pc:sldMk cId="3354288650" sldId="257"/>
@@ -172,48 +195,8 @@
             <ac:spMk id="73" creationId="{5B581A85-0E7D-9AA9-5970-835C87A7B8BD}"/>
           </ac:spMkLst>
         </pc:spChg>
-        <pc:spChg chg="del mod">
-          <ac:chgData name="Mitchell Fowler" userId="0c3d3d0c9a062725" providerId="LiveId" clId="{50F2C5C9-6B18-44BE-87E6-70F8E9E3C765}" dt="2026-02-02T00:01:32.603" v="225" actId="478"/>
-          <ac:spMkLst>
-            <pc:docMk/>
-            <pc:sldMk cId="3354288650" sldId="257"/>
-            <ac:spMk id="74" creationId="{A281D70D-CF40-A9F2-0E13-EAD38BC00C7E}"/>
-          </ac:spMkLst>
-        </pc:spChg>
-        <pc:spChg chg="del mod">
-          <ac:chgData name="Mitchell Fowler" userId="0c3d3d0c9a062725" providerId="LiveId" clId="{50F2C5C9-6B18-44BE-87E6-70F8E9E3C765}" dt="2026-02-01T23:57:55.269" v="174" actId="478"/>
-          <ac:spMkLst>
-            <pc:docMk/>
-            <pc:sldMk cId="3354288650" sldId="257"/>
-            <ac:spMk id="75" creationId="{E6B8B9F4-F42C-BA82-2B6C-87B6F9F04433}"/>
-          </ac:spMkLst>
-        </pc:spChg>
-        <pc:spChg chg="del">
-          <ac:chgData name="Mitchell Fowler" userId="0c3d3d0c9a062725" providerId="LiveId" clId="{50F2C5C9-6B18-44BE-87E6-70F8E9E3C765}" dt="2026-02-01T23:57:55.269" v="174" actId="478"/>
-          <ac:spMkLst>
-            <pc:docMk/>
-            <pc:sldMk cId="3354288650" sldId="257"/>
-            <ac:spMk id="76" creationId="{539FDF10-0C9E-CEEF-B302-4C165F0F7604}"/>
-          </ac:spMkLst>
-        </pc:spChg>
-        <pc:spChg chg="del mod">
-          <ac:chgData name="Mitchell Fowler" userId="0c3d3d0c9a062725" providerId="LiveId" clId="{50F2C5C9-6B18-44BE-87E6-70F8E9E3C765}" dt="2026-02-01T23:57:55.269" v="174" actId="478"/>
-          <ac:spMkLst>
-            <pc:docMk/>
-            <pc:sldMk cId="3354288650" sldId="257"/>
-            <ac:spMk id="77" creationId="{4B658B74-DEA8-740E-931F-462F14F72BBC}"/>
-          </ac:spMkLst>
-        </pc:spChg>
-        <pc:spChg chg="del mod">
-          <ac:chgData name="Mitchell Fowler" userId="0c3d3d0c9a062725" providerId="LiveId" clId="{50F2C5C9-6B18-44BE-87E6-70F8E9E3C765}" dt="2026-02-01T23:57:55.269" v="174" actId="478"/>
-          <ac:spMkLst>
-            <pc:docMk/>
-            <pc:sldMk cId="3354288650" sldId="257"/>
-            <ac:spMk id="78" creationId="{2E44DE19-968C-740A-0D1D-AF8BACD1BAED}"/>
-          </ac:spMkLst>
-        </pc:spChg>
         <pc:spChg chg="mod">
-          <ac:chgData name="Mitchell Fowler" userId="0c3d3d0c9a062725" providerId="LiveId" clId="{50F2C5C9-6B18-44BE-87E6-70F8E9E3C765}" dt="2026-02-02T00:46:04.254" v="625" actId="1076"/>
+          <ac:chgData name="Mitchell Fowler" userId="0c3d3d0c9a062725" providerId="LiveId" clId="{50F2C5C9-6B18-44BE-87E6-70F8E9E3C765}" dt="2026-02-03T00:23:25.995" v="674" actId="1038"/>
           <ac:spMkLst>
             <pc:docMk/>
             <pc:sldMk cId="3354288650" sldId="257"/>
@@ -221,7 +204,7 @@
           </ac:spMkLst>
         </pc:spChg>
         <pc:spChg chg="mod">
-          <ac:chgData name="Mitchell Fowler" userId="0c3d3d0c9a062725" providerId="LiveId" clId="{50F2C5C9-6B18-44BE-87E6-70F8E9E3C765}" dt="2026-02-02T00:42:34.162" v="605" actId="1038"/>
+          <ac:chgData name="Mitchell Fowler" userId="0c3d3d0c9a062725" providerId="LiveId" clId="{50F2C5C9-6B18-44BE-87E6-70F8E9E3C765}" dt="2026-02-03T00:23:25.995" v="674" actId="1038"/>
           <ac:spMkLst>
             <pc:docMk/>
             <pc:sldMk cId="3354288650" sldId="257"/>
@@ -229,19 +212,11 @@
           </ac:spMkLst>
         </pc:spChg>
         <pc:spChg chg="add mod">
-          <ac:chgData name="Mitchell Fowler" userId="0c3d3d0c9a062725" providerId="LiveId" clId="{50F2C5C9-6B18-44BE-87E6-70F8E9E3C765}" dt="2026-02-02T00:03:44.090" v="286" actId="1076"/>
+          <ac:chgData name="Mitchell Fowler" userId="0c3d3d0c9a062725" providerId="LiveId" clId="{50F2C5C9-6B18-44BE-87E6-70F8E9E3C765}" dt="2026-02-03T00:23:25.995" v="674" actId="1038"/>
           <ac:spMkLst>
             <pc:docMk/>
             <pc:sldMk cId="3354288650" sldId="257"/>
             <ac:spMk id="108" creationId="{0DA8AD53-12C1-89CD-EFB7-10E91DD38751}"/>
-          </ac:spMkLst>
-        </pc:spChg>
-        <pc:spChg chg="add del mod">
-          <ac:chgData name="Mitchell Fowler" userId="0c3d3d0c9a062725" providerId="LiveId" clId="{50F2C5C9-6B18-44BE-87E6-70F8E9E3C765}" dt="2026-02-02T00:02:04.370" v="241" actId="478"/>
-          <ac:spMkLst>
-            <pc:docMk/>
-            <pc:sldMk cId="3354288650" sldId="257"/>
-            <ac:spMk id="116" creationId="{24ED8CE8-F1A9-727A-3B6D-1E5D3D1EB051}"/>
           </ac:spMkLst>
         </pc:spChg>
         <pc:spChg chg="add mod">
@@ -277,7 +252,7 @@
           </ac:spMkLst>
         </pc:spChg>
         <pc:spChg chg="add mod">
-          <ac:chgData name="Mitchell Fowler" userId="0c3d3d0c9a062725" providerId="LiveId" clId="{50F2C5C9-6B18-44BE-87E6-70F8E9E3C765}" dt="2026-02-02T00:30:58.222" v="395" actId="1038"/>
+          <ac:chgData name="Mitchell Fowler" userId="0c3d3d0c9a062725" providerId="LiveId" clId="{50F2C5C9-6B18-44BE-87E6-70F8E9E3C765}" dt="2026-02-03T00:23:25.995" v="674" actId="1038"/>
           <ac:spMkLst>
             <pc:docMk/>
             <pc:sldMk cId="3354288650" sldId="257"/>
@@ -285,7 +260,7 @@
           </ac:spMkLst>
         </pc:spChg>
         <pc:spChg chg="add mod">
-          <ac:chgData name="Mitchell Fowler" userId="0c3d3d0c9a062725" providerId="LiveId" clId="{50F2C5C9-6B18-44BE-87E6-70F8E9E3C765}" dt="2026-02-02T00:42:34.162" v="605" actId="1038"/>
+          <ac:chgData name="Mitchell Fowler" userId="0c3d3d0c9a062725" providerId="LiveId" clId="{50F2C5C9-6B18-44BE-87E6-70F8E9E3C765}" dt="2026-02-03T00:23:25.995" v="674" actId="1038"/>
           <ac:spMkLst>
             <pc:docMk/>
             <pc:sldMk cId="3354288650" sldId="257"/>
@@ -324,16 +299,8 @@
             <ac:spMk id="132" creationId="{C4F7D790-90F7-29B7-01CE-68EDBBB361BF}"/>
           </ac:spMkLst>
         </pc:spChg>
-        <pc:spChg chg="del mod">
-          <ac:chgData name="Mitchell Fowler" userId="0c3d3d0c9a062725" providerId="LiveId" clId="{50F2C5C9-6B18-44BE-87E6-70F8E9E3C765}" dt="2026-02-02T00:45:29.250" v="619" actId="478"/>
-          <ac:spMkLst>
-            <pc:docMk/>
-            <pc:sldMk cId="3354288650" sldId="257"/>
-            <ac:spMk id="135" creationId="{762D0BF1-97FB-73A9-648E-68570FD67EFD}"/>
-          </ac:spMkLst>
-        </pc:spChg>
         <pc:spChg chg="mod">
-          <ac:chgData name="Mitchell Fowler" userId="0c3d3d0c9a062725" providerId="LiveId" clId="{50F2C5C9-6B18-44BE-87E6-70F8E9E3C765}" dt="2026-02-02T00:42:34.162" v="605" actId="1038"/>
+          <ac:chgData name="Mitchell Fowler" userId="0c3d3d0c9a062725" providerId="LiveId" clId="{50F2C5C9-6B18-44BE-87E6-70F8E9E3C765}" dt="2026-02-03T00:23:25.995" v="674" actId="1038"/>
           <ac:spMkLst>
             <pc:docMk/>
             <pc:sldMk cId="3354288650" sldId="257"/>
@@ -365,7 +332,7 @@
           </ac:spMkLst>
         </pc:spChg>
         <pc:spChg chg="add mod">
-          <ac:chgData name="Mitchell Fowler" userId="0c3d3d0c9a062725" providerId="LiveId" clId="{50F2C5C9-6B18-44BE-87E6-70F8E9E3C765}" dt="2026-02-02T00:31:28.010" v="397" actId="1076"/>
+          <ac:chgData name="Mitchell Fowler" userId="0c3d3d0c9a062725" providerId="LiveId" clId="{50F2C5C9-6B18-44BE-87E6-70F8E9E3C765}" dt="2026-02-03T00:23:25.995" v="674" actId="1038"/>
           <ac:spMkLst>
             <pc:docMk/>
             <pc:sldMk cId="3354288650" sldId="257"/>
@@ -405,23 +372,15 @@
           </ac:spMkLst>
         </pc:spChg>
         <pc:spChg chg="add mod">
-          <ac:chgData name="Mitchell Fowler" userId="0c3d3d0c9a062725" providerId="LiveId" clId="{50F2C5C9-6B18-44BE-87E6-70F8E9E3C765}" dt="2026-02-02T00:42:34.162" v="605" actId="1038"/>
+          <ac:chgData name="Mitchell Fowler" userId="0c3d3d0c9a062725" providerId="LiveId" clId="{50F2C5C9-6B18-44BE-87E6-70F8E9E3C765}" dt="2026-02-03T00:23:25.995" v="674" actId="1038"/>
           <ac:spMkLst>
             <pc:docMk/>
             <pc:sldMk cId="3354288650" sldId="257"/>
             <ac:spMk id="156" creationId="{58B582D9-4A30-30A1-417B-35421CC09803}"/>
           </ac:spMkLst>
         </pc:spChg>
-        <pc:spChg chg="add del mod">
-          <ac:chgData name="Mitchell Fowler" userId="0c3d3d0c9a062725" providerId="LiveId" clId="{50F2C5C9-6B18-44BE-87E6-70F8E9E3C765}" dt="2026-02-02T00:45:46.887" v="623" actId="478"/>
-          <ac:spMkLst>
-            <pc:docMk/>
-            <pc:sldMk cId="3354288650" sldId="257"/>
-            <ac:spMk id="159" creationId="{83C1074A-9320-88F1-B099-9E70DF61457A}"/>
-          </ac:spMkLst>
-        </pc:spChg>
         <pc:spChg chg="add mod">
-          <ac:chgData name="Mitchell Fowler" userId="0c3d3d0c9a062725" providerId="LiveId" clId="{50F2C5C9-6B18-44BE-87E6-70F8E9E3C765}" dt="2026-02-02T00:43:49.869" v="609" actId="1035"/>
+          <ac:chgData name="Mitchell Fowler" userId="0c3d3d0c9a062725" providerId="LiveId" clId="{50F2C5C9-6B18-44BE-87E6-70F8E9E3C765}" dt="2026-02-03T03:30:09.978" v="1425" actId="1076"/>
           <ac:spMkLst>
             <pc:docMk/>
             <pc:sldMk cId="3354288650" sldId="257"/>
@@ -436,166 +395,6 @@
             <ac:spMk id="162" creationId="{4F7B1280-D067-FFDA-EF18-6A1488BF9C54}"/>
           </ac:spMkLst>
         </pc:spChg>
-        <pc:spChg chg="mod">
-          <ac:chgData name="Mitchell Fowler" userId="0c3d3d0c9a062725" providerId="LiveId" clId="{50F2C5C9-6B18-44BE-87E6-70F8E9E3C765}" dt="2026-02-02T00:32:05.302" v="398"/>
-          <ac:spMkLst>
-            <pc:docMk/>
-            <pc:sldMk cId="3354288650" sldId="257"/>
-            <ac:spMk id="166" creationId="{C11ADB87-399F-08DD-C547-B39FF5CA9E46}"/>
-          </ac:spMkLst>
-        </pc:spChg>
-        <pc:spChg chg="mod">
-          <ac:chgData name="Mitchell Fowler" userId="0c3d3d0c9a062725" providerId="LiveId" clId="{50F2C5C9-6B18-44BE-87E6-70F8E9E3C765}" dt="2026-02-02T00:32:05.302" v="398"/>
-          <ac:spMkLst>
-            <pc:docMk/>
-            <pc:sldMk cId="3354288650" sldId="257"/>
-            <ac:spMk id="167" creationId="{5DA8580D-8B5B-D649-AC40-8DF455D931F6}"/>
-          </ac:spMkLst>
-        </pc:spChg>
-        <pc:spChg chg="add mod">
-          <ac:chgData name="Mitchell Fowler" userId="0c3d3d0c9a062725" providerId="LiveId" clId="{50F2C5C9-6B18-44BE-87E6-70F8E9E3C765}" dt="2026-02-02T00:32:05.302" v="398"/>
-          <ac:spMkLst>
-            <pc:docMk/>
-            <pc:sldMk cId="3354288650" sldId="257"/>
-            <ac:spMk id="168" creationId="{E55E081C-1E0D-B19A-C11E-1226A0F9F03B}"/>
-          </ac:spMkLst>
-        </pc:spChg>
-        <pc:spChg chg="add mod">
-          <ac:chgData name="Mitchell Fowler" userId="0c3d3d0c9a062725" providerId="LiveId" clId="{50F2C5C9-6B18-44BE-87E6-70F8E9E3C765}" dt="2026-02-02T00:32:05.302" v="398"/>
-          <ac:spMkLst>
-            <pc:docMk/>
-            <pc:sldMk cId="3354288650" sldId="257"/>
-            <ac:spMk id="169" creationId="{A2D310FE-9591-3A60-014A-B3A51B4E3DE3}"/>
-          </ac:spMkLst>
-        </pc:spChg>
-        <pc:spChg chg="add mod">
-          <ac:chgData name="Mitchell Fowler" userId="0c3d3d0c9a062725" providerId="LiveId" clId="{50F2C5C9-6B18-44BE-87E6-70F8E9E3C765}" dt="2026-02-02T00:32:05.302" v="398"/>
-          <ac:spMkLst>
-            <pc:docMk/>
-            <pc:sldMk cId="3354288650" sldId="257"/>
-            <ac:spMk id="170" creationId="{F9AC88E8-5107-9E41-E1D3-154BCEA2DCEF}"/>
-          </ac:spMkLst>
-        </pc:spChg>
-        <pc:spChg chg="mod">
-          <ac:chgData name="Mitchell Fowler" userId="0c3d3d0c9a062725" providerId="LiveId" clId="{50F2C5C9-6B18-44BE-87E6-70F8E9E3C765}" dt="2026-02-02T00:32:05.302" v="398"/>
-          <ac:spMkLst>
-            <pc:docMk/>
-            <pc:sldMk cId="3354288650" sldId="257"/>
-            <ac:spMk id="175" creationId="{4F81440B-D20A-CFF8-F924-B80C4743D0B9}"/>
-          </ac:spMkLst>
-        </pc:spChg>
-        <pc:spChg chg="add mod">
-          <ac:chgData name="Mitchell Fowler" userId="0c3d3d0c9a062725" providerId="LiveId" clId="{50F2C5C9-6B18-44BE-87E6-70F8E9E3C765}" dt="2026-02-02T00:32:05.302" v="398"/>
-          <ac:spMkLst>
-            <pc:docMk/>
-            <pc:sldMk cId="3354288650" sldId="257"/>
-            <ac:spMk id="178" creationId="{1C7B5473-1737-B91E-0F8C-BAE253DD5ACF}"/>
-          </ac:spMkLst>
-        </pc:spChg>
-        <pc:spChg chg="add mod">
-          <ac:chgData name="Mitchell Fowler" userId="0c3d3d0c9a062725" providerId="LiveId" clId="{50F2C5C9-6B18-44BE-87E6-70F8E9E3C765}" dt="2026-02-02T00:32:05.302" v="398"/>
-          <ac:spMkLst>
-            <pc:docMk/>
-            <pc:sldMk cId="3354288650" sldId="257"/>
-            <ac:spMk id="181" creationId="{189E6947-BFF4-16F1-CBFD-4C392DE6E23C}"/>
-          </ac:spMkLst>
-        </pc:spChg>
-        <pc:spChg chg="add mod">
-          <ac:chgData name="Mitchell Fowler" userId="0c3d3d0c9a062725" providerId="LiveId" clId="{50F2C5C9-6B18-44BE-87E6-70F8E9E3C765}" dt="2026-02-02T00:32:05.302" v="398"/>
-          <ac:spMkLst>
-            <pc:docMk/>
-            <pc:sldMk cId="3354288650" sldId="257"/>
-            <ac:spMk id="183" creationId="{323A9213-21A4-4416-B5CE-79BD6AF0433E}"/>
-          </ac:spMkLst>
-        </pc:spChg>
-        <pc:spChg chg="add mod">
-          <ac:chgData name="Mitchell Fowler" userId="0c3d3d0c9a062725" providerId="LiveId" clId="{50F2C5C9-6B18-44BE-87E6-70F8E9E3C765}" dt="2026-02-02T00:32:05.302" v="398"/>
-          <ac:spMkLst>
-            <pc:docMk/>
-            <pc:sldMk cId="3354288650" sldId="257"/>
-            <ac:spMk id="184" creationId="{2D0B3D78-ED3C-E378-69BA-02C633E1D081}"/>
-          </ac:spMkLst>
-        </pc:spChg>
-        <pc:spChg chg="mod">
-          <ac:chgData name="Mitchell Fowler" userId="0c3d3d0c9a062725" providerId="LiveId" clId="{50F2C5C9-6B18-44BE-87E6-70F8E9E3C765}" dt="2026-02-02T00:34:28.311" v="413" actId="208"/>
-          <ac:spMkLst>
-            <pc:docMk/>
-            <pc:sldMk cId="3354288650" sldId="257"/>
-            <ac:spMk id="187" creationId="{E2B892E8-19EF-E302-CBEB-1F2E62074B13}"/>
-          </ac:spMkLst>
-        </pc:spChg>
-        <pc:spChg chg="mod">
-          <ac:chgData name="Mitchell Fowler" userId="0c3d3d0c9a062725" providerId="LiveId" clId="{50F2C5C9-6B18-44BE-87E6-70F8E9E3C765}" dt="2026-02-02T00:34:28.311" v="413" actId="208"/>
-          <ac:spMkLst>
-            <pc:docMk/>
-            <pc:sldMk cId="3354288650" sldId="257"/>
-            <ac:spMk id="188" creationId="{ADA905EA-8D57-E330-F32A-DB0EAA02AAF9}"/>
-          </ac:spMkLst>
-        </pc:spChg>
-        <pc:spChg chg="mod">
-          <ac:chgData name="Mitchell Fowler" userId="0c3d3d0c9a062725" providerId="LiveId" clId="{50F2C5C9-6B18-44BE-87E6-70F8E9E3C765}" dt="2026-02-02T00:34:28.311" v="413" actId="208"/>
-          <ac:spMkLst>
-            <pc:docMk/>
-            <pc:sldMk cId="3354288650" sldId="257"/>
-            <ac:spMk id="189" creationId="{4AF33CE0-C234-754C-4CD8-47C003A84696}"/>
-          </ac:spMkLst>
-        </pc:spChg>
-        <pc:spChg chg="mod">
-          <ac:chgData name="Mitchell Fowler" userId="0c3d3d0c9a062725" providerId="LiveId" clId="{50F2C5C9-6B18-44BE-87E6-70F8E9E3C765}" dt="2026-02-02T00:34:28.311" v="413" actId="208"/>
-          <ac:spMkLst>
-            <pc:docMk/>
-            <pc:sldMk cId="3354288650" sldId="257"/>
-            <ac:spMk id="191" creationId="{49D7DE23-B945-B90F-9571-C4F77FCD81BD}"/>
-          </ac:spMkLst>
-        </pc:spChg>
-        <pc:spChg chg="del mod">
-          <ac:chgData name="Mitchell Fowler" userId="0c3d3d0c9a062725" providerId="LiveId" clId="{50F2C5C9-6B18-44BE-87E6-70F8E9E3C765}" dt="2026-02-02T00:34:48.698" v="414" actId="478"/>
-          <ac:spMkLst>
-            <pc:docMk/>
-            <pc:sldMk cId="3354288650" sldId="257"/>
-            <ac:spMk id="192" creationId="{087B5A98-70A7-E576-25F6-F4BE162764E4}"/>
-          </ac:spMkLst>
-        </pc:spChg>
-        <pc:spChg chg="mod">
-          <ac:chgData name="Mitchell Fowler" userId="0c3d3d0c9a062725" providerId="LiveId" clId="{50F2C5C9-6B18-44BE-87E6-70F8E9E3C765}" dt="2026-02-02T00:39:47.340" v="479" actId="208"/>
-          <ac:spMkLst>
-            <pc:docMk/>
-            <pc:sldMk cId="3354288650" sldId="257"/>
-            <ac:spMk id="195" creationId="{E1D283E5-B450-4F38-1FA5-36AC746B29A9}"/>
-          </ac:spMkLst>
-        </pc:spChg>
-        <pc:spChg chg="mod">
-          <ac:chgData name="Mitchell Fowler" userId="0c3d3d0c9a062725" providerId="LiveId" clId="{50F2C5C9-6B18-44BE-87E6-70F8E9E3C765}" dt="2026-02-02T00:39:47.340" v="479" actId="208"/>
-          <ac:spMkLst>
-            <pc:docMk/>
-            <pc:sldMk cId="3354288650" sldId="257"/>
-            <ac:spMk id="196" creationId="{A704CC02-12AF-9672-97A0-B2FED6287D41}"/>
-          </ac:spMkLst>
-        </pc:spChg>
-        <pc:spChg chg="mod">
-          <ac:chgData name="Mitchell Fowler" userId="0c3d3d0c9a062725" providerId="LiveId" clId="{50F2C5C9-6B18-44BE-87E6-70F8E9E3C765}" dt="2026-02-02T00:39:47.340" v="479" actId="208"/>
-          <ac:spMkLst>
-            <pc:docMk/>
-            <pc:sldMk cId="3354288650" sldId="257"/>
-            <ac:spMk id="197" creationId="{738A5FAA-735C-47D6-6F92-A244B7C3746D}"/>
-          </ac:spMkLst>
-        </pc:spChg>
-        <pc:spChg chg="del mod topLvl">
-          <ac:chgData name="Mitchell Fowler" userId="0c3d3d0c9a062725" providerId="LiveId" clId="{50F2C5C9-6B18-44BE-87E6-70F8E9E3C765}" dt="2026-02-02T00:40:43.726" v="481" actId="478"/>
-          <ac:spMkLst>
-            <pc:docMk/>
-            <pc:sldMk cId="3354288650" sldId="257"/>
-            <ac:spMk id="199" creationId="{230484CD-053F-F200-B0B1-015D5C309897}"/>
-          </ac:spMkLst>
-        </pc:spChg>
-        <pc:spChg chg="del mod topLvl">
-          <ac:chgData name="Mitchell Fowler" userId="0c3d3d0c9a062725" providerId="LiveId" clId="{50F2C5C9-6B18-44BE-87E6-70F8E9E3C765}" dt="2026-02-02T00:36:38.801" v="456" actId="478"/>
-          <ac:spMkLst>
-            <pc:docMk/>
-            <pc:sldMk cId="3354288650" sldId="257"/>
-            <ac:spMk id="200" creationId="{15B299C1-BB2A-4B5A-A3DC-9FCDFDA91E1A}"/>
-          </ac:spMkLst>
-        </pc:spChg>
         <pc:grpChg chg="mod">
           <ac:chgData name="Mitchell Fowler" userId="0c3d3d0c9a062725" providerId="LiveId" clId="{50F2C5C9-6B18-44BE-87E6-70F8E9E3C765}" dt="2026-02-02T00:03:44.090" v="286" actId="1076"/>
           <ac:grpSpMkLst>
@@ -644,54 +443,14 @@
             <ac:grpSpMk id="152" creationId="{F42A8957-C718-B497-EB7D-078195F8F6A1}"/>
           </ac:grpSpMkLst>
         </pc:grpChg>
-        <pc:grpChg chg="add mod ord">
-          <ac:chgData name="Mitchell Fowler" userId="0c3d3d0c9a062725" providerId="LiveId" clId="{50F2C5C9-6B18-44BE-87E6-70F8E9E3C765}" dt="2026-02-02T00:34:03.318" v="412" actId="207"/>
-          <ac:grpSpMkLst>
+        <pc:cxnChg chg="add mod">
+          <ac:chgData name="Mitchell Fowler" userId="0c3d3d0c9a062725" providerId="LiveId" clId="{50F2C5C9-6B18-44BE-87E6-70F8E9E3C765}" dt="2026-02-03T03:30:16.159" v="1427" actId="1076"/>
+          <ac:cxnSpMkLst>
             <pc:docMk/>
             <pc:sldMk cId="3354288650" sldId="257"/>
-            <ac:grpSpMk id="186" creationId="{C345B606-54F4-10A8-99F9-F388CDE130D0}"/>
-          </ac:grpSpMkLst>
-        </pc:grpChg>
-        <pc:grpChg chg="add del mod ord">
-          <ac:chgData name="Mitchell Fowler" userId="0c3d3d0c9a062725" providerId="LiveId" clId="{50F2C5C9-6B18-44BE-87E6-70F8E9E3C765}" dt="2026-02-02T00:34:48.698" v="414" actId="478"/>
-          <ac:grpSpMkLst>
-            <pc:docMk/>
-            <pc:sldMk cId="3354288650" sldId="257"/>
-            <ac:grpSpMk id="190" creationId="{6018A963-E41D-FAA3-9BF3-7385DEC1E181}"/>
-          </ac:grpSpMkLst>
-        </pc:grpChg>
-        <pc:grpChg chg="add del mod">
-          <ac:chgData name="Mitchell Fowler" userId="0c3d3d0c9a062725" providerId="LiveId" clId="{50F2C5C9-6B18-44BE-87E6-70F8E9E3C765}" dt="2026-02-02T00:40:49.482" v="483" actId="478"/>
-          <ac:grpSpMkLst>
-            <pc:docMk/>
-            <pc:sldMk cId="3354288650" sldId="257"/>
-            <ac:grpSpMk id="193" creationId="{5F5A8CCF-EF24-55AA-B399-48AF367F2CF6}"/>
-          </ac:grpSpMkLst>
-        </pc:grpChg>
-        <pc:grpChg chg="add del mod topLvl">
-          <ac:chgData name="Mitchell Fowler" userId="0c3d3d0c9a062725" providerId="LiveId" clId="{50F2C5C9-6B18-44BE-87E6-70F8E9E3C765}" dt="2026-02-02T00:40:47.933" v="482" actId="478"/>
-          <ac:grpSpMkLst>
-            <pc:docMk/>
-            <pc:sldMk cId="3354288650" sldId="257"/>
-            <ac:grpSpMk id="194" creationId="{DE441646-8B08-DC46-CFD7-AF468F4A210F}"/>
-          </ac:grpSpMkLst>
-        </pc:grpChg>
-        <pc:grpChg chg="add del mod">
-          <ac:chgData name="Mitchell Fowler" userId="0c3d3d0c9a062725" providerId="LiveId" clId="{50F2C5C9-6B18-44BE-87E6-70F8E9E3C765}" dt="2026-02-02T00:36:38.801" v="456" actId="478"/>
-          <ac:grpSpMkLst>
-            <pc:docMk/>
-            <pc:sldMk cId="3354288650" sldId="257"/>
-            <ac:grpSpMk id="198" creationId="{651F6CCE-5607-5FE3-D0DE-1E5ACA75E7B0}"/>
-          </ac:grpSpMkLst>
-        </pc:grpChg>
-        <pc:grpChg chg="add del mod ord">
-          <ac:chgData name="Mitchell Fowler" userId="0c3d3d0c9a062725" providerId="LiveId" clId="{50F2C5C9-6B18-44BE-87E6-70F8E9E3C765}" dt="2026-02-02T00:40:43.726" v="481" actId="478"/>
-          <ac:grpSpMkLst>
-            <pc:docMk/>
-            <pc:sldMk cId="3354288650" sldId="257"/>
-            <ac:grpSpMk id="201" creationId="{F4DC2DD3-113A-3477-D9C1-B5FE9B6FE988}"/>
-          </ac:grpSpMkLst>
-        </pc:grpChg>
+            <ac:cxnSpMk id="4" creationId="{9117B5D8-4520-F50D-1B24-8F09E5C3CFBC}"/>
+          </ac:cxnSpMkLst>
+        </pc:cxnChg>
         <pc:cxnChg chg="mod">
           <ac:chgData name="Mitchell Fowler" userId="0c3d3d0c9a062725" providerId="LiveId" clId="{50F2C5C9-6B18-44BE-87E6-70F8E9E3C765}" dt="2026-02-02T00:03:44.090" v="286" actId="1076"/>
           <ac:cxnSpMkLst>
@@ -724,30 +483,6 @@
             <ac:cxnSpMk id="100" creationId="{0CFC1D66-C387-2D4B-BA29-8363263B5BBA}"/>
           </ac:cxnSpMkLst>
         </pc:cxnChg>
-        <pc:cxnChg chg="del mod">
-          <ac:chgData name="Mitchell Fowler" userId="0c3d3d0c9a062725" providerId="LiveId" clId="{50F2C5C9-6B18-44BE-87E6-70F8E9E3C765}" dt="2026-02-01T23:59:34.888" v="196" actId="478"/>
-          <ac:cxnSpMkLst>
-            <pc:docMk/>
-            <pc:sldMk cId="3354288650" sldId="257"/>
-            <ac:cxnSpMk id="101" creationId="{705AEA7B-DF0F-39AB-B925-0F110CEAD40C}"/>
-          </ac:cxnSpMkLst>
-        </pc:cxnChg>
-        <pc:cxnChg chg="add mod">
-          <ac:chgData name="Mitchell Fowler" userId="0c3d3d0c9a062725" providerId="LiveId" clId="{50F2C5C9-6B18-44BE-87E6-70F8E9E3C765}" dt="2026-02-01T22:43:58.532" v="3"/>
-          <ac:cxnSpMkLst>
-            <pc:docMk/>
-            <pc:sldMk cId="3354288650" sldId="257"/>
-            <ac:cxnSpMk id="102" creationId="{57229B1C-B220-39CC-9069-CF4C695344BC}"/>
-          </ac:cxnSpMkLst>
-        </pc:cxnChg>
-        <pc:cxnChg chg="add del mod">
-          <ac:chgData name="Mitchell Fowler" userId="0c3d3d0c9a062725" providerId="LiveId" clId="{50F2C5C9-6B18-44BE-87E6-70F8E9E3C765}" dt="2026-02-01T23:58:03.106" v="176" actId="478"/>
-          <ac:cxnSpMkLst>
-            <pc:docMk/>
-            <pc:sldMk cId="3354288650" sldId="257"/>
-            <ac:cxnSpMk id="109" creationId="{46657521-7FA2-3BD2-4643-802B9CD1C295}"/>
-          </ac:cxnSpMkLst>
-        </pc:cxnChg>
         <pc:cxnChg chg="mod">
           <ac:chgData name="Mitchell Fowler" userId="0c3d3d0c9a062725" providerId="LiveId" clId="{50F2C5C9-6B18-44BE-87E6-70F8E9E3C765}" dt="2026-02-02T00:30:58.222" v="395" actId="1038"/>
           <ac:cxnSpMkLst>
@@ -764,36 +499,12 @@
             <ac:cxnSpMk id="131" creationId="{06FF7E09-A6C3-08DD-2D5A-32ACF8003695}"/>
           </ac:cxnSpMkLst>
         </pc:cxnChg>
-        <pc:cxnChg chg="del">
-          <ac:chgData name="Mitchell Fowler" userId="0c3d3d0c9a062725" providerId="LiveId" clId="{50F2C5C9-6B18-44BE-87E6-70F8E9E3C765}" dt="2026-02-02T00:45:34.116" v="620" actId="478"/>
-          <ac:cxnSpMkLst>
-            <pc:docMk/>
-            <pc:sldMk cId="3354288650" sldId="257"/>
-            <ac:cxnSpMk id="133" creationId="{D6969AFD-35C8-24F6-7328-839710E06B82}"/>
-          </ac:cxnSpMkLst>
-        </pc:cxnChg>
-        <pc:cxnChg chg="del">
-          <ac:chgData name="Mitchell Fowler" userId="0c3d3d0c9a062725" providerId="LiveId" clId="{50F2C5C9-6B18-44BE-87E6-70F8E9E3C765}" dt="2026-02-02T00:45:34.116" v="620" actId="478"/>
-          <ac:cxnSpMkLst>
-            <pc:docMk/>
-            <pc:sldMk cId="3354288650" sldId="257"/>
-            <ac:cxnSpMk id="134" creationId="{221E4A2B-77C6-CC5D-033D-8F28E9146A5B}"/>
-          </ac:cxnSpMkLst>
-        </pc:cxnChg>
         <pc:cxnChg chg="mod">
           <ac:chgData name="Mitchell Fowler" userId="0c3d3d0c9a062725" providerId="LiveId" clId="{50F2C5C9-6B18-44BE-87E6-70F8E9E3C765}" dt="2026-02-02T00:08:51.171" v="376" actId="1076"/>
           <ac:cxnSpMkLst>
             <pc:docMk/>
             <pc:sldMk cId="3354288650" sldId="257"/>
             <ac:cxnSpMk id="136" creationId="{D2937DE7-3798-CCE9-5C05-1961287C0EE9}"/>
-          </ac:cxnSpMkLst>
-        </pc:cxnChg>
-        <pc:cxnChg chg="add del mod">
-          <ac:chgData name="Mitchell Fowler" userId="0c3d3d0c9a062725" providerId="LiveId" clId="{50F2C5C9-6B18-44BE-87E6-70F8E9E3C765}" dt="2026-02-02T00:29:13.098" v="388" actId="478"/>
-          <ac:cxnSpMkLst>
-            <pc:docMk/>
-            <pc:sldMk cId="3354288650" sldId="257"/>
-            <ac:cxnSpMk id="140" creationId="{14605613-CDBC-6277-2248-500D953A906F}"/>
           </ac:cxnSpMkLst>
         </pc:cxnChg>
         <pc:cxnChg chg="add mod">
@@ -821,22 +532,6 @@
           </ac:cxnSpMkLst>
         </pc:cxnChg>
         <pc:cxnChg chg="add del">
-          <ac:chgData name="Mitchell Fowler" userId="0c3d3d0c9a062725" providerId="LiveId" clId="{50F2C5C9-6B18-44BE-87E6-70F8E9E3C765}" dt="2026-02-02T00:45:46.887" v="623" actId="478"/>
-          <ac:cxnSpMkLst>
-            <pc:docMk/>
-            <pc:sldMk cId="3354288650" sldId="257"/>
-            <ac:cxnSpMk id="157" creationId="{CEF79E2F-4C56-7311-1569-7859E90B0BBC}"/>
-          </ac:cxnSpMkLst>
-        </pc:cxnChg>
-        <pc:cxnChg chg="del">
-          <ac:chgData name="Mitchell Fowler" userId="0c3d3d0c9a062725" providerId="LiveId" clId="{50F2C5C9-6B18-44BE-87E6-70F8E9E3C765}" dt="2026-02-02T00:45:46.887" v="623" actId="478"/>
-          <ac:cxnSpMkLst>
-            <pc:docMk/>
-            <pc:sldMk cId="3354288650" sldId="257"/>
-            <ac:cxnSpMk id="158" creationId="{B5464B6C-CD64-434E-6A08-9FC396039A5A}"/>
-          </ac:cxnSpMkLst>
-        </pc:cxnChg>
-        <pc:cxnChg chg="add del">
           <ac:chgData name="Mitchell Fowler" userId="0c3d3d0c9a062725" providerId="LiveId" clId="{50F2C5C9-6B18-44BE-87E6-70F8E9E3C765}" dt="2026-02-02T00:45:43.146" v="622" actId="478"/>
           <ac:cxnSpMkLst>
             <pc:docMk/>
@@ -845,7 +540,7 @@
           </ac:cxnSpMkLst>
         </pc:cxnChg>
         <pc:cxnChg chg="mod">
-          <ac:chgData name="Mitchell Fowler" userId="0c3d3d0c9a062725" providerId="LiveId" clId="{50F2C5C9-6B18-44BE-87E6-70F8E9E3C765}" dt="2026-02-02T00:41:32.868" v="564" actId="1035"/>
+          <ac:chgData name="Mitchell Fowler" userId="0c3d3d0c9a062725" providerId="LiveId" clId="{50F2C5C9-6B18-44BE-87E6-70F8E9E3C765}" dt="2026-02-03T03:30:12.071" v="1426" actId="1076"/>
           <ac:cxnSpMkLst>
             <pc:docMk/>
             <pc:sldMk cId="3354288650" sldId="257"/>
@@ -854,7 +549,7 @@
         </pc:cxnChg>
       </pc:sldChg>
       <pc:sldChg chg="addSp delSp modSp new mod ord">
-        <pc:chgData name="Mitchell Fowler" userId="0c3d3d0c9a062725" providerId="LiveId" clId="{50F2C5C9-6B18-44BE-87E6-70F8E9E3C765}" dt="2026-02-02T04:36:17.987" v="653" actId="1036"/>
+        <pc:chgData name="Mitchell Fowler" userId="0c3d3d0c9a062725" providerId="LiveId" clId="{50F2C5C9-6B18-44BE-87E6-70F8E9E3C765}" dt="2026-02-03T02:56:00.713" v="1170" actId="167"/>
         <pc:sldMkLst>
           <pc:docMk/>
           <pc:sldMk cId="3921588841" sldId="258"/>
@@ -891,84 +586,20 @@
             <ac:spMk id="7" creationId="{9425E253-4BC7-C8D0-237C-66FA753F67E0}"/>
           </ac:spMkLst>
         </pc:spChg>
+        <pc:spChg chg="add mod ord">
+          <ac:chgData name="Mitchell Fowler" userId="0c3d3d0c9a062725" providerId="LiveId" clId="{50F2C5C9-6B18-44BE-87E6-70F8E9E3C765}" dt="2026-02-03T02:56:00.713" v="1170" actId="167"/>
+          <ac:spMkLst>
+            <pc:docMk/>
+            <pc:sldMk cId="3921588841" sldId="258"/>
+            <ac:spMk id="10" creationId="{F8148525-7217-4DC9-7EBB-07D5EB149B48}"/>
+          </ac:spMkLst>
+        </pc:spChg>
         <pc:spChg chg="add mod">
           <ac:chgData name="Mitchell Fowler" userId="0c3d3d0c9a062725" providerId="LiveId" clId="{50F2C5C9-6B18-44BE-87E6-70F8E9E3C765}" dt="2026-02-01T23:57:02.669" v="173"/>
           <ac:spMkLst>
             <pc:docMk/>
             <pc:sldMk cId="3921588841" sldId="258"/>
             <ac:spMk id="12" creationId="{AF04438F-3EC9-6A08-CD12-2397D16CCC30}"/>
-          </ac:spMkLst>
-        </pc:spChg>
-        <pc:spChg chg="del">
-          <ac:chgData name="Mitchell Fowler" userId="0c3d3d0c9a062725" providerId="LiveId" clId="{50F2C5C9-6B18-44BE-87E6-70F8E9E3C765}" dt="2026-02-02T04:34:31.520" v="632" actId="478"/>
-          <ac:spMkLst>
-            <pc:docMk/>
-            <pc:sldMk cId="3921588841" sldId="258"/>
-            <ac:spMk id="13" creationId="{19160EB0-F7AA-925E-17F6-09BB9EC88107}"/>
-          </ac:spMkLst>
-        </pc:spChg>
-        <pc:spChg chg="add del mod">
-          <ac:chgData name="Mitchell Fowler" userId="0c3d3d0c9a062725" providerId="LiveId" clId="{50F2C5C9-6B18-44BE-87E6-70F8E9E3C765}" dt="2026-02-02T04:34:28.986" v="631" actId="478"/>
-          <ac:spMkLst>
-            <pc:docMk/>
-            <pc:sldMk cId="3921588841" sldId="258"/>
-            <ac:spMk id="14" creationId="{296AD70C-24B8-B675-27EF-BF8035912408}"/>
-          </ac:spMkLst>
-        </pc:spChg>
-        <pc:spChg chg="add del mod">
-          <ac:chgData name="Mitchell Fowler" userId="0c3d3d0c9a062725" providerId="LiveId" clId="{50F2C5C9-6B18-44BE-87E6-70F8E9E3C765}" dt="2026-02-02T04:34:25.389" v="630" actId="478"/>
-          <ac:spMkLst>
-            <pc:docMk/>
-            <pc:sldMk cId="3921588841" sldId="258"/>
-            <ac:spMk id="15" creationId="{96FBBCF7-E117-1421-5174-CB23E8552201}"/>
-          </ac:spMkLst>
-        </pc:spChg>
-        <pc:spChg chg="add del mod">
-          <ac:chgData name="Mitchell Fowler" userId="0c3d3d0c9a062725" providerId="LiveId" clId="{50F2C5C9-6B18-44BE-87E6-70F8E9E3C765}" dt="2026-02-02T04:34:25.389" v="630" actId="478"/>
-          <ac:spMkLst>
-            <pc:docMk/>
-            <pc:sldMk cId="3921588841" sldId="258"/>
-            <ac:spMk id="16" creationId="{0F71E87D-4CFE-F57C-E997-50DC7368FED4}"/>
-          </ac:spMkLst>
-        </pc:spChg>
-        <pc:spChg chg="del">
-          <ac:chgData name="Mitchell Fowler" userId="0c3d3d0c9a062725" providerId="LiveId" clId="{50F2C5C9-6B18-44BE-87E6-70F8E9E3C765}" dt="2026-02-02T04:34:25.389" v="630" actId="478"/>
-          <ac:spMkLst>
-            <pc:docMk/>
-            <pc:sldMk cId="3921588841" sldId="258"/>
-            <ac:spMk id="17" creationId="{E350D7C6-1B33-1C53-59DD-52D6CB6B1D06}"/>
-          </ac:spMkLst>
-        </pc:spChg>
-        <pc:spChg chg="del">
-          <ac:chgData name="Mitchell Fowler" userId="0c3d3d0c9a062725" providerId="LiveId" clId="{50F2C5C9-6B18-44BE-87E6-70F8E9E3C765}" dt="2026-02-02T04:34:25.389" v="630" actId="478"/>
-          <ac:spMkLst>
-            <pc:docMk/>
-            <pc:sldMk cId="3921588841" sldId="258"/>
-            <ac:spMk id="18" creationId="{76669847-3D06-D801-E077-5EE0F1A94B0A}"/>
-          </ac:spMkLst>
-        </pc:spChg>
-        <pc:spChg chg="del">
-          <ac:chgData name="Mitchell Fowler" userId="0c3d3d0c9a062725" providerId="LiveId" clId="{50F2C5C9-6B18-44BE-87E6-70F8E9E3C765}" dt="2026-02-02T00:04:32.820" v="291" actId="478"/>
-          <ac:spMkLst>
-            <pc:docMk/>
-            <pc:sldMk cId="3921588841" sldId="258"/>
-            <ac:spMk id="20" creationId="{0543614A-B930-31DD-FA69-7F7EFE3AAAEE}"/>
-          </ac:spMkLst>
-        </pc:spChg>
-        <pc:spChg chg="add del mod">
-          <ac:chgData name="Mitchell Fowler" userId="0c3d3d0c9a062725" providerId="LiveId" clId="{50F2C5C9-6B18-44BE-87E6-70F8E9E3C765}" dt="2026-02-02T00:04:32.820" v="291" actId="478"/>
-          <ac:spMkLst>
-            <pc:docMk/>
-            <pc:sldMk cId="3921588841" sldId="258"/>
-            <ac:spMk id="23" creationId="{EA7BC9D7-02CD-25E8-9BFE-A93C953F4E62}"/>
-          </ac:spMkLst>
-        </pc:spChg>
-        <pc:spChg chg="add del mod">
-          <ac:chgData name="Mitchell Fowler" userId="0c3d3d0c9a062725" providerId="LiveId" clId="{50F2C5C9-6B18-44BE-87E6-70F8E9E3C765}" dt="2026-02-02T04:34:19.644" v="629" actId="478"/>
-          <ac:spMkLst>
-            <pc:docMk/>
-            <pc:sldMk cId="3921588841" sldId="258"/>
-            <ac:spMk id="26" creationId="{944D91A0-5281-9C1F-920B-BF6503E15201}"/>
           </ac:spMkLst>
         </pc:spChg>
         <pc:spChg chg="add mod">
@@ -995,62 +626,6 @@
             <ac:spMk id="33" creationId="{AA2BF540-B7F3-5F26-53B9-EC53F309A7E4}"/>
           </ac:spMkLst>
         </pc:spChg>
-        <pc:cxnChg chg="del">
-          <ac:chgData name="Mitchell Fowler" userId="0c3d3d0c9a062725" providerId="LiveId" clId="{50F2C5C9-6B18-44BE-87E6-70F8E9E3C765}" dt="2026-02-02T04:34:25.389" v="630" actId="478"/>
-          <ac:cxnSpMkLst>
-            <pc:docMk/>
-            <pc:sldMk cId="3921588841" sldId="258"/>
-            <ac:cxnSpMk id="10" creationId="{DB7901F7-C716-8329-771D-9349AE9AF2C9}"/>
-          </ac:cxnSpMkLst>
-        </pc:cxnChg>
-        <pc:cxnChg chg="del">
-          <ac:chgData name="Mitchell Fowler" userId="0c3d3d0c9a062725" providerId="LiveId" clId="{50F2C5C9-6B18-44BE-87E6-70F8E9E3C765}" dt="2026-02-02T00:04:32.820" v="291" actId="478"/>
-          <ac:cxnSpMkLst>
-            <pc:docMk/>
-            <pc:sldMk cId="3921588841" sldId="258"/>
-            <ac:cxnSpMk id="19" creationId="{1F46567B-D259-BDC3-376D-C299592CF1BA}"/>
-          </ac:cxnSpMkLst>
-        </pc:cxnChg>
-        <pc:cxnChg chg="del">
-          <ac:chgData name="Mitchell Fowler" userId="0c3d3d0c9a062725" providerId="LiveId" clId="{50F2C5C9-6B18-44BE-87E6-70F8E9E3C765}" dt="2026-02-02T00:04:32.820" v="291" actId="478"/>
-          <ac:cxnSpMkLst>
-            <pc:docMk/>
-            <pc:sldMk cId="3921588841" sldId="258"/>
-            <ac:cxnSpMk id="21" creationId="{FE32F659-0CCE-1D05-ECA3-8C53E2CDF7B1}"/>
-          </ac:cxnSpMkLst>
-        </pc:cxnChg>
-        <pc:cxnChg chg="del">
-          <ac:chgData name="Mitchell Fowler" userId="0c3d3d0c9a062725" providerId="LiveId" clId="{50F2C5C9-6B18-44BE-87E6-70F8E9E3C765}" dt="2026-02-02T00:04:32.820" v="291" actId="478"/>
-          <ac:cxnSpMkLst>
-            <pc:docMk/>
-            <pc:sldMk cId="3921588841" sldId="258"/>
-            <ac:cxnSpMk id="22" creationId="{8C87116B-6631-2F64-153D-81E6EB825B77}"/>
-          </ac:cxnSpMkLst>
-        </pc:cxnChg>
-        <pc:cxnChg chg="del">
-          <ac:chgData name="Mitchell Fowler" userId="0c3d3d0c9a062725" providerId="LiveId" clId="{50F2C5C9-6B18-44BE-87E6-70F8E9E3C765}" dt="2026-02-02T00:04:32.820" v="291" actId="478"/>
-          <ac:cxnSpMkLst>
-            <pc:docMk/>
-            <pc:sldMk cId="3921588841" sldId="258"/>
-            <ac:cxnSpMk id="24" creationId="{1CC493D5-8758-03EE-D8FF-9F89FB3BC439}"/>
-          </ac:cxnSpMkLst>
-        </pc:cxnChg>
-        <pc:cxnChg chg="del">
-          <ac:chgData name="Mitchell Fowler" userId="0c3d3d0c9a062725" providerId="LiveId" clId="{50F2C5C9-6B18-44BE-87E6-70F8E9E3C765}" dt="2026-02-02T00:04:32.820" v="291" actId="478"/>
-          <ac:cxnSpMkLst>
-            <pc:docMk/>
-            <pc:sldMk cId="3921588841" sldId="258"/>
-            <ac:cxnSpMk id="25" creationId="{6C2CDEC6-2426-07F1-2EF6-32254A15E4D3}"/>
-          </ac:cxnSpMkLst>
-        </pc:cxnChg>
-        <pc:cxnChg chg="del mod">
-          <ac:chgData name="Mitchell Fowler" userId="0c3d3d0c9a062725" providerId="LiveId" clId="{50F2C5C9-6B18-44BE-87E6-70F8E9E3C765}" dt="2026-02-02T04:34:19.644" v="629" actId="478"/>
-          <ac:cxnSpMkLst>
-            <pc:docMk/>
-            <pc:sldMk cId="3921588841" sldId="258"/>
-            <ac:cxnSpMk id="27" creationId="{B607DCDC-ABF4-EDD4-BE95-19235E54FE26}"/>
-          </ac:cxnSpMkLst>
-        </pc:cxnChg>
         <pc:cxnChg chg="add mod">
           <ac:chgData name="Mitchell Fowler" userId="0c3d3d0c9a062725" providerId="LiveId" clId="{50F2C5C9-6B18-44BE-87E6-70F8E9E3C765}" dt="2026-02-02T04:35:22.326" v="640" actId="1076"/>
           <ac:cxnSpMkLst>
@@ -1076,12 +651,1001 @@
           </ac:cxnSpMkLst>
         </pc:cxnChg>
       </pc:sldChg>
-      <pc:sldChg chg="add ord">
-        <pc:chgData name="Mitchell Fowler" userId="0c3d3d0c9a062725" providerId="LiveId" clId="{50F2C5C9-6B18-44BE-87E6-70F8E9E3C765}" dt="2026-02-02T04:34:47.336" v="636"/>
+      <pc:sldChg chg="addSp delSp modSp add mod ord">
+        <pc:chgData name="Mitchell Fowler" userId="0c3d3d0c9a062725" providerId="LiveId" clId="{50F2C5C9-6B18-44BE-87E6-70F8E9E3C765}" dt="2026-02-03T02:34:42.630" v="1022" actId="20577"/>
         <pc:sldMkLst>
           <pc:docMk/>
           <pc:sldMk cId="3676204393" sldId="259"/>
         </pc:sldMkLst>
+        <pc:spChg chg="mod">
+          <ac:chgData name="Mitchell Fowler" userId="0c3d3d0c9a062725" providerId="LiveId" clId="{50F2C5C9-6B18-44BE-87E6-70F8E9E3C765}" dt="2026-02-03T00:24:04.041" v="705" actId="1036"/>
+          <ac:spMkLst>
+            <pc:docMk/>
+            <pc:sldMk cId="3676204393" sldId="259"/>
+            <ac:spMk id="6" creationId="{D6C16FC0-045C-B4BC-9E29-2409F0C40FB9}"/>
+          </ac:spMkLst>
+        </pc:spChg>
+        <pc:spChg chg="mod">
+          <ac:chgData name="Mitchell Fowler" userId="0c3d3d0c9a062725" providerId="LiveId" clId="{50F2C5C9-6B18-44BE-87E6-70F8E9E3C765}" dt="2026-02-03T00:24:04.041" v="705" actId="1036"/>
+          <ac:spMkLst>
+            <pc:docMk/>
+            <pc:sldMk cId="3676204393" sldId="259"/>
+            <ac:spMk id="8" creationId="{7F756D32-2A90-344A-ACF7-D324050FEC3A}"/>
+          </ac:spMkLst>
+        </pc:spChg>
+        <pc:spChg chg="mod">
+          <ac:chgData name="Mitchell Fowler" userId="0c3d3d0c9a062725" providerId="LiveId" clId="{50F2C5C9-6B18-44BE-87E6-70F8E9E3C765}" dt="2026-02-03T00:24:04.041" v="705" actId="1036"/>
+          <ac:spMkLst>
+            <pc:docMk/>
+            <pc:sldMk cId="3676204393" sldId="259"/>
+            <ac:spMk id="12" creationId="{1936C175-5E3A-8210-0348-BF26F5D5FA76}"/>
+          </ac:spMkLst>
+        </pc:spChg>
+        <pc:spChg chg="mod">
+          <ac:chgData name="Mitchell Fowler" userId="0c3d3d0c9a062725" providerId="LiveId" clId="{50F2C5C9-6B18-44BE-87E6-70F8E9E3C765}" dt="2026-02-03T00:24:04.041" v="705" actId="1036"/>
+          <ac:spMkLst>
+            <pc:docMk/>
+            <pc:sldMk cId="3676204393" sldId="259"/>
+            <ac:spMk id="13" creationId="{FF029401-23E2-E5CC-4057-DA4D5C9F69E6}"/>
+          </ac:spMkLst>
+        </pc:spChg>
+        <pc:spChg chg="mod">
+          <ac:chgData name="Mitchell Fowler" userId="0c3d3d0c9a062725" providerId="LiveId" clId="{50F2C5C9-6B18-44BE-87E6-70F8E9E3C765}" dt="2026-02-03T00:24:04.041" v="705" actId="1036"/>
+          <ac:spMkLst>
+            <pc:docMk/>
+            <pc:sldMk cId="3676204393" sldId="259"/>
+            <ac:spMk id="14" creationId="{8F1D8D95-D100-D9AC-68FD-A58B0C19FCD7}"/>
+          </ac:spMkLst>
+        </pc:spChg>
+        <pc:spChg chg="mod">
+          <ac:chgData name="Mitchell Fowler" userId="0c3d3d0c9a062725" providerId="LiveId" clId="{50F2C5C9-6B18-44BE-87E6-70F8E9E3C765}" dt="2026-02-03T00:24:04.041" v="705" actId="1036"/>
+          <ac:spMkLst>
+            <pc:docMk/>
+            <pc:sldMk cId="3676204393" sldId="259"/>
+            <ac:spMk id="15" creationId="{17D6D320-ECDA-90D6-F392-69DFDE5DC540}"/>
+          </ac:spMkLst>
+        </pc:spChg>
+        <pc:spChg chg="mod">
+          <ac:chgData name="Mitchell Fowler" userId="0c3d3d0c9a062725" providerId="LiveId" clId="{50F2C5C9-6B18-44BE-87E6-70F8E9E3C765}" dt="2026-02-03T00:24:04.041" v="705" actId="1036"/>
+          <ac:spMkLst>
+            <pc:docMk/>
+            <pc:sldMk cId="3676204393" sldId="259"/>
+            <ac:spMk id="16" creationId="{E950DBA8-5E98-8711-5663-3EBCB21BDE61}"/>
+          </ac:spMkLst>
+        </pc:spChg>
+        <pc:spChg chg="mod">
+          <ac:chgData name="Mitchell Fowler" userId="0c3d3d0c9a062725" providerId="LiveId" clId="{50F2C5C9-6B18-44BE-87E6-70F8E9E3C765}" dt="2026-02-03T00:24:04.041" v="705" actId="1036"/>
+          <ac:spMkLst>
+            <pc:docMk/>
+            <pc:sldMk cId="3676204393" sldId="259"/>
+            <ac:spMk id="17" creationId="{C239B53B-2086-1B59-8241-828086348645}"/>
+          </ac:spMkLst>
+        </pc:spChg>
+        <pc:spChg chg="mod">
+          <ac:chgData name="Mitchell Fowler" userId="0c3d3d0c9a062725" providerId="LiveId" clId="{50F2C5C9-6B18-44BE-87E6-70F8E9E3C765}" dt="2026-02-03T00:24:04.041" v="705" actId="1036"/>
+          <ac:spMkLst>
+            <pc:docMk/>
+            <pc:sldMk cId="3676204393" sldId="259"/>
+            <ac:spMk id="18" creationId="{54F1CD06-BCD0-E976-4CA9-2D310AFC5353}"/>
+          </ac:spMkLst>
+        </pc:spChg>
+        <pc:spChg chg="add del mod ord">
+          <ac:chgData name="Mitchell Fowler" userId="0c3d3d0c9a062725" providerId="LiveId" clId="{50F2C5C9-6B18-44BE-87E6-70F8E9E3C765}" dt="2026-02-03T00:25:14.107" v="712" actId="478"/>
+          <ac:spMkLst>
+            <pc:docMk/>
+            <pc:sldMk cId="3676204393" sldId="259"/>
+            <ac:spMk id="19" creationId="{22C6FC47-5E52-439F-BFF8-1D563ED9495F}"/>
+          </ac:spMkLst>
+        </pc:spChg>
+        <pc:spChg chg="add mod ord">
+          <ac:chgData name="Mitchell Fowler" userId="0c3d3d0c9a062725" providerId="LiveId" clId="{50F2C5C9-6B18-44BE-87E6-70F8E9E3C765}" dt="2026-02-03T02:15:13.252" v="789" actId="167"/>
+          <ac:spMkLst>
+            <pc:docMk/>
+            <pc:sldMk cId="3676204393" sldId="259"/>
+            <ac:spMk id="20" creationId="{E8454695-CA97-3E3F-4F28-B10B7EA382E1}"/>
+          </ac:spMkLst>
+        </pc:spChg>
+        <pc:spChg chg="mod">
+          <ac:chgData name="Mitchell Fowler" userId="0c3d3d0c9a062725" providerId="LiveId" clId="{50F2C5C9-6B18-44BE-87E6-70F8E9E3C765}" dt="2026-02-03T02:34:42.630" v="1022" actId="20577"/>
+          <ac:spMkLst>
+            <pc:docMk/>
+            <pc:sldMk cId="3676204393" sldId="259"/>
+            <ac:spMk id="26" creationId="{39895CC0-C99F-9104-7B61-BBBBDD9C22BA}"/>
+          </ac:spMkLst>
+        </pc:spChg>
+      </pc:sldChg>
+      <pc:sldChg chg="addSp delSp modSp new mod">
+        <pc:chgData name="Mitchell Fowler" userId="0c3d3d0c9a062725" providerId="LiveId" clId="{50F2C5C9-6B18-44BE-87E6-70F8E9E3C765}" dt="2026-02-03T03:25:40.697" v="1420" actId="167"/>
+        <pc:sldMkLst>
+          <pc:docMk/>
+          <pc:sldMk cId="1043171857" sldId="260"/>
+        </pc:sldMkLst>
+        <pc:spChg chg="add del mod">
+          <ac:chgData name="Mitchell Fowler" userId="0c3d3d0c9a062725" providerId="LiveId" clId="{50F2C5C9-6B18-44BE-87E6-70F8E9E3C765}" dt="2026-02-03T02:13:03.852" v="776" actId="478"/>
+          <ac:spMkLst>
+            <pc:docMk/>
+            <pc:sldMk cId="1043171857" sldId="260"/>
+            <ac:spMk id="2" creationId="{4BE3B5FE-CBD1-6251-A77F-B7124A1DAF71}"/>
+          </ac:spMkLst>
+        </pc:spChg>
+        <pc:spChg chg="add mod">
+          <ac:chgData name="Mitchell Fowler" userId="0c3d3d0c9a062725" providerId="LiveId" clId="{50F2C5C9-6B18-44BE-87E6-70F8E9E3C765}" dt="2026-02-03T02:55:07.148" v="1165" actId="1037"/>
+          <ac:spMkLst>
+            <pc:docMk/>
+            <pc:sldMk cId="1043171857" sldId="260"/>
+            <ac:spMk id="6" creationId="{0586455A-748B-E304-0CF1-B5DD3FEC8642}"/>
+          </ac:spMkLst>
+        </pc:spChg>
+        <pc:spChg chg="add mod">
+          <ac:chgData name="Mitchell Fowler" userId="0c3d3d0c9a062725" providerId="LiveId" clId="{50F2C5C9-6B18-44BE-87E6-70F8E9E3C765}" dt="2026-02-03T02:38:08.680" v="1053" actId="1076"/>
+          <ac:spMkLst>
+            <pc:docMk/>
+            <pc:sldMk cId="1043171857" sldId="260"/>
+            <ac:spMk id="7" creationId="{D5B70EB8-23EE-69E7-093A-EC0261D2A974}"/>
+          </ac:spMkLst>
+        </pc:spChg>
+        <pc:spChg chg="add del mod">
+          <ac:chgData name="Mitchell Fowler" userId="0c3d3d0c9a062725" providerId="LiveId" clId="{50F2C5C9-6B18-44BE-87E6-70F8E9E3C765}" dt="2026-02-03T02:18:10.074" v="831"/>
+          <ac:spMkLst>
+            <pc:docMk/>
+            <pc:sldMk cId="1043171857" sldId="260"/>
+            <ac:spMk id="15" creationId="{42D9C1D4-719B-0BD3-E71F-6A3F9478A607}"/>
+          </ac:spMkLst>
+        </pc:spChg>
+        <pc:spChg chg="add mod">
+          <ac:chgData name="Mitchell Fowler" userId="0c3d3d0c9a062725" providerId="LiveId" clId="{50F2C5C9-6B18-44BE-87E6-70F8E9E3C765}" dt="2026-02-03T02:48:46.928" v="1103" actId="1037"/>
+          <ac:spMkLst>
+            <pc:docMk/>
+            <pc:sldMk cId="1043171857" sldId="260"/>
+            <ac:spMk id="16" creationId="{EE4FA7B9-C15F-DBD1-99BB-C8CAD17A9B2B}"/>
+          </ac:spMkLst>
+        </pc:spChg>
+        <pc:spChg chg="add mod">
+          <ac:chgData name="Mitchell Fowler" userId="0c3d3d0c9a062725" providerId="LiveId" clId="{50F2C5C9-6B18-44BE-87E6-70F8E9E3C765}" dt="2026-02-03T02:27:04.338" v="995" actId="1037"/>
+          <ac:spMkLst>
+            <pc:docMk/>
+            <pc:sldMk cId="1043171857" sldId="260"/>
+            <ac:spMk id="17" creationId="{62D933E0-8900-A7B5-4E96-63E291CB660E}"/>
+          </ac:spMkLst>
+        </pc:spChg>
+        <pc:spChg chg="add mod">
+          <ac:chgData name="Mitchell Fowler" userId="0c3d3d0c9a062725" providerId="LiveId" clId="{50F2C5C9-6B18-44BE-87E6-70F8E9E3C765}" dt="2026-02-03T02:27:04.338" v="995" actId="1037"/>
+          <ac:spMkLst>
+            <pc:docMk/>
+            <pc:sldMk cId="1043171857" sldId="260"/>
+            <ac:spMk id="18" creationId="{354EC255-6894-55FE-25BC-E35392F07DE3}"/>
+          </ac:spMkLst>
+        </pc:spChg>
+        <pc:spChg chg="add mod">
+          <ac:chgData name="Mitchell Fowler" userId="0c3d3d0c9a062725" providerId="LiveId" clId="{50F2C5C9-6B18-44BE-87E6-70F8E9E3C765}" dt="2026-02-03T02:48:46.928" v="1103" actId="1037"/>
+          <ac:spMkLst>
+            <pc:docMk/>
+            <pc:sldMk cId="1043171857" sldId="260"/>
+            <ac:spMk id="30" creationId="{84AF5152-B65B-E3C1-F22A-BE3472618D98}"/>
+          </ac:spMkLst>
+        </pc:spChg>
+        <pc:spChg chg="add mod">
+          <ac:chgData name="Mitchell Fowler" userId="0c3d3d0c9a062725" providerId="LiveId" clId="{50F2C5C9-6B18-44BE-87E6-70F8E9E3C765}" dt="2026-02-03T02:55:07.148" v="1165" actId="1037"/>
+          <ac:spMkLst>
+            <pc:docMk/>
+            <pc:sldMk cId="1043171857" sldId="260"/>
+            <ac:spMk id="31" creationId="{A6A5BA4E-C9A9-AD07-D312-29B3DACA89C4}"/>
+          </ac:spMkLst>
+        </pc:spChg>
+        <pc:spChg chg="add mod">
+          <ac:chgData name="Mitchell Fowler" userId="0c3d3d0c9a062725" providerId="LiveId" clId="{50F2C5C9-6B18-44BE-87E6-70F8E9E3C765}" dt="2026-02-03T02:27:04.338" v="995" actId="1037"/>
+          <ac:spMkLst>
+            <pc:docMk/>
+            <pc:sldMk cId="1043171857" sldId="260"/>
+            <ac:spMk id="32" creationId="{40799971-FEB3-23D0-AD34-3AA2686145E1}"/>
+          </ac:spMkLst>
+        </pc:spChg>
+        <pc:spChg chg="add mod">
+          <ac:chgData name="Mitchell Fowler" userId="0c3d3d0c9a062725" providerId="LiveId" clId="{50F2C5C9-6B18-44BE-87E6-70F8E9E3C765}" dt="2026-02-03T02:55:07.148" v="1165" actId="1037"/>
+          <ac:spMkLst>
+            <pc:docMk/>
+            <pc:sldMk cId="1043171857" sldId="260"/>
+            <ac:spMk id="33" creationId="{FFCCC8A8-FFC9-C721-BE8A-C968DE36C53A}"/>
+          </ac:spMkLst>
+        </pc:spChg>
+        <pc:spChg chg="add mod">
+          <ac:chgData name="Mitchell Fowler" userId="0c3d3d0c9a062725" providerId="LiveId" clId="{50F2C5C9-6B18-44BE-87E6-70F8E9E3C765}" dt="2026-02-03T02:55:07.148" v="1165" actId="1037"/>
+          <ac:spMkLst>
+            <pc:docMk/>
+            <pc:sldMk cId="1043171857" sldId="260"/>
+            <ac:spMk id="35" creationId="{A0F140A6-6F55-4962-F46A-97DE1F8495B7}"/>
+          </ac:spMkLst>
+        </pc:spChg>
+        <pc:spChg chg="add mod ord">
+          <ac:chgData name="Mitchell Fowler" userId="0c3d3d0c9a062725" providerId="LiveId" clId="{50F2C5C9-6B18-44BE-87E6-70F8E9E3C765}" dt="2026-02-03T03:24:51.276" v="1397" actId="207"/>
+          <ac:spMkLst>
+            <pc:docMk/>
+            <pc:sldMk cId="1043171857" sldId="260"/>
+            <ac:spMk id="37" creationId="{7504EF1D-11DF-CB37-042A-FE4820811F17}"/>
+          </ac:spMkLst>
+        </pc:spChg>
+        <pc:spChg chg="add mod">
+          <ac:chgData name="Mitchell Fowler" userId="0c3d3d0c9a062725" providerId="LiveId" clId="{50F2C5C9-6B18-44BE-87E6-70F8E9E3C765}" dt="2026-02-03T02:55:07.148" v="1165" actId="1037"/>
+          <ac:spMkLst>
+            <pc:docMk/>
+            <pc:sldMk cId="1043171857" sldId="260"/>
+            <ac:spMk id="38" creationId="{EE9A0B08-A8EF-C7DF-58EC-76DB0F664348}"/>
+          </ac:spMkLst>
+        </pc:spChg>
+        <pc:spChg chg="add mod">
+          <ac:chgData name="Mitchell Fowler" userId="0c3d3d0c9a062725" providerId="LiveId" clId="{50F2C5C9-6B18-44BE-87E6-70F8E9E3C765}" dt="2026-02-03T02:55:07.148" v="1165" actId="1037"/>
+          <ac:spMkLst>
+            <pc:docMk/>
+            <pc:sldMk cId="1043171857" sldId="260"/>
+            <ac:spMk id="39" creationId="{37830CBB-0F48-3842-163E-379E7AB78A42}"/>
+          </ac:spMkLst>
+        </pc:spChg>
+        <pc:spChg chg="add mod">
+          <ac:chgData name="Mitchell Fowler" userId="0c3d3d0c9a062725" providerId="LiveId" clId="{50F2C5C9-6B18-44BE-87E6-70F8E9E3C765}" dt="2026-02-03T02:55:07.148" v="1165" actId="1037"/>
+          <ac:spMkLst>
+            <pc:docMk/>
+            <pc:sldMk cId="1043171857" sldId="260"/>
+            <ac:spMk id="42" creationId="{281BFBE3-952F-2BF2-5E1C-35867E14723B}"/>
+          </ac:spMkLst>
+        </pc:spChg>
+        <pc:spChg chg="add mod">
+          <ac:chgData name="Mitchell Fowler" userId="0c3d3d0c9a062725" providerId="LiveId" clId="{50F2C5C9-6B18-44BE-87E6-70F8E9E3C765}" dt="2026-02-03T02:35:32.338" v="1034" actId="2085"/>
+          <ac:spMkLst>
+            <pc:docMk/>
+            <pc:sldMk cId="1043171857" sldId="260"/>
+            <ac:spMk id="44" creationId="{5CCB157F-CD64-AB7E-6D8E-F4356C36C93F}"/>
+          </ac:spMkLst>
+        </pc:spChg>
+        <pc:spChg chg="add mod">
+          <ac:chgData name="Mitchell Fowler" userId="0c3d3d0c9a062725" providerId="LiveId" clId="{50F2C5C9-6B18-44BE-87E6-70F8E9E3C765}" dt="2026-02-03T02:55:07.148" v="1165" actId="1037"/>
+          <ac:spMkLst>
+            <pc:docMk/>
+            <pc:sldMk cId="1043171857" sldId="260"/>
+            <ac:spMk id="45" creationId="{BF30A98E-0C7B-C55A-FF34-EB05EED873D3}"/>
+          </ac:spMkLst>
+        </pc:spChg>
+        <pc:spChg chg="add mod">
+          <ac:chgData name="Mitchell Fowler" userId="0c3d3d0c9a062725" providerId="LiveId" clId="{50F2C5C9-6B18-44BE-87E6-70F8E9E3C765}" dt="2026-02-03T02:55:07.148" v="1165" actId="1037"/>
+          <ac:spMkLst>
+            <pc:docMk/>
+            <pc:sldMk cId="1043171857" sldId="260"/>
+            <ac:spMk id="48" creationId="{32630EC0-F98F-5940-2570-C9B506724A77}"/>
+          </ac:spMkLst>
+        </pc:spChg>
+        <pc:spChg chg="add mod">
+          <ac:chgData name="Mitchell Fowler" userId="0c3d3d0c9a062725" providerId="LiveId" clId="{50F2C5C9-6B18-44BE-87E6-70F8E9E3C765}" dt="2026-02-03T02:55:07.148" v="1165" actId="1037"/>
+          <ac:spMkLst>
+            <pc:docMk/>
+            <pc:sldMk cId="1043171857" sldId="260"/>
+            <ac:spMk id="51" creationId="{2C9E2CF1-5204-848C-2AB0-7C8A1E75763D}"/>
+          </ac:spMkLst>
+        </pc:spChg>
+        <pc:spChg chg="mod">
+          <ac:chgData name="Mitchell Fowler" userId="0c3d3d0c9a062725" providerId="LiveId" clId="{50F2C5C9-6B18-44BE-87E6-70F8E9E3C765}" dt="2026-02-03T02:56:25.291" v="1174" actId="1582"/>
+          <ac:spMkLst>
+            <pc:docMk/>
+            <pc:sldMk cId="1043171857" sldId="260"/>
+            <ac:spMk id="59" creationId="{3E07AA07-429A-0B96-9414-69A1D952867C}"/>
+          </ac:spMkLst>
+        </pc:spChg>
+        <pc:spChg chg="mod">
+          <ac:chgData name="Mitchell Fowler" userId="0c3d3d0c9a062725" providerId="LiveId" clId="{50F2C5C9-6B18-44BE-87E6-70F8E9E3C765}" dt="2026-02-03T02:56:25.291" v="1174" actId="1582"/>
+          <ac:spMkLst>
+            <pc:docMk/>
+            <pc:sldMk cId="1043171857" sldId="260"/>
+            <ac:spMk id="60" creationId="{31DCF398-AB50-5519-E610-EE43E1E55E0F}"/>
+          </ac:spMkLst>
+        </pc:spChg>
+        <pc:spChg chg="mod">
+          <ac:chgData name="Mitchell Fowler" userId="0c3d3d0c9a062725" providerId="LiveId" clId="{50F2C5C9-6B18-44BE-87E6-70F8E9E3C765}" dt="2026-02-03T02:56:25.291" v="1174" actId="1582"/>
+          <ac:spMkLst>
+            <pc:docMk/>
+            <pc:sldMk cId="1043171857" sldId="260"/>
+            <ac:spMk id="61" creationId="{A5A159B9-0709-8FF5-A7FB-E00C4A2571E0}"/>
+          </ac:spMkLst>
+        </pc:spChg>
+        <pc:spChg chg="mod">
+          <ac:chgData name="Mitchell Fowler" userId="0c3d3d0c9a062725" providerId="LiveId" clId="{50F2C5C9-6B18-44BE-87E6-70F8E9E3C765}" dt="2026-02-03T03:08:00.040" v="1264" actId="1582"/>
+          <ac:spMkLst>
+            <pc:docMk/>
+            <pc:sldMk cId="1043171857" sldId="260"/>
+            <ac:spMk id="1025" creationId="{C7F77354-3FEC-4C84-FE8A-A31C927BA135}"/>
+          </ac:spMkLst>
+        </pc:spChg>
+        <pc:spChg chg="mod">
+          <ac:chgData name="Mitchell Fowler" userId="0c3d3d0c9a062725" providerId="LiveId" clId="{50F2C5C9-6B18-44BE-87E6-70F8E9E3C765}" dt="2026-02-03T03:08:00.040" v="1264" actId="1582"/>
+          <ac:spMkLst>
+            <pc:docMk/>
+            <pc:sldMk cId="1043171857" sldId="260"/>
+            <ac:spMk id="1027" creationId="{632269A6-8F9D-5A73-2EB0-511D9F969FB0}"/>
+          </ac:spMkLst>
+        </pc:spChg>
+        <pc:spChg chg="mod">
+          <ac:chgData name="Mitchell Fowler" userId="0c3d3d0c9a062725" providerId="LiveId" clId="{50F2C5C9-6B18-44BE-87E6-70F8E9E3C765}" dt="2026-02-03T03:08:00.040" v="1264" actId="1582"/>
+          <ac:spMkLst>
+            <pc:docMk/>
+            <pc:sldMk cId="1043171857" sldId="260"/>
+            <ac:spMk id="1029" creationId="{C7B203B4-2B6C-0F4D-89BA-4B7A0EEC44EA}"/>
+          </ac:spMkLst>
+        </pc:spChg>
+        <pc:spChg chg="add del">
+          <ac:chgData name="Mitchell Fowler" userId="0c3d3d0c9a062725" providerId="LiveId" clId="{50F2C5C9-6B18-44BE-87E6-70F8E9E3C765}" dt="2026-02-03T03:03:00.086" v="1223" actId="478"/>
+          <ac:spMkLst>
+            <pc:docMk/>
+            <pc:sldMk cId="1043171857" sldId="260"/>
+            <ac:spMk id="1037" creationId="{80822F56-5634-9F50-8B45-ED94B98273BB}"/>
+          </ac:spMkLst>
+        </pc:spChg>
+        <pc:spChg chg="mod">
+          <ac:chgData name="Mitchell Fowler" userId="0c3d3d0c9a062725" providerId="LiveId" clId="{50F2C5C9-6B18-44BE-87E6-70F8E9E3C765}" dt="2026-02-03T03:22:04.461" v="1373" actId="1076"/>
+          <ac:spMkLst>
+            <pc:docMk/>
+            <pc:sldMk cId="1043171857" sldId="260"/>
+            <ac:spMk id="1041" creationId="{AA3CC76B-D629-476F-F8C1-03B0228D2DD9}"/>
+          </ac:spMkLst>
+        </pc:spChg>
+        <pc:spChg chg="add mod">
+          <ac:chgData name="Mitchell Fowler" userId="0c3d3d0c9a062725" providerId="LiveId" clId="{50F2C5C9-6B18-44BE-87E6-70F8E9E3C765}" dt="2026-02-03T03:22:04.461" v="1373" actId="1076"/>
+          <ac:spMkLst>
+            <pc:docMk/>
+            <pc:sldMk cId="1043171857" sldId="260"/>
+            <ac:spMk id="1064" creationId="{8439C45C-3687-5416-CEC0-2A5C965AC986}"/>
+          </ac:spMkLst>
+        </pc:spChg>
+        <pc:spChg chg="add mod">
+          <ac:chgData name="Mitchell Fowler" userId="0c3d3d0c9a062725" providerId="LiveId" clId="{50F2C5C9-6B18-44BE-87E6-70F8E9E3C765}" dt="2026-02-03T03:22:04.461" v="1373" actId="1076"/>
+          <ac:spMkLst>
+            <pc:docMk/>
+            <pc:sldMk cId="1043171857" sldId="260"/>
+            <ac:spMk id="1065" creationId="{9BA3400C-FD48-0074-D582-59477904CB90}"/>
+          </ac:spMkLst>
+        </pc:spChg>
+        <pc:spChg chg="add mod">
+          <ac:chgData name="Mitchell Fowler" userId="0c3d3d0c9a062725" providerId="LiveId" clId="{50F2C5C9-6B18-44BE-87E6-70F8E9E3C765}" dt="2026-02-03T03:22:04.461" v="1373" actId="1076"/>
+          <ac:spMkLst>
+            <pc:docMk/>
+            <pc:sldMk cId="1043171857" sldId="260"/>
+            <ac:spMk id="1066" creationId="{A00CD14A-AC32-6535-67FC-3C7572E98F99}"/>
+          </ac:spMkLst>
+        </pc:spChg>
+        <pc:spChg chg="add mod">
+          <ac:chgData name="Mitchell Fowler" userId="0c3d3d0c9a062725" providerId="LiveId" clId="{50F2C5C9-6B18-44BE-87E6-70F8E9E3C765}" dt="2026-02-03T03:22:04.461" v="1373" actId="1076"/>
+          <ac:spMkLst>
+            <pc:docMk/>
+            <pc:sldMk cId="1043171857" sldId="260"/>
+            <ac:spMk id="1067" creationId="{12DFB241-A9CD-4E0F-8E7E-904464DD1375}"/>
+          </ac:spMkLst>
+        </pc:spChg>
+        <pc:spChg chg="add mod">
+          <ac:chgData name="Mitchell Fowler" userId="0c3d3d0c9a062725" providerId="LiveId" clId="{50F2C5C9-6B18-44BE-87E6-70F8E9E3C765}" dt="2026-02-03T03:22:04.461" v="1373" actId="1076"/>
+          <ac:spMkLst>
+            <pc:docMk/>
+            <pc:sldMk cId="1043171857" sldId="260"/>
+            <ac:spMk id="1068" creationId="{2A6878E3-5D08-BA6B-2FA6-143448849D64}"/>
+          </ac:spMkLst>
+        </pc:spChg>
+        <pc:spChg chg="add mod">
+          <ac:chgData name="Mitchell Fowler" userId="0c3d3d0c9a062725" providerId="LiveId" clId="{50F2C5C9-6B18-44BE-87E6-70F8E9E3C765}" dt="2026-02-03T03:22:04.461" v="1373" actId="1076"/>
+          <ac:spMkLst>
+            <pc:docMk/>
+            <pc:sldMk cId="1043171857" sldId="260"/>
+            <ac:spMk id="1069" creationId="{901603BC-3586-0916-B875-EF0100FE182E}"/>
+          </ac:spMkLst>
+        </pc:spChg>
+        <pc:spChg chg="add mod">
+          <ac:chgData name="Mitchell Fowler" userId="0c3d3d0c9a062725" providerId="LiveId" clId="{50F2C5C9-6B18-44BE-87E6-70F8E9E3C765}" dt="2026-02-03T03:22:04.461" v="1373" actId="1076"/>
+          <ac:spMkLst>
+            <pc:docMk/>
+            <pc:sldMk cId="1043171857" sldId="260"/>
+            <ac:spMk id="1072" creationId="{095D1A60-AA14-D664-84A7-9F8600A48283}"/>
+          </ac:spMkLst>
+        </pc:spChg>
+        <pc:spChg chg="add mod">
+          <ac:chgData name="Mitchell Fowler" userId="0c3d3d0c9a062725" providerId="LiveId" clId="{50F2C5C9-6B18-44BE-87E6-70F8E9E3C765}" dt="2026-02-03T03:22:04.461" v="1373" actId="1076"/>
+          <ac:spMkLst>
+            <pc:docMk/>
+            <pc:sldMk cId="1043171857" sldId="260"/>
+            <ac:spMk id="1073" creationId="{A109F2FA-7F7C-ABD7-F9EB-07FA19E5FB3F}"/>
+          </ac:spMkLst>
+        </pc:spChg>
+        <pc:spChg chg="add mod">
+          <ac:chgData name="Mitchell Fowler" userId="0c3d3d0c9a062725" providerId="LiveId" clId="{50F2C5C9-6B18-44BE-87E6-70F8E9E3C765}" dt="2026-02-03T03:22:42.796" v="1396" actId="1076"/>
+          <ac:spMkLst>
+            <pc:docMk/>
+            <pc:sldMk cId="1043171857" sldId="260"/>
+            <ac:spMk id="1074" creationId="{CF90C772-4200-DCFD-6CB9-8673A49F7411}"/>
+          </ac:spMkLst>
+        </pc:spChg>
+        <pc:spChg chg="add mod ord">
+          <ac:chgData name="Mitchell Fowler" userId="0c3d3d0c9a062725" providerId="LiveId" clId="{50F2C5C9-6B18-44BE-87E6-70F8E9E3C765}" dt="2026-02-03T03:25:40.697" v="1420" actId="167"/>
+          <ac:spMkLst>
+            <pc:docMk/>
+            <pc:sldMk cId="1043171857" sldId="260"/>
+            <ac:spMk id="1075" creationId="{8AD2B102-BAD0-269B-2E2F-476CFD11EA49}"/>
+          </ac:spMkLst>
+        </pc:spChg>
+        <pc:grpChg chg="add del mod">
+          <ac:chgData name="Mitchell Fowler" userId="0c3d3d0c9a062725" providerId="LiveId" clId="{50F2C5C9-6B18-44BE-87E6-70F8E9E3C765}" dt="2026-02-03T03:00:50.353" v="1199" actId="478"/>
+          <ac:grpSpMkLst>
+            <pc:docMk/>
+            <pc:sldMk cId="1043171857" sldId="260"/>
+            <ac:grpSpMk id="58" creationId="{900A0FA4-6D51-AFE0-A780-5C867BE53E38}"/>
+          </ac:grpSpMkLst>
+        </pc:grpChg>
+        <pc:grpChg chg="add mod">
+          <ac:chgData name="Mitchell Fowler" userId="0c3d3d0c9a062725" providerId="LiveId" clId="{50F2C5C9-6B18-44BE-87E6-70F8E9E3C765}" dt="2026-02-03T03:22:04.461" v="1373" actId="1076"/>
+          <ac:grpSpMkLst>
+            <pc:docMk/>
+            <pc:sldMk cId="1043171857" sldId="260"/>
+            <ac:grpSpMk id="1024" creationId="{3855D2B0-6998-884D-1CE9-4994D8BB287A}"/>
+          </ac:grpSpMkLst>
+        </pc:grpChg>
+        <pc:picChg chg="add del">
+          <ac:chgData name="Mitchell Fowler" userId="0c3d3d0c9a062725" providerId="LiveId" clId="{50F2C5C9-6B18-44BE-87E6-70F8E9E3C765}" dt="2026-02-03T02:58:30.555" v="1180" actId="478"/>
+          <ac:picMkLst>
+            <pc:docMk/>
+            <pc:sldMk cId="1043171857" sldId="260"/>
+            <ac:picMk id="63" creationId="{298796AA-DD93-08BE-5095-999C85DB9CD0}"/>
+          </ac:picMkLst>
+        </pc:picChg>
+        <pc:picChg chg="add del mod">
+          <ac:chgData name="Mitchell Fowler" userId="0c3d3d0c9a062725" providerId="LiveId" clId="{50F2C5C9-6B18-44BE-87E6-70F8E9E3C765}" dt="2026-02-03T02:06:51.870" v="744" actId="478"/>
+          <ac:picMkLst>
+            <pc:docMk/>
+            <pc:sldMk cId="1043171857" sldId="260"/>
+            <ac:picMk id="1026" creationId="{2C941D44-C94B-10CE-4DBD-81E489CFE5C4}"/>
+          </ac:picMkLst>
+        </pc:picChg>
+        <pc:picChg chg="add del mod">
+          <ac:chgData name="Mitchell Fowler" userId="0c3d3d0c9a062725" providerId="LiveId" clId="{50F2C5C9-6B18-44BE-87E6-70F8E9E3C765}" dt="2026-02-03T02:11:00.161" v="768" actId="478"/>
+          <ac:picMkLst>
+            <pc:docMk/>
+            <pc:sldMk cId="1043171857" sldId="260"/>
+            <ac:picMk id="1028" creationId="{25D3236E-9494-B6A6-CFD9-2BF43CA497FB}"/>
+          </ac:picMkLst>
+        </pc:picChg>
+        <pc:picChg chg="add del mod">
+          <ac:chgData name="Mitchell Fowler" userId="0c3d3d0c9a062725" providerId="LiveId" clId="{50F2C5C9-6B18-44BE-87E6-70F8E9E3C765}" dt="2026-02-03T02:13:02.228" v="775" actId="478"/>
+          <ac:picMkLst>
+            <pc:docMk/>
+            <pc:sldMk cId="1043171857" sldId="260"/>
+            <ac:picMk id="1030" creationId="{5BE69770-89B6-C97F-BFAE-5A40C3A07A82}"/>
+          </ac:picMkLst>
+        </pc:picChg>
+        <pc:picChg chg="add mod">
+          <ac:chgData name="Mitchell Fowler" userId="0c3d3d0c9a062725" providerId="LiveId" clId="{50F2C5C9-6B18-44BE-87E6-70F8E9E3C765}" dt="2026-02-03T03:04:32.587" v="1233" actId="1035"/>
+          <ac:picMkLst>
+            <pc:docMk/>
+            <pc:sldMk cId="1043171857" sldId="260"/>
+            <ac:picMk id="1032" creationId="{3332D62A-D860-57A9-340C-AE467541FC85}"/>
+          </ac:picMkLst>
+        </pc:picChg>
+        <pc:picChg chg="add del mod">
+          <ac:chgData name="Mitchell Fowler" userId="0c3d3d0c9a062725" providerId="LiveId" clId="{50F2C5C9-6B18-44BE-87E6-70F8E9E3C765}" dt="2026-02-03T02:48:04.760" v="1061" actId="478"/>
+          <ac:picMkLst>
+            <pc:docMk/>
+            <pc:sldMk cId="1043171857" sldId="260"/>
+            <ac:picMk id="1034" creationId="{4E12F059-5DF6-0A94-0029-0D30158E2916}"/>
+          </ac:picMkLst>
+        </pc:picChg>
+        <pc:picChg chg="add del mod">
+          <ac:chgData name="Mitchell Fowler" userId="0c3d3d0c9a062725" providerId="LiveId" clId="{50F2C5C9-6B18-44BE-87E6-70F8E9E3C765}" dt="2026-02-03T02:49:46.324" v="1112" actId="478"/>
+          <ac:picMkLst>
+            <pc:docMk/>
+            <pc:sldMk cId="1043171857" sldId="260"/>
+            <ac:picMk id="1036" creationId="{1F6AA951-1B66-E254-2F6B-CBD1310E941F}"/>
+          </ac:picMkLst>
+        </pc:picChg>
+        <pc:picChg chg="add mod">
+          <ac:chgData name="Mitchell Fowler" userId="0c3d3d0c9a062725" providerId="LiveId" clId="{50F2C5C9-6B18-44BE-87E6-70F8E9E3C765}" dt="2026-02-03T02:50:31.826" v="1147" actId="1036"/>
+          <ac:picMkLst>
+            <pc:docMk/>
+            <pc:sldMk cId="1043171857" sldId="260"/>
+            <ac:picMk id="1038" creationId="{6EB0852E-8926-0AEC-42D2-5CCEB82D7904}"/>
+          </ac:picMkLst>
+        </pc:picChg>
+        <pc:picChg chg="add del mod">
+          <ac:chgData name="Mitchell Fowler" userId="0c3d3d0c9a062725" providerId="LiveId" clId="{50F2C5C9-6B18-44BE-87E6-70F8E9E3C765}" dt="2026-02-03T03:04:38.072" v="1236" actId="27803"/>
+          <ac:picMkLst>
+            <pc:docMk/>
+            <pc:sldMk cId="1043171857" sldId="260"/>
+            <ac:picMk id="1040" creationId="{AA3CC76B-D629-476F-F8C1-03B0228D2DD9}"/>
+          </ac:picMkLst>
+        </pc:picChg>
+        <pc:cxnChg chg="add mod">
+          <ac:chgData name="Mitchell Fowler" userId="0c3d3d0c9a062725" providerId="LiveId" clId="{50F2C5C9-6B18-44BE-87E6-70F8E9E3C765}" dt="2026-02-03T02:26:35.664" v="958" actId="1036"/>
+          <ac:cxnSpMkLst>
+            <pc:docMk/>
+            <pc:sldMk cId="1043171857" sldId="260"/>
+            <ac:cxnSpMk id="4" creationId="{006DF31F-EB36-B1A0-9473-14191A9BE1E3}"/>
+          </ac:cxnSpMkLst>
+        </pc:cxnChg>
+        <pc:cxnChg chg="add mod">
+          <ac:chgData name="Mitchell Fowler" userId="0c3d3d0c9a062725" providerId="LiveId" clId="{50F2C5C9-6B18-44BE-87E6-70F8E9E3C765}" dt="2026-02-03T02:26:35.664" v="958" actId="1036"/>
+          <ac:cxnSpMkLst>
+            <pc:docMk/>
+            <pc:sldMk cId="1043171857" sldId="260"/>
+            <ac:cxnSpMk id="9" creationId="{4225312A-C5CC-F323-FF0E-C8212A2EB79D}"/>
+          </ac:cxnSpMkLst>
+        </pc:cxnChg>
+        <pc:cxnChg chg="add mod">
+          <ac:chgData name="Mitchell Fowler" userId="0c3d3d0c9a062725" providerId="LiveId" clId="{50F2C5C9-6B18-44BE-87E6-70F8E9E3C765}" dt="2026-02-03T02:26:35.664" v="958" actId="1036"/>
+          <ac:cxnSpMkLst>
+            <pc:docMk/>
+            <pc:sldMk cId="1043171857" sldId="260"/>
+            <ac:cxnSpMk id="11" creationId="{B5F462E2-C2B1-BE38-1DA0-2DAA88AED0A0}"/>
+          </ac:cxnSpMkLst>
+        </pc:cxnChg>
+        <pc:cxnChg chg="add mod">
+          <ac:chgData name="Mitchell Fowler" userId="0c3d3d0c9a062725" providerId="LiveId" clId="{50F2C5C9-6B18-44BE-87E6-70F8E9E3C765}" dt="2026-02-03T02:24:40.431" v="901" actId="554"/>
+          <ac:cxnSpMkLst>
+            <pc:docMk/>
+            <pc:sldMk cId="1043171857" sldId="260"/>
+            <ac:cxnSpMk id="20" creationId="{B5298941-E429-1041-88E6-B768ECAB2189}"/>
+          </ac:cxnSpMkLst>
+        </pc:cxnChg>
+        <pc:cxnChg chg="add mod">
+          <ac:chgData name="Mitchell Fowler" userId="0c3d3d0c9a062725" providerId="LiveId" clId="{50F2C5C9-6B18-44BE-87E6-70F8E9E3C765}" dt="2026-02-03T02:22:34.182" v="871" actId="1076"/>
+          <ac:cxnSpMkLst>
+            <pc:docMk/>
+            <pc:sldMk cId="1043171857" sldId="260"/>
+            <ac:cxnSpMk id="22" creationId="{5415E25A-9028-C9D1-37AE-20D5AADBA37F}"/>
+          </ac:cxnSpMkLst>
+        </pc:cxnChg>
+        <pc:cxnChg chg="add mod">
+          <ac:chgData name="Mitchell Fowler" userId="0c3d3d0c9a062725" providerId="LiveId" clId="{50F2C5C9-6B18-44BE-87E6-70F8E9E3C765}" dt="2026-02-03T02:23:26.511" v="887" actId="465"/>
+          <ac:cxnSpMkLst>
+            <pc:docMk/>
+            <pc:sldMk cId="1043171857" sldId="260"/>
+            <ac:cxnSpMk id="23" creationId="{230D28DC-67FD-3B2D-0F13-052004D907A2}"/>
+          </ac:cxnSpMkLst>
+        </pc:cxnChg>
+        <pc:cxnChg chg="add mod">
+          <ac:chgData name="Mitchell Fowler" userId="0c3d3d0c9a062725" providerId="LiveId" clId="{50F2C5C9-6B18-44BE-87E6-70F8E9E3C765}" dt="2026-02-03T02:39:03.634" v="1057" actId="1037"/>
+          <ac:cxnSpMkLst>
+            <pc:docMk/>
+            <pc:sldMk cId="1043171857" sldId="260"/>
+            <ac:cxnSpMk id="24" creationId="{2753EE85-9800-6D58-DBDE-BBDC8D80CAF4}"/>
+          </ac:cxnSpMkLst>
+        </pc:cxnChg>
+        <pc:cxnChg chg="add mod">
+          <ac:chgData name="Mitchell Fowler" userId="0c3d3d0c9a062725" providerId="LiveId" clId="{50F2C5C9-6B18-44BE-87E6-70F8E9E3C765}" dt="2026-02-03T02:27:04.338" v="995" actId="1037"/>
+          <ac:cxnSpMkLst>
+            <pc:docMk/>
+            <pc:sldMk cId="1043171857" sldId="260"/>
+            <ac:cxnSpMk id="25" creationId="{EB5C4D84-7669-9D44-8FE9-8553D9A646D1}"/>
+          </ac:cxnSpMkLst>
+        </pc:cxnChg>
+        <pc:cxnChg chg="add mod">
+          <ac:chgData name="Mitchell Fowler" userId="0c3d3d0c9a062725" providerId="LiveId" clId="{50F2C5C9-6B18-44BE-87E6-70F8E9E3C765}" dt="2026-02-03T02:23:26.511" v="887" actId="465"/>
+          <ac:cxnSpMkLst>
+            <pc:docMk/>
+            <pc:sldMk cId="1043171857" sldId="260"/>
+            <ac:cxnSpMk id="26" creationId="{7622A8F3-5FCE-9FC5-3422-9BE057BD6D25}"/>
+          </ac:cxnSpMkLst>
+        </pc:cxnChg>
+        <pc:cxnChg chg="add mod">
+          <ac:chgData name="Mitchell Fowler" userId="0c3d3d0c9a062725" providerId="LiveId" clId="{50F2C5C9-6B18-44BE-87E6-70F8E9E3C765}" dt="2026-02-03T02:23:04.185" v="883" actId="1076"/>
+          <ac:cxnSpMkLst>
+            <pc:docMk/>
+            <pc:sldMk cId="1043171857" sldId="260"/>
+            <ac:cxnSpMk id="27" creationId="{86C7FD0A-8E93-4801-C3DF-DA4AFE85F595}"/>
+          </ac:cxnSpMkLst>
+        </pc:cxnChg>
+        <pc:cxnChg chg="add mod">
+          <ac:chgData name="Mitchell Fowler" userId="0c3d3d0c9a062725" providerId="LiveId" clId="{50F2C5C9-6B18-44BE-87E6-70F8E9E3C765}" dt="2026-02-03T02:23:26.511" v="887" actId="465"/>
+          <ac:cxnSpMkLst>
+            <pc:docMk/>
+            <pc:sldMk cId="1043171857" sldId="260"/>
+            <ac:cxnSpMk id="28" creationId="{486B85C5-DACF-69FB-706B-B68BBD423AF4}"/>
+          </ac:cxnSpMkLst>
+        </pc:cxnChg>
+        <pc:cxnChg chg="add mod">
+          <ac:chgData name="Mitchell Fowler" userId="0c3d3d0c9a062725" providerId="LiveId" clId="{50F2C5C9-6B18-44BE-87E6-70F8E9E3C765}" dt="2026-02-03T02:38:59.947" v="1055" actId="1038"/>
+          <ac:cxnSpMkLst>
+            <pc:docMk/>
+            <pc:sldMk cId="1043171857" sldId="260"/>
+            <ac:cxnSpMk id="29" creationId="{06487EB9-9C7E-E9A3-CB1B-92E0824DFEB4}"/>
+          </ac:cxnSpMkLst>
+        </pc:cxnChg>
+        <pc:cxnChg chg="add mod">
+          <ac:chgData name="Mitchell Fowler" userId="0c3d3d0c9a062725" providerId="LiveId" clId="{50F2C5C9-6B18-44BE-87E6-70F8E9E3C765}" dt="2026-02-03T02:25:24.023" v="906" actId="14100"/>
+          <ac:cxnSpMkLst>
+            <pc:docMk/>
+            <pc:sldMk cId="1043171857" sldId="260"/>
+            <ac:cxnSpMk id="34" creationId="{4E435AE0-7F6F-DF1F-75C3-C621B0E2B2C2}"/>
+          </ac:cxnSpMkLst>
+        </pc:cxnChg>
+        <pc:cxnChg chg="add mod">
+          <ac:chgData name="Mitchell Fowler" userId="0c3d3d0c9a062725" providerId="LiveId" clId="{50F2C5C9-6B18-44BE-87E6-70F8E9E3C765}" dt="2026-02-03T02:35:50.655" v="1037" actId="14100"/>
+          <ac:cxnSpMkLst>
+            <pc:docMk/>
+            <pc:sldMk cId="1043171857" sldId="260"/>
+            <ac:cxnSpMk id="40" creationId="{E9D1954E-205C-C6FF-C882-729A9FBB093F}"/>
+          </ac:cxnSpMkLst>
+        </pc:cxnChg>
+        <pc:cxnChg chg="add mod">
+          <ac:chgData name="Mitchell Fowler" userId="0c3d3d0c9a062725" providerId="LiveId" clId="{50F2C5C9-6B18-44BE-87E6-70F8E9E3C765}" dt="2026-02-03T02:50:56.307" v="1151" actId="1076"/>
+          <ac:cxnSpMkLst>
+            <pc:docMk/>
+            <pc:sldMk cId="1043171857" sldId="260"/>
+            <ac:cxnSpMk id="49" creationId="{D7EF3D99-E867-1CBA-7E4E-067E24891BF4}"/>
+          </ac:cxnSpMkLst>
+        </pc:cxnChg>
+        <pc:cxnChg chg="add mod">
+          <ac:chgData name="Mitchell Fowler" userId="0c3d3d0c9a062725" providerId="LiveId" clId="{50F2C5C9-6B18-44BE-87E6-70F8E9E3C765}" dt="2026-02-03T03:14:37.681" v="1358" actId="1076"/>
+          <ac:cxnSpMkLst>
+            <pc:docMk/>
+            <pc:sldMk cId="1043171857" sldId="260"/>
+            <ac:cxnSpMk id="53" creationId="{53E65326-3EF0-6231-0544-100726EF5DEB}"/>
+          </ac:cxnSpMkLst>
+        </pc:cxnChg>
+        <pc:cxnChg chg="add mod">
+          <ac:chgData name="Mitchell Fowler" userId="0c3d3d0c9a062725" providerId="LiveId" clId="{50F2C5C9-6B18-44BE-87E6-70F8E9E3C765}" dt="2026-02-03T03:09:19.868" v="1279" actId="1076"/>
+          <ac:cxnSpMkLst>
+            <pc:docMk/>
+            <pc:sldMk cId="1043171857" sldId="260"/>
+            <ac:cxnSpMk id="55" creationId="{55F0BB80-E11A-ADED-D62B-63D937D2C2E6}"/>
+          </ac:cxnSpMkLst>
+        </pc:cxnChg>
+        <pc:cxnChg chg="add mod">
+          <ac:chgData name="Mitchell Fowler" userId="0c3d3d0c9a062725" providerId="LiveId" clId="{50F2C5C9-6B18-44BE-87E6-70F8E9E3C765}" dt="2026-02-03T03:12:36.724" v="1327" actId="1036"/>
+          <ac:cxnSpMkLst>
+            <pc:docMk/>
+            <pc:sldMk cId="1043171857" sldId="260"/>
+            <ac:cxnSpMk id="1042" creationId="{BE4987CA-9C99-0505-5ACE-38C1C905A108}"/>
+          </ac:cxnSpMkLst>
+        </pc:cxnChg>
+        <pc:cxnChg chg="add mod">
+          <ac:chgData name="Mitchell Fowler" userId="0c3d3d0c9a062725" providerId="LiveId" clId="{50F2C5C9-6B18-44BE-87E6-70F8E9E3C765}" dt="2026-02-03T03:12:36.724" v="1327" actId="1036"/>
+          <ac:cxnSpMkLst>
+            <pc:docMk/>
+            <pc:sldMk cId="1043171857" sldId="260"/>
+            <ac:cxnSpMk id="1043" creationId="{84C073F6-8B6A-836F-9514-E7307B663214}"/>
+          </ac:cxnSpMkLst>
+        </pc:cxnChg>
+        <pc:cxnChg chg="add mod">
+          <ac:chgData name="Mitchell Fowler" userId="0c3d3d0c9a062725" providerId="LiveId" clId="{50F2C5C9-6B18-44BE-87E6-70F8E9E3C765}" dt="2026-02-03T03:12:36.724" v="1327" actId="1036"/>
+          <ac:cxnSpMkLst>
+            <pc:docMk/>
+            <pc:sldMk cId="1043171857" sldId="260"/>
+            <ac:cxnSpMk id="1046" creationId="{DDF46235-307C-1EA3-7D99-16E2C50502C1}"/>
+          </ac:cxnSpMkLst>
+        </pc:cxnChg>
+        <pc:cxnChg chg="add mod">
+          <ac:chgData name="Mitchell Fowler" userId="0c3d3d0c9a062725" providerId="LiveId" clId="{50F2C5C9-6B18-44BE-87E6-70F8E9E3C765}" dt="2026-02-03T03:08:25.245" v="1270" actId="1076"/>
+          <ac:cxnSpMkLst>
+            <pc:docMk/>
+            <pc:sldMk cId="1043171857" sldId="260"/>
+            <ac:cxnSpMk id="1055" creationId="{A517C641-8053-FFCC-650E-C01DD7D427A5}"/>
+          </ac:cxnSpMkLst>
+        </pc:cxnChg>
+        <pc:cxnChg chg="add mod">
+          <ac:chgData name="Mitchell Fowler" userId="0c3d3d0c9a062725" providerId="LiveId" clId="{50F2C5C9-6B18-44BE-87E6-70F8E9E3C765}" dt="2026-02-03T03:09:19.868" v="1279" actId="1076"/>
+          <ac:cxnSpMkLst>
+            <pc:docMk/>
+            <pc:sldMk cId="1043171857" sldId="260"/>
+            <ac:cxnSpMk id="1058" creationId="{5F630CA8-E8CC-870D-D5CC-98BD6023A1D9}"/>
+          </ac:cxnSpMkLst>
+        </pc:cxnChg>
+        <pc:cxnChg chg="add mod">
+          <ac:chgData name="Mitchell Fowler" userId="0c3d3d0c9a062725" providerId="LiveId" clId="{50F2C5C9-6B18-44BE-87E6-70F8E9E3C765}" dt="2026-02-03T03:14:37.681" v="1358" actId="1076"/>
+          <ac:cxnSpMkLst>
+            <pc:docMk/>
+            <pc:sldMk cId="1043171857" sldId="260"/>
+            <ac:cxnSpMk id="1059" creationId="{5E52C0A5-2ECC-A209-2B0A-13B812B38D80}"/>
+          </ac:cxnSpMkLst>
+        </pc:cxnChg>
+        <pc:cxnChg chg="add mod">
+          <ac:chgData name="Mitchell Fowler" userId="0c3d3d0c9a062725" providerId="LiveId" clId="{50F2C5C9-6B18-44BE-87E6-70F8E9E3C765}" dt="2026-02-03T03:12:36.724" v="1327" actId="1036"/>
+          <ac:cxnSpMkLst>
+            <pc:docMk/>
+            <pc:sldMk cId="1043171857" sldId="260"/>
+            <ac:cxnSpMk id="1061" creationId="{1B80CBB3-AFDF-08BB-DF73-C0047887287A}"/>
+          </ac:cxnSpMkLst>
+        </pc:cxnChg>
+        <pc:cxnChg chg="add mod">
+          <ac:chgData name="Mitchell Fowler" userId="0c3d3d0c9a062725" providerId="LiveId" clId="{50F2C5C9-6B18-44BE-87E6-70F8E9E3C765}" dt="2026-02-03T03:15:52.791" v="1363" actId="1076"/>
+          <ac:cxnSpMkLst>
+            <pc:docMk/>
+            <pc:sldMk cId="1043171857" sldId="260"/>
+            <ac:cxnSpMk id="1070" creationId="{DDD58B1F-BD6A-BA43-1382-2EC2CF9809BA}"/>
+          </ac:cxnSpMkLst>
+        </pc:cxnChg>
+      </pc:sldChg>
+      <pc:sldChg chg="addSp modSp new mod">
+        <pc:chgData name="Mitchell Fowler" userId="0c3d3d0c9a062725" providerId="LiveId" clId="{50F2C5C9-6B18-44BE-87E6-70F8E9E3C765}" dt="2026-02-04T00:02:57.138" v="1554" actId="167"/>
+        <pc:sldMkLst>
+          <pc:docMk/>
+          <pc:sldMk cId="1498015722" sldId="261"/>
+        </pc:sldMkLst>
+        <pc:spChg chg="add mod">
+          <ac:chgData name="Mitchell Fowler" userId="0c3d3d0c9a062725" providerId="LiveId" clId="{50F2C5C9-6B18-44BE-87E6-70F8E9E3C765}" dt="2026-02-03T23:48:01.040" v="1434" actId="1076"/>
+          <ac:spMkLst>
+            <pc:docMk/>
+            <pc:sldMk cId="1498015722" sldId="261"/>
+            <ac:spMk id="2" creationId="{555FF7DB-F3C9-8A34-0B2C-152FBDDF3046}"/>
+          </ac:spMkLst>
+        </pc:spChg>
+        <pc:spChg chg="add mod">
+          <ac:chgData name="Mitchell Fowler" userId="0c3d3d0c9a062725" providerId="LiveId" clId="{50F2C5C9-6B18-44BE-87E6-70F8E9E3C765}" dt="2026-02-03T23:48:01.040" v="1434" actId="1076"/>
+          <ac:spMkLst>
+            <pc:docMk/>
+            <pc:sldMk cId="1498015722" sldId="261"/>
+            <ac:spMk id="3" creationId="{9F101C08-7C81-AC76-0701-35B57DF57F6C}"/>
+          </ac:spMkLst>
+        </pc:spChg>
+        <pc:spChg chg="add mod">
+          <ac:chgData name="Mitchell Fowler" userId="0c3d3d0c9a062725" providerId="LiveId" clId="{50F2C5C9-6B18-44BE-87E6-70F8E9E3C765}" dt="2026-02-03T23:49:17.824" v="1466" actId="1035"/>
+          <ac:spMkLst>
+            <pc:docMk/>
+            <pc:sldMk cId="1498015722" sldId="261"/>
+            <ac:spMk id="5" creationId="{E074CBCD-1E05-5E1E-DF29-44846CA5C488}"/>
+          </ac:spMkLst>
+        </pc:spChg>
+        <pc:spChg chg="add mod">
+          <ac:chgData name="Mitchell Fowler" userId="0c3d3d0c9a062725" providerId="LiveId" clId="{50F2C5C9-6B18-44BE-87E6-70F8E9E3C765}" dt="2026-02-03T23:53:49.866" v="1519" actId="1076"/>
+          <ac:spMkLst>
+            <pc:docMk/>
+            <pc:sldMk cId="1498015722" sldId="261"/>
+            <ac:spMk id="8" creationId="{5B6A8AE4-D6F3-6B86-A1AB-F04F6721476D}"/>
+          </ac:spMkLst>
+        </pc:spChg>
+        <pc:spChg chg="add mod">
+          <ac:chgData name="Mitchell Fowler" userId="0c3d3d0c9a062725" providerId="LiveId" clId="{50F2C5C9-6B18-44BE-87E6-70F8E9E3C765}" dt="2026-02-03T23:52:21.069" v="1488" actId="1036"/>
+          <ac:spMkLst>
+            <pc:docMk/>
+            <pc:sldMk cId="1498015722" sldId="261"/>
+            <ac:spMk id="10" creationId="{AD45B456-18B8-FDF2-1564-127062BFDBB1}"/>
+          </ac:spMkLst>
+        </pc:spChg>
+        <pc:spChg chg="add mod">
+          <ac:chgData name="Mitchell Fowler" userId="0c3d3d0c9a062725" providerId="LiveId" clId="{50F2C5C9-6B18-44BE-87E6-70F8E9E3C765}" dt="2026-02-03T23:54:36.498" v="1526" actId="207"/>
+          <ac:spMkLst>
+            <pc:docMk/>
+            <pc:sldMk cId="1498015722" sldId="261"/>
+            <ac:spMk id="13" creationId="{6CB20187-4E6A-88A6-0883-92166F9B5044}"/>
+          </ac:spMkLst>
+        </pc:spChg>
+        <pc:spChg chg="add mod">
+          <ac:chgData name="Mitchell Fowler" userId="0c3d3d0c9a062725" providerId="LiveId" clId="{50F2C5C9-6B18-44BE-87E6-70F8E9E3C765}" dt="2026-02-04T00:02:13.488" v="1549" actId="207"/>
+          <ac:spMkLst>
+            <pc:docMk/>
+            <pc:sldMk cId="1498015722" sldId="261"/>
+            <ac:spMk id="14" creationId="{B885E71F-A910-370A-15B9-ECBEAC047AD9}"/>
+          </ac:spMkLst>
+        </pc:spChg>
+        <pc:spChg chg="add mod ord">
+          <ac:chgData name="Mitchell Fowler" userId="0c3d3d0c9a062725" providerId="LiveId" clId="{50F2C5C9-6B18-44BE-87E6-70F8E9E3C765}" dt="2026-02-04T00:02:57.138" v="1554" actId="167"/>
+          <ac:spMkLst>
+            <pc:docMk/>
+            <pc:sldMk cId="1498015722" sldId="261"/>
+            <ac:spMk id="15" creationId="{CD8BA01B-1535-EF48-8351-586D7C370F48}"/>
+          </ac:spMkLst>
+        </pc:spChg>
+        <pc:cxnChg chg="add mod">
+          <ac:chgData name="Mitchell Fowler" userId="0c3d3d0c9a062725" providerId="LiveId" clId="{50F2C5C9-6B18-44BE-87E6-70F8E9E3C765}" dt="2026-02-03T23:49:17.824" v="1466" actId="1035"/>
+          <ac:cxnSpMkLst>
+            <pc:docMk/>
+            <pc:sldMk cId="1498015722" sldId="261"/>
+            <ac:cxnSpMk id="4" creationId="{542F1189-4AA1-BD60-7D04-B5CED0A4F02F}"/>
+          </ac:cxnSpMkLst>
+        </pc:cxnChg>
+        <pc:cxnChg chg="add mod">
+          <ac:chgData name="Mitchell Fowler" userId="0c3d3d0c9a062725" providerId="LiveId" clId="{50F2C5C9-6B18-44BE-87E6-70F8E9E3C765}" dt="2026-02-03T23:49:17.824" v="1466" actId="1035"/>
+          <ac:cxnSpMkLst>
+            <pc:docMk/>
+            <pc:sldMk cId="1498015722" sldId="261"/>
+            <ac:cxnSpMk id="6" creationId="{D022CC0D-D037-2D6E-488F-260E781C96D4}"/>
+          </ac:cxnSpMkLst>
+        </pc:cxnChg>
+        <pc:cxnChg chg="add mod">
+          <ac:chgData name="Mitchell Fowler" userId="0c3d3d0c9a062725" providerId="LiveId" clId="{50F2C5C9-6B18-44BE-87E6-70F8E9E3C765}" dt="2026-02-03T23:50:15.716" v="1468" actId="1076"/>
+          <ac:cxnSpMkLst>
+            <pc:docMk/>
+            <pc:sldMk cId="1498015722" sldId="261"/>
+            <ac:cxnSpMk id="7" creationId="{07BBD92A-C2B9-0677-B495-11067C041F96}"/>
+          </ac:cxnSpMkLst>
+        </pc:cxnChg>
+        <pc:cxnChg chg="add mod">
+          <ac:chgData name="Mitchell Fowler" userId="0c3d3d0c9a062725" providerId="LiveId" clId="{50F2C5C9-6B18-44BE-87E6-70F8E9E3C765}" dt="2026-02-03T23:52:21.069" v="1488" actId="1036"/>
+          <ac:cxnSpMkLst>
+            <pc:docMk/>
+            <pc:sldMk cId="1498015722" sldId="261"/>
+            <ac:cxnSpMk id="9" creationId="{91E2BB58-240F-1597-4E96-E9C8F857D92B}"/>
+          </ac:cxnSpMkLst>
+        </pc:cxnChg>
+        <pc:cxnChg chg="add mod">
+          <ac:chgData name="Mitchell Fowler" userId="0c3d3d0c9a062725" providerId="LiveId" clId="{50F2C5C9-6B18-44BE-87E6-70F8E9E3C765}" dt="2026-02-03T23:54:44.056" v="1527" actId="208"/>
+          <ac:cxnSpMkLst>
+            <pc:docMk/>
+            <pc:sldMk cId="1498015722" sldId="261"/>
+            <ac:cxnSpMk id="11" creationId="{C4911333-F9AA-6DC5-4C31-036A72FBE8AD}"/>
+          </ac:cxnSpMkLst>
+        </pc:cxnChg>
+        <pc:cxnChg chg="add mod">
+          <ac:chgData name="Mitchell Fowler" userId="0c3d3d0c9a062725" providerId="LiveId" clId="{50F2C5C9-6B18-44BE-87E6-70F8E9E3C765}" dt="2026-02-04T00:02:20.520" v="1550" actId="208"/>
+          <ac:cxnSpMkLst>
+            <pc:docMk/>
+            <pc:sldMk cId="1498015722" sldId="261"/>
+            <ac:cxnSpMk id="12" creationId="{D8AD9BFA-E0B3-AB5E-ADF2-43D61998C772}"/>
+          </ac:cxnSpMkLst>
+        </pc:cxnChg>
+      </pc:sldChg>
+      <pc:sldChg chg="addSp delSp modSp new del mod">
+        <pc:chgData name="Mitchell Fowler" userId="0c3d3d0c9a062725" providerId="LiveId" clId="{50F2C5C9-6B18-44BE-87E6-70F8E9E3C765}" dt="2026-02-03T03:26:09.905" v="1421" actId="47"/>
+        <pc:sldMkLst>
+          <pc:docMk/>
+          <pc:sldMk cId="1825437072" sldId="261"/>
+        </pc:sldMkLst>
+        <pc:spChg chg="del mod">
+          <ac:chgData name="Mitchell Fowler" userId="0c3d3d0c9a062725" providerId="LiveId" clId="{50F2C5C9-6B18-44BE-87E6-70F8E9E3C765}" dt="2026-02-03T03:00:21.192" v="1189" actId="478"/>
+          <ac:spMkLst>
+            <pc:docMk/>
+            <pc:sldMk cId="1825437072" sldId="261"/>
+            <ac:spMk id="7" creationId="{A61247B8-1FCE-7E05-6A02-F3291DEF2F20}"/>
+          </ac:spMkLst>
+        </pc:spChg>
+        <pc:spChg chg="mod">
+          <ac:chgData name="Mitchell Fowler" userId="0c3d3d0c9a062725" providerId="LiveId" clId="{50F2C5C9-6B18-44BE-87E6-70F8E9E3C765}" dt="2026-02-03T03:00:06.368" v="1186" actId="27803"/>
+          <ac:spMkLst>
+            <pc:docMk/>
+            <pc:sldMk cId="1825437072" sldId="261"/>
+            <ac:spMk id="13" creationId="{F2DFF998-BD7B-441F-F247-27C49179B4ED}"/>
+          </ac:spMkLst>
+        </pc:spChg>
+        <pc:spChg chg="mod">
+          <ac:chgData name="Mitchell Fowler" userId="0c3d3d0c9a062725" providerId="LiveId" clId="{50F2C5C9-6B18-44BE-87E6-70F8E9E3C765}" dt="2026-02-03T03:00:12.017" v="1187" actId="165"/>
+          <ac:spMkLst>
+            <pc:docMk/>
+            <pc:sldMk cId="1825437072" sldId="261"/>
+            <ac:spMk id="15" creationId="{854D7361-BE7A-83C5-A01B-3811F398608F}"/>
+          </ac:spMkLst>
+        </pc:spChg>
+        <pc:spChg chg="mod topLvl">
+          <ac:chgData name="Mitchell Fowler" userId="0c3d3d0c9a062725" providerId="LiveId" clId="{50F2C5C9-6B18-44BE-87E6-70F8E9E3C765}" dt="2026-02-03T03:00:12.017" v="1187" actId="165"/>
+          <ac:spMkLst>
+            <pc:docMk/>
+            <pc:sldMk cId="1825437072" sldId="261"/>
+            <ac:spMk id="16" creationId="{9BE9B96A-7B1D-8E1F-8953-EA405A502D04}"/>
+          </ac:spMkLst>
+        </pc:spChg>
+        <pc:spChg chg="mod topLvl">
+          <ac:chgData name="Mitchell Fowler" userId="0c3d3d0c9a062725" providerId="LiveId" clId="{50F2C5C9-6B18-44BE-87E6-70F8E9E3C765}" dt="2026-02-03T03:00:12.017" v="1187" actId="165"/>
+          <ac:spMkLst>
+            <pc:docMk/>
+            <pc:sldMk cId="1825437072" sldId="261"/>
+            <ac:spMk id="18" creationId="{21EC2DE4-DA08-94A3-7385-B0B00D484F16}"/>
+          </ac:spMkLst>
+        </pc:spChg>
+        <pc:spChg chg="mod">
+          <ac:chgData name="Mitchell Fowler" userId="0c3d3d0c9a062725" providerId="LiveId" clId="{50F2C5C9-6B18-44BE-87E6-70F8E9E3C765}" dt="2026-02-03T03:00:06.368" v="1186" actId="27803"/>
+          <ac:spMkLst>
+            <pc:docMk/>
+            <pc:sldMk cId="1825437072" sldId="261"/>
+            <ac:spMk id="19" creationId="{1420E947-48D8-8AAE-3A21-48DC43DC5ACD}"/>
+          </ac:spMkLst>
+        </pc:spChg>
+        <pc:spChg chg="del mod">
+          <ac:chgData name="Mitchell Fowler" userId="0c3d3d0c9a062725" providerId="LiveId" clId="{50F2C5C9-6B18-44BE-87E6-70F8E9E3C765}" dt="2026-02-03T03:00:23.009" v="1190" actId="478"/>
+          <ac:spMkLst>
+            <pc:docMk/>
+            <pc:sldMk cId="1825437072" sldId="261"/>
+            <ac:spMk id="20" creationId="{E69AE6B9-8F9E-0063-A218-9925DD04F418}"/>
+          </ac:spMkLst>
+        </pc:spChg>
+        <pc:spChg chg="mod">
+          <ac:chgData name="Mitchell Fowler" userId="0c3d3d0c9a062725" providerId="LiveId" clId="{50F2C5C9-6B18-44BE-87E6-70F8E9E3C765}" dt="2026-02-03T03:00:06.368" v="1186" actId="27803"/>
+          <ac:spMkLst>
+            <pc:docMk/>
+            <pc:sldMk cId="1825437072" sldId="261"/>
+            <ac:spMk id="22" creationId="{F814A099-5029-2E0D-D689-98E0C2A8B691}"/>
+          </ac:spMkLst>
+        </pc:spChg>
+        <pc:spChg chg="mod">
+          <ac:chgData name="Mitchell Fowler" userId="0c3d3d0c9a062725" providerId="LiveId" clId="{50F2C5C9-6B18-44BE-87E6-70F8E9E3C765}" dt="2026-02-03T03:00:12.017" v="1187" actId="165"/>
+          <ac:spMkLst>
+            <pc:docMk/>
+            <pc:sldMk cId="1825437072" sldId="261"/>
+            <ac:spMk id="24" creationId="{F68253B4-D125-E08D-6AAC-305734B66405}"/>
+          </ac:spMkLst>
+        </pc:spChg>
+        <pc:spChg chg="mod">
+          <ac:chgData name="Mitchell Fowler" userId="0c3d3d0c9a062725" providerId="LiveId" clId="{50F2C5C9-6B18-44BE-87E6-70F8E9E3C765}" dt="2026-02-03T03:00:12.017" v="1187" actId="165"/>
+          <ac:spMkLst>
+            <pc:docMk/>
+            <pc:sldMk cId="1825437072" sldId="261"/>
+            <ac:spMk id="26" creationId="{334F4D16-A335-2621-2F20-7A029330AE06}"/>
+          </ac:spMkLst>
+        </pc:spChg>
+        <pc:spChg chg="mod">
+          <ac:chgData name="Mitchell Fowler" userId="0c3d3d0c9a062725" providerId="LiveId" clId="{50F2C5C9-6B18-44BE-87E6-70F8E9E3C765}" dt="2026-02-03T03:00:12.017" v="1187" actId="165"/>
+          <ac:spMkLst>
+            <pc:docMk/>
+            <pc:sldMk cId="1825437072" sldId="261"/>
+            <ac:spMk id="27" creationId="{11D35C8C-E3DE-D7A3-992F-C16C4E592E68}"/>
+          </ac:spMkLst>
+        </pc:spChg>
+        <pc:spChg chg="mod topLvl">
+          <ac:chgData name="Mitchell Fowler" userId="0c3d3d0c9a062725" providerId="LiveId" clId="{50F2C5C9-6B18-44BE-87E6-70F8E9E3C765}" dt="2026-02-03T03:00:12.017" v="1187" actId="165"/>
+          <ac:spMkLst>
+            <pc:docMk/>
+            <pc:sldMk cId="1825437072" sldId="261"/>
+            <ac:spMk id="29" creationId="{754A37FE-63B2-2751-E5D5-D44F5D61D03E}"/>
+          </ac:spMkLst>
+        </pc:spChg>
+        <pc:spChg chg="mod topLvl">
+          <ac:chgData name="Mitchell Fowler" userId="0c3d3d0c9a062725" providerId="LiveId" clId="{50F2C5C9-6B18-44BE-87E6-70F8E9E3C765}" dt="2026-02-03T03:00:12.017" v="1187" actId="165"/>
+          <ac:spMkLst>
+            <pc:docMk/>
+            <pc:sldMk cId="1825437072" sldId="261"/>
+            <ac:spMk id="30" creationId="{7CE5ED27-C87F-9A94-2C94-2C51ADB0AD1C}"/>
+          </ac:spMkLst>
+        </pc:spChg>
+        <pc:spChg chg="mod">
+          <ac:chgData name="Mitchell Fowler" userId="0c3d3d0c9a062725" providerId="LiveId" clId="{50F2C5C9-6B18-44BE-87E6-70F8E9E3C765}" dt="2026-02-03T03:00:06.368" v="1186" actId="27803"/>
+          <ac:spMkLst>
+            <pc:docMk/>
+            <pc:sldMk cId="1825437072" sldId="261"/>
+            <ac:spMk id="33" creationId="{EF1DDAB0-C33E-9E6A-C1F4-C6F936AF5C3C}"/>
+          </ac:spMkLst>
+        </pc:spChg>
+        <pc:spChg chg="mod topLvl">
+          <ac:chgData name="Mitchell Fowler" userId="0c3d3d0c9a062725" providerId="LiveId" clId="{50F2C5C9-6B18-44BE-87E6-70F8E9E3C765}" dt="2026-02-03T03:00:12.017" v="1187" actId="165"/>
+          <ac:spMkLst>
+            <pc:docMk/>
+            <pc:sldMk cId="1825437072" sldId="261"/>
+            <ac:spMk id="34" creationId="{7B2FC423-E5C8-E52D-F7E2-6A4EEE45191E}"/>
+          </ac:spMkLst>
+        </pc:spChg>
+        <pc:spChg chg="mod topLvl">
+          <ac:chgData name="Mitchell Fowler" userId="0c3d3d0c9a062725" providerId="LiveId" clId="{50F2C5C9-6B18-44BE-87E6-70F8E9E3C765}" dt="2026-02-03T03:00:36.181" v="1192" actId="164"/>
+          <ac:spMkLst>
+            <pc:docMk/>
+            <pc:sldMk cId="1825437072" sldId="261"/>
+            <ac:spMk id="35" creationId="{C7F77354-3FEC-4C84-FE8A-A31C927BA135}"/>
+          </ac:spMkLst>
+        </pc:spChg>
+        <pc:spChg chg="mod">
+          <ac:chgData name="Mitchell Fowler" userId="0c3d3d0c9a062725" providerId="LiveId" clId="{50F2C5C9-6B18-44BE-87E6-70F8E9E3C765}" dt="2026-02-03T03:00:36.181" v="1192" actId="164"/>
+          <ac:spMkLst>
+            <pc:docMk/>
+            <pc:sldMk cId="1825437072" sldId="261"/>
+            <ac:spMk id="36" creationId="{632269A6-8F9D-5A73-2EB0-511D9F969FB0}"/>
+          </ac:spMkLst>
+        </pc:spChg>
+        <pc:spChg chg="mod">
+          <ac:chgData name="Mitchell Fowler" userId="0c3d3d0c9a062725" providerId="LiveId" clId="{50F2C5C9-6B18-44BE-87E6-70F8E9E3C765}" dt="2026-02-03T03:00:36.181" v="1192" actId="164"/>
+          <ac:spMkLst>
+            <pc:docMk/>
+            <pc:sldMk cId="1825437072" sldId="261"/>
+            <ac:spMk id="37" creationId="{C7B203B4-2B6C-0F4D-89BA-4B7A0EEC44EA}"/>
+          </ac:spMkLst>
+        </pc:spChg>
+        <pc:grpChg chg="add del mod">
+          <ac:chgData name="Mitchell Fowler" userId="0c3d3d0c9a062725" providerId="LiveId" clId="{50F2C5C9-6B18-44BE-87E6-70F8E9E3C765}" dt="2026-02-03T03:00:47.906" v="1198" actId="21"/>
+          <ac:grpSpMkLst>
+            <pc:docMk/>
+            <pc:sldMk cId="1825437072" sldId="261"/>
+            <ac:grpSpMk id="38" creationId="{3855D2B0-6998-884D-1CE9-4994D8BB287A}"/>
+          </ac:grpSpMkLst>
+        </pc:grpChg>
+        <pc:picChg chg="add del mod">
+          <ac:chgData name="Mitchell Fowler" userId="0c3d3d0c9a062725" providerId="LiveId" clId="{50F2C5C9-6B18-44BE-87E6-70F8E9E3C765}" dt="2026-02-03T02:59:10.868" v="1184" actId="478"/>
+          <ac:picMkLst>
+            <pc:docMk/>
+            <pc:sldMk cId="1825437072" sldId="261"/>
+            <ac:picMk id="3" creationId="{D4075596-6919-53EF-EDA9-99CDA6871641}"/>
+          </ac:picMkLst>
+        </pc:picChg>
+        <pc:picChg chg="add mod">
+          <ac:chgData name="Mitchell Fowler" userId="0c3d3d0c9a062725" providerId="LiveId" clId="{50F2C5C9-6B18-44BE-87E6-70F8E9E3C765}" dt="2026-02-03T03:00:01.133" v="1185"/>
+          <ac:picMkLst>
+            <pc:docMk/>
+            <pc:sldMk cId="1825437072" sldId="261"/>
+            <ac:picMk id="5" creationId="{81243628-34DE-B1BB-9191-884A6BCA7B89}"/>
+          </ac:picMkLst>
+        </pc:picChg>
       </pc:sldChg>
     </pc:docChg>
   </pc:docChgLst>
@@ -1235,7 +1799,7 @@
           <a:p>
             <a:fld id="{7D909401-5EA8-4372-9FA7-86BA32B1A827}" type="datetimeFigureOut">
               <a:rPr lang="en-US" smtClean="0"/>
-              <a:t>1/31/2026</a:t>
+              <a:t>2/2/2026</a:t>
             </a:fld>
             <a:endParaRPr lang="en-US"/>
           </a:p>
@@ -1433,7 +1997,7 @@
           <a:p>
             <a:fld id="{7D909401-5EA8-4372-9FA7-86BA32B1A827}" type="datetimeFigureOut">
               <a:rPr lang="en-US" smtClean="0"/>
-              <a:t>1/31/2026</a:t>
+              <a:t>2/2/2026</a:t>
             </a:fld>
             <a:endParaRPr lang="en-US"/>
           </a:p>
@@ -1641,7 +2205,7 @@
           <a:p>
             <a:fld id="{7D909401-5EA8-4372-9FA7-86BA32B1A827}" type="datetimeFigureOut">
               <a:rPr lang="en-US" smtClean="0"/>
-              <a:t>1/31/2026</a:t>
+              <a:t>2/2/2026</a:t>
             </a:fld>
             <a:endParaRPr lang="en-US"/>
           </a:p>
@@ -1839,7 +2403,7 @@
           <a:p>
             <a:fld id="{7D909401-5EA8-4372-9FA7-86BA32B1A827}" type="datetimeFigureOut">
               <a:rPr lang="en-US" smtClean="0"/>
-              <a:t>1/31/2026</a:t>
+              <a:t>2/2/2026</a:t>
             </a:fld>
             <a:endParaRPr lang="en-US"/>
           </a:p>
@@ -2114,7 +2678,7 @@
           <a:p>
             <a:fld id="{7D909401-5EA8-4372-9FA7-86BA32B1A827}" type="datetimeFigureOut">
               <a:rPr lang="en-US" smtClean="0"/>
-              <a:t>1/31/2026</a:t>
+              <a:t>2/2/2026</a:t>
             </a:fld>
             <a:endParaRPr lang="en-US"/>
           </a:p>
@@ -2379,7 +2943,7 @@
           <a:p>
             <a:fld id="{7D909401-5EA8-4372-9FA7-86BA32B1A827}" type="datetimeFigureOut">
               <a:rPr lang="en-US" smtClean="0"/>
-              <a:t>1/31/2026</a:t>
+              <a:t>2/2/2026</a:t>
             </a:fld>
             <a:endParaRPr lang="en-US"/>
           </a:p>
@@ -2791,7 +3355,7 @@
           <a:p>
             <a:fld id="{7D909401-5EA8-4372-9FA7-86BA32B1A827}" type="datetimeFigureOut">
               <a:rPr lang="en-US" smtClean="0"/>
-              <a:t>1/31/2026</a:t>
+              <a:t>2/2/2026</a:t>
             </a:fld>
             <a:endParaRPr lang="en-US"/>
           </a:p>
@@ -2932,7 +3496,7 @@
           <a:p>
             <a:fld id="{7D909401-5EA8-4372-9FA7-86BA32B1A827}" type="datetimeFigureOut">
               <a:rPr lang="en-US" smtClean="0"/>
-              <a:t>1/31/2026</a:t>
+              <a:t>2/2/2026</a:t>
             </a:fld>
             <a:endParaRPr lang="en-US"/>
           </a:p>
@@ -3045,7 +3609,7 @@
           <a:p>
             <a:fld id="{7D909401-5EA8-4372-9FA7-86BA32B1A827}" type="datetimeFigureOut">
               <a:rPr lang="en-US" smtClean="0"/>
-              <a:t>1/31/2026</a:t>
+              <a:t>2/2/2026</a:t>
             </a:fld>
             <a:endParaRPr lang="en-US"/>
           </a:p>
@@ -3356,7 +3920,7 @@
           <a:p>
             <a:fld id="{7D909401-5EA8-4372-9FA7-86BA32B1A827}" type="datetimeFigureOut">
               <a:rPr lang="en-US" smtClean="0"/>
-              <a:t>1/31/2026</a:t>
+              <a:t>2/2/2026</a:t>
             </a:fld>
             <a:endParaRPr lang="en-US"/>
           </a:p>
@@ -3644,7 +4208,7 @@
           <a:p>
             <a:fld id="{7D909401-5EA8-4372-9FA7-86BA32B1A827}" type="datetimeFigureOut">
               <a:rPr lang="en-US" smtClean="0"/>
-              <a:t>1/31/2026</a:t>
+              <a:t>2/2/2026</a:t>
             </a:fld>
             <a:endParaRPr lang="en-US"/>
           </a:p>
@@ -3885,7 +4449,7 @@
           <a:p>
             <a:fld id="{7D909401-5EA8-4372-9FA7-86BA32B1A827}" type="datetimeFigureOut">
               <a:rPr lang="en-US" smtClean="0"/>
-              <a:t>1/31/2026</a:t>
+              <a:t>2/2/2026</a:t>
             </a:fld>
             <a:endParaRPr lang="en-US"/>
           </a:p>
@@ -4308,6 +4872,60 @@
           <a:chExt cx="0" cy="0"/>
         </a:xfrm>
       </p:grpSpPr>
+      <p:sp>
+        <p:nvSpPr>
+          <p:cNvPr id="20" name="Rectangle 19">
+            <a:extLst>
+              <a:ext uri="{FF2B5EF4-FFF2-40B4-BE49-F238E27FC236}">
+                <a16:creationId xmlns:a16="http://schemas.microsoft.com/office/drawing/2014/main" id="{E8454695-CA97-3E3F-4F28-B10B7EA382E1}"/>
+              </a:ext>
+            </a:extLst>
+          </p:cNvPr>
+          <p:cNvSpPr/>
+          <p:nvPr/>
+        </p:nvSpPr>
+        <p:spPr>
+          <a:xfrm>
+            <a:off x="0" y="1484671"/>
+            <a:ext cx="12192000" cy="3680210"/>
+          </a:xfrm>
+          <a:prstGeom prst="rect">
+            <a:avLst/>
+          </a:prstGeom>
+          <a:solidFill>
+            <a:srgbClr val="FFFFFF">
+              <a:alpha val="0"/>
+            </a:srgbClr>
+          </a:solidFill>
+          <a:ln>
+            <a:noFill/>
+          </a:ln>
+        </p:spPr>
+        <p:style>
+          <a:lnRef idx="2">
+            <a:schemeClr val="accent1">
+              <a:shade val="15000"/>
+            </a:schemeClr>
+          </a:lnRef>
+          <a:fillRef idx="1">
+            <a:schemeClr val="accent1"/>
+          </a:fillRef>
+          <a:effectRef idx="0">
+            <a:schemeClr val="accent1"/>
+          </a:effectRef>
+          <a:fontRef idx="minor">
+            <a:schemeClr val="lt1"/>
+          </a:fontRef>
+        </p:style>
+        <p:txBody>
+          <a:bodyPr rtlCol="0" anchor="ctr"/>
+          <a:lstStyle/>
+          <a:p>
+            <a:pPr algn="ctr"/>
+            <a:endParaRPr lang="en-US" dirty="0"/>
+          </a:p>
+        </p:txBody>
+      </p:sp>
       <p:grpSp>
         <p:nvGrpSpPr>
           <p:cNvPr id="2" name="Group 1">
@@ -4322,7 +4940,7 @@
         </p:nvGrpSpPr>
         <p:grpSpPr>
           <a:xfrm>
-            <a:off x="6083354" y="1604789"/>
+            <a:off x="5729392" y="1948918"/>
             <a:ext cx="385963" cy="1659377"/>
             <a:chOff x="9171694" y="1387936"/>
             <a:chExt cx="658375" cy="2743694"/>
@@ -4674,7 +5292,7 @@
         </p:nvSpPr>
         <p:spPr>
           <a:xfrm>
-            <a:off x="5565507" y="1348990"/>
+            <a:off x="5211545" y="1693119"/>
             <a:ext cx="1460086" cy="255800"/>
           </a:xfrm>
           <a:prstGeom prst="rect">
@@ -4731,7 +5349,7 @@
         </p:nvSpPr>
         <p:spPr>
           <a:xfrm>
-            <a:off x="7025594" y="1348990"/>
+            <a:off x="6671632" y="1693119"/>
             <a:ext cx="190895" cy="3228076"/>
           </a:xfrm>
           <a:prstGeom prst="rect">
@@ -4788,7 +5406,7 @@
         </p:nvSpPr>
         <p:spPr>
           <a:xfrm>
-            <a:off x="5374611" y="1348990"/>
+            <a:off x="5020649" y="1693119"/>
             <a:ext cx="190895" cy="3228076"/>
           </a:xfrm>
           <a:prstGeom prst="rect">
@@ -4847,7 +5465,7 @@
         </p:nvCxnSpPr>
         <p:spPr>
           <a:xfrm flipV="1">
-            <a:off x="5565507" y="1604805"/>
+            <a:off x="5211545" y="1948934"/>
             <a:ext cx="0" cy="2972261"/>
           </a:xfrm>
           <a:prstGeom prst="line">
@@ -4890,7 +5508,7 @@
         </p:nvCxnSpPr>
         <p:spPr>
           <a:xfrm flipV="1">
-            <a:off x="7006379" y="1604805"/>
+            <a:off x="6652417" y="1948934"/>
             <a:ext cx="0" cy="2972261"/>
           </a:xfrm>
           <a:prstGeom prst="line">
@@ -4933,7 +5551,7 @@
         </p:nvCxnSpPr>
         <p:spPr>
           <a:xfrm flipH="1">
-            <a:off x="5565507" y="1604805"/>
+            <a:off x="5211545" y="1948934"/>
             <a:ext cx="1440872" cy="0"/>
           </a:xfrm>
           <a:prstGeom prst="line">
@@ -4974,7 +5592,7 @@
         </p:nvSpPr>
         <p:spPr>
           <a:xfrm>
-            <a:off x="5641320" y="3264188"/>
+            <a:off x="5287358" y="3608317"/>
             <a:ext cx="1297568" cy="951808"/>
           </a:xfrm>
           <a:prstGeom prst="rect">
@@ -5030,7 +5648,7 @@
             </p:nvSpPr>
             <p:spPr>
               <a:xfrm>
-                <a:off x="5983054" y="3636568"/>
+                <a:off x="5629092" y="3980697"/>
                 <a:ext cx="619657" cy="584775"/>
               </a:xfrm>
               <a:prstGeom prst="rect">
@@ -5044,6 +5662,7 @@
               </a:bodyPr>
               <a:lstStyle/>
               <a:p>
+                <a:pPr/>
                 <a14:m>
                   <m:oMathPara xmlns:m="http://schemas.openxmlformats.org/officeDocument/2006/math">
                     <m:oMathParaPr>
@@ -5088,7 +5707,7 @@
             </p:nvSpPr>
             <p:spPr>
               <a:xfrm>
-                <a:off x="5983054" y="3636568"/>
+                <a:off x="5629092" y="3980697"/>
                 <a:ext cx="619657" cy="584775"/>
               </a:xfrm>
               <a:prstGeom prst="rect">
@@ -5130,7 +5749,7 @@
         </p:nvSpPr>
         <p:spPr>
           <a:xfrm>
-            <a:off x="5749588" y="3264147"/>
+            <a:off x="5395626" y="3608276"/>
             <a:ext cx="1053494" cy="584775"/>
           </a:xfrm>
           <a:prstGeom prst="rect">
@@ -5172,7 +5791,7 @@
         </p:nvSpPr>
         <p:spPr>
           <a:xfrm>
-            <a:off x="7285448" y="3139713"/>
+            <a:off x="6931486" y="3483842"/>
             <a:ext cx="1526380" cy="584775"/>
           </a:xfrm>
           <a:prstGeom prst="rect">
@@ -5216,7 +5835,7 @@
             </p:nvSpPr>
             <p:spPr>
               <a:xfrm>
-                <a:off x="7813010" y="3631223"/>
+                <a:off x="7459048" y="3975352"/>
                 <a:ext cx="470192" cy="584775"/>
               </a:xfrm>
               <a:prstGeom prst="rect">
@@ -5230,6 +5849,7 @@
               </a:bodyPr>
               <a:lstStyle/>
               <a:p>
+                <a:pPr/>
                 <a14:m>
                   <m:oMathPara xmlns:m="http://schemas.openxmlformats.org/officeDocument/2006/math">
                     <m:oMathParaPr>
@@ -5274,7 +5894,7 @@
             </p:nvSpPr>
             <p:spPr>
               <a:xfrm>
-                <a:off x="7813010" y="3631223"/>
+                <a:off x="7459048" y="3975352"/>
                 <a:ext cx="470192" cy="584775"/>
               </a:xfrm>
               <a:prstGeom prst="rect">
@@ -5316,7 +5936,7 @@
         </p:nvSpPr>
         <p:spPr>
           <a:xfrm>
-            <a:off x="7443229" y="1882137"/>
+            <a:off x="7089267" y="2226266"/>
             <a:ext cx="1237839" cy="584775"/>
           </a:xfrm>
           <a:prstGeom prst="rect">
@@ -5360,7 +5980,7 @@
             </p:nvSpPr>
             <p:spPr>
               <a:xfrm>
-                <a:off x="7813010" y="2355815"/>
+                <a:off x="7459048" y="2699944"/>
                 <a:ext cx="506100" cy="584775"/>
               </a:xfrm>
               <a:prstGeom prst="rect">
@@ -5374,6 +5994,7 @@
               </a:bodyPr>
               <a:lstStyle/>
               <a:p>
+                <a:pPr/>
                 <a14:m>
                   <m:oMathPara xmlns:m="http://schemas.openxmlformats.org/officeDocument/2006/math">
                     <m:oMathParaPr>
@@ -5418,7 +6039,7 @@
             </p:nvSpPr>
             <p:spPr>
               <a:xfrm>
-                <a:off x="7813010" y="2355815"/>
+                <a:off x="7459048" y="2699944"/>
                 <a:ext cx="506100" cy="584775"/>
               </a:xfrm>
               <a:prstGeom prst="rect">
@@ -5460,7 +6081,7 @@
         </p:nvSpPr>
         <p:spPr>
           <a:xfrm>
-            <a:off x="3567899" y="3481751"/>
+            <a:off x="3213937" y="3825880"/>
             <a:ext cx="1443024" cy="584775"/>
           </a:xfrm>
           <a:prstGeom prst="rect">
@@ -5480,7 +6101,7 @@
                   <a:srgbClr val="0000FF"/>
                 </a:solidFill>
               </a:rPr>
-              <a:t>motion</a:t>
+              <a:t>Motion</a:t>
             </a:r>
           </a:p>
         </p:txBody>
@@ -5501,7 +6122,7 @@
         </p:nvCxnSpPr>
         <p:spPr>
           <a:xfrm>
-            <a:off x="5161255" y="3380724"/>
+            <a:off x="4807293" y="3724853"/>
             <a:ext cx="0" cy="786830"/>
           </a:xfrm>
           <a:prstGeom prst="straightConnector1">
@@ -5560,6 +6181,60 @@
           <a:chExt cx="0" cy="0"/>
         </a:xfrm>
       </p:grpSpPr>
+      <p:sp>
+        <p:nvSpPr>
+          <p:cNvPr id="2" name="Rectangle 1">
+            <a:extLst>
+              <a:ext uri="{FF2B5EF4-FFF2-40B4-BE49-F238E27FC236}">
+                <a16:creationId xmlns:a16="http://schemas.microsoft.com/office/drawing/2014/main" id="{F56336F9-C76D-0FA4-CD41-782AA67AFAAC}"/>
+              </a:ext>
+            </a:extLst>
+          </p:cNvPr>
+          <p:cNvSpPr/>
+          <p:nvPr/>
+        </p:nvSpPr>
+        <p:spPr>
+          <a:xfrm>
+            <a:off x="0" y="1169751"/>
+            <a:ext cx="12192000" cy="4896752"/>
+          </a:xfrm>
+          <a:prstGeom prst="rect">
+            <a:avLst/>
+          </a:prstGeom>
+          <a:solidFill>
+            <a:srgbClr val="FFFFFF">
+              <a:alpha val="0"/>
+            </a:srgbClr>
+          </a:solidFill>
+          <a:ln>
+            <a:noFill/>
+          </a:ln>
+        </p:spPr>
+        <p:style>
+          <a:lnRef idx="2">
+            <a:schemeClr val="accent1">
+              <a:shade val="15000"/>
+            </a:schemeClr>
+          </a:lnRef>
+          <a:fillRef idx="1">
+            <a:schemeClr val="accent1"/>
+          </a:fillRef>
+          <a:effectRef idx="0">
+            <a:schemeClr val="accent1"/>
+          </a:effectRef>
+          <a:fontRef idx="minor">
+            <a:schemeClr val="lt1"/>
+          </a:fontRef>
+        </p:style>
+        <p:txBody>
+          <a:bodyPr rtlCol="0" anchor="ctr"/>
+          <a:lstStyle/>
+          <a:p>
+            <a:pPr algn="ctr"/>
+            <a:endParaRPr lang="en-US"/>
+          </a:p>
+        </p:txBody>
+      </p:sp>
       <p:grpSp>
         <p:nvGrpSpPr>
           <p:cNvPr id="72" name="Group 71">
@@ -5574,7 +6249,7 @@
         </p:nvGrpSpPr>
         <p:grpSpPr>
           <a:xfrm>
-            <a:off x="3041632" y="2149913"/>
+            <a:off x="2992469" y="2149913"/>
             <a:ext cx="409863" cy="1129618"/>
             <a:chOff x="9171694" y="1387936"/>
             <a:chExt cx="658375" cy="2743694"/>
@@ -5926,7 +6601,7 @@
         </p:nvSpPr>
         <p:spPr>
           <a:xfrm>
-            <a:off x="2523785" y="1894113"/>
+            <a:off x="2474622" y="1894113"/>
             <a:ext cx="1460086" cy="255800"/>
           </a:xfrm>
           <a:prstGeom prst="rect">
@@ -5983,7 +6658,7 @@
         </p:nvSpPr>
         <p:spPr>
           <a:xfrm>
-            <a:off x="3983872" y="1894113"/>
+            <a:off x="3934709" y="1894113"/>
             <a:ext cx="190895" cy="3228076"/>
           </a:xfrm>
           <a:prstGeom prst="rect">
@@ -6040,7 +6715,7 @@
         </p:nvSpPr>
         <p:spPr>
           <a:xfrm>
-            <a:off x="2332889" y="1894113"/>
+            <a:off x="2283726" y="1894113"/>
             <a:ext cx="190895" cy="3228076"/>
           </a:xfrm>
           <a:prstGeom prst="rect">
@@ -6099,7 +6774,7 @@
         </p:nvCxnSpPr>
         <p:spPr>
           <a:xfrm flipV="1">
-            <a:off x="2523785" y="2149928"/>
+            <a:off x="2474622" y="2149928"/>
             <a:ext cx="0" cy="2972261"/>
           </a:xfrm>
           <a:prstGeom prst="line">
@@ -6142,7 +6817,7 @@
         </p:nvCxnSpPr>
         <p:spPr>
           <a:xfrm flipV="1">
-            <a:off x="3964657" y="2149928"/>
+            <a:off x="3915494" y="2149928"/>
             <a:ext cx="0" cy="2972261"/>
           </a:xfrm>
           <a:prstGeom prst="line">
@@ -6185,7 +6860,7 @@
         </p:nvCxnSpPr>
         <p:spPr>
           <a:xfrm flipH="1">
-            <a:off x="2523785" y="2149928"/>
+            <a:off x="2474622" y="2149928"/>
             <a:ext cx="1440872" cy="0"/>
           </a:xfrm>
           <a:prstGeom prst="line">
@@ -6226,7 +6901,7 @@
         </p:nvGrpSpPr>
         <p:grpSpPr>
           <a:xfrm>
-            <a:off x="2590262" y="3279556"/>
+            <a:off x="2541099" y="3279556"/>
             <a:ext cx="1297568" cy="951808"/>
             <a:chOff x="5641320" y="3264188"/>
             <a:chExt cx="1297568" cy="951808"/>
@@ -6286,8 +6961,8 @@
             </a:p>
           </p:txBody>
         </p:sp>
-        <mc:AlternateContent xmlns:mc="http://schemas.openxmlformats.org/markup-compatibility/2006">
-          <mc:Choice xmlns:a14="http://schemas.microsoft.com/office/drawing/2010/main" Requires="a14">
+        <mc:AlternateContent xmlns:mc="http://schemas.openxmlformats.org/markup-compatibility/2006" xmlns:a14="http://schemas.microsoft.com/office/drawing/2010/main">
+          <mc:Choice Requires="a14">
             <p:sp>
               <p:nvSpPr>
                 <p:cNvPr id="73" name="TextBox 72">
@@ -6316,6 +6991,7 @@
                 </a:bodyPr>
                 <a:lstStyle/>
                 <a:p>
+                  <a:pPr/>
                   <a14:m>
                     <m:oMathPara xmlns:m="http://schemas.openxmlformats.org/officeDocument/2006/math">
                       <m:oMathParaPr>
@@ -6343,7 +7019,7 @@
               </p:txBody>
             </p:sp>
           </mc:Choice>
-          <mc:Fallback>
+          <mc:Fallback xmlns="">
             <p:sp>
               <p:nvSpPr>
                 <p:cNvPr id="73" name="TextBox 72">
@@ -6405,7 +7081,7 @@
         </p:nvCxnSpPr>
         <p:spPr>
           <a:xfrm>
-            <a:off x="1808561" y="3286688"/>
+            <a:off x="1759398" y="3286688"/>
             <a:ext cx="0" cy="908351"/>
           </a:xfrm>
           <a:prstGeom prst="straightConnector1">
@@ -6449,7 +7125,7 @@
             </p:nvSpPr>
             <p:spPr>
               <a:xfrm>
-                <a:off x="1239004" y="3383962"/>
+                <a:off x="1189841" y="3383962"/>
                 <a:ext cx="504241" cy="584775"/>
               </a:xfrm>
               <a:prstGeom prst="rect">
@@ -6463,6 +7139,7 @@
               </a:bodyPr>
               <a:lstStyle/>
               <a:p>
+                <a:pPr/>
                 <a14:m>
                   <m:oMathPara xmlns:m="http://schemas.openxmlformats.org/officeDocument/2006/math">
                     <m:oMathParaPr>
@@ -6507,7 +7184,7 @@
             </p:nvSpPr>
             <p:spPr>
               <a:xfrm>
-                <a:off x="1239004" y="3383962"/>
+                <a:off x="1189841" y="3383962"/>
                 <a:ext cx="504241" cy="584775"/>
               </a:xfrm>
               <a:prstGeom prst="rect">
@@ -6551,7 +7228,7 @@
         </p:nvCxnSpPr>
         <p:spPr>
           <a:xfrm>
-            <a:off x="1625681" y="2149912"/>
+            <a:off x="1576518" y="2149912"/>
             <a:ext cx="365760" cy="0"/>
           </a:xfrm>
           <a:prstGeom prst="line">
@@ -6594,7 +7271,7 @@
         </p:nvCxnSpPr>
         <p:spPr>
           <a:xfrm>
-            <a:off x="1813377" y="2149912"/>
+            <a:off x="1764214" y="2149912"/>
             <a:ext cx="0" cy="1129603"/>
           </a:xfrm>
           <a:prstGeom prst="straightConnector1">
@@ -6639,7 +7316,7 @@
             </p:nvSpPr>
             <p:spPr>
               <a:xfrm>
-                <a:off x="1233612" y="2466508"/>
+                <a:off x="1184449" y="2466508"/>
                 <a:ext cx="494431" cy="584775"/>
               </a:xfrm>
               <a:prstGeom prst="rect">
@@ -6653,6 +7330,7 @@
               </a:bodyPr>
               <a:lstStyle/>
               <a:p>
+                <a:pPr/>
                 <a14:m>
                   <m:oMathPara xmlns:m="http://schemas.openxmlformats.org/officeDocument/2006/math">
                     <m:oMathParaPr>
@@ -6697,7 +7375,7 @@
             </p:nvSpPr>
             <p:spPr>
               <a:xfrm>
-                <a:off x="1233612" y="2466508"/>
+                <a:off x="1184449" y="2466508"/>
                 <a:ext cx="494431" cy="584775"/>
               </a:xfrm>
               <a:prstGeom prst="rect">
@@ -6741,7 +7419,7 @@
         </p:nvCxnSpPr>
         <p:spPr>
           <a:xfrm>
-            <a:off x="1625681" y="3280273"/>
+            <a:off x="1576518" y="3280273"/>
             <a:ext cx="365760" cy="0"/>
           </a:xfrm>
           <a:prstGeom prst="line">
@@ -6784,7 +7462,7 @@
             </p:nvSpPr>
             <p:spPr>
               <a:xfrm>
-                <a:off x="2621475" y="4239675"/>
+                <a:off x="2572312" y="4239675"/>
                 <a:ext cx="1264705" cy="584775"/>
               </a:xfrm>
               <a:prstGeom prst="rect">
@@ -6798,6 +7476,7 @@
               </a:bodyPr>
               <a:lstStyle/>
               <a:p>
+                <a:pPr/>
                 <a14:m>
                   <m:oMathPara xmlns:m="http://schemas.openxmlformats.org/officeDocument/2006/math">
                     <m:oMathParaPr>
@@ -6851,7 +7530,7 @@
             </p:nvSpPr>
             <p:spPr>
               <a:xfrm>
-                <a:off x="2621475" y="4239675"/>
+                <a:off x="2572312" y="4239675"/>
                 <a:ext cx="1264705" cy="584775"/>
               </a:xfrm>
               <a:prstGeom prst="rect">
@@ -6895,7 +7574,7 @@
             </p:nvSpPr>
             <p:spPr>
               <a:xfrm>
-                <a:off x="2637374" y="1169766"/>
+                <a:off x="2588211" y="1169766"/>
                 <a:ext cx="1203343" cy="584775"/>
               </a:xfrm>
               <a:prstGeom prst="rect">
@@ -6909,6 +7588,7 @@
               </a:bodyPr>
               <a:lstStyle/>
               <a:p>
+                <a:pPr/>
                 <a14:m>
                   <m:oMathPara xmlns:m="http://schemas.openxmlformats.org/officeDocument/2006/math">
                     <m:oMathParaPr>
@@ -6962,7 +7642,7 @@
             </p:nvSpPr>
             <p:spPr>
               <a:xfrm>
-                <a:off x="2637374" y="1169766"/>
+                <a:off x="2588211" y="1169766"/>
                 <a:ext cx="1203343" cy="584775"/>
               </a:xfrm>
               <a:prstGeom prst="rect">
@@ -7004,7 +7684,7 @@
         </p:nvGrpSpPr>
         <p:grpSpPr>
           <a:xfrm>
-            <a:off x="6400798" y="2149896"/>
+            <a:off x="6351635" y="2149896"/>
             <a:ext cx="409893" cy="1630783"/>
             <a:chOff x="9171694" y="1387936"/>
             <a:chExt cx="658375" cy="2743694"/>
@@ -7356,7 +8036,7 @@
         </p:nvSpPr>
         <p:spPr>
           <a:xfrm>
-            <a:off x="5882951" y="1894097"/>
+            <a:off x="5833788" y="1894097"/>
             <a:ext cx="1460086" cy="255800"/>
           </a:xfrm>
           <a:prstGeom prst="rect">
@@ -7413,7 +8093,7 @@
         </p:nvSpPr>
         <p:spPr>
           <a:xfrm>
-            <a:off x="7343038" y="1894097"/>
+            <a:off x="7293875" y="1894097"/>
             <a:ext cx="190895" cy="3228076"/>
           </a:xfrm>
           <a:prstGeom prst="rect">
@@ -7470,7 +8150,7 @@
         </p:nvSpPr>
         <p:spPr>
           <a:xfrm>
-            <a:off x="5692055" y="1894097"/>
+            <a:off x="5642892" y="1894097"/>
             <a:ext cx="190895" cy="3228076"/>
           </a:xfrm>
           <a:prstGeom prst="rect">
@@ -7529,7 +8209,7 @@
         </p:nvCxnSpPr>
         <p:spPr>
           <a:xfrm flipV="1">
-            <a:off x="5882951" y="2149912"/>
+            <a:off x="5833788" y="2149912"/>
             <a:ext cx="0" cy="2972261"/>
           </a:xfrm>
           <a:prstGeom prst="line">
@@ -7572,7 +8252,7 @@
         </p:nvCxnSpPr>
         <p:spPr>
           <a:xfrm flipV="1">
-            <a:off x="7323823" y="2149912"/>
+            <a:off x="7274660" y="2149912"/>
             <a:ext cx="0" cy="2972261"/>
           </a:xfrm>
           <a:prstGeom prst="line">
@@ -7615,7 +8295,7 @@
         </p:nvCxnSpPr>
         <p:spPr>
           <a:xfrm flipH="1">
-            <a:off x="5882951" y="2149912"/>
+            <a:off x="5833788" y="2149912"/>
             <a:ext cx="1440872" cy="0"/>
           </a:xfrm>
           <a:prstGeom prst="line">
@@ -7656,7 +8336,7 @@
         </p:nvGrpSpPr>
         <p:grpSpPr>
           <a:xfrm>
-            <a:off x="5949428" y="3780701"/>
+            <a:off x="5900265" y="3780701"/>
             <a:ext cx="1297568" cy="951808"/>
             <a:chOff x="5641320" y="3264188"/>
             <a:chExt cx="1297568" cy="951808"/>
@@ -7716,8 +8396,8 @@
             </a:p>
           </p:txBody>
         </p:sp>
-        <mc:AlternateContent xmlns:mc="http://schemas.openxmlformats.org/markup-compatibility/2006">
-          <mc:Choice xmlns:a14="http://schemas.microsoft.com/office/drawing/2010/main" Requires="a14">
+        <mc:AlternateContent xmlns:mc="http://schemas.openxmlformats.org/markup-compatibility/2006" xmlns:a14="http://schemas.microsoft.com/office/drawing/2010/main">
+          <mc:Choice Requires="a14">
             <p:sp>
               <p:nvSpPr>
                 <p:cNvPr id="130" name="TextBox 129">
@@ -7746,6 +8426,7 @@
                 </a:bodyPr>
                 <a:lstStyle/>
                 <a:p>
+                  <a:pPr/>
                   <a14:m>
                     <m:oMathPara xmlns:m="http://schemas.openxmlformats.org/officeDocument/2006/math">
                       <m:oMathParaPr>
@@ -7773,7 +8454,7 @@
               </p:txBody>
             </p:sp>
           </mc:Choice>
-          <mc:Fallback>
+          <mc:Fallback xmlns="">
             <p:sp>
               <p:nvSpPr>
                 <p:cNvPr id="130" name="TextBox 129">
@@ -7835,7 +8516,7 @@
         </p:nvCxnSpPr>
         <p:spPr>
           <a:xfrm>
-            <a:off x="5167727" y="3286672"/>
+            <a:off x="5118564" y="3286672"/>
             <a:ext cx="4816" cy="494007"/>
           </a:xfrm>
           <a:prstGeom prst="straightConnector1">
@@ -7879,7 +8560,7 @@
             </p:nvSpPr>
             <p:spPr>
               <a:xfrm>
-                <a:off x="4407679" y="3154051"/>
+                <a:off x="4358516" y="3154051"/>
                 <a:ext cx="674992" cy="584775"/>
               </a:xfrm>
               <a:prstGeom prst="rect">
@@ -7893,6 +8574,7 @@
               </a:bodyPr>
               <a:lstStyle/>
               <a:p>
+                <a:pPr/>
                 <a14:m>
                   <m:oMathPara xmlns:m="http://schemas.openxmlformats.org/officeDocument/2006/math">
                     <m:oMathParaPr>
@@ -7962,7 +8644,7 @@
             </p:nvSpPr>
             <p:spPr>
               <a:xfrm>
-                <a:off x="4407679" y="3154051"/>
+                <a:off x="4358516" y="3154051"/>
                 <a:ext cx="674992" cy="584775"/>
               </a:xfrm>
               <a:prstGeom prst="rect">
@@ -8006,7 +8688,7 @@
         </p:nvCxnSpPr>
         <p:spPr>
           <a:xfrm>
-            <a:off x="4984847" y="3279499"/>
+            <a:off x="4935684" y="3279499"/>
             <a:ext cx="365760" cy="0"/>
           </a:xfrm>
           <a:prstGeom prst="line">
@@ -8049,7 +8731,7 @@
             </p:nvSpPr>
             <p:spPr>
               <a:xfrm>
-                <a:off x="5915546" y="4944920"/>
+                <a:off x="5866383" y="4944920"/>
                 <a:ext cx="677045" cy="584775"/>
               </a:xfrm>
               <a:prstGeom prst="rect">
@@ -8063,6 +8745,7 @@
               </a:bodyPr>
               <a:lstStyle/>
               <a:p>
+                <a:pPr/>
                 <a14:m>
                   <m:oMathPara xmlns:m="http://schemas.openxmlformats.org/officeDocument/2006/math">
                     <m:oMathParaPr>
@@ -8132,7 +8815,7 @@
             </p:nvSpPr>
             <p:spPr>
               <a:xfrm>
-                <a:off x="5915546" y="4944920"/>
+                <a:off x="5866383" y="4944920"/>
                 <a:ext cx="677045" cy="584775"/>
               </a:xfrm>
               <a:prstGeom prst="rect">
@@ -8176,7 +8859,7 @@
             </p:nvSpPr>
             <p:spPr>
               <a:xfrm>
-                <a:off x="5996540" y="1169750"/>
+                <a:off x="5947377" y="1169750"/>
                 <a:ext cx="1201739" cy="584775"/>
               </a:xfrm>
               <a:prstGeom prst="rect">
@@ -8190,6 +8873,7 @@
               </a:bodyPr>
               <a:lstStyle/>
               <a:p>
+                <a:pPr/>
                 <a14:m>
                   <m:oMathPara xmlns:m="http://schemas.openxmlformats.org/officeDocument/2006/math">
                     <m:oMathParaPr>
@@ -8243,7 +8927,7 @@
             </p:nvSpPr>
             <p:spPr>
               <a:xfrm>
-                <a:off x="5996540" y="1169750"/>
+                <a:off x="5947377" y="1169750"/>
                 <a:ext cx="1201739" cy="584775"/>
               </a:xfrm>
               <a:prstGeom prst="rect">
@@ -8287,7 +8971,7 @@
         </p:nvCxnSpPr>
         <p:spPr>
           <a:xfrm>
-            <a:off x="6592593" y="4824450"/>
+            <a:off x="6543430" y="4824450"/>
             <a:ext cx="4816" cy="494007"/>
           </a:xfrm>
           <a:prstGeom prst="straightConnector1">
@@ -8329,7 +9013,7 @@
         </p:nvGrpSpPr>
         <p:grpSpPr>
           <a:xfrm>
-            <a:off x="9699002" y="2149896"/>
+            <a:off x="9649839" y="2149896"/>
             <a:ext cx="409893" cy="1950104"/>
             <a:chOff x="9171694" y="1387936"/>
             <a:chExt cx="658375" cy="2743694"/>
@@ -8681,7 +9365,7 @@
         </p:nvSpPr>
         <p:spPr>
           <a:xfrm>
-            <a:off x="9181155" y="1894097"/>
+            <a:off x="9131992" y="1894097"/>
             <a:ext cx="1460086" cy="255800"/>
           </a:xfrm>
           <a:prstGeom prst="rect">
@@ -8738,7 +9422,7 @@
         </p:nvSpPr>
         <p:spPr>
           <a:xfrm>
-            <a:off x="10641242" y="1894097"/>
+            <a:off x="10592079" y="1894097"/>
             <a:ext cx="190895" cy="3228076"/>
           </a:xfrm>
           <a:prstGeom prst="rect">
@@ -8795,7 +9479,7 @@
         </p:nvSpPr>
         <p:spPr>
           <a:xfrm>
-            <a:off x="8990259" y="1894097"/>
+            <a:off x="8941096" y="1894097"/>
             <a:ext cx="190895" cy="3228076"/>
           </a:xfrm>
           <a:prstGeom prst="rect">
@@ -8854,7 +9538,7 @@
         </p:nvCxnSpPr>
         <p:spPr>
           <a:xfrm flipV="1">
-            <a:off x="9181155" y="2149912"/>
+            <a:off x="9131992" y="2149912"/>
             <a:ext cx="0" cy="2972261"/>
           </a:xfrm>
           <a:prstGeom prst="line">
@@ -8897,7 +9581,7 @@
         </p:nvCxnSpPr>
         <p:spPr>
           <a:xfrm flipV="1">
-            <a:off x="10622027" y="2149912"/>
+            <a:off x="10572864" y="2149912"/>
             <a:ext cx="0" cy="2972261"/>
           </a:xfrm>
           <a:prstGeom prst="line">
@@ -8940,7 +9624,7 @@
         </p:nvCxnSpPr>
         <p:spPr>
           <a:xfrm flipH="1">
-            <a:off x="9181155" y="2149912"/>
+            <a:off x="9131992" y="2149912"/>
             <a:ext cx="1440872" cy="0"/>
           </a:xfrm>
           <a:prstGeom prst="line">
@@ -8981,7 +9665,7 @@
         </p:nvGrpSpPr>
         <p:grpSpPr>
           <a:xfrm>
-            <a:off x="9247632" y="4100018"/>
+            <a:off x="9198469" y="4100018"/>
             <a:ext cx="1297568" cy="951808"/>
             <a:chOff x="5641320" y="3264188"/>
             <a:chExt cx="1297568" cy="951808"/>
@@ -9041,8 +9725,8 @@
             </a:p>
           </p:txBody>
         </p:sp>
-        <mc:AlternateContent xmlns:mc="http://schemas.openxmlformats.org/markup-compatibility/2006">
-          <mc:Choice xmlns:a14="http://schemas.microsoft.com/office/drawing/2010/main" Requires="a14">
+        <mc:AlternateContent xmlns:mc="http://schemas.openxmlformats.org/markup-compatibility/2006" xmlns:a14="http://schemas.microsoft.com/office/drawing/2010/main">
+          <mc:Choice Requires="a14">
             <p:sp>
               <p:nvSpPr>
                 <p:cNvPr id="154" name="TextBox 153">
@@ -9071,6 +9755,7 @@
                 </a:bodyPr>
                 <a:lstStyle/>
                 <a:p>
+                  <a:pPr/>
                   <a14:m>
                     <m:oMathPara xmlns:m="http://schemas.openxmlformats.org/officeDocument/2006/math">
                       <m:oMathParaPr>
@@ -9098,7 +9783,7 @@
               </p:txBody>
             </p:sp>
           </mc:Choice>
-          <mc:Fallback>
+          <mc:Fallback xmlns="">
             <p:sp>
               <p:nvSpPr>
                 <p:cNvPr id="154" name="TextBox 153">
@@ -9160,7 +9845,7 @@
         </p:nvCxnSpPr>
         <p:spPr>
           <a:xfrm>
-            <a:off x="8465931" y="3286672"/>
+            <a:off x="8416768" y="3286672"/>
             <a:ext cx="0" cy="813328"/>
           </a:xfrm>
           <a:prstGeom prst="straightConnector1">
@@ -9204,7 +9889,7 @@
             </p:nvSpPr>
             <p:spPr>
               <a:xfrm>
-                <a:off x="7974274" y="4068466"/>
+                <a:off x="7925111" y="4068466"/>
                 <a:ext cx="1015984" cy="584775"/>
               </a:xfrm>
               <a:prstGeom prst="rect">
@@ -9218,6 +9903,7 @@
               </a:bodyPr>
               <a:lstStyle/>
               <a:p>
+                <a:pPr/>
                 <a14:m>
                   <m:oMathPara xmlns:m="http://schemas.openxmlformats.org/officeDocument/2006/math">
                     <m:oMathParaPr>
@@ -9289,7 +9975,7 @@
             </p:nvSpPr>
             <p:spPr>
               <a:xfrm>
-                <a:off x="7974274" y="4068466"/>
+                <a:off x="7925111" y="4068466"/>
                 <a:ext cx="1015984" cy="584775"/>
               </a:xfrm>
               <a:prstGeom prst="rect">
@@ -9333,7 +10019,7 @@
         </p:nvCxnSpPr>
         <p:spPr>
           <a:xfrm>
-            <a:off x="8283051" y="3279499"/>
+            <a:off x="8233888" y="3279499"/>
             <a:ext cx="365760" cy="0"/>
           </a:xfrm>
           <a:prstGeom prst="line">
@@ -9376,7 +10062,7 @@
             </p:nvSpPr>
             <p:spPr>
               <a:xfrm>
-                <a:off x="8787425" y="5129270"/>
+                <a:off x="8631289" y="5111293"/>
                 <a:ext cx="1014637" cy="584775"/>
               </a:xfrm>
               <a:prstGeom prst="rect">
@@ -9390,6 +10076,7 @@
               </a:bodyPr>
               <a:lstStyle/>
               <a:p>
+                <a:pPr/>
                 <a14:m>
                   <m:oMathPara xmlns:m="http://schemas.openxmlformats.org/officeDocument/2006/math">
                     <m:oMathParaPr>
@@ -9461,7 +10148,7 @@
             </p:nvSpPr>
             <p:spPr>
               <a:xfrm>
-                <a:off x="8787425" y="5129270"/>
+                <a:off x="8631289" y="5111293"/>
                 <a:ext cx="1014637" cy="584775"/>
               </a:xfrm>
               <a:prstGeom prst="rect">
@@ -9505,7 +10192,7 @@
             </p:nvSpPr>
             <p:spPr>
               <a:xfrm>
-                <a:off x="9294744" y="1169750"/>
+                <a:off x="9245581" y="1169750"/>
                 <a:ext cx="1203343" cy="584775"/>
               </a:xfrm>
               <a:prstGeom prst="rect">
@@ -9519,6 +10206,7 @@
               </a:bodyPr>
               <a:lstStyle/>
               <a:p>
+                <a:pPr/>
                 <a14:m>
                   <m:oMathPara xmlns:m="http://schemas.openxmlformats.org/officeDocument/2006/math">
                     <m:oMathParaPr>
@@ -9572,7 +10260,7 @@
             </p:nvSpPr>
             <p:spPr>
               <a:xfrm>
-                <a:off x="9294744" y="1169750"/>
+                <a:off x="9245581" y="1169750"/>
                 <a:ext cx="1203343" cy="584775"/>
               </a:xfrm>
               <a:prstGeom prst="rect">
@@ -9616,7 +10304,7 @@
         </p:nvCxnSpPr>
         <p:spPr>
           <a:xfrm>
-            <a:off x="9890797" y="5114736"/>
+            <a:off x="9712562" y="5096224"/>
             <a:ext cx="4816" cy="494007"/>
           </a:xfrm>
           <a:prstGeom prst="straightConnector1">
@@ -9644,6 +10332,180 @@
           </a:fontRef>
         </p:style>
       </p:cxnSp>
+      <p:cxnSp>
+        <p:nvCxnSpPr>
+          <p:cNvPr id="4" name="Straight Arrow Connector 3">
+            <a:extLst>
+              <a:ext uri="{FF2B5EF4-FFF2-40B4-BE49-F238E27FC236}">
+                <a16:creationId xmlns:a16="http://schemas.microsoft.com/office/drawing/2014/main" id="{9117B5D8-4520-F50D-1B24-8F09E5C3CFBC}"/>
+              </a:ext>
+            </a:extLst>
+          </p:cNvPr>
+          <p:cNvCxnSpPr>
+            <a:cxnSpLocks/>
+          </p:cNvCxnSpPr>
+          <p:nvPr/>
+        </p:nvCxnSpPr>
+        <p:spPr>
+          <a:xfrm>
+            <a:off x="10092366" y="5096224"/>
+            <a:ext cx="0" cy="813328"/>
+          </a:xfrm>
+          <a:prstGeom prst="straightConnector1">
+            <a:avLst/>
+          </a:prstGeom>
+          <a:ln w="28575">
+            <a:solidFill>
+              <a:schemeClr val="tx1"/>
+            </a:solidFill>
+            <a:tailEnd type="triangle" w="lg" len="lg"/>
+          </a:ln>
+        </p:spPr>
+        <p:style>
+          <a:lnRef idx="2">
+            <a:schemeClr val="accent1"/>
+          </a:lnRef>
+          <a:fillRef idx="0">
+            <a:schemeClr val="accent1"/>
+          </a:fillRef>
+          <a:effectRef idx="1">
+            <a:schemeClr val="accent1"/>
+          </a:effectRef>
+          <a:fontRef idx="minor">
+            <a:schemeClr val="tx1"/>
+          </a:fontRef>
+        </p:style>
+      </p:cxnSp>
+      <mc:AlternateContent xmlns:mc="http://schemas.openxmlformats.org/markup-compatibility/2006">
+        <mc:Choice xmlns:a14="http://schemas.microsoft.com/office/drawing/2010/main" Requires="a14">
+          <p:sp>
+            <p:nvSpPr>
+              <p:cNvPr id="7" name="TextBox 6">
+                <a:extLst>
+                  <a:ext uri="{FF2B5EF4-FFF2-40B4-BE49-F238E27FC236}">
+                    <a16:creationId xmlns:a16="http://schemas.microsoft.com/office/drawing/2014/main" id="{9BF01B7A-B2E6-B319-4CAF-03D5C45F5E47}"/>
+                  </a:ext>
+                </a:extLst>
+              </p:cNvPr>
+              <p:cNvSpPr txBox="1"/>
+              <p:nvPr/>
+            </p:nvSpPr>
+            <p:spPr>
+              <a:xfrm>
+                <a:off x="10124340" y="5216258"/>
+                <a:ext cx="1017843" cy="584775"/>
+              </a:xfrm>
+              <a:prstGeom prst="rect">
+                <a:avLst/>
+              </a:prstGeom>
+              <a:noFill/>
+            </p:spPr>
+            <p:txBody>
+              <a:bodyPr wrap="none" rtlCol="0">
+                <a:spAutoFit/>
+              </a:bodyPr>
+              <a:lstStyle/>
+              <a:p>
+                <a:pPr/>
+                <a14:m>
+                  <m:oMathPara xmlns:m="http://schemas.openxmlformats.org/officeDocument/2006/math">
+                    <m:oMathParaPr>
+                      <m:jc m:val="centerGroup"/>
+                    </m:oMathParaPr>
+                    <m:oMath xmlns:m="http://schemas.openxmlformats.org/officeDocument/2006/math">
+                      <m:r>
+                        <a:rPr lang="en-US" sz="3200" b="0" i="1" smtClean="0">
+                          <a:solidFill>
+                            <a:schemeClr val="tx1"/>
+                          </a:solidFill>
+                          <a:latin typeface="Cambria Math" panose="02040503050406030204" pitchFamily="18" charset="0"/>
+                        </a:rPr>
+                        <m:t>𝑓</m:t>
+                      </m:r>
+                      <m:r>
+                        <a:rPr lang="en-US" sz="3200" b="0" i="1" smtClean="0">
+                          <a:solidFill>
+                            <a:schemeClr val="tx1"/>
+                          </a:solidFill>
+                          <a:latin typeface="Cambria Math" panose="02040503050406030204" pitchFamily="18" charset="0"/>
+                        </a:rPr>
+                        <m:t>(</m:t>
+                      </m:r>
+                      <m:r>
+                        <a:rPr lang="en-US" sz="3200" b="0" i="1" smtClean="0">
+                          <a:solidFill>
+                            <a:schemeClr val="tx1"/>
+                          </a:solidFill>
+                          <a:latin typeface="Cambria Math" panose="02040503050406030204" pitchFamily="18" charset="0"/>
+                        </a:rPr>
+                        <m:t>𝑡</m:t>
+                      </m:r>
+                      <m:r>
+                        <a:rPr lang="en-US" sz="3200" b="0" i="1" smtClean="0">
+                          <a:solidFill>
+                            <a:schemeClr val="tx1"/>
+                          </a:solidFill>
+                          <a:latin typeface="Cambria Math" panose="02040503050406030204" pitchFamily="18" charset="0"/>
+                        </a:rPr>
+                        <m:t>)</m:t>
+                      </m:r>
+                    </m:oMath>
+                  </m:oMathPara>
+                </a14:m>
+                <a:endParaRPr lang="en-US" sz="3200" b="0" dirty="0">
+                  <a:solidFill>
+                    <a:schemeClr val="tx1"/>
+                  </a:solidFill>
+                </a:endParaRPr>
+              </a:p>
+            </p:txBody>
+          </p:sp>
+        </mc:Choice>
+        <mc:Fallback>
+          <p:sp>
+            <p:nvSpPr>
+              <p:cNvPr id="7" name="TextBox 6">
+                <a:extLst>
+                  <a:ext uri="{FF2B5EF4-FFF2-40B4-BE49-F238E27FC236}">
+                    <a16:creationId xmlns:a16="http://schemas.microsoft.com/office/drawing/2014/main" id="{9BF01B7A-B2E6-B319-4CAF-03D5C45F5E47}"/>
+                  </a:ext>
+                </a:extLst>
+              </p:cNvPr>
+              <p:cNvSpPr txBox="1">
+                <a:spLocks noRot="1" noChangeAspect="1" noMove="1" noResize="1" noEditPoints="1" noAdjustHandles="1" noChangeArrowheads="1" noChangeShapeType="1" noTextEdit="1"/>
+              </p:cNvSpPr>
+              <p:nvPr/>
+            </p:nvSpPr>
+            <p:spPr>
+              <a:xfrm>
+                <a:off x="10124340" y="5216258"/>
+                <a:ext cx="1017843" cy="584775"/>
+              </a:xfrm>
+              <a:prstGeom prst="rect">
+                <a:avLst/>
+              </a:prstGeom>
+              <a:blipFill>
+                <a:blip r:embed="rId15"/>
+                <a:stretch>
+                  <a:fillRect/>
+                </a:stretch>
+              </a:blipFill>
+            </p:spPr>
+            <p:txBody>
+              <a:bodyPr/>
+              <a:lstStyle/>
+              <a:p>
+                <a:r>
+                  <a:rPr lang="en-US">
+                    <a:noFill/>
+                  </a:rPr>
+                  <a:t> </a:t>
+                </a:r>
+              </a:p>
+            </p:txBody>
+          </p:sp>
+        </mc:Fallback>
+      </mc:AlternateContent>
     </p:spTree>
     <p:extLst>
       <p:ext uri="{BB962C8B-B14F-4D97-AF65-F5344CB8AC3E}">
@@ -9674,6 +10536,60 @@
           <a:chExt cx="0" cy="0"/>
         </a:xfrm>
       </p:grpSpPr>
+      <p:sp>
+        <p:nvSpPr>
+          <p:cNvPr id="10" name="Rectangle 9">
+            <a:extLst>
+              <a:ext uri="{FF2B5EF4-FFF2-40B4-BE49-F238E27FC236}">
+                <a16:creationId xmlns:a16="http://schemas.microsoft.com/office/drawing/2014/main" id="{F8148525-7217-4DC9-7EBB-07D5EB149B48}"/>
+              </a:ext>
+            </a:extLst>
+          </p:cNvPr>
+          <p:cNvSpPr/>
+          <p:nvPr/>
+        </p:nvSpPr>
+        <p:spPr>
+          <a:xfrm>
+            <a:off x="0" y="1160206"/>
+            <a:ext cx="12192000" cy="4257368"/>
+          </a:xfrm>
+          <a:prstGeom prst="rect">
+            <a:avLst/>
+          </a:prstGeom>
+          <a:solidFill>
+            <a:srgbClr val="FFFFFF">
+              <a:alpha val="0"/>
+            </a:srgbClr>
+          </a:solidFill>
+          <a:ln>
+            <a:noFill/>
+          </a:ln>
+        </p:spPr>
+        <p:style>
+          <a:lnRef idx="2">
+            <a:schemeClr val="accent1">
+              <a:shade val="15000"/>
+            </a:schemeClr>
+          </a:lnRef>
+          <a:fillRef idx="1">
+            <a:schemeClr val="accent1"/>
+          </a:fillRef>
+          <a:effectRef idx="0">
+            <a:schemeClr val="accent1"/>
+          </a:effectRef>
+          <a:fontRef idx="minor">
+            <a:schemeClr val="lt1"/>
+          </a:fontRef>
+        </p:style>
+        <p:txBody>
+          <a:bodyPr rtlCol="0" anchor="ctr"/>
+          <a:lstStyle/>
+          <a:p>
+            <a:pPr algn="ctr"/>
+            <a:endParaRPr lang="en-US" dirty="0"/>
+          </a:p>
+        </p:txBody>
+      </p:sp>
       <p:grpSp>
         <p:nvGrpSpPr>
           <p:cNvPr id="2" name="Group 1">
@@ -10337,8 +11253,8 @@
           </a:p>
         </p:txBody>
       </p:sp>
-      <mc:AlternateContent xmlns:mc="http://schemas.openxmlformats.org/markup-compatibility/2006">
-        <mc:Choice xmlns:a14="http://schemas.microsoft.com/office/drawing/2010/main" Requires="a14">
+      <mc:AlternateContent xmlns:mc="http://schemas.openxmlformats.org/markup-compatibility/2006" xmlns:a14="http://schemas.microsoft.com/office/drawing/2010/main">
+        <mc:Choice Requires="a14">
           <p:sp>
             <p:nvSpPr>
               <p:cNvPr id="28" name="TextBox 27">
@@ -10367,6 +11283,7 @@
               </a:bodyPr>
               <a:lstStyle/>
               <a:p>
+                <a:pPr/>
                 <a14:m>
                   <m:oMathPara xmlns:m="http://schemas.openxmlformats.org/officeDocument/2006/math">
                     <m:oMathParaPr>
@@ -10394,7 +11311,7 @@
             </p:txBody>
           </p:sp>
         </mc:Choice>
-        <mc:Fallback>
+        <mc:Fallback xmlns="">
           <p:sp>
             <p:nvSpPr>
               <p:cNvPr id="28" name="TextBox 27">
@@ -10483,8 +11400,8 @@
           </a:fontRef>
         </p:style>
       </p:cxnSp>
-      <mc:AlternateContent xmlns:mc="http://schemas.openxmlformats.org/markup-compatibility/2006">
-        <mc:Choice xmlns:a14="http://schemas.microsoft.com/office/drawing/2010/main" Requires="a14">
+      <mc:AlternateContent xmlns:mc="http://schemas.openxmlformats.org/markup-compatibility/2006" xmlns:a14="http://schemas.microsoft.com/office/drawing/2010/main">
+        <mc:Choice Requires="a14">
           <p:sp>
             <p:nvSpPr>
               <p:cNvPr id="30" name="TextBox 29">
@@ -10513,6 +11430,7 @@
               </a:bodyPr>
               <a:lstStyle/>
               <a:p>
+                <a:pPr/>
                 <a14:m>
                   <m:oMathPara xmlns:m="http://schemas.openxmlformats.org/officeDocument/2006/math">
                     <m:oMathParaPr>
@@ -10567,7 +11485,7 @@
             </p:txBody>
           </p:sp>
         </mc:Choice>
-        <mc:Fallback>
+        <mc:Fallback xmlns="">
           <p:sp>
             <p:nvSpPr>
               <p:cNvPr id="30" name="TextBox 29">
@@ -10699,8 +11617,8 @@
           </a:fontRef>
         </p:style>
       </p:cxnSp>
-      <mc:AlternateContent xmlns:mc="http://schemas.openxmlformats.org/markup-compatibility/2006">
-        <mc:Choice xmlns:a14="http://schemas.microsoft.com/office/drawing/2010/main" Requires="a14">
+      <mc:AlternateContent xmlns:mc="http://schemas.openxmlformats.org/markup-compatibility/2006" xmlns:a14="http://schemas.microsoft.com/office/drawing/2010/main">
+        <mc:Choice Requires="a14">
           <p:sp>
             <p:nvSpPr>
               <p:cNvPr id="33" name="TextBox 32">
@@ -10729,6 +11647,7 @@
               </a:bodyPr>
               <a:lstStyle/>
               <a:p>
+                <a:pPr/>
                 <a14:m>
                   <m:oMathPara xmlns:m="http://schemas.openxmlformats.org/officeDocument/2006/math">
                     <m:oMathParaPr>
@@ -10783,7 +11702,7 @@
             </p:txBody>
           </p:sp>
         </mc:Choice>
-        <mc:Fallback>
+        <mc:Fallback xmlns="">
           <p:sp>
             <p:nvSpPr>
               <p:cNvPr id="33" name="TextBox 32">
@@ -10832,6 +11751,4979 @@
     <p:extLst>
       <p:ext uri="{BB962C8B-B14F-4D97-AF65-F5344CB8AC3E}">
         <p14:creationId xmlns:p14="http://schemas.microsoft.com/office/powerpoint/2010/main" val="3921588841"/>
+      </p:ext>
+    </p:extLst>
+  </p:cSld>
+  <p:clrMapOvr>
+    <a:masterClrMapping/>
+  </p:clrMapOvr>
+</p:sld>
+</file>
+
+<file path=ppt/slides/slide4.xml><?xml version="1.0" encoding="utf-8"?>
+<p:sld xmlns:a="http://schemas.openxmlformats.org/drawingml/2006/main" xmlns:r="http://schemas.openxmlformats.org/officeDocument/2006/relationships" xmlns:p="http://schemas.openxmlformats.org/presentationml/2006/main">
+  <p:cSld>
+    <p:spTree>
+      <p:nvGrpSpPr>
+        <p:cNvPr id="1" name=""/>
+        <p:cNvGrpSpPr/>
+        <p:nvPr/>
+      </p:nvGrpSpPr>
+      <p:grpSpPr>
+        <a:xfrm>
+          <a:off x="0" y="0"/>
+          <a:ext cx="0" cy="0"/>
+          <a:chOff x="0" y="0"/>
+          <a:chExt cx="0" cy="0"/>
+        </a:xfrm>
+      </p:grpSpPr>
+      <p:sp>
+        <p:nvSpPr>
+          <p:cNvPr id="1075" name="Rectangle 1074">
+            <a:extLst>
+              <a:ext uri="{FF2B5EF4-FFF2-40B4-BE49-F238E27FC236}">
+                <a16:creationId xmlns:a16="http://schemas.microsoft.com/office/drawing/2014/main" id="{8AD2B102-BAD0-269B-2E2F-476CFD11EA49}"/>
+              </a:ext>
+            </a:extLst>
+          </p:cNvPr>
+          <p:cNvSpPr/>
+          <p:nvPr/>
+        </p:nvSpPr>
+        <p:spPr>
+          <a:xfrm>
+            <a:off x="0" y="1376511"/>
+            <a:ext cx="12192000" cy="4257368"/>
+          </a:xfrm>
+          <a:prstGeom prst="rect">
+            <a:avLst/>
+          </a:prstGeom>
+          <a:solidFill>
+            <a:srgbClr val="FFFFFF">
+              <a:alpha val="0"/>
+            </a:srgbClr>
+          </a:solidFill>
+          <a:ln>
+            <a:noFill/>
+          </a:ln>
+        </p:spPr>
+        <p:style>
+          <a:lnRef idx="2">
+            <a:schemeClr val="accent1">
+              <a:shade val="15000"/>
+            </a:schemeClr>
+          </a:lnRef>
+          <a:fillRef idx="1">
+            <a:schemeClr val="accent1"/>
+          </a:fillRef>
+          <a:effectRef idx="0">
+            <a:schemeClr val="accent1"/>
+          </a:effectRef>
+          <a:fontRef idx="minor">
+            <a:schemeClr val="lt1"/>
+          </a:fontRef>
+        </p:style>
+        <p:txBody>
+          <a:bodyPr rtlCol="0" anchor="ctr"/>
+          <a:lstStyle/>
+          <a:p>
+            <a:pPr algn="ctr"/>
+            <a:endParaRPr lang="en-US" dirty="0"/>
+          </a:p>
+        </p:txBody>
+      </p:sp>
+      <p:sp>
+        <p:nvSpPr>
+          <p:cNvPr id="37" name="Rectangle 36">
+            <a:extLst>
+              <a:ext uri="{FF2B5EF4-FFF2-40B4-BE49-F238E27FC236}">
+                <a16:creationId xmlns:a16="http://schemas.microsoft.com/office/drawing/2014/main" id="{7504EF1D-11DF-CB37-042A-FE4820811F17}"/>
+              </a:ext>
+            </a:extLst>
+          </p:cNvPr>
+          <p:cNvSpPr/>
+          <p:nvPr/>
+        </p:nvSpPr>
+        <p:spPr>
+          <a:xfrm>
+            <a:off x="6720020" y="4466529"/>
+            <a:ext cx="1602657" cy="163003"/>
+          </a:xfrm>
+          <a:prstGeom prst="rect">
+            <a:avLst/>
+          </a:prstGeom>
+          <a:solidFill>
+            <a:schemeClr val="tx1"/>
+          </a:solidFill>
+          <a:ln>
+            <a:noFill/>
+          </a:ln>
+        </p:spPr>
+        <p:style>
+          <a:lnRef idx="2">
+            <a:schemeClr val="accent1">
+              <a:shade val="15000"/>
+            </a:schemeClr>
+          </a:lnRef>
+          <a:fillRef idx="1">
+            <a:schemeClr val="accent1"/>
+          </a:fillRef>
+          <a:effectRef idx="0">
+            <a:schemeClr val="accent1"/>
+          </a:effectRef>
+          <a:fontRef idx="minor">
+            <a:schemeClr val="lt1"/>
+          </a:fontRef>
+        </p:style>
+        <p:txBody>
+          <a:bodyPr rtlCol="0" anchor="ctr"/>
+          <a:lstStyle/>
+          <a:p>
+            <a:pPr algn="ctr"/>
+            <a:endParaRPr lang="en-US"/>
+          </a:p>
+        </p:txBody>
+      </p:sp>
+      <p:pic>
+        <p:nvPicPr>
+          <p:cNvPr id="1032" name="Picture 8" descr="Bicycle Fork Suspension Icons - Free ...">
+            <a:extLst>
+              <a:ext uri="{FF2B5EF4-FFF2-40B4-BE49-F238E27FC236}">
+                <a16:creationId xmlns:a16="http://schemas.microsoft.com/office/drawing/2014/main" id="{3332D62A-D860-57A9-340C-AE467541FC85}"/>
+              </a:ext>
+            </a:extLst>
+          </p:cNvPr>
+          <p:cNvPicPr>
+            <a:picLocks noChangeAspect="1" noChangeArrowheads="1"/>
+          </p:cNvPicPr>
+          <p:nvPr/>
+        </p:nvPicPr>
+        <p:blipFill>
+          <a:blip r:embed="rId2">
+            <a:extLst>
+              <a:ext uri="{28A0092B-C50C-407E-A947-70E740481C1C}">
+                <a14:useLocalDpi xmlns:a14="http://schemas.microsoft.com/office/drawing/2010/main" val="0"/>
+              </a:ext>
+            </a:extLst>
+          </a:blip>
+          <a:srcRect/>
+          <a:stretch>
+            <a:fillRect/>
+          </a:stretch>
+        </p:blipFill>
+        <p:spPr bwMode="auto">
+          <a:xfrm>
+            <a:off x="3174948" y="2348681"/>
+            <a:ext cx="2199966" cy="2199966"/>
+          </a:xfrm>
+          <a:prstGeom prst="rect">
+            <a:avLst/>
+          </a:prstGeom>
+          <a:noFill/>
+          <a:extLst>
+            <a:ext uri="{909E8E84-426E-40DD-AFC4-6F175D3DCCD1}">
+              <a14:hiddenFill xmlns:a14="http://schemas.microsoft.com/office/drawing/2010/main">
+                <a:solidFill>
+                  <a:srgbClr val="FFFFFF"/>
+                </a:solidFill>
+              </a14:hiddenFill>
+            </a:ext>
+          </a:extLst>
+        </p:spPr>
+      </p:pic>
+      <p:cxnSp>
+        <p:nvCxnSpPr>
+          <p:cNvPr id="4" name="Straight Arrow Connector 3">
+            <a:extLst>
+              <a:ext uri="{FF2B5EF4-FFF2-40B4-BE49-F238E27FC236}">
+                <a16:creationId xmlns:a16="http://schemas.microsoft.com/office/drawing/2014/main" id="{006DF31F-EB36-B1A0-9473-14191A9BE1E3}"/>
+              </a:ext>
+            </a:extLst>
+          </p:cNvPr>
+          <p:cNvCxnSpPr>
+            <a:cxnSpLocks/>
+          </p:cNvCxnSpPr>
+          <p:nvPr/>
+        </p:nvCxnSpPr>
+        <p:spPr>
+          <a:xfrm flipV="1">
+            <a:off x="4910886" y="3061519"/>
+            <a:ext cx="0" cy="774290"/>
+          </a:xfrm>
+          <a:prstGeom prst="straightConnector1">
+            <a:avLst/>
+          </a:prstGeom>
+          <a:ln w="38100">
+            <a:solidFill>
+              <a:srgbClr val="0000FF"/>
+            </a:solidFill>
+            <a:headEnd type="triangle" w="med" len="med"/>
+            <a:tailEnd type="triangle" w="med" len="med"/>
+          </a:ln>
+        </p:spPr>
+        <p:style>
+          <a:lnRef idx="2">
+            <a:schemeClr val="accent1"/>
+          </a:lnRef>
+          <a:fillRef idx="0">
+            <a:schemeClr val="accent1"/>
+          </a:fillRef>
+          <a:effectRef idx="1">
+            <a:schemeClr val="accent1"/>
+          </a:effectRef>
+          <a:fontRef idx="minor">
+            <a:schemeClr val="tx1"/>
+          </a:fontRef>
+        </p:style>
+      </p:cxnSp>
+      <p:sp>
+        <p:nvSpPr>
+          <p:cNvPr id="6" name="TextBox 5">
+            <a:extLst>
+              <a:ext uri="{FF2B5EF4-FFF2-40B4-BE49-F238E27FC236}">
+                <a16:creationId xmlns:a16="http://schemas.microsoft.com/office/drawing/2014/main" id="{0586455A-748B-E304-0CF1-B5DD3FEC8642}"/>
+              </a:ext>
+            </a:extLst>
+          </p:cNvPr>
+          <p:cNvSpPr txBox="1"/>
+          <p:nvPr/>
+        </p:nvSpPr>
+        <p:spPr>
+          <a:xfrm>
+            <a:off x="5041709" y="3217831"/>
+            <a:ext cx="1130438" cy="461665"/>
+          </a:xfrm>
+          <a:prstGeom prst="rect">
+            <a:avLst/>
+          </a:prstGeom>
+          <a:noFill/>
+        </p:spPr>
+        <p:txBody>
+          <a:bodyPr wrap="none" rtlCol="0">
+            <a:spAutoFit/>
+          </a:bodyPr>
+          <a:lstStyle/>
+          <a:p>
+            <a:r>
+              <a:rPr lang="en-US" sz="2400" b="0" dirty="0">
+                <a:solidFill>
+                  <a:srgbClr val="0000FF"/>
+                </a:solidFill>
+              </a:rPr>
+              <a:t>Motion</a:t>
+            </a:r>
+          </a:p>
+        </p:txBody>
+      </p:sp>
+      <p:sp>
+        <p:nvSpPr>
+          <p:cNvPr id="7" name="TextBox 6">
+            <a:extLst>
+              <a:ext uri="{FF2B5EF4-FFF2-40B4-BE49-F238E27FC236}">
+                <a16:creationId xmlns:a16="http://schemas.microsoft.com/office/drawing/2014/main" id="{D5B70EB8-23EE-69E7-093A-EC0261D2A974}"/>
+              </a:ext>
+            </a:extLst>
+          </p:cNvPr>
+          <p:cNvSpPr txBox="1"/>
+          <p:nvPr/>
+        </p:nvSpPr>
+        <p:spPr>
+          <a:xfrm>
+            <a:off x="3289889" y="4641414"/>
+            <a:ext cx="1970083" cy="830997"/>
+          </a:xfrm>
+          <a:prstGeom prst="rect">
+            <a:avLst/>
+          </a:prstGeom>
+          <a:noFill/>
+        </p:spPr>
+        <p:txBody>
+          <a:bodyPr wrap="square" rtlCol="0">
+            <a:spAutoFit/>
+          </a:bodyPr>
+          <a:lstStyle/>
+          <a:p>
+            <a:pPr algn="ctr"/>
+            <a:r>
+              <a:rPr lang="en-US" sz="2400" dirty="0"/>
+              <a:t>Bike Suspension</a:t>
+            </a:r>
+          </a:p>
+        </p:txBody>
+      </p:sp>
+      <p:cxnSp>
+        <p:nvCxnSpPr>
+          <p:cNvPr id="9" name="Straight Arrow Connector 8">
+            <a:extLst>
+              <a:ext uri="{FF2B5EF4-FFF2-40B4-BE49-F238E27FC236}">
+                <a16:creationId xmlns:a16="http://schemas.microsoft.com/office/drawing/2014/main" id="{4225312A-C5CC-F323-FF0E-C8212A2EB79D}"/>
+              </a:ext>
+            </a:extLst>
+          </p:cNvPr>
+          <p:cNvCxnSpPr>
+            <a:cxnSpLocks/>
+          </p:cNvCxnSpPr>
+          <p:nvPr/>
+        </p:nvCxnSpPr>
+        <p:spPr>
+          <a:xfrm flipH="1">
+            <a:off x="4527427" y="2348681"/>
+            <a:ext cx="304800" cy="345358"/>
+          </a:xfrm>
+          <a:prstGeom prst="straightConnector1">
+            <a:avLst/>
+          </a:prstGeom>
+          <a:ln w="38100">
+            <a:solidFill>
+              <a:schemeClr val="tx1"/>
+            </a:solidFill>
+            <a:tailEnd type="triangle"/>
+          </a:ln>
+        </p:spPr>
+        <p:style>
+          <a:lnRef idx="2">
+            <a:schemeClr val="accent1"/>
+          </a:lnRef>
+          <a:fillRef idx="0">
+            <a:schemeClr val="accent1"/>
+          </a:fillRef>
+          <a:effectRef idx="1">
+            <a:schemeClr val="accent1"/>
+          </a:effectRef>
+          <a:fontRef idx="minor">
+            <a:schemeClr val="tx1"/>
+          </a:fontRef>
+        </p:style>
+      </p:cxnSp>
+      <p:cxnSp>
+        <p:nvCxnSpPr>
+          <p:cNvPr id="11" name="Straight Arrow Connector 10">
+            <a:extLst>
+              <a:ext uri="{FF2B5EF4-FFF2-40B4-BE49-F238E27FC236}">
+                <a16:creationId xmlns:a16="http://schemas.microsoft.com/office/drawing/2014/main" id="{B5F462E2-C2B1-BE38-1DA0-2DAA88AED0A0}"/>
+              </a:ext>
+            </a:extLst>
+          </p:cNvPr>
+          <p:cNvCxnSpPr>
+            <a:cxnSpLocks/>
+          </p:cNvCxnSpPr>
+          <p:nvPr/>
+        </p:nvCxnSpPr>
+        <p:spPr>
+          <a:xfrm flipH="1">
+            <a:off x="4075143" y="2348681"/>
+            <a:ext cx="757084" cy="345358"/>
+          </a:xfrm>
+          <a:prstGeom prst="straightConnector1">
+            <a:avLst/>
+          </a:prstGeom>
+          <a:ln w="38100">
+            <a:solidFill>
+              <a:schemeClr val="tx1"/>
+            </a:solidFill>
+            <a:tailEnd type="triangle"/>
+          </a:ln>
+        </p:spPr>
+        <p:style>
+          <a:lnRef idx="2">
+            <a:schemeClr val="accent1"/>
+          </a:lnRef>
+          <a:fillRef idx="0">
+            <a:schemeClr val="accent1"/>
+          </a:fillRef>
+          <a:effectRef idx="1">
+            <a:schemeClr val="accent1"/>
+          </a:effectRef>
+          <a:fontRef idx="minor">
+            <a:schemeClr val="tx1"/>
+          </a:fontRef>
+        </p:style>
+      </p:cxnSp>
+      <p:sp>
+        <p:nvSpPr>
+          <p:cNvPr id="16" name="TextBox 15">
+            <a:extLst>
+              <a:ext uri="{FF2B5EF4-FFF2-40B4-BE49-F238E27FC236}">
+                <a16:creationId xmlns:a16="http://schemas.microsoft.com/office/drawing/2014/main" id="{EE4FA7B9-C15F-DBD1-99BB-C8CAD17A9B2B}"/>
+              </a:ext>
+            </a:extLst>
+          </p:cNvPr>
+          <p:cNvSpPr txBox="1"/>
+          <p:nvPr/>
+        </p:nvSpPr>
+        <p:spPr>
+          <a:xfrm>
+            <a:off x="4832227" y="2012603"/>
+            <a:ext cx="1310423" cy="461665"/>
+          </a:xfrm>
+          <a:prstGeom prst="rect">
+            <a:avLst/>
+          </a:prstGeom>
+          <a:noFill/>
+        </p:spPr>
+        <p:txBody>
+          <a:bodyPr wrap="none" rtlCol="0">
+            <a:spAutoFit/>
+          </a:bodyPr>
+          <a:lstStyle/>
+          <a:p>
+            <a:r>
+              <a:rPr lang="en-US" sz="2400" b="0" dirty="0"/>
+              <a:t>Air Valve</a:t>
+            </a:r>
+          </a:p>
+        </p:txBody>
+      </p:sp>
+      <p:sp>
+        <p:nvSpPr>
+          <p:cNvPr id="17" name="Freeform: Shape 16">
+            <a:extLst>
+              <a:ext uri="{FF2B5EF4-FFF2-40B4-BE49-F238E27FC236}">
+                <a16:creationId xmlns:a16="http://schemas.microsoft.com/office/drawing/2014/main" id="{62D933E0-8900-A7B5-4E96-63E291CB660E}"/>
+              </a:ext>
+            </a:extLst>
+          </p:cNvPr>
+          <p:cNvSpPr/>
+          <p:nvPr/>
+        </p:nvSpPr>
+        <p:spPr>
+          <a:xfrm>
+            <a:off x="6611863" y="2194825"/>
+            <a:ext cx="344129" cy="2261420"/>
+          </a:xfrm>
+          <a:custGeom>
+            <a:avLst/>
+            <a:gdLst>
+              <a:gd name="csX0" fmla="*/ 331424 w 1068844"/>
+              <a:gd name="csY0" fmla="*/ 2428567 h 2428567"/>
+              <a:gd name="csX1" fmla="*/ 311760 w 1068844"/>
+              <a:gd name="csY1" fmla="*/ 1248696 h 2428567"/>
+              <a:gd name="csX2" fmla="*/ 26624 w 1068844"/>
+              <a:gd name="csY2" fmla="*/ 176980 h 2428567"/>
+              <a:gd name="csX3" fmla="*/ 1068844 w 1068844"/>
+              <a:gd name="csY3" fmla="*/ 0 h 2428567"/>
+              <a:gd name="csX0" fmla="*/ 331424 w 346503"/>
+              <a:gd name="csY0" fmla="*/ 2251587 h 2251587"/>
+              <a:gd name="csX1" fmla="*/ 311760 w 346503"/>
+              <a:gd name="csY1" fmla="*/ 1071716 h 2251587"/>
+              <a:gd name="csX2" fmla="*/ 26624 w 346503"/>
+              <a:gd name="csY2" fmla="*/ 0 h 2251587"/>
+              <a:gd name="csX0" fmla="*/ 304800 w 319879"/>
+              <a:gd name="csY0" fmla="*/ 2251587 h 2251587"/>
+              <a:gd name="csX1" fmla="*/ 285136 w 319879"/>
+              <a:gd name="csY1" fmla="*/ 1071716 h 2251587"/>
+              <a:gd name="csX2" fmla="*/ 0 w 319879"/>
+              <a:gd name="csY2" fmla="*/ 0 h 2251587"/>
+              <a:gd name="csX0" fmla="*/ 304800 w 312819"/>
+              <a:gd name="csY0" fmla="*/ 2251587 h 2251587"/>
+              <a:gd name="csX1" fmla="*/ 265472 w 312819"/>
+              <a:gd name="csY1" fmla="*/ 1042219 h 2251587"/>
+              <a:gd name="csX2" fmla="*/ 0 w 312819"/>
+              <a:gd name="csY2" fmla="*/ 0 h 2251587"/>
+              <a:gd name="csX0" fmla="*/ 304800 w 311008"/>
+              <a:gd name="csY0" fmla="*/ 2251587 h 2251587"/>
+              <a:gd name="csX1" fmla="*/ 265472 w 311008"/>
+              <a:gd name="csY1" fmla="*/ 1042219 h 2251587"/>
+              <a:gd name="csX2" fmla="*/ 0 w 311008"/>
+              <a:gd name="csY2" fmla="*/ 0 h 2251587"/>
+              <a:gd name="csX0" fmla="*/ 304800 w 304800"/>
+              <a:gd name="csY0" fmla="*/ 2251587 h 2251587"/>
+              <a:gd name="csX1" fmla="*/ 265472 w 304800"/>
+              <a:gd name="csY1" fmla="*/ 1042219 h 2251587"/>
+              <a:gd name="csX2" fmla="*/ 0 w 304800"/>
+              <a:gd name="csY2" fmla="*/ 0 h 2251587"/>
+              <a:gd name="csX0" fmla="*/ 344129 w 344129"/>
+              <a:gd name="csY0" fmla="*/ 2261420 h 2261420"/>
+              <a:gd name="csX1" fmla="*/ 265472 w 344129"/>
+              <a:gd name="csY1" fmla="*/ 1042219 h 2261420"/>
+              <a:gd name="csX2" fmla="*/ 0 w 344129"/>
+              <a:gd name="csY2" fmla="*/ 0 h 2261420"/>
+              <a:gd name="csX0" fmla="*/ 344129 w 344883"/>
+              <a:gd name="csY0" fmla="*/ 2261420 h 2261420"/>
+              <a:gd name="csX1" fmla="*/ 265472 w 344883"/>
+              <a:gd name="csY1" fmla="*/ 1042219 h 2261420"/>
+              <a:gd name="csX2" fmla="*/ 0 w 344883"/>
+              <a:gd name="csY2" fmla="*/ 0 h 2261420"/>
+              <a:gd name="csX0" fmla="*/ 344129 w 345172"/>
+              <a:gd name="csY0" fmla="*/ 2261420 h 2261420"/>
+              <a:gd name="csX1" fmla="*/ 275305 w 345172"/>
+              <a:gd name="csY1" fmla="*/ 1081548 h 2261420"/>
+              <a:gd name="csX2" fmla="*/ 0 w 345172"/>
+              <a:gd name="csY2" fmla="*/ 0 h 2261420"/>
+              <a:gd name="csX0" fmla="*/ 344129 w 344890"/>
+              <a:gd name="csY0" fmla="*/ 2261420 h 2261420"/>
+              <a:gd name="csX1" fmla="*/ 275305 w 344890"/>
+              <a:gd name="csY1" fmla="*/ 1081548 h 2261420"/>
+              <a:gd name="csX2" fmla="*/ 0 w 344890"/>
+              <a:gd name="csY2" fmla="*/ 0 h 2261420"/>
+              <a:gd name="csX0" fmla="*/ 344129 w 344129"/>
+              <a:gd name="csY0" fmla="*/ 2261420 h 2261420"/>
+              <a:gd name="csX1" fmla="*/ 0 w 344129"/>
+              <a:gd name="csY1" fmla="*/ 0 h 2261420"/>
+              <a:gd name="csX0" fmla="*/ 344129 w 344129"/>
+              <a:gd name="csY0" fmla="*/ 2261420 h 2261420"/>
+              <a:gd name="csX1" fmla="*/ 0 w 344129"/>
+              <a:gd name="csY1" fmla="*/ 0 h 2261420"/>
+              <a:gd name="csX0" fmla="*/ 344129 w 344129"/>
+              <a:gd name="csY0" fmla="*/ 2261420 h 2261420"/>
+              <a:gd name="csX1" fmla="*/ 0 w 344129"/>
+              <a:gd name="csY1" fmla="*/ 0 h 2261420"/>
+              <a:gd name="csX0" fmla="*/ 344129 w 344129"/>
+              <a:gd name="csY0" fmla="*/ 2261420 h 2261420"/>
+              <a:gd name="csX1" fmla="*/ 0 w 344129"/>
+              <a:gd name="csY1" fmla="*/ 0 h 2261420"/>
+            </a:gdLst>
+            <a:ahLst/>
+            <a:cxnLst>
+              <a:cxn ang="0">
+                <a:pos x="csX0" y="csY0"/>
+              </a:cxn>
+              <a:cxn ang="0">
+                <a:pos x="csX1" y="csY1"/>
+              </a:cxn>
+            </a:cxnLst>
+            <a:rect l="l" t="t" r="r" b="b"/>
+            <a:pathLst>
+              <a:path w="344129" h="2261420">
+                <a:moveTo>
+                  <a:pt x="344129" y="2261420"/>
+                </a:moveTo>
+                <a:cubicBezTo>
+                  <a:pt x="337574" y="1586272"/>
+                  <a:pt x="291691" y="714478"/>
+                  <a:pt x="0" y="0"/>
+                </a:cubicBezTo>
+              </a:path>
+            </a:pathLst>
+          </a:custGeom>
+          <a:noFill/>
+        </p:spPr>
+        <p:style>
+          <a:lnRef idx="2">
+            <a:schemeClr val="accent1">
+              <a:shade val="15000"/>
+            </a:schemeClr>
+          </a:lnRef>
+          <a:fillRef idx="1">
+            <a:schemeClr val="accent1"/>
+          </a:fillRef>
+          <a:effectRef idx="0">
+            <a:schemeClr val="accent1"/>
+          </a:effectRef>
+          <a:fontRef idx="minor">
+            <a:schemeClr val="lt1"/>
+          </a:fontRef>
+        </p:style>
+        <p:txBody>
+          <a:bodyPr rtlCol="0" anchor="ctr"/>
+          <a:lstStyle/>
+          <a:p>
+            <a:pPr algn="ctr"/>
+            <a:endParaRPr lang="en-US"/>
+          </a:p>
+        </p:txBody>
+      </p:sp>
+      <p:sp>
+        <p:nvSpPr>
+          <p:cNvPr id="18" name="Freeform: Shape 17">
+            <a:extLst>
+              <a:ext uri="{FF2B5EF4-FFF2-40B4-BE49-F238E27FC236}">
+                <a16:creationId xmlns:a16="http://schemas.microsoft.com/office/drawing/2014/main" id="{354EC255-6894-55FE-25BC-E35392F07DE3}"/>
+              </a:ext>
+            </a:extLst>
+          </p:cNvPr>
+          <p:cNvSpPr/>
+          <p:nvPr/>
+        </p:nvSpPr>
+        <p:spPr>
+          <a:xfrm>
+            <a:off x="7732745" y="2194825"/>
+            <a:ext cx="344129" cy="2261420"/>
+          </a:xfrm>
+          <a:custGeom>
+            <a:avLst/>
+            <a:gdLst>
+              <a:gd name="csX0" fmla="*/ 331424 w 1068844"/>
+              <a:gd name="csY0" fmla="*/ 2428567 h 2428567"/>
+              <a:gd name="csX1" fmla="*/ 311760 w 1068844"/>
+              <a:gd name="csY1" fmla="*/ 1248696 h 2428567"/>
+              <a:gd name="csX2" fmla="*/ 26624 w 1068844"/>
+              <a:gd name="csY2" fmla="*/ 176980 h 2428567"/>
+              <a:gd name="csX3" fmla="*/ 1068844 w 1068844"/>
+              <a:gd name="csY3" fmla="*/ 0 h 2428567"/>
+              <a:gd name="csX0" fmla="*/ 331424 w 346503"/>
+              <a:gd name="csY0" fmla="*/ 2251587 h 2251587"/>
+              <a:gd name="csX1" fmla="*/ 311760 w 346503"/>
+              <a:gd name="csY1" fmla="*/ 1071716 h 2251587"/>
+              <a:gd name="csX2" fmla="*/ 26624 w 346503"/>
+              <a:gd name="csY2" fmla="*/ 0 h 2251587"/>
+              <a:gd name="csX0" fmla="*/ 304800 w 319879"/>
+              <a:gd name="csY0" fmla="*/ 2251587 h 2251587"/>
+              <a:gd name="csX1" fmla="*/ 285136 w 319879"/>
+              <a:gd name="csY1" fmla="*/ 1071716 h 2251587"/>
+              <a:gd name="csX2" fmla="*/ 0 w 319879"/>
+              <a:gd name="csY2" fmla="*/ 0 h 2251587"/>
+              <a:gd name="csX0" fmla="*/ 304800 w 312819"/>
+              <a:gd name="csY0" fmla="*/ 2251587 h 2251587"/>
+              <a:gd name="csX1" fmla="*/ 265472 w 312819"/>
+              <a:gd name="csY1" fmla="*/ 1042219 h 2251587"/>
+              <a:gd name="csX2" fmla="*/ 0 w 312819"/>
+              <a:gd name="csY2" fmla="*/ 0 h 2251587"/>
+              <a:gd name="csX0" fmla="*/ 304800 w 311008"/>
+              <a:gd name="csY0" fmla="*/ 2251587 h 2251587"/>
+              <a:gd name="csX1" fmla="*/ 265472 w 311008"/>
+              <a:gd name="csY1" fmla="*/ 1042219 h 2251587"/>
+              <a:gd name="csX2" fmla="*/ 0 w 311008"/>
+              <a:gd name="csY2" fmla="*/ 0 h 2251587"/>
+              <a:gd name="csX0" fmla="*/ 304800 w 304800"/>
+              <a:gd name="csY0" fmla="*/ 2251587 h 2251587"/>
+              <a:gd name="csX1" fmla="*/ 265472 w 304800"/>
+              <a:gd name="csY1" fmla="*/ 1042219 h 2251587"/>
+              <a:gd name="csX2" fmla="*/ 0 w 304800"/>
+              <a:gd name="csY2" fmla="*/ 0 h 2251587"/>
+              <a:gd name="csX0" fmla="*/ 344129 w 344129"/>
+              <a:gd name="csY0" fmla="*/ 2261420 h 2261420"/>
+              <a:gd name="csX1" fmla="*/ 265472 w 344129"/>
+              <a:gd name="csY1" fmla="*/ 1042219 h 2261420"/>
+              <a:gd name="csX2" fmla="*/ 0 w 344129"/>
+              <a:gd name="csY2" fmla="*/ 0 h 2261420"/>
+              <a:gd name="csX0" fmla="*/ 344129 w 344883"/>
+              <a:gd name="csY0" fmla="*/ 2261420 h 2261420"/>
+              <a:gd name="csX1" fmla="*/ 265472 w 344883"/>
+              <a:gd name="csY1" fmla="*/ 1042219 h 2261420"/>
+              <a:gd name="csX2" fmla="*/ 0 w 344883"/>
+              <a:gd name="csY2" fmla="*/ 0 h 2261420"/>
+              <a:gd name="csX0" fmla="*/ 344129 w 345172"/>
+              <a:gd name="csY0" fmla="*/ 2261420 h 2261420"/>
+              <a:gd name="csX1" fmla="*/ 275305 w 345172"/>
+              <a:gd name="csY1" fmla="*/ 1081548 h 2261420"/>
+              <a:gd name="csX2" fmla="*/ 0 w 345172"/>
+              <a:gd name="csY2" fmla="*/ 0 h 2261420"/>
+              <a:gd name="csX0" fmla="*/ 344129 w 344890"/>
+              <a:gd name="csY0" fmla="*/ 2261420 h 2261420"/>
+              <a:gd name="csX1" fmla="*/ 275305 w 344890"/>
+              <a:gd name="csY1" fmla="*/ 1081548 h 2261420"/>
+              <a:gd name="csX2" fmla="*/ 0 w 344890"/>
+              <a:gd name="csY2" fmla="*/ 0 h 2261420"/>
+              <a:gd name="csX0" fmla="*/ 344129 w 344129"/>
+              <a:gd name="csY0" fmla="*/ 2261420 h 2261420"/>
+              <a:gd name="csX1" fmla="*/ 0 w 344129"/>
+              <a:gd name="csY1" fmla="*/ 0 h 2261420"/>
+              <a:gd name="csX0" fmla="*/ 344129 w 344129"/>
+              <a:gd name="csY0" fmla="*/ 2261420 h 2261420"/>
+              <a:gd name="csX1" fmla="*/ 0 w 344129"/>
+              <a:gd name="csY1" fmla="*/ 0 h 2261420"/>
+              <a:gd name="csX0" fmla="*/ 344129 w 344129"/>
+              <a:gd name="csY0" fmla="*/ 2261420 h 2261420"/>
+              <a:gd name="csX1" fmla="*/ 0 w 344129"/>
+              <a:gd name="csY1" fmla="*/ 0 h 2261420"/>
+              <a:gd name="csX0" fmla="*/ 344129 w 344129"/>
+              <a:gd name="csY0" fmla="*/ 2261420 h 2261420"/>
+              <a:gd name="csX1" fmla="*/ 0 w 344129"/>
+              <a:gd name="csY1" fmla="*/ 0 h 2261420"/>
+            </a:gdLst>
+            <a:ahLst/>
+            <a:cxnLst>
+              <a:cxn ang="0">
+                <a:pos x="csX0" y="csY0"/>
+              </a:cxn>
+              <a:cxn ang="0">
+                <a:pos x="csX1" y="csY1"/>
+              </a:cxn>
+            </a:cxnLst>
+            <a:rect l="l" t="t" r="r" b="b"/>
+            <a:pathLst>
+              <a:path w="344129" h="2261420">
+                <a:moveTo>
+                  <a:pt x="344129" y="2261420"/>
+                </a:moveTo>
+                <a:cubicBezTo>
+                  <a:pt x="337574" y="1586272"/>
+                  <a:pt x="291691" y="714478"/>
+                  <a:pt x="0" y="0"/>
+                </a:cubicBezTo>
+              </a:path>
+            </a:pathLst>
+          </a:custGeom>
+          <a:noFill/>
+        </p:spPr>
+        <p:style>
+          <a:lnRef idx="2">
+            <a:schemeClr val="accent1">
+              <a:shade val="15000"/>
+            </a:schemeClr>
+          </a:lnRef>
+          <a:fillRef idx="1">
+            <a:schemeClr val="accent1"/>
+          </a:fillRef>
+          <a:effectRef idx="0">
+            <a:schemeClr val="accent1"/>
+          </a:effectRef>
+          <a:fontRef idx="minor">
+            <a:schemeClr val="lt1"/>
+          </a:fontRef>
+        </p:style>
+        <p:txBody>
+          <a:bodyPr rtlCol="0" anchor="ctr"/>
+          <a:lstStyle/>
+          <a:p>
+            <a:pPr algn="ctr"/>
+            <a:endParaRPr lang="en-US"/>
+          </a:p>
+        </p:txBody>
+      </p:sp>
+      <p:cxnSp>
+        <p:nvCxnSpPr>
+          <p:cNvPr id="20" name="Straight Connector 19">
+            <a:extLst>
+              <a:ext uri="{FF2B5EF4-FFF2-40B4-BE49-F238E27FC236}">
+                <a16:creationId xmlns:a16="http://schemas.microsoft.com/office/drawing/2014/main" id="{B5298941-E429-1041-88E6-B768ECAB2189}"/>
+              </a:ext>
+            </a:extLst>
+          </p:cNvPr>
+          <p:cNvCxnSpPr>
+            <a:cxnSpLocks/>
+            <a:stCxn id="17" idx="1"/>
+            <a:endCxn id="18" idx="1"/>
+          </p:cNvCxnSpPr>
+          <p:nvPr/>
+        </p:nvCxnSpPr>
+        <p:spPr>
+          <a:xfrm>
+            <a:off x="6611863" y="2194825"/>
+            <a:ext cx="1120882" cy="0"/>
+          </a:xfrm>
+          <a:prstGeom prst="line">
+            <a:avLst/>
+          </a:prstGeom>
+          <a:ln>
+            <a:solidFill>
+              <a:schemeClr val="tx1"/>
+            </a:solidFill>
+          </a:ln>
+        </p:spPr>
+        <p:style>
+          <a:lnRef idx="2">
+            <a:schemeClr val="accent1"/>
+          </a:lnRef>
+          <a:fillRef idx="0">
+            <a:schemeClr val="accent1"/>
+          </a:fillRef>
+          <a:effectRef idx="1">
+            <a:schemeClr val="accent1"/>
+          </a:effectRef>
+          <a:fontRef idx="minor">
+            <a:schemeClr val="tx1"/>
+          </a:fontRef>
+        </p:style>
+      </p:cxnSp>
+      <p:cxnSp>
+        <p:nvCxnSpPr>
+          <p:cNvPr id="22" name="Straight Connector 21">
+            <a:extLst>
+              <a:ext uri="{FF2B5EF4-FFF2-40B4-BE49-F238E27FC236}">
+                <a16:creationId xmlns:a16="http://schemas.microsoft.com/office/drawing/2014/main" id="{5415E25A-9028-C9D1-37AE-20D5AADBA37F}"/>
+              </a:ext>
+            </a:extLst>
+          </p:cNvPr>
+          <p:cNvCxnSpPr>
+            <a:cxnSpLocks/>
+          </p:cNvCxnSpPr>
+          <p:nvPr/>
+        </p:nvCxnSpPr>
+        <p:spPr>
+          <a:xfrm>
+            <a:off x="6955992" y="4466529"/>
+            <a:ext cx="1120882" cy="0"/>
+          </a:xfrm>
+          <a:prstGeom prst="line">
+            <a:avLst/>
+          </a:prstGeom>
+          <a:ln>
+            <a:solidFill>
+              <a:schemeClr val="tx1"/>
+            </a:solidFill>
+          </a:ln>
+        </p:spPr>
+        <p:style>
+          <a:lnRef idx="2">
+            <a:schemeClr val="accent1"/>
+          </a:lnRef>
+          <a:fillRef idx="0">
+            <a:schemeClr val="accent1"/>
+          </a:fillRef>
+          <a:effectRef idx="1">
+            <a:schemeClr val="accent1"/>
+          </a:effectRef>
+          <a:fontRef idx="minor">
+            <a:schemeClr val="tx1"/>
+          </a:fontRef>
+        </p:style>
+      </p:cxnSp>
+      <p:cxnSp>
+        <p:nvCxnSpPr>
+          <p:cNvPr id="23" name="Straight Connector 22">
+            <a:extLst>
+              <a:ext uri="{FF2B5EF4-FFF2-40B4-BE49-F238E27FC236}">
+                <a16:creationId xmlns:a16="http://schemas.microsoft.com/office/drawing/2014/main" id="{230D28DC-67FD-3B2D-0F13-052004D907A2}"/>
+              </a:ext>
+            </a:extLst>
+          </p:cNvPr>
+          <p:cNvCxnSpPr>
+            <a:cxnSpLocks/>
+          </p:cNvCxnSpPr>
+          <p:nvPr/>
+        </p:nvCxnSpPr>
+        <p:spPr>
+          <a:xfrm>
+            <a:off x="6955992" y="4186307"/>
+            <a:ext cx="1120882" cy="0"/>
+          </a:xfrm>
+          <a:prstGeom prst="line">
+            <a:avLst/>
+          </a:prstGeom>
+          <a:ln>
+            <a:solidFill>
+              <a:schemeClr val="tx1"/>
+            </a:solidFill>
+          </a:ln>
+        </p:spPr>
+        <p:style>
+          <a:lnRef idx="2">
+            <a:schemeClr val="accent1"/>
+          </a:lnRef>
+          <a:fillRef idx="0">
+            <a:schemeClr val="accent1"/>
+          </a:fillRef>
+          <a:effectRef idx="1">
+            <a:schemeClr val="accent1"/>
+          </a:effectRef>
+          <a:fontRef idx="minor">
+            <a:schemeClr val="tx1"/>
+          </a:fontRef>
+        </p:style>
+      </p:cxnSp>
+      <p:cxnSp>
+        <p:nvCxnSpPr>
+          <p:cNvPr id="24" name="Straight Connector 23">
+            <a:extLst>
+              <a:ext uri="{FF2B5EF4-FFF2-40B4-BE49-F238E27FC236}">
+                <a16:creationId xmlns:a16="http://schemas.microsoft.com/office/drawing/2014/main" id="{2753EE85-9800-6D58-DBDE-BBDC8D80CAF4}"/>
+              </a:ext>
+            </a:extLst>
+          </p:cNvPr>
+          <p:cNvCxnSpPr>
+            <a:cxnSpLocks/>
+          </p:cNvCxnSpPr>
+          <p:nvPr/>
+        </p:nvCxnSpPr>
+        <p:spPr>
+          <a:xfrm>
+            <a:off x="6936327" y="3906088"/>
+            <a:ext cx="1120882" cy="0"/>
+          </a:xfrm>
+          <a:prstGeom prst="line">
+            <a:avLst/>
+          </a:prstGeom>
+          <a:ln>
+            <a:solidFill>
+              <a:schemeClr val="tx1"/>
+            </a:solidFill>
+          </a:ln>
+        </p:spPr>
+        <p:style>
+          <a:lnRef idx="2">
+            <a:schemeClr val="accent1"/>
+          </a:lnRef>
+          <a:fillRef idx="0">
+            <a:schemeClr val="accent1"/>
+          </a:fillRef>
+          <a:effectRef idx="1">
+            <a:schemeClr val="accent1"/>
+          </a:effectRef>
+          <a:fontRef idx="minor">
+            <a:schemeClr val="tx1"/>
+          </a:fontRef>
+        </p:style>
+      </p:cxnSp>
+      <p:cxnSp>
+        <p:nvCxnSpPr>
+          <p:cNvPr id="25" name="Straight Connector 24">
+            <a:extLst>
+              <a:ext uri="{FF2B5EF4-FFF2-40B4-BE49-F238E27FC236}">
+                <a16:creationId xmlns:a16="http://schemas.microsoft.com/office/drawing/2014/main" id="{EB5C4D84-7669-9D44-8FE9-8553D9A646D1}"/>
+              </a:ext>
+            </a:extLst>
+          </p:cNvPr>
+          <p:cNvCxnSpPr>
+            <a:cxnSpLocks/>
+          </p:cNvCxnSpPr>
+          <p:nvPr/>
+        </p:nvCxnSpPr>
+        <p:spPr>
+          <a:xfrm>
+            <a:off x="6892084" y="3345650"/>
+            <a:ext cx="1120882" cy="0"/>
+          </a:xfrm>
+          <a:prstGeom prst="line">
+            <a:avLst/>
+          </a:prstGeom>
+          <a:ln>
+            <a:solidFill>
+              <a:schemeClr val="tx1"/>
+            </a:solidFill>
+          </a:ln>
+        </p:spPr>
+        <p:style>
+          <a:lnRef idx="2">
+            <a:schemeClr val="accent1"/>
+          </a:lnRef>
+          <a:fillRef idx="0">
+            <a:schemeClr val="accent1"/>
+          </a:fillRef>
+          <a:effectRef idx="1">
+            <a:schemeClr val="accent1"/>
+          </a:effectRef>
+          <a:fontRef idx="minor">
+            <a:schemeClr val="tx1"/>
+          </a:fontRef>
+        </p:style>
+      </p:cxnSp>
+      <p:cxnSp>
+        <p:nvCxnSpPr>
+          <p:cNvPr id="26" name="Straight Connector 25">
+            <a:extLst>
+              <a:ext uri="{FF2B5EF4-FFF2-40B4-BE49-F238E27FC236}">
+                <a16:creationId xmlns:a16="http://schemas.microsoft.com/office/drawing/2014/main" id="{7622A8F3-5FCE-9FC5-3422-9BE057BD6D25}"/>
+              </a:ext>
+            </a:extLst>
+          </p:cNvPr>
+          <p:cNvCxnSpPr>
+            <a:cxnSpLocks/>
+          </p:cNvCxnSpPr>
+          <p:nvPr/>
+        </p:nvCxnSpPr>
+        <p:spPr>
+          <a:xfrm>
+            <a:off x="6783927" y="2785212"/>
+            <a:ext cx="1120882" cy="0"/>
+          </a:xfrm>
+          <a:prstGeom prst="line">
+            <a:avLst/>
+          </a:prstGeom>
+          <a:ln>
+            <a:solidFill>
+              <a:schemeClr val="tx1"/>
+            </a:solidFill>
+          </a:ln>
+        </p:spPr>
+        <p:style>
+          <a:lnRef idx="2">
+            <a:schemeClr val="accent1"/>
+          </a:lnRef>
+          <a:fillRef idx="0">
+            <a:schemeClr val="accent1"/>
+          </a:fillRef>
+          <a:effectRef idx="1">
+            <a:schemeClr val="accent1"/>
+          </a:effectRef>
+          <a:fontRef idx="minor">
+            <a:schemeClr val="tx1"/>
+          </a:fontRef>
+        </p:style>
+      </p:cxnSp>
+      <p:cxnSp>
+        <p:nvCxnSpPr>
+          <p:cNvPr id="27" name="Straight Connector 26">
+            <a:extLst>
+              <a:ext uri="{FF2B5EF4-FFF2-40B4-BE49-F238E27FC236}">
+                <a16:creationId xmlns:a16="http://schemas.microsoft.com/office/drawing/2014/main" id="{86C7FD0A-8E93-4801-C3DF-DA4AFE85F595}"/>
+              </a:ext>
+            </a:extLst>
+          </p:cNvPr>
+          <p:cNvCxnSpPr>
+            <a:cxnSpLocks/>
+          </p:cNvCxnSpPr>
+          <p:nvPr/>
+        </p:nvCxnSpPr>
+        <p:spPr>
+          <a:xfrm>
+            <a:off x="6720020" y="2504993"/>
+            <a:ext cx="1120882" cy="0"/>
+          </a:xfrm>
+          <a:prstGeom prst="line">
+            <a:avLst/>
+          </a:prstGeom>
+          <a:ln>
+            <a:solidFill>
+              <a:schemeClr val="tx1"/>
+            </a:solidFill>
+          </a:ln>
+        </p:spPr>
+        <p:style>
+          <a:lnRef idx="2">
+            <a:schemeClr val="accent1"/>
+          </a:lnRef>
+          <a:fillRef idx="0">
+            <a:schemeClr val="accent1"/>
+          </a:fillRef>
+          <a:effectRef idx="1">
+            <a:schemeClr val="accent1"/>
+          </a:effectRef>
+          <a:fontRef idx="minor">
+            <a:schemeClr val="tx1"/>
+          </a:fontRef>
+        </p:style>
+      </p:cxnSp>
+      <p:cxnSp>
+        <p:nvCxnSpPr>
+          <p:cNvPr id="28" name="Straight Connector 27">
+            <a:extLst>
+              <a:ext uri="{FF2B5EF4-FFF2-40B4-BE49-F238E27FC236}">
+                <a16:creationId xmlns:a16="http://schemas.microsoft.com/office/drawing/2014/main" id="{486B85C5-DACF-69FB-706B-B68BBD423AF4}"/>
+              </a:ext>
+            </a:extLst>
+          </p:cNvPr>
+          <p:cNvCxnSpPr>
+            <a:cxnSpLocks/>
+          </p:cNvCxnSpPr>
+          <p:nvPr/>
+        </p:nvCxnSpPr>
+        <p:spPr>
+          <a:xfrm>
+            <a:off x="6857668" y="3065431"/>
+            <a:ext cx="1120882" cy="0"/>
+          </a:xfrm>
+          <a:prstGeom prst="line">
+            <a:avLst/>
+          </a:prstGeom>
+          <a:ln>
+            <a:solidFill>
+              <a:schemeClr val="tx1"/>
+            </a:solidFill>
+          </a:ln>
+        </p:spPr>
+        <p:style>
+          <a:lnRef idx="2">
+            <a:schemeClr val="accent1"/>
+          </a:lnRef>
+          <a:fillRef idx="0">
+            <a:schemeClr val="accent1"/>
+          </a:fillRef>
+          <a:effectRef idx="1">
+            <a:schemeClr val="accent1"/>
+          </a:effectRef>
+          <a:fontRef idx="minor">
+            <a:schemeClr val="tx1"/>
+          </a:fontRef>
+        </p:style>
+      </p:cxnSp>
+      <p:cxnSp>
+        <p:nvCxnSpPr>
+          <p:cNvPr id="29" name="Straight Connector 28">
+            <a:extLst>
+              <a:ext uri="{FF2B5EF4-FFF2-40B4-BE49-F238E27FC236}">
+                <a16:creationId xmlns:a16="http://schemas.microsoft.com/office/drawing/2014/main" id="{06487EB9-9C7E-E9A3-CB1B-92E0824DFEB4}"/>
+              </a:ext>
+            </a:extLst>
+          </p:cNvPr>
+          <p:cNvCxnSpPr>
+            <a:cxnSpLocks/>
+          </p:cNvCxnSpPr>
+          <p:nvPr/>
+        </p:nvCxnSpPr>
+        <p:spPr>
+          <a:xfrm>
+            <a:off x="6921580" y="3625869"/>
+            <a:ext cx="1120882" cy="0"/>
+          </a:xfrm>
+          <a:prstGeom prst="line">
+            <a:avLst/>
+          </a:prstGeom>
+          <a:ln>
+            <a:solidFill>
+              <a:schemeClr val="tx1"/>
+            </a:solidFill>
+          </a:ln>
+        </p:spPr>
+        <p:style>
+          <a:lnRef idx="2">
+            <a:schemeClr val="accent1"/>
+          </a:lnRef>
+          <a:fillRef idx="0">
+            <a:schemeClr val="accent1"/>
+          </a:fillRef>
+          <a:effectRef idx="1">
+            <a:schemeClr val="accent1"/>
+          </a:effectRef>
+          <a:fontRef idx="minor">
+            <a:schemeClr val="tx1"/>
+          </a:fontRef>
+        </p:style>
+      </p:cxnSp>
+      <p:sp>
+        <p:nvSpPr>
+          <p:cNvPr id="30" name="Freeform: Shape 29">
+            <a:extLst>
+              <a:ext uri="{FF2B5EF4-FFF2-40B4-BE49-F238E27FC236}">
+                <a16:creationId xmlns:a16="http://schemas.microsoft.com/office/drawing/2014/main" id="{84AF5152-B65B-E3C1-F22A-BE3472618D98}"/>
+              </a:ext>
+            </a:extLst>
+          </p:cNvPr>
+          <p:cNvSpPr/>
+          <p:nvPr/>
+        </p:nvSpPr>
+        <p:spPr>
+          <a:xfrm>
+            <a:off x="7060215" y="2194825"/>
+            <a:ext cx="344129" cy="2261420"/>
+          </a:xfrm>
+          <a:custGeom>
+            <a:avLst/>
+            <a:gdLst>
+              <a:gd name="csX0" fmla="*/ 331424 w 1068844"/>
+              <a:gd name="csY0" fmla="*/ 2428567 h 2428567"/>
+              <a:gd name="csX1" fmla="*/ 311760 w 1068844"/>
+              <a:gd name="csY1" fmla="*/ 1248696 h 2428567"/>
+              <a:gd name="csX2" fmla="*/ 26624 w 1068844"/>
+              <a:gd name="csY2" fmla="*/ 176980 h 2428567"/>
+              <a:gd name="csX3" fmla="*/ 1068844 w 1068844"/>
+              <a:gd name="csY3" fmla="*/ 0 h 2428567"/>
+              <a:gd name="csX0" fmla="*/ 331424 w 346503"/>
+              <a:gd name="csY0" fmla="*/ 2251587 h 2251587"/>
+              <a:gd name="csX1" fmla="*/ 311760 w 346503"/>
+              <a:gd name="csY1" fmla="*/ 1071716 h 2251587"/>
+              <a:gd name="csX2" fmla="*/ 26624 w 346503"/>
+              <a:gd name="csY2" fmla="*/ 0 h 2251587"/>
+              <a:gd name="csX0" fmla="*/ 304800 w 319879"/>
+              <a:gd name="csY0" fmla="*/ 2251587 h 2251587"/>
+              <a:gd name="csX1" fmla="*/ 285136 w 319879"/>
+              <a:gd name="csY1" fmla="*/ 1071716 h 2251587"/>
+              <a:gd name="csX2" fmla="*/ 0 w 319879"/>
+              <a:gd name="csY2" fmla="*/ 0 h 2251587"/>
+              <a:gd name="csX0" fmla="*/ 304800 w 312819"/>
+              <a:gd name="csY0" fmla="*/ 2251587 h 2251587"/>
+              <a:gd name="csX1" fmla="*/ 265472 w 312819"/>
+              <a:gd name="csY1" fmla="*/ 1042219 h 2251587"/>
+              <a:gd name="csX2" fmla="*/ 0 w 312819"/>
+              <a:gd name="csY2" fmla="*/ 0 h 2251587"/>
+              <a:gd name="csX0" fmla="*/ 304800 w 311008"/>
+              <a:gd name="csY0" fmla="*/ 2251587 h 2251587"/>
+              <a:gd name="csX1" fmla="*/ 265472 w 311008"/>
+              <a:gd name="csY1" fmla="*/ 1042219 h 2251587"/>
+              <a:gd name="csX2" fmla="*/ 0 w 311008"/>
+              <a:gd name="csY2" fmla="*/ 0 h 2251587"/>
+              <a:gd name="csX0" fmla="*/ 304800 w 304800"/>
+              <a:gd name="csY0" fmla="*/ 2251587 h 2251587"/>
+              <a:gd name="csX1" fmla="*/ 265472 w 304800"/>
+              <a:gd name="csY1" fmla="*/ 1042219 h 2251587"/>
+              <a:gd name="csX2" fmla="*/ 0 w 304800"/>
+              <a:gd name="csY2" fmla="*/ 0 h 2251587"/>
+              <a:gd name="csX0" fmla="*/ 344129 w 344129"/>
+              <a:gd name="csY0" fmla="*/ 2261420 h 2261420"/>
+              <a:gd name="csX1" fmla="*/ 265472 w 344129"/>
+              <a:gd name="csY1" fmla="*/ 1042219 h 2261420"/>
+              <a:gd name="csX2" fmla="*/ 0 w 344129"/>
+              <a:gd name="csY2" fmla="*/ 0 h 2261420"/>
+              <a:gd name="csX0" fmla="*/ 344129 w 344883"/>
+              <a:gd name="csY0" fmla="*/ 2261420 h 2261420"/>
+              <a:gd name="csX1" fmla="*/ 265472 w 344883"/>
+              <a:gd name="csY1" fmla="*/ 1042219 h 2261420"/>
+              <a:gd name="csX2" fmla="*/ 0 w 344883"/>
+              <a:gd name="csY2" fmla="*/ 0 h 2261420"/>
+              <a:gd name="csX0" fmla="*/ 344129 w 345172"/>
+              <a:gd name="csY0" fmla="*/ 2261420 h 2261420"/>
+              <a:gd name="csX1" fmla="*/ 275305 w 345172"/>
+              <a:gd name="csY1" fmla="*/ 1081548 h 2261420"/>
+              <a:gd name="csX2" fmla="*/ 0 w 345172"/>
+              <a:gd name="csY2" fmla="*/ 0 h 2261420"/>
+              <a:gd name="csX0" fmla="*/ 344129 w 344890"/>
+              <a:gd name="csY0" fmla="*/ 2261420 h 2261420"/>
+              <a:gd name="csX1" fmla="*/ 275305 w 344890"/>
+              <a:gd name="csY1" fmla="*/ 1081548 h 2261420"/>
+              <a:gd name="csX2" fmla="*/ 0 w 344890"/>
+              <a:gd name="csY2" fmla="*/ 0 h 2261420"/>
+              <a:gd name="csX0" fmla="*/ 344129 w 344129"/>
+              <a:gd name="csY0" fmla="*/ 2261420 h 2261420"/>
+              <a:gd name="csX1" fmla="*/ 0 w 344129"/>
+              <a:gd name="csY1" fmla="*/ 0 h 2261420"/>
+              <a:gd name="csX0" fmla="*/ 344129 w 344129"/>
+              <a:gd name="csY0" fmla="*/ 2261420 h 2261420"/>
+              <a:gd name="csX1" fmla="*/ 0 w 344129"/>
+              <a:gd name="csY1" fmla="*/ 0 h 2261420"/>
+              <a:gd name="csX0" fmla="*/ 344129 w 344129"/>
+              <a:gd name="csY0" fmla="*/ 2261420 h 2261420"/>
+              <a:gd name="csX1" fmla="*/ 0 w 344129"/>
+              <a:gd name="csY1" fmla="*/ 0 h 2261420"/>
+              <a:gd name="csX0" fmla="*/ 344129 w 344129"/>
+              <a:gd name="csY0" fmla="*/ 2261420 h 2261420"/>
+              <a:gd name="csX1" fmla="*/ 0 w 344129"/>
+              <a:gd name="csY1" fmla="*/ 0 h 2261420"/>
+            </a:gdLst>
+            <a:ahLst/>
+            <a:cxnLst>
+              <a:cxn ang="0">
+                <a:pos x="csX0" y="csY0"/>
+              </a:cxn>
+              <a:cxn ang="0">
+                <a:pos x="csX1" y="csY1"/>
+              </a:cxn>
+            </a:cxnLst>
+            <a:rect l="l" t="t" r="r" b="b"/>
+            <a:pathLst>
+              <a:path w="344129" h="2261420">
+                <a:moveTo>
+                  <a:pt x="344129" y="2261420"/>
+                </a:moveTo>
+                <a:cubicBezTo>
+                  <a:pt x="337574" y="1586272"/>
+                  <a:pt x="291691" y="714478"/>
+                  <a:pt x="0" y="0"/>
+                </a:cubicBezTo>
+              </a:path>
+            </a:pathLst>
+          </a:custGeom>
+          <a:noFill/>
+        </p:spPr>
+        <p:style>
+          <a:lnRef idx="2">
+            <a:schemeClr val="accent1">
+              <a:shade val="15000"/>
+            </a:schemeClr>
+          </a:lnRef>
+          <a:fillRef idx="1">
+            <a:schemeClr val="accent1"/>
+          </a:fillRef>
+          <a:effectRef idx="0">
+            <a:schemeClr val="accent1"/>
+          </a:effectRef>
+          <a:fontRef idx="minor">
+            <a:schemeClr val="lt1"/>
+          </a:fontRef>
+        </p:style>
+        <p:txBody>
+          <a:bodyPr rtlCol="0" anchor="ctr"/>
+          <a:lstStyle/>
+          <a:p>
+            <a:pPr algn="ctr"/>
+            <a:endParaRPr lang="en-US"/>
+          </a:p>
+        </p:txBody>
+      </p:sp>
+      <p:sp>
+        <p:nvSpPr>
+          <p:cNvPr id="31" name="Freeform: Shape 30">
+            <a:extLst>
+              <a:ext uri="{FF2B5EF4-FFF2-40B4-BE49-F238E27FC236}">
+                <a16:creationId xmlns:a16="http://schemas.microsoft.com/office/drawing/2014/main" id="{A6A5BA4E-C9A9-AD07-D312-29B3DACA89C4}"/>
+              </a:ext>
+            </a:extLst>
+          </p:cNvPr>
+          <p:cNvSpPr/>
+          <p:nvPr/>
+        </p:nvSpPr>
+        <p:spPr>
+          <a:xfrm>
+            <a:off x="7284391" y="2194825"/>
+            <a:ext cx="344129" cy="2261420"/>
+          </a:xfrm>
+          <a:custGeom>
+            <a:avLst/>
+            <a:gdLst>
+              <a:gd name="csX0" fmla="*/ 331424 w 1068844"/>
+              <a:gd name="csY0" fmla="*/ 2428567 h 2428567"/>
+              <a:gd name="csX1" fmla="*/ 311760 w 1068844"/>
+              <a:gd name="csY1" fmla="*/ 1248696 h 2428567"/>
+              <a:gd name="csX2" fmla="*/ 26624 w 1068844"/>
+              <a:gd name="csY2" fmla="*/ 176980 h 2428567"/>
+              <a:gd name="csX3" fmla="*/ 1068844 w 1068844"/>
+              <a:gd name="csY3" fmla="*/ 0 h 2428567"/>
+              <a:gd name="csX0" fmla="*/ 331424 w 346503"/>
+              <a:gd name="csY0" fmla="*/ 2251587 h 2251587"/>
+              <a:gd name="csX1" fmla="*/ 311760 w 346503"/>
+              <a:gd name="csY1" fmla="*/ 1071716 h 2251587"/>
+              <a:gd name="csX2" fmla="*/ 26624 w 346503"/>
+              <a:gd name="csY2" fmla="*/ 0 h 2251587"/>
+              <a:gd name="csX0" fmla="*/ 304800 w 319879"/>
+              <a:gd name="csY0" fmla="*/ 2251587 h 2251587"/>
+              <a:gd name="csX1" fmla="*/ 285136 w 319879"/>
+              <a:gd name="csY1" fmla="*/ 1071716 h 2251587"/>
+              <a:gd name="csX2" fmla="*/ 0 w 319879"/>
+              <a:gd name="csY2" fmla="*/ 0 h 2251587"/>
+              <a:gd name="csX0" fmla="*/ 304800 w 312819"/>
+              <a:gd name="csY0" fmla="*/ 2251587 h 2251587"/>
+              <a:gd name="csX1" fmla="*/ 265472 w 312819"/>
+              <a:gd name="csY1" fmla="*/ 1042219 h 2251587"/>
+              <a:gd name="csX2" fmla="*/ 0 w 312819"/>
+              <a:gd name="csY2" fmla="*/ 0 h 2251587"/>
+              <a:gd name="csX0" fmla="*/ 304800 w 311008"/>
+              <a:gd name="csY0" fmla="*/ 2251587 h 2251587"/>
+              <a:gd name="csX1" fmla="*/ 265472 w 311008"/>
+              <a:gd name="csY1" fmla="*/ 1042219 h 2251587"/>
+              <a:gd name="csX2" fmla="*/ 0 w 311008"/>
+              <a:gd name="csY2" fmla="*/ 0 h 2251587"/>
+              <a:gd name="csX0" fmla="*/ 304800 w 304800"/>
+              <a:gd name="csY0" fmla="*/ 2251587 h 2251587"/>
+              <a:gd name="csX1" fmla="*/ 265472 w 304800"/>
+              <a:gd name="csY1" fmla="*/ 1042219 h 2251587"/>
+              <a:gd name="csX2" fmla="*/ 0 w 304800"/>
+              <a:gd name="csY2" fmla="*/ 0 h 2251587"/>
+              <a:gd name="csX0" fmla="*/ 344129 w 344129"/>
+              <a:gd name="csY0" fmla="*/ 2261420 h 2261420"/>
+              <a:gd name="csX1" fmla="*/ 265472 w 344129"/>
+              <a:gd name="csY1" fmla="*/ 1042219 h 2261420"/>
+              <a:gd name="csX2" fmla="*/ 0 w 344129"/>
+              <a:gd name="csY2" fmla="*/ 0 h 2261420"/>
+              <a:gd name="csX0" fmla="*/ 344129 w 344883"/>
+              <a:gd name="csY0" fmla="*/ 2261420 h 2261420"/>
+              <a:gd name="csX1" fmla="*/ 265472 w 344883"/>
+              <a:gd name="csY1" fmla="*/ 1042219 h 2261420"/>
+              <a:gd name="csX2" fmla="*/ 0 w 344883"/>
+              <a:gd name="csY2" fmla="*/ 0 h 2261420"/>
+              <a:gd name="csX0" fmla="*/ 344129 w 345172"/>
+              <a:gd name="csY0" fmla="*/ 2261420 h 2261420"/>
+              <a:gd name="csX1" fmla="*/ 275305 w 345172"/>
+              <a:gd name="csY1" fmla="*/ 1081548 h 2261420"/>
+              <a:gd name="csX2" fmla="*/ 0 w 345172"/>
+              <a:gd name="csY2" fmla="*/ 0 h 2261420"/>
+              <a:gd name="csX0" fmla="*/ 344129 w 344890"/>
+              <a:gd name="csY0" fmla="*/ 2261420 h 2261420"/>
+              <a:gd name="csX1" fmla="*/ 275305 w 344890"/>
+              <a:gd name="csY1" fmla="*/ 1081548 h 2261420"/>
+              <a:gd name="csX2" fmla="*/ 0 w 344890"/>
+              <a:gd name="csY2" fmla="*/ 0 h 2261420"/>
+              <a:gd name="csX0" fmla="*/ 344129 w 344129"/>
+              <a:gd name="csY0" fmla="*/ 2261420 h 2261420"/>
+              <a:gd name="csX1" fmla="*/ 0 w 344129"/>
+              <a:gd name="csY1" fmla="*/ 0 h 2261420"/>
+              <a:gd name="csX0" fmla="*/ 344129 w 344129"/>
+              <a:gd name="csY0" fmla="*/ 2261420 h 2261420"/>
+              <a:gd name="csX1" fmla="*/ 0 w 344129"/>
+              <a:gd name="csY1" fmla="*/ 0 h 2261420"/>
+              <a:gd name="csX0" fmla="*/ 344129 w 344129"/>
+              <a:gd name="csY0" fmla="*/ 2261420 h 2261420"/>
+              <a:gd name="csX1" fmla="*/ 0 w 344129"/>
+              <a:gd name="csY1" fmla="*/ 0 h 2261420"/>
+              <a:gd name="csX0" fmla="*/ 344129 w 344129"/>
+              <a:gd name="csY0" fmla="*/ 2261420 h 2261420"/>
+              <a:gd name="csX1" fmla="*/ 0 w 344129"/>
+              <a:gd name="csY1" fmla="*/ 0 h 2261420"/>
+            </a:gdLst>
+            <a:ahLst/>
+            <a:cxnLst>
+              <a:cxn ang="0">
+                <a:pos x="csX0" y="csY0"/>
+              </a:cxn>
+              <a:cxn ang="0">
+                <a:pos x="csX1" y="csY1"/>
+              </a:cxn>
+            </a:cxnLst>
+            <a:rect l="l" t="t" r="r" b="b"/>
+            <a:pathLst>
+              <a:path w="344129" h="2261420">
+                <a:moveTo>
+                  <a:pt x="344129" y="2261420"/>
+                </a:moveTo>
+                <a:cubicBezTo>
+                  <a:pt x="337574" y="1586272"/>
+                  <a:pt x="291691" y="714478"/>
+                  <a:pt x="0" y="0"/>
+                </a:cubicBezTo>
+              </a:path>
+            </a:pathLst>
+          </a:custGeom>
+          <a:noFill/>
+        </p:spPr>
+        <p:style>
+          <a:lnRef idx="2">
+            <a:schemeClr val="accent1">
+              <a:shade val="15000"/>
+            </a:schemeClr>
+          </a:lnRef>
+          <a:fillRef idx="1">
+            <a:schemeClr val="accent1"/>
+          </a:fillRef>
+          <a:effectRef idx="0">
+            <a:schemeClr val="accent1"/>
+          </a:effectRef>
+          <a:fontRef idx="minor">
+            <a:schemeClr val="lt1"/>
+          </a:fontRef>
+        </p:style>
+        <p:txBody>
+          <a:bodyPr rtlCol="0" anchor="ctr"/>
+          <a:lstStyle/>
+          <a:p>
+            <a:pPr algn="ctr"/>
+            <a:endParaRPr lang="en-US"/>
+          </a:p>
+        </p:txBody>
+      </p:sp>
+      <p:sp>
+        <p:nvSpPr>
+          <p:cNvPr id="32" name="Freeform: Shape 31">
+            <a:extLst>
+              <a:ext uri="{FF2B5EF4-FFF2-40B4-BE49-F238E27FC236}">
+                <a16:creationId xmlns:a16="http://schemas.microsoft.com/office/drawing/2014/main" id="{40799971-FEB3-23D0-AD34-3AA2686145E1}"/>
+              </a:ext>
+            </a:extLst>
+          </p:cNvPr>
+          <p:cNvSpPr/>
+          <p:nvPr/>
+        </p:nvSpPr>
+        <p:spPr>
+          <a:xfrm>
+            <a:off x="7508567" y="2194825"/>
+            <a:ext cx="344129" cy="2261420"/>
+          </a:xfrm>
+          <a:custGeom>
+            <a:avLst/>
+            <a:gdLst>
+              <a:gd name="csX0" fmla="*/ 331424 w 1068844"/>
+              <a:gd name="csY0" fmla="*/ 2428567 h 2428567"/>
+              <a:gd name="csX1" fmla="*/ 311760 w 1068844"/>
+              <a:gd name="csY1" fmla="*/ 1248696 h 2428567"/>
+              <a:gd name="csX2" fmla="*/ 26624 w 1068844"/>
+              <a:gd name="csY2" fmla="*/ 176980 h 2428567"/>
+              <a:gd name="csX3" fmla="*/ 1068844 w 1068844"/>
+              <a:gd name="csY3" fmla="*/ 0 h 2428567"/>
+              <a:gd name="csX0" fmla="*/ 331424 w 346503"/>
+              <a:gd name="csY0" fmla="*/ 2251587 h 2251587"/>
+              <a:gd name="csX1" fmla="*/ 311760 w 346503"/>
+              <a:gd name="csY1" fmla="*/ 1071716 h 2251587"/>
+              <a:gd name="csX2" fmla="*/ 26624 w 346503"/>
+              <a:gd name="csY2" fmla="*/ 0 h 2251587"/>
+              <a:gd name="csX0" fmla="*/ 304800 w 319879"/>
+              <a:gd name="csY0" fmla="*/ 2251587 h 2251587"/>
+              <a:gd name="csX1" fmla="*/ 285136 w 319879"/>
+              <a:gd name="csY1" fmla="*/ 1071716 h 2251587"/>
+              <a:gd name="csX2" fmla="*/ 0 w 319879"/>
+              <a:gd name="csY2" fmla="*/ 0 h 2251587"/>
+              <a:gd name="csX0" fmla="*/ 304800 w 312819"/>
+              <a:gd name="csY0" fmla="*/ 2251587 h 2251587"/>
+              <a:gd name="csX1" fmla="*/ 265472 w 312819"/>
+              <a:gd name="csY1" fmla="*/ 1042219 h 2251587"/>
+              <a:gd name="csX2" fmla="*/ 0 w 312819"/>
+              <a:gd name="csY2" fmla="*/ 0 h 2251587"/>
+              <a:gd name="csX0" fmla="*/ 304800 w 311008"/>
+              <a:gd name="csY0" fmla="*/ 2251587 h 2251587"/>
+              <a:gd name="csX1" fmla="*/ 265472 w 311008"/>
+              <a:gd name="csY1" fmla="*/ 1042219 h 2251587"/>
+              <a:gd name="csX2" fmla="*/ 0 w 311008"/>
+              <a:gd name="csY2" fmla="*/ 0 h 2251587"/>
+              <a:gd name="csX0" fmla="*/ 304800 w 304800"/>
+              <a:gd name="csY0" fmla="*/ 2251587 h 2251587"/>
+              <a:gd name="csX1" fmla="*/ 265472 w 304800"/>
+              <a:gd name="csY1" fmla="*/ 1042219 h 2251587"/>
+              <a:gd name="csX2" fmla="*/ 0 w 304800"/>
+              <a:gd name="csY2" fmla="*/ 0 h 2251587"/>
+              <a:gd name="csX0" fmla="*/ 344129 w 344129"/>
+              <a:gd name="csY0" fmla="*/ 2261420 h 2261420"/>
+              <a:gd name="csX1" fmla="*/ 265472 w 344129"/>
+              <a:gd name="csY1" fmla="*/ 1042219 h 2261420"/>
+              <a:gd name="csX2" fmla="*/ 0 w 344129"/>
+              <a:gd name="csY2" fmla="*/ 0 h 2261420"/>
+              <a:gd name="csX0" fmla="*/ 344129 w 344883"/>
+              <a:gd name="csY0" fmla="*/ 2261420 h 2261420"/>
+              <a:gd name="csX1" fmla="*/ 265472 w 344883"/>
+              <a:gd name="csY1" fmla="*/ 1042219 h 2261420"/>
+              <a:gd name="csX2" fmla="*/ 0 w 344883"/>
+              <a:gd name="csY2" fmla="*/ 0 h 2261420"/>
+              <a:gd name="csX0" fmla="*/ 344129 w 345172"/>
+              <a:gd name="csY0" fmla="*/ 2261420 h 2261420"/>
+              <a:gd name="csX1" fmla="*/ 275305 w 345172"/>
+              <a:gd name="csY1" fmla="*/ 1081548 h 2261420"/>
+              <a:gd name="csX2" fmla="*/ 0 w 345172"/>
+              <a:gd name="csY2" fmla="*/ 0 h 2261420"/>
+              <a:gd name="csX0" fmla="*/ 344129 w 344890"/>
+              <a:gd name="csY0" fmla="*/ 2261420 h 2261420"/>
+              <a:gd name="csX1" fmla="*/ 275305 w 344890"/>
+              <a:gd name="csY1" fmla="*/ 1081548 h 2261420"/>
+              <a:gd name="csX2" fmla="*/ 0 w 344890"/>
+              <a:gd name="csY2" fmla="*/ 0 h 2261420"/>
+              <a:gd name="csX0" fmla="*/ 344129 w 344129"/>
+              <a:gd name="csY0" fmla="*/ 2261420 h 2261420"/>
+              <a:gd name="csX1" fmla="*/ 0 w 344129"/>
+              <a:gd name="csY1" fmla="*/ 0 h 2261420"/>
+              <a:gd name="csX0" fmla="*/ 344129 w 344129"/>
+              <a:gd name="csY0" fmla="*/ 2261420 h 2261420"/>
+              <a:gd name="csX1" fmla="*/ 0 w 344129"/>
+              <a:gd name="csY1" fmla="*/ 0 h 2261420"/>
+              <a:gd name="csX0" fmla="*/ 344129 w 344129"/>
+              <a:gd name="csY0" fmla="*/ 2261420 h 2261420"/>
+              <a:gd name="csX1" fmla="*/ 0 w 344129"/>
+              <a:gd name="csY1" fmla="*/ 0 h 2261420"/>
+              <a:gd name="csX0" fmla="*/ 344129 w 344129"/>
+              <a:gd name="csY0" fmla="*/ 2261420 h 2261420"/>
+              <a:gd name="csX1" fmla="*/ 0 w 344129"/>
+              <a:gd name="csY1" fmla="*/ 0 h 2261420"/>
+            </a:gdLst>
+            <a:ahLst/>
+            <a:cxnLst>
+              <a:cxn ang="0">
+                <a:pos x="csX0" y="csY0"/>
+              </a:cxn>
+              <a:cxn ang="0">
+                <a:pos x="csX1" y="csY1"/>
+              </a:cxn>
+            </a:cxnLst>
+            <a:rect l="l" t="t" r="r" b="b"/>
+            <a:pathLst>
+              <a:path w="344129" h="2261420">
+                <a:moveTo>
+                  <a:pt x="344129" y="2261420"/>
+                </a:moveTo>
+                <a:cubicBezTo>
+                  <a:pt x="337574" y="1586272"/>
+                  <a:pt x="291691" y="714478"/>
+                  <a:pt x="0" y="0"/>
+                </a:cubicBezTo>
+              </a:path>
+            </a:pathLst>
+          </a:custGeom>
+          <a:noFill/>
+        </p:spPr>
+        <p:style>
+          <a:lnRef idx="2">
+            <a:schemeClr val="accent1">
+              <a:shade val="15000"/>
+            </a:schemeClr>
+          </a:lnRef>
+          <a:fillRef idx="1">
+            <a:schemeClr val="accent1"/>
+          </a:fillRef>
+          <a:effectRef idx="0">
+            <a:schemeClr val="accent1"/>
+          </a:effectRef>
+          <a:fontRef idx="minor">
+            <a:schemeClr val="lt1"/>
+          </a:fontRef>
+        </p:style>
+        <p:txBody>
+          <a:bodyPr rtlCol="0" anchor="ctr"/>
+          <a:lstStyle/>
+          <a:p>
+            <a:pPr algn="ctr"/>
+            <a:endParaRPr lang="en-US"/>
+          </a:p>
+        </p:txBody>
+      </p:sp>
+      <p:sp>
+        <p:nvSpPr>
+          <p:cNvPr id="33" name="Freeform: Shape 32">
+            <a:extLst>
+              <a:ext uri="{FF2B5EF4-FFF2-40B4-BE49-F238E27FC236}">
+                <a16:creationId xmlns:a16="http://schemas.microsoft.com/office/drawing/2014/main" id="{FFCCC8A8-FFC9-C721-BE8A-C968DE36C53A}"/>
+              </a:ext>
+            </a:extLst>
+          </p:cNvPr>
+          <p:cNvSpPr/>
+          <p:nvPr/>
+        </p:nvSpPr>
+        <p:spPr>
+          <a:xfrm>
+            <a:off x="6836039" y="2194825"/>
+            <a:ext cx="344129" cy="2261420"/>
+          </a:xfrm>
+          <a:custGeom>
+            <a:avLst/>
+            <a:gdLst>
+              <a:gd name="csX0" fmla="*/ 331424 w 1068844"/>
+              <a:gd name="csY0" fmla="*/ 2428567 h 2428567"/>
+              <a:gd name="csX1" fmla="*/ 311760 w 1068844"/>
+              <a:gd name="csY1" fmla="*/ 1248696 h 2428567"/>
+              <a:gd name="csX2" fmla="*/ 26624 w 1068844"/>
+              <a:gd name="csY2" fmla="*/ 176980 h 2428567"/>
+              <a:gd name="csX3" fmla="*/ 1068844 w 1068844"/>
+              <a:gd name="csY3" fmla="*/ 0 h 2428567"/>
+              <a:gd name="csX0" fmla="*/ 331424 w 346503"/>
+              <a:gd name="csY0" fmla="*/ 2251587 h 2251587"/>
+              <a:gd name="csX1" fmla="*/ 311760 w 346503"/>
+              <a:gd name="csY1" fmla="*/ 1071716 h 2251587"/>
+              <a:gd name="csX2" fmla="*/ 26624 w 346503"/>
+              <a:gd name="csY2" fmla="*/ 0 h 2251587"/>
+              <a:gd name="csX0" fmla="*/ 304800 w 319879"/>
+              <a:gd name="csY0" fmla="*/ 2251587 h 2251587"/>
+              <a:gd name="csX1" fmla="*/ 285136 w 319879"/>
+              <a:gd name="csY1" fmla="*/ 1071716 h 2251587"/>
+              <a:gd name="csX2" fmla="*/ 0 w 319879"/>
+              <a:gd name="csY2" fmla="*/ 0 h 2251587"/>
+              <a:gd name="csX0" fmla="*/ 304800 w 312819"/>
+              <a:gd name="csY0" fmla="*/ 2251587 h 2251587"/>
+              <a:gd name="csX1" fmla="*/ 265472 w 312819"/>
+              <a:gd name="csY1" fmla="*/ 1042219 h 2251587"/>
+              <a:gd name="csX2" fmla="*/ 0 w 312819"/>
+              <a:gd name="csY2" fmla="*/ 0 h 2251587"/>
+              <a:gd name="csX0" fmla="*/ 304800 w 311008"/>
+              <a:gd name="csY0" fmla="*/ 2251587 h 2251587"/>
+              <a:gd name="csX1" fmla="*/ 265472 w 311008"/>
+              <a:gd name="csY1" fmla="*/ 1042219 h 2251587"/>
+              <a:gd name="csX2" fmla="*/ 0 w 311008"/>
+              <a:gd name="csY2" fmla="*/ 0 h 2251587"/>
+              <a:gd name="csX0" fmla="*/ 304800 w 304800"/>
+              <a:gd name="csY0" fmla="*/ 2251587 h 2251587"/>
+              <a:gd name="csX1" fmla="*/ 265472 w 304800"/>
+              <a:gd name="csY1" fmla="*/ 1042219 h 2251587"/>
+              <a:gd name="csX2" fmla="*/ 0 w 304800"/>
+              <a:gd name="csY2" fmla="*/ 0 h 2251587"/>
+              <a:gd name="csX0" fmla="*/ 344129 w 344129"/>
+              <a:gd name="csY0" fmla="*/ 2261420 h 2261420"/>
+              <a:gd name="csX1" fmla="*/ 265472 w 344129"/>
+              <a:gd name="csY1" fmla="*/ 1042219 h 2261420"/>
+              <a:gd name="csX2" fmla="*/ 0 w 344129"/>
+              <a:gd name="csY2" fmla="*/ 0 h 2261420"/>
+              <a:gd name="csX0" fmla="*/ 344129 w 344883"/>
+              <a:gd name="csY0" fmla="*/ 2261420 h 2261420"/>
+              <a:gd name="csX1" fmla="*/ 265472 w 344883"/>
+              <a:gd name="csY1" fmla="*/ 1042219 h 2261420"/>
+              <a:gd name="csX2" fmla="*/ 0 w 344883"/>
+              <a:gd name="csY2" fmla="*/ 0 h 2261420"/>
+              <a:gd name="csX0" fmla="*/ 344129 w 345172"/>
+              <a:gd name="csY0" fmla="*/ 2261420 h 2261420"/>
+              <a:gd name="csX1" fmla="*/ 275305 w 345172"/>
+              <a:gd name="csY1" fmla="*/ 1081548 h 2261420"/>
+              <a:gd name="csX2" fmla="*/ 0 w 345172"/>
+              <a:gd name="csY2" fmla="*/ 0 h 2261420"/>
+              <a:gd name="csX0" fmla="*/ 344129 w 344890"/>
+              <a:gd name="csY0" fmla="*/ 2261420 h 2261420"/>
+              <a:gd name="csX1" fmla="*/ 275305 w 344890"/>
+              <a:gd name="csY1" fmla="*/ 1081548 h 2261420"/>
+              <a:gd name="csX2" fmla="*/ 0 w 344890"/>
+              <a:gd name="csY2" fmla="*/ 0 h 2261420"/>
+              <a:gd name="csX0" fmla="*/ 344129 w 344129"/>
+              <a:gd name="csY0" fmla="*/ 2261420 h 2261420"/>
+              <a:gd name="csX1" fmla="*/ 0 w 344129"/>
+              <a:gd name="csY1" fmla="*/ 0 h 2261420"/>
+              <a:gd name="csX0" fmla="*/ 344129 w 344129"/>
+              <a:gd name="csY0" fmla="*/ 2261420 h 2261420"/>
+              <a:gd name="csX1" fmla="*/ 0 w 344129"/>
+              <a:gd name="csY1" fmla="*/ 0 h 2261420"/>
+              <a:gd name="csX0" fmla="*/ 344129 w 344129"/>
+              <a:gd name="csY0" fmla="*/ 2261420 h 2261420"/>
+              <a:gd name="csX1" fmla="*/ 0 w 344129"/>
+              <a:gd name="csY1" fmla="*/ 0 h 2261420"/>
+              <a:gd name="csX0" fmla="*/ 344129 w 344129"/>
+              <a:gd name="csY0" fmla="*/ 2261420 h 2261420"/>
+              <a:gd name="csX1" fmla="*/ 0 w 344129"/>
+              <a:gd name="csY1" fmla="*/ 0 h 2261420"/>
+            </a:gdLst>
+            <a:ahLst/>
+            <a:cxnLst>
+              <a:cxn ang="0">
+                <a:pos x="csX0" y="csY0"/>
+              </a:cxn>
+              <a:cxn ang="0">
+                <a:pos x="csX1" y="csY1"/>
+              </a:cxn>
+            </a:cxnLst>
+            <a:rect l="l" t="t" r="r" b="b"/>
+            <a:pathLst>
+              <a:path w="344129" h="2261420">
+                <a:moveTo>
+                  <a:pt x="344129" y="2261420"/>
+                </a:moveTo>
+                <a:cubicBezTo>
+                  <a:pt x="337574" y="1586272"/>
+                  <a:pt x="291691" y="714478"/>
+                  <a:pt x="0" y="0"/>
+                </a:cubicBezTo>
+              </a:path>
+            </a:pathLst>
+          </a:custGeom>
+          <a:noFill/>
+        </p:spPr>
+        <p:style>
+          <a:lnRef idx="2">
+            <a:schemeClr val="accent1">
+              <a:shade val="15000"/>
+            </a:schemeClr>
+          </a:lnRef>
+          <a:fillRef idx="1">
+            <a:schemeClr val="accent1"/>
+          </a:fillRef>
+          <a:effectRef idx="0">
+            <a:schemeClr val="accent1"/>
+          </a:effectRef>
+          <a:fontRef idx="minor">
+            <a:schemeClr val="lt1"/>
+          </a:fontRef>
+        </p:style>
+        <p:txBody>
+          <a:bodyPr rtlCol="0" anchor="ctr"/>
+          <a:lstStyle/>
+          <a:p>
+            <a:pPr algn="ctr"/>
+            <a:endParaRPr lang="en-US"/>
+          </a:p>
+        </p:txBody>
+      </p:sp>
+      <p:cxnSp>
+        <p:nvCxnSpPr>
+          <p:cNvPr id="34" name="Straight Arrow Connector 33">
+            <a:extLst>
+              <a:ext uri="{FF2B5EF4-FFF2-40B4-BE49-F238E27FC236}">
+                <a16:creationId xmlns:a16="http://schemas.microsoft.com/office/drawing/2014/main" id="{4E435AE0-7F6F-DF1F-75C3-C621B0E2B2C2}"/>
+              </a:ext>
+            </a:extLst>
+          </p:cNvPr>
+          <p:cNvCxnSpPr>
+            <a:cxnSpLocks/>
+          </p:cNvCxnSpPr>
+          <p:nvPr/>
+        </p:nvCxnSpPr>
+        <p:spPr>
+          <a:xfrm flipH="1">
+            <a:off x="6611863" y="2021533"/>
+            <a:ext cx="1058040" cy="0"/>
+          </a:xfrm>
+          <a:prstGeom prst="straightConnector1">
+            <a:avLst/>
+          </a:prstGeom>
+          <a:ln w="38100">
+            <a:solidFill>
+              <a:srgbClr val="0000FF"/>
+            </a:solidFill>
+            <a:headEnd type="triangle" w="med" len="med"/>
+            <a:tailEnd type="triangle" w="med" len="med"/>
+          </a:ln>
+        </p:spPr>
+        <p:style>
+          <a:lnRef idx="2">
+            <a:schemeClr val="accent1"/>
+          </a:lnRef>
+          <a:fillRef idx="0">
+            <a:schemeClr val="accent1"/>
+          </a:fillRef>
+          <a:effectRef idx="1">
+            <a:schemeClr val="accent1"/>
+          </a:effectRef>
+          <a:fontRef idx="minor">
+            <a:schemeClr val="tx1"/>
+          </a:fontRef>
+        </p:style>
+      </p:cxnSp>
+      <p:sp>
+        <p:nvSpPr>
+          <p:cNvPr id="35" name="TextBox 34">
+            <a:extLst>
+              <a:ext uri="{FF2B5EF4-FFF2-40B4-BE49-F238E27FC236}">
+                <a16:creationId xmlns:a16="http://schemas.microsoft.com/office/drawing/2014/main" id="{A0F140A6-6F55-4962-F46A-97DE1F8495B7}"/>
+              </a:ext>
+            </a:extLst>
+          </p:cNvPr>
+          <p:cNvSpPr txBox="1"/>
+          <p:nvPr/>
+        </p:nvSpPr>
+        <p:spPr>
+          <a:xfrm>
+            <a:off x="6550193" y="1461096"/>
+            <a:ext cx="1130438" cy="461665"/>
+          </a:xfrm>
+          <a:prstGeom prst="rect">
+            <a:avLst/>
+          </a:prstGeom>
+          <a:noFill/>
+        </p:spPr>
+        <p:txBody>
+          <a:bodyPr wrap="none" rtlCol="0">
+            <a:spAutoFit/>
+          </a:bodyPr>
+          <a:lstStyle/>
+          <a:p>
+            <a:r>
+              <a:rPr lang="en-US" sz="2400" b="0" dirty="0">
+                <a:solidFill>
+                  <a:srgbClr val="0000FF"/>
+                </a:solidFill>
+              </a:rPr>
+              <a:t>Motion</a:t>
+            </a:r>
+          </a:p>
+        </p:txBody>
+      </p:sp>
+      <p:sp>
+        <p:nvSpPr>
+          <p:cNvPr id="38" name="TextBox 37">
+            <a:extLst>
+              <a:ext uri="{FF2B5EF4-FFF2-40B4-BE49-F238E27FC236}">
+                <a16:creationId xmlns:a16="http://schemas.microsoft.com/office/drawing/2014/main" id="{EE9A0B08-A8EF-C7DF-58EC-76DB0F664348}"/>
+              </a:ext>
+            </a:extLst>
+          </p:cNvPr>
+          <p:cNvSpPr txBox="1"/>
+          <p:nvPr/>
+        </p:nvSpPr>
+        <p:spPr>
+          <a:xfrm>
+            <a:off x="6885490" y="4826081"/>
+            <a:ext cx="1261884" cy="461665"/>
+          </a:xfrm>
+          <a:prstGeom prst="rect">
+            <a:avLst/>
+          </a:prstGeom>
+          <a:noFill/>
+        </p:spPr>
+        <p:txBody>
+          <a:bodyPr wrap="none" rtlCol="0">
+            <a:spAutoFit/>
+          </a:bodyPr>
+          <a:lstStyle/>
+          <a:p>
+            <a:r>
+              <a:rPr lang="en-US" sz="2400" dirty="0"/>
+              <a:t>Building</a:t>
+            </a:r>
+          </a:p>
+        </p:txBody>
+      </p:sp>
+      <p:sp>
+        <p:nvSpPr>
+          <p:cNvPr id="39" name="Oval 38">
+            <a:extLst>
+              <a:ext uri="{FF2B5EF4-FFF2-40B4-BE49-F238E27FC236}">
+                <a16:creationId xmlns:a16="http://schemas.microsoft.com/office/drawing/2014/main" id="{37830CBB-0F48-3842-163E-379E7AB78A42}"/>
+              </a:ext>
+            </a:extLst>
+          </p:cNvPr>
+          <p:cNvSpPr/>
+          <p:nvPr/>
+        </p:nvSpPr>
+        <p:spPr>
+          <a:xfrm>
+            <a:off x="7162471" y="2483201"/>
+            <a:ext cx="304800" cy="327147"/>
+          </a:xfrm>
+          <a:prstGeom prst="ellipse">
+            <a:avLst/>
+          </a:prstGeom>
+          <a:solidFill>
+            <a:srgbClr val="FF0000"/>
+          </a:solidFill>
+          <a:ln>
+            <a:solidFill>
+              <a:schemeClr val="tx1"/>
+            </a:solidFill>
+          </a:ln>
+        </p:spPr>
+        <p:style>
+          <a:lnRef idx="2">
+            <a:schemeClr val="accent1">
+              <a:shade val="15000"/>
+            </a:schemeClr>
+          </a:lnRef>
+          <a:fillRef idx="1">
+            <a:schemeClr val="accent1"/>
+          </a:fillRef>
+          <a:effectRef idx="0">
+            <a:schemeClr val="accent1"/>
+          </a:effectRef>
+          <a:fontRef idx="minor">
+            <a:schemeClr val="lt1"/>
+          </a:fontRef>
+        </p:style>
+        <p:txBody>
+          <a:bodyPr rtlCol="0" anchor="ctr"/>
+          <a:lstStyle/>
+          <a:p>
+            <a:pPr algn="ctr"/>
+            <a:endParaRPr lang="en-US"/>
+          </a:p>
+        </p:txBody>
+      </p:sp>
+      <p:cxnSp>
+        <p:nvCxnSpPr>
+          <p:cNvPr id="40" name="Straight Arrow Connector 39">
+            <a:extLst>
+              <a:ext uri="{FF2B5EF4-FFF2-40B4-BE49-F238E27FC236}">
+                <a16:creationId xmlns:a16="http://schemas.microsoft.com/office/drawing/2014/main" id="{E9D1954E-205C-C6FF-C882-729A9FBB093F}"/>
+              </a:ext>
+            </a:extLst>
+          </p:cNvPr>
+          <p:cNvCxnSpPr>
+            <a:cxnSpLocks/>
+            <a:endCxn id="39" idx="6"/>
+          </p:cNvCxnSpPr>
+          <p:nvPr/>
+        </p:nvCxnSpPr>
+        <p:spPr>
+          <a:xfrm flipH="1">
+            <a:off x="7467271" y="2233655"/>
+            <a:ext cx="597807" cy="413120"/>
+          </a:xfrm>
+          <a:prstGeom prst="straightConnector1">
+            <a:avLst/>
+          </a:prstGeom>
+          <a:ln w="38100">
+            <a:solidFill>
+              <a:srgbClr val="FF0000"/>
+            </a:solidFill>
+            <a:tailEnd type="triangle"/>
+          </a:ln>
+        </p:spPr>
+        <p:style>
+          <a:lnRef idx="2">
+            <a:schemeClr val="accent1"/>
+          </a:lnRef>
+          <a:fillRef idx="0">
+            <a:schemeClr val="accent1"/>
+          </a:fillRef>
+          <a:effectRef idx="1">
+            <a:schemeClr val="accent1"/>
+          </a:effectRef>
+          <a:fontRef idx="minor">
+            <a:schemeClr val="tx1"/>
+          </a:fontRef>
+        </p:style>
+      </p:cxnSp>
+      <p:sp>
+        <p:nvSpPr>
+          <p:cNvPr id="42" name="TextBox 41">
+            <a:extLst>
+              <a:ext uri="{FF2B5EF4-FFF2-40B4-BE49-F238E27FC236}">
+                <a16:creationId xmlns:a16="http://schemas.microsoft.com/office/drawing/2014/main" id="{281BFBE3-952F-2BF2-5E1C-35867E14723B}"/>
+              </a:ext>
+            </a:extLst>
+          </p:cNvPr>
+          <p:cNvSpPr txBox="1"/>
+          <p:nvPr/>
+        </p:nvSpPr>
+        <p:spPr>
+          <a:xfrm>
+            <a:off x="8033781" y="1757570"/>
+            <a:ext cx="787395" cy="461665"/>
+          </a:xfrm>
+          <a:prstGeom prst="rect">
+            <a:avLst/>
+          </a:prstGeom>
+          <a:noFill/>
+        </p:spPr>
+        <p:txBody>
+          <a:bodyPr wrap="none" rtlCol="0">
+            <a:spAutoFit/>
+          </a:bodyPr>
+          <a:lstStyle/>
+          <a:p>
+            <a:r>
+              <a:rPr lang="en-US" sz="2400" dirty="0">
+                <a:solidFill>
+                  <a:srgbClr val="FF0000"/>
+                </a:solidFill>
+              </a:rPr>
+              <a:t>TMD</a:t>
+            </a:r>
+          </a:p>
+        </p:txBody>
+      </p:sp>
+      <p:sp>
+        <p:nvSpPr>
+          <p:cNvPr id="44" name="Arrow: Right 43">
+            <a:extLst>
+              <a:ext uri="{FF2B5EF4-FFF2-40B4-BE49-F238E27FC236}">
+                <a16:creationId xmlns:a16="http://schemas.microsoft.com/office/drawing/2014/main" id="{5CCB157F-CD64-AB7E-6D8E-F4356C36C93F}"/>
+              </a:ext>
+            </a:extLst>
+          </p:cNvPr>
+          <p:cNvSpPr/>
+          <p:nvPr/>
+        </p:nvSpPr>
+        <p:spPr>
+          <a:xfrm flipH="1">
+            <a:off x="8192941" y="3016375"/>
+            <a:ext cx="667993" cy="302011"/>
+          </a:xfrm>
+          <a:prstGeom prst="rightArrow">
+            <a:avLst/>
+          </a:prstGeom>
+          <a:solidFill>
+            <a:schemeClr val="tx1"/>
+          </a:solidFill>
+          <a:ln>
+            <a:noFill/>
+          </a:ln>
+        </p:spPr>
+        <p:style>
+          <a:lnRef idx="2">
+            <a:schemeClr val="accent1">
+              <a:shade val="15000"/>
+            </a:schemeClr>
+          </a:lnRef>
+          <a:fillRef idx="1">
+            <a:schemeClr val="accent1"/>
+          </a:fillRef>
+          <a:effectRef idx="0">
+            <a:schemeClr val="accent1"/>
+          </a:effectRef>
+          <a:fontRef idx="minor">
+            <a:schemeClr val="lt1"/>
+          </a:fontRef>
+        </p:style>
+        <p:txBody>
+          <a:bodyPr rtlCol="0" anchor="ctr"/>
+          <a:lstStyle/>
+          <a:p>
+            <a:pPr algn="ctr"/>
+            <a:endParaRPr lang="en-US"/>
+          </a:p>
+        </p:txBody>
+      </p:sp>
+      <p:sp>
+        <p:nvSpPr>
+          <p:cNvPr id="45" name="TextBox 44">
+            <a:extLst>
+              <a:ext uri="{FF2B5EF4-FFF2-40B4-BE49-F238E27FC236}">
+                <a16:creationId xmlns:a16="http://schemas.microsoft.com/office/drawing/2014/main" id="{BF30A98E-0C7B-C55A-FF34-EB05EED873D3}"/>
+              </a:ext>
+            </a:extLst>
+          </p:cNvPr>
+          <p:cNvSpPr txBox="1"/>
+          <p:nvPr/>
+        </p:nvSpPr>
+        <p:spPr>
+          <a:xfrm>
+            <a:off x="8112361" y="2530129"/>
+            <a:ext cx="875561" cy="461665"/>
+          </a:xfrm>
+          <a:prstGeom prst="rect">
+            <a:avLst/>
+          </a:prstGeom>
+          <a:noFill/>
+        </p:spPr>
+        <p:txBody>
+          <a:bodyPr wrap="none" rtlCol="0">
+            <a:spAutoFit/>
+          </a:bodyPr>
+          <a:lstStyle/>
+          <a:p>
+            <a:r>
+              <a:rPr lang="en-US" sz="2400" b="0" dirty="0"/>
+              <a:t>Wind</a:t>
+            </a:r>
+          </a:p>
+        </p:txBody>
+      </p:sp>
+      <p:pic>
+        <p:nvPicPr>
+          <p:cNvPr id="1038" name="Picture 14" descr="Door Closers – Reeb Learning Center">
+            <a:extLst>
+              <a:ext uri="{FF2B5EF4-FFF2-40B4-BE49-F238E27FC236}">
+                <a16:creationId xmlns:a16="http://schemas.microsoft.com/office/drawing/2014/main" id="{6EB0852E-8926-0AEC-42D2-5CCEB82D7904}"/>
+              </a:ext>
+            </a:extLst>
+          </p:cNvPr>
+          <p:cNvPicPr>
+            <a:picLocks noChangeAspect="1" noChangeArrowheads="1"/>
+          </p:cNvPicPr>
+          <p:nvPr/>
+        </p:nvPicPr>
+        <p:blipFill rotWithShape="1">
+          <a:blip r:embed="rId3">
+            <a:extLst>
+              <a:ext uri="{28A0092B-C50C-407E-A947-70E740481C1C}">
+                <a14:useLocalDpi xmlns:a14="http://schemas.microsoft.com/office/drawing/2010/main" val="0"/>
+              </a:ext>
+            </a:extLst>
+          </a:blip>
+          <a:srcRect l="22664" t="12583" r="32436" b="26022"/>
+          <a:stretch>
+            <a:fillRect/>
+          </a:stretch>
+        </p:blipFill>
+        <p:spPr bwMode="auto">
+          <a:xfrm>
+            <a:off x="193406" y="2186393"/>
+            <a:ext cx="3040834" cy="2339531"/>
+          </a:xfrm>
+          <a:prstGeom prst="rect">
+            <a:avLst/>
+          </a:prstGeom>
+          <a:noFill/>
+          <a:extLst>
+            <a:ext uri="{909E8E84-426E-40DD-AFC4-6F175D3DCCD1}">
+              <a14:hiddenFill xmlns:a14="http://schemas.microsoft.com/office/drawing/2010/main">
+                <a:solidFill>
+                  <a:srgbClr val="FFFFFF"/>
+                </a:solidFill>
+              </a14:hiddenFill>
+            </a:ext>
+          </a:extLst>
+        </p:spPr>
+      </p:pic>
+      <p:sp>
+        <p:nvSpPr>
+          <p:cNvPr id="48" name="TextBox 47">
+            <a:extLst>
+              <a:ext uri="{FF2B5EF4-FFF2-40B4-BE49-F238E27FC236}">
+                <a16:creationId xmlns:a16="http://schemas.microsoft.com/office/drawing/2014/main" id="{32630EC0-F98F-5940-2570-C9B506724A77}"/>
+              </a:ext>
+            </a:extLst>
+          </p:cNvPr>
+          <p:cNvSpPr txBox="1"/>
+          <p:nvPr/>
+        </p:nvSpPr>
+        <p:spPr>
+          <a:xfrm>
+            <a:off x="918665" y="4641414"/>
+            <a:ext cx="1698671" cy="830997"/>
+          </a:xfrm>
+          <a:prstGeom prst="rect">
+            <a:avLst/>
+          </a:prstGeom>
+          <a:noFill/>
+        </p:spPr>
+        <p:txBody>
+          <a:bodyPr wrap="square" rtlCol="0">
+            <a:spAutoFit/>
+          </a:bodyPr>
+          <a:lstStyle/>
+          <a:p>
+            <a:pPr algn="ctr"/>
+            <a:r>
+              <a:rPr lang="en-US" sz="2400" dirty="0"/>
+              <a:t>Door Closer</a:t>
+            </a:r>
+          </a:p>
+        </p:txBody>
+      </p:sp>
+      <p:cxnSp>
+        <p:nvCxnSpPr>
+          <p:cNvPr id="49" name="Straight Arrow Connector 48">
+            <a:extLst>
+              <a:ext uri="{FF2B5EF4-FFF2-40B4-BE49-F238E27FC236}">
+                <a16:creationId xmlns:a16="http://schemas.microsoft.com/office/drawing/2014/main" id="{D7EF3D99-E867-1CBA-7E4E-067E24891BF4}"/>
+              </a:ext>
+            </a:extLst>
+          </p:cNvPr>
+          <p:cNvCxnSpPr>
+            <a:cxnSpLocks/>
+          </p:cNvCxnSpPr>
+          <p:nvPr/>
+        </p:nvCxnSpPr>
+        <p:spPr>
+          <a:xfrm flipV="1">
+            <a:off x="1078718" y="3835809"/>
+            <a:ext cx="1070406" cy="412567"/>
+          </a:xfrm>
+          <a:prstGeom prst="straightConnector1">
+            <a:avLst/>
+          </a:prstGeom>
+          <a:ln w="38100">
+            <a:solidFill>
+              <a:srgbClr val="0000FF"/>
+            </a:solidFill>
+            <a:headEnd type="triangle" w="med" len="med"/>
+            <a:tailEnd type="triangle" w="med" len="med"/>
+          </a:ln>
+        </p:spPr>
+        <p:style>
+          <a:lnRef idx="2">
+            <a:schemeClr val="accent1"/>
+          </a:lnRef>
+          <a:fillRef idx="0">
+            <a:schemeClr val="accent1"/>
+          </a:fillRef>
+          <a:effectRef idx="1">
+            <a:schemeClr val="accent1"/>
+          </a:effectRef>
+          <a:fontRef idx="minor">
+            <a:schemeClr val="tx1"/>
+          </a:fontRef>
+        </p:style>
+      </p:cxnSp>
+      <p:sp>
+        <p:nvSpPr>
+          <p:cNvPr id="51" name="TextBox 50">
+            <a:extLst>
+              <a:ext uri="{FF2B5EF4-FFF2-40B4-BE49-F238E27FC236}">
+                <a16:creationId xmlns:a16="http://schemas.microsoft.com/office/drawing/2014/main" id="{2C9E2CF1-5204-848C-2AB0-7C8A1E75763D}"/>
+              </a:ext>
+            </a:extLst>
+          </p:cNvPr>
+          <p:cNvSpPr txBox="1"/>
+          <p:nvPr/>
+        </p:nvSpPr>
+        <p:spPr>
+          <a:xfrm>
+            <a:off x="1593870" y="4049428"/>
+            <a:ext cx="1130438" cy="461665"/>
+          </a:xfrm>
+          <a:prstGeom prst="rect">
+            <a:avLst/>
+          </a:prstGeom>
+          <a:noFill/>
+        </p:spPr>
+        <p:txBody>
+          <a:bodyPr wrap="none" rtlCol="0">
+            <a:spAutoFit/>
+          </a:bodyPr>
+          <a:lstStyle/>
+          <a:p>
+            <a:r>
+              <a:rPr lang="en-US" sz="2400" b="0" dirty="0">
+                <a:solidFill>
+                  <a:srgbClr val="0000FF"/>
+                </a:solidFill>
+              </a:rPr>
+              <a:t>Motion</a:t>
+            </a:r>
+          </a:p>
+        </p:txBody>
+      </p:sp>
+      <p:cxnSp>
+        <p:nvCxnSpPr>
+          <p:cNvPr id="53" name="Straight Connector 52">
+            <a:extLst>
+              <a:ext uri="{FF2B5EF4-FFF2-40B4-BE49-F238E27FC236}">
+                <a16:creationId xmlns:a16="http://schemas.microsoft.com/office/drawing/2014/main" id="{53E65326-3EF0-6231-0544-100726EF5DEB}"/>
+              </a:ext>
+            </a:extLst>
+          </p:cNvPr>
+          <p:cNvCxnSpPr>
+            <a:cxnSpLocks/>
+          </p:cNvCxnSpPr>
+          <p:nvPr/>
+        </p:nvCxnSpPr>
+        <p:spPr>
+          <a:xfrm flipV="1">
+            <a:off x="10191939" y="3857328"/>
+            <a:ext cx="1987" cy="192100"/>
+          </a:xfrm>
+          <a:prstGeom prst="line">
+            <a:avLst/>
+          </a:prstGeom>
+          <a:ln w="28575"/>
+        </p:spPr>
+        <p:style>
+          <a:lnRef idx="2">
+            <a:schemeClr val="dk1"/>
+          </a:lnRef>
+          <a:fillRef idx="0">
+            <a:schemeClr val="dk1"/>
+          </a:fillRef>
+          <a:effectRef idx="1">
+            <a:schemeClr val="dk1"/>
+          </a:effectRef>
+          <a:fontRef idx="minor">
+            <a:schemeClr val="tx1"/>
+          </a:fontRef>
+        </p:style>
+      </p:cxnSp>
+      <p:cxnSp>
+        <p:nvCxnSpPr>
+          <p:cNvPr id="55" name="Straight Connector 54">
+            <a:extLst>
+              <a:ext uri="{FF2B5EF4-FFF2-40B4-BE49-F238E27FC236}">
+                <a16:creationId xmlns:a16="http://schemas.microsoft.com/office/drawing/2014/main" id="{55F0BB80-E11A-ADED-D62B-63D937D2C2E6}"/>
+              </a:ext>
+            </a:extLst>
+          </p:cNvPr>
+          <p:cNvCxnSpPr>
+            <a:cxnSpLocks/>
+          </p:cNvCxnSpPr>
+          <p:nvPr/>
+        </p:nvCxnSpPr>
+        <p:spPr>
+          <a:xfrm>
+            <a:off x="10193927" y="2991794"/>
+            <a:ext cx="0" cy="226037"/>
+          </a:xfrm>
+          <a:prstGeom prst="line">
+            <a:avLst/>
+          </a:prstGeom>
+          <a:ln w="28575"/>
+        </p:spPr>
+        <p:style>
+          <a:lnRef idx="2">
+            <a:schemeClr val="dk1"/>
+          </a:lnRef>
+          <a:fillRef idx="0">
+            <a:schemeClr val="dk1"/>
+          </a:fillRef>
+          <a:effectRef idx="1">
+            <a:schemeClr val="dk1"/>
+          </a:effectRef>
+          <a:fontRef idx="minor">
+            <a:schemeClr val="tx1"/>
+          </a:fontRef>
+        </p:style>
+      </p:cxnSp>
+      <p:grpSp>
+        <p:nvGrpSpPr>
+          <p:cNvPr id="1024" name="Group 1023">
+            <a:extLst>
+              <a:ext uri="{FF2B5EF4-FFF2-40B4-BE49-F238E27FC236}">
+                <a16:creationId xmlns:a16="http://schemas.microsoft.com/office/drawing/2014/main" id="{3855D2B0-6998-884D-1CE9-4994D8BB287A}"/>
+              </a:ext>
+            </a:extLst>
+          </p:cNvPr>
+          <p:cNvGrpSpPr/>
+          <p:nvPr/>
+        </p:nvGrpSpPr>
+        <p:grpSpPr>
+          <a:xfrm>
+            <a:off x="10144520" y="3213543"/>
+            <a:ext cx="98813" cy="643785"/>
+            <a:chOff x="8461822" y="744354"/>
+            <a:chExt cx="1259095" cy="4172567"/>
+          </a:xfrm>
+        </p:grpSpPr>
+        <p:sp>
+          <p:nvSpPr>
+            <p:cNvPr id="1025" name="Freeform: Shape 1024">
+              <a:extLst>
+                <a:ext uri="{FF2B5EF4-FFF2-40B4-BE49-F238E27FC236}">
+                  <a16:creationId xmlns:a16="http://schemas.microsoft.com/office/drawing/2014/main" id="{C7F77354-3FEC-4C84-FE8A-A31C927BA135}"/>
+                </a:ext>
+              </a:extLst>
+            </p:cNvPr>
+            <p:cNvSpPr/>
+            <p:nvPr/>
+          </p:nvSpPr>
+          <p:spPr>
+            <a:xfrm>
+              <a:off x="9091370" y="744354"/>
+              <a:ext cx="12700" cy="625881"/>
+            </a:xfrm>
+            <a:custGeom>
+              <a:avLst/>
+              <a:gdLst>
+                <a:gd name="csX0" fmla="*/ -407 w 12700"/>
+                <a:gd name="csY0" fmla="*/ -66 h 625881"/>
+                <a:gd name="csX1" fmla="*/ -407 w 12700"/>
+                <a:gd name="csY1" fmla="*/ 625816 h 625881"/>
+              </a:gdLst>
+              <a:ahLst/>
+              <a:cxnLst>
+                <a:cxn ang="0">
+                  <a:pos x="csX0" y="csY0"/>
+                </a:cxn>
+                <a:cxn ang="0">
+                  <a:pos x="csX1" y="csY1"/>
+                </a:cxn>
+              </a:cxnLst>
+              <a:rect l="l" t="t" r="r" b="b"/>
+              <a:pathLst>
+                <a:path w="12700" h="625881">
+                  <a:moveTo>
+                    <a:pt x="-407" y="-66"/>
+                  </a:moveTo>
+                  <a:lnTo>
+                    <a:pt x="-407" y="625816"/>
+                  </a:lnTo>
+                </a:path>
+              </a:pathLst>
+            </a:custGeom>
+            <a:noFill/>
+            <a:ln w="28575" cap="flat">
+              <a:solidFill>
+                <a:srgbClr val="000000"/>
+              </a:solidFill>
+              <a:prstDash val="solid"/>
+              <a:round/>
+            </a:ln>
+          </p:spPr>
+          <p:txBody>
+            <a:bodyPr/>
+            <a:lstStyle/>
+            <a:p>
+              <a:endParaRPr lang="en-US"/>
+            </a:p>
+          </p:txBody>
+        </p:sp>
+        <p:sp>
+          <p:nvSpPr>
+            <p:cNvPr id="1027" name="Freeform: Shape 1026">
+              <a:extLst>
+                <a:ext uri="{FF2B5EF4-FFF2-40B4-BE49-F238E27FC236}">
+                  <a16:creationId xmlns:a16="http://schemas.microsoft.com/office/drawing/2014/main" id="{632269A6-8F9D-5A73-2EB0-511D9F969FB0}"/>
+                </a:ext>
+              </a:extLst>
+            </p:cNvPr>
+            <p:cNvSpPr/>
+            <p:nvPr/>
+          </p:nvSpPr>
+          <p:spPr>
+            <a:xfrm>
+              <a:off x="8461822" y="1370236"/>
+              <a:ext cx="1259095" cy="2920801"/>
+            </a:xfrm>
+            <a:custGeom>
+              <a:avLst/>
+              <a:gdLst>
+                <a:gd name="csX0" fmla="*/ 629140 w 1259095"/>
+                <a:gd name="csY0" fmla="*/ -112 h 2920801"/>
+                <a:gd name="csX1" fmla="*/ -407 w 1259095"/>
+                <a:gd name="csY1" fmla="*/ 162161 h 2920801"/>
+                <a:gd name="csX2" fmla="*/ 1258688 w 1259095"/>
+                <a:gd name="csY2" fmla="*/ 486688 h 2920801"/>
+                <a:gd name="csX3" fmla="*/ -407 w 1259095"/>
+                <a:gd name="csY3" fmla="*/ 811225 h 2920801"/>
+                <a:gd name="csX4" fmla="*/ 1258688 w 1259095"/>
+                <a:gd name="csY4" fmla="*/ 1135752 h 2920801"/>
+                <a:gd name="csX5" fmla="*/ -407 w 1259095"/>
+                <a:gd name="csY5" fmla="*/ 1460288 h 2920801"/>
+                <a:gd name="csX6" fmla="*/ 1258688 w 1259095"/>
+                <a:gd name="csY6" fmla="*/ 1784825 h 2920801"/>
+                <a:gd name="csX7" fmla="*/ -407 w 1259095"/>
+                <a:gd name="csY7" fmla="*/ 2109352 h 2920801"/>
+                <a:gd name="csX8" fmla="*/ 1258688 w 1259095"/>
+                <a:gd name="csY8" fmla="*/ 2433889 h 2920801"/>
+                <a:gd name="csX9" fmla="*/ -407 w 1259095"/>
+                <a:gd name="csY9" fmla="*/ 2758416 h 2920801"/>
+                <a:gd name="csX10" fmla="*/ 629140 w 1259095"/>
+                <a:gd name="csY10" fmla="*/ 2920689 h 2920801"/>
+              </a:gdLst>
+              <a:ahLst/>
+              <a:cxnLst>
+                <a:cxn ang="0">
+                  <a:pos x="csX0" y="csY0"/>
+                </a:cxn>
+                <a:cxn ang="0">
+                  <a:pos x="csX1" y="csY1"/>
+                </a:cxn>
+                <a:cxn ang="0">
+                  <a:pos x="csX2" y="csY2"/>
+                </a:cxn>
+                <a:cxn ang="0">
+                  <a:pos x="csX3" y="csY3"/>
+                </a:cxn>
+                <a:cxn ang="0">
+                  <a:pos x="csX4" y="csY4"/>
+                </a:cxn>
+                <a:cxn ang="0">
+                  <a:pos x="csX5" y="csY5"/>
+                </a:cxn>
+                <a:cxn ang="0">
+                  <a:pos x="csX6" y="csY6"/>
+                </a:cxn>
+                <a:cxn ang="0">
+                  <a:pos x="csX7" y="csY7"/>
+                </a:cxn>
+                <a:cxn ang="0">
+                  <a:pos x="csX8" y="csY8"/>
+                </a:cxn>
+                <a:cxn ang="0">
+                  <a:pos x="csX9" y="csY9"/>
+                </a:cxn>
+                <a:cxn ang="0">
+                  <a:pos x="csX10" y="csY10"/>
+                </a:cxn>
+              </a:cxnLst>
+              <a:rect l="l" t="t" r="r" b="b"/>
+              <a:pathLst>
+                <a:path w="1259095" h="2920801">
+                  <a:moveTo>
+                    <a:pt x="629140" y="-112"/>
+                  </a:moveTo>
+                  <a:lnTo>
+                    <a:pt x="-407" y="162161"/>
+                  </a:lnTo>
+                  <a:lnTo>
+                    <a:pt x="1258688" y="486688"/>
+                  </a:lnTo>
+                  <a:lnTo>
+                    <a:pt x="-407" y="811225"/>
+                  </a:lnTo>
+                  <a:lnTo>
+                    <a:pt x="1258688" y="1135752"/>
+                  </a:lnTo>
+                  <a:lnTo>
+                    <a:pt x="-407" y="1460288"/>
+                  </a:lnTo>
+                  <a:lnTo>
+                    <a:pt x="1258688" y="1784825"/>
+                  </a:lnTo>
+                  <a:lnTo>
+                    <a:pt x="-407" y="2109352"/>
+                  </a:lnTo>
+                  <a:lnTo>
+                    <a:pt x="1258688" y="2433889"/>
+                  </a:lnTo>
+                  <a:lnTo>
+                    <a:pt x="-407" y="2758416"/>
+                  </a:lnTo>
+                  <a:lnTo>
+                    <a:pt x="629140" y="2920689"/>
+                  </a:lnTo>
+                </a:path>
+              </a:pathLst>
+            </a:custGeom>
+            <a:noFill/>
+            <a:ln w="28575" cap="flat">
+              <a:solidFill>
+                <a:srgbClr val="000000"/>
+              </a:solidFill>
+              <a:prstDash val="solid"/>
+              <a:round/>
+            </a:ln>
+          </p:spPr>
+          <p:txBody>
+            <a:bodyPr/>
+            <a:lstStyle/>
+            <a:p>
+              <a:endParaRPr lang="en-US"/>
+            </a:p>
+          </p:txBody>
+        </p:sp>
+        <p:sp>
+          <p:nvSpPr>
+            <p:cNvPr id="1029" name="Freeform: Shape 1028">
+              <a:extLst>
+                <a:ext uri="{FF2B5EF4-FFF2-40B4-BE49-F238E27FC236}">
+                  <a16:creationId xmlns:a16="http://schemas.microsoft.com/office/drawing/2014/main" id="{C7B203B4-2B6C-0F4D-89BA-4B7A0EEC44EA}"/>
+                </a:ext>
+              </a:extLst>
+            </p:cNvPr>
+            <p:cNvSpPr/>
+            <p:nvPr/>
+          </p:nvSpPr>
+          <p:spPr>
+            <a:xfrm>
+              <a:off x="9091370" y="4291037"/>
+              <a:ext cx="12700" cy="625884"/>
+            </a:xfrm>
+            <a:custGeom>
+              <a:avLst/>
+              <a:gdLst>
+                <a:gd name="csX0" fmla="*/ -407 w 12700"/>
+                <a:gd name="csY0" fmla="*/ -159 h 625884"/>
+                <a:gd name="csX1" fmla="*/ -407 w 12700"/>
+                <a:gd name="csY1" fmla="*/ 625726 h 625884"/>
+              </a:gdLst>
+              <a:ahLst/>
+              <a:cxnLst>
+                <a:cxn ang="0">
+                  <a:pos x="csX0" y="csY0"/>
+                </a:cxn>
+                <a:cxn ang="0">
+                  <a:pos x="csX1" y="csY1"/>
+                </a:cxn>
+              </a:cxnLst>
+              <a:rect l="l" t="t" r="r" b="b"/>
+              <a:pathLst>
+                <a:path w="12700" h="625884">
+                  <a:moveTo>
+                    <a:pt x="-407" y="-159"/>
+                  </a:moveTo>
+                  <a:lnTo>
+                    <a:pt x="-407" y="625726"/>
+                  </a:lnTo>
+                </a:path>
+              </a:pathLst>
+            </a:custGeom>
+            <a:noFill/>
+            <a:ln w="28575" cap="flat">
+              <a:solidFill>
+                <a:srgbClr val="000000"/>
+              </a:solidFill>
+              <a:prstDash val="solid"/>
+              <a:round/>
+            </a:ln>
+          </p:spPr>
+          <p:txBody>
+            <a:bodyPr/>
+            <a:lstStyle/>
+            <a:p>
+              <a:endParaRPr lang="en-US"/>
+            </a:p>
+          </p:txBody>
+        </p:sp>
+      </p:grpSp>
+      <p:sp>
+        <p:nvSpPr>
+          <p:cNvPr id="1041" name="Graphic 1039">
+            <a:extLst>
+              <a:ext uri="{FF2B5EF4-FFF2-40B4-BE49-F238E27FC236}">
+                <a16:creationId xmlns:a16="http://schemas.microsoft.com/office/drawing/2014/main" id="{AA3CC76B-D629-476F-F8C1-03B0228D2DD9}"/>
+              </a:ext>
+            </a:extLst>
+          </p:cNvPr>
+          <p:cNvSpPr/>
+          <p:nvPr/>
+        </p:nvSpPr>
+        <p:spPr>
+          <a:xfrm rot="16200000">
+            <a:off x="9924520" y="2718811"/>
+            <a:ext cx="483225" cy="55588"/>
+          </a:xfrm>
+          <a:custGeom>
+            <a:avLst/>
+            <a:gdLst>
+              <a:gd name="csX0" fmla="*/ 0 w 3892230"/>
+              <a:gd name="csY0" fmla="*/ 437876 h 437875"/>
+              <a:gd name="csX1" fmla="*/ 778446 w 3892230"/>
+              <a:gd name="csY1" fmla="*/ 437876 h 437875"/>
+              <a:gd name="csX2" fmla="*/ 1556892 w 3892230"/>
+              <a:gd name="csY2" fmla="*/ 437876 h 437875"/>
+              <a:gd name="csX3" fmla="*/ 2335338 w 3892230"/>
+              <a:gd name="csY3" fmla="*/ 437876 h 437875"/>
+              <a:gd name="csX4" fmla="*/ 3113784 w 3892230"/>
+              <a:gd name="csY4" fmla="*/ 437876 h 437875"/>
+              <a:gd name="csX5" fmla="*/ 3892230 w 3892230"/>
+              <a:gd name="csY5" fmla="*/ 437876 h 437875"/>
+            </a:gdLst>
+            <a:ahLst/>
+            <a:cxnLst>
+              <a:cxn ang="0">
+                <a:pos x="csX0" y="csY0"/>
+              </a:cxn>
+              <a:cxn ang="0">
+                <a:pos x="csX1" y="csY1"/>
+              </a:cxn>
+              <a:cxn ang="0">
+                <a:pos x="csX2" y="csY2"/>
+              </a:cxn>
+              <a:cxn ang="0">
+                <a:pos x="csX3" y="csY3"/>
+              </a:cxn>
+              <a:cxn ang="0">
+                <a:pos x="csX4" y="csY4"/>
+              </a:cxn>
+              <a:cxn ang="0">
+                <a:pos x="csX5" y="csY5"/>
+              </a:cxn>
+            </a:cxnLst>
+            <a:rect l="l" t="t" r="r" b="b"/>
+            <a:pathLst>
+              <a:path w="3892230" h="437875">
+                <a:moveTo>
+                  <a:pt x="0" y="437876"/>
+                </a:moveTo>
+                <a:lnTo>
+                  <a:pt x="778446" y="437876"/>
+                </a:lnTo>
+                <a:cubicBezTo>
+                  <a:pt x="778446" y="-145959"/>
+                  <a:pt x="1556892" y="-145959"/>
+                  <a:pt x="1556892" y="437876"/>
+                </a:cubicBezTo>
+                <a:cubicBezTo>
+                  <a:pt x="1556892" y="-145959"/>
+                  <a:pt x="2335338" y="-145959"/>
+                  <a:pt x="2335338" y="437876"/>
+                </a:cubicBezTo>
+                <a:cubicBezTo>
+                  <a:pt x="2335338" y="-145959"/>
+                  <a:pt x="3113784" y="-145959"/>
+                  <a:pt x="3113784" y="437876"/>
+                </a:cubicBezTo>
+                <a:lnTo>
+                  <a:pt x="3892230" y="437876"/>
+                </a:lnTo>
+              </a:path>
+            </a:pathLst>
+          </a:custGeom>
+          <a:noFill/>
+          <a:ln w="28575" cap="sq">
+            <a:solidFill>
+              <a:srgbClr val="000000"/>
+            </a:solidFill>
+            <a:prstDash val="solid"/>
+            <a:miter/>
+          </a:ln>
+        </p:spPr>
+        <p:txBody>
+          <a:bodyPr/>
+          <a:lstStyle/>
+          <a:p>
+            <a:endParaRPr lang="en-US"/>
+          </a:p>
+        </p:txBody>
+      </p:sp>
+      <p:cxnSp>
+        <p:nvCxnSpPr>
+          <p:cNvPr id="1042" name="Straight Connector 1041">
+            <a:extLst>
+              <a:ext uri="{FF2B5EF4-FFF2-40B4-BE49-F238E27FC236}">
+                <a16:creationId xmlns:a16="http://schemas.microsoft.com/office/drawing/2014/main" id="{BE4987CA-9C99-0505-5ACE-38C1C905A108}"/>
+              </a:ext>
+            </a:extLst>
+          </p:cNvPr>
+          <p:cNvCxnSpPr>
+            <a:cxnSpLocks/>
+          </p:cNvCxnSpPr>
+          <p:nvPr/>
+        </p:nvCxnSpPr>
+        <p:spPr>
+          <a:xfrm>
+            <a:off x="10191939" y="2278955"/>
+            <a:ext cx="0" cy="226037"/>
+          </a:xfrm>
+          <a:prstGeom prst="line">
+            <a:avLst/>
+          </a:prstGeom>
+          <a:ln w="28575"/>
+        </p:spPr>
+        <p:style>
+          <a:lnRef idx="2">
+            <a:schemeClr val="dk1"/>
+          </a:lnRef>
+          <a:fillRef idx="0">
+            <a:schemeClr val="dk1"/>
+          </a:fillRef>
+          <a:effectRef idx="1">
+            <a:schemeClr val="dk1"/>
+          </a:effectRef>
+          <a:fontRef idx="minor">
+            <a:schemeClr val="tx1"/>
+          </a:fontRef>
+        </p:style>
+      </p:cxnSp>
+      <p:cxnSp>
+        <p:nvCxnSpPr>
+          <p:cNvPr id="1043" name="Straight Connector 1042">
+            <a:extLst>
+              <a:ext uri="{FF2B5EF4-FFF2-40B4-BE49-F238E27FC236}">
+                <a16:creationId xmlns:a16="http://schemas.microsoft.com/office/drawing/2014/main" id="{84C073F6-8B6A-836F-9514-E7307B663214}"/>
+              </a:ext>
+            </a:extLst>
+          </p:cNvPr>
+          <p:cNvCxnSpPr>
+            <a:cxnSpLocks/>
+          </p:cNvCxnSpPr>
+          <p:nvPr/>
+        </p:nvCxnSpPr>
+        <p:spPr>
+          <a:xfrm>
+            <a:off x="10191939" y="2278955"/>
+            <a:ext cx="906436" cy="0"/>
+          </a:xfrm>
+          <a:prstGeom prst="line">
+            <a:avLst/>
+          </a:prstGeom>
+          <a:ln w="28575"/>
+        </p:spPr>
+        <p:style>
+          <a:lnRef idx="2">
+            <a:schemeClr val="dk1"/>
+          </a:lnRef>
+          <a:fillRef idx="0">
+            <a:schemeClr val="dk1"/>
+          </a:fillRef>
+          <a:effectRef idx="1">
+            <a:schemeClr val="dk1"/>
+          </a:effectRef>
+          <a:fontRef idx="minor">
+            <a:schemeClr val="tx1"/>
+          </a:fontRef>
+        </p:style>
+      </p:cxnSp>
+      <p:cxnSp>
+        <p:nvCxnSpPr>
+          <p:cNvPr id="1046" name="Straight Connector 1045">
+            <a:extLst>
+              <a:ext uri="{FF2B5EF4-FFF2-40B4-BE49-F238E27FC236}">
+                <a16:creationId xmlns:a16="http://schemas.microsoft.com/office/drawing/2014/main" id="{DDF46235-307C-1EA3-7D99-16E2C50502C1}"/>
+              </a:ext>
+            </a:extLst>
+          </p:cNvPr>
+          <p:cNvCxnSpPr>
+            <a:cxnSpLocks/>
+          </p:cNvCxnSpPr>
+          <p:nvPr/>
+        </p:nvCxnSpPr>
+        <p:spPr>
+          <a:xfrm>
+            <a:off x="11098375" y="2278955"/>
+            <a:ext cx="0" cy="825857"/>
+          </a:xfrm>
+          <a:prstGeom prst="line">
+            <a:avLst/>
+          </a:prstGeom>
+          <a:ln w="28575"/>
+        </p:spPr>
+        <p:style>
+          <a:lnRef idx="2">
+            <a:schemeClr val="dk1"/>
+          </a:lnRef>
+          <a:fillRef idx="0">
+            <a:schemeClr val="dk1"/>
+          </a:fillRef>
+          <a:effectRef idx="1">
+            <a:schemeClr val="dk1"/>
+          </a:effectRef>
+          <a:fontRef idx="minor">
+            <a:schemeClr val="tx1"/>
+          </a:fontRef>
+        </p:style>
+      </p:cxnSp>
+      <p:cxnSp>
+        <p:nvCxnSpPr>
+          <p:cNvPr id="1055" name="Straight Connector 1054">
+            <a:extLst>
+              <a:ext uri="{FF2B5EF4-FFF2-40B4-BE49-F238E27FC236}">
+                <a16:creationId xmlns:a16="http://schemas.microsoft.com/office/drawing/2014/main" id="{A517C641-8053-FFCC-650E-C01DD7D427A5}"/>
+              </a:ext>
+            </a:extLst>
+          </p:cNvPr>
+          <p:cNvCxnSpPr>
+            <a:cxnSpLocks/>
+          </p:cNvCxnSpPr>
+          <p:nvPr/>
+        </p:nvCxnSpPr>
+        <p:spPr>
+          <a:xfrm>
+            <a:off x="10960666" y="3104812"/>
+            <a:ext cx="275418" cy="0"/>
+          </a:xfrm>
+          <a:prstGeom prst="line">
+            <a:avLst/>
+          </a:prstGeom>
+          <a:ln w="28575"/>
+        </p:spPr>
+        <p:style>
+          <a:lnRef idx="2">
+            <a:schemeClr val="dk1"/>
+          </a:lnRef>
+          <a:fillRef idx="0">
+            <a:schemeClr val="dk1"/>
+          </a:fillRef>
+          <a:effectRef idx="1">
+            <a:schemeClr val="dk1"/>
+          </a:effectRef>
+          <a:fontRef idx="minor">
+            <a:schemeClr val="tx1"/>
+          </a:fontRef>
+        </p:style>
+      </p:cxnSp>
+      <p:cxnSp>
+        <p:nvCxnSpPr>
+          <p:cNvPr id="1058" name="Straight Connector 1057">
+            <a:extLst>
+              <a:ext uri="{FF2B5EF4-FFF2-40B4-BE49-F238E27FC236}">
+                <a16:creationId xmlns:a16="http://schemas.microsoft.com/office/drawing/2014/main" id="{5F630CA8-E8CC-870D-D5CC-98BD6023A1D9}"/>
+              </a:ext>
+            </a:extLst>
+          </p:cNvPr>
+          <p:cNvCxnSpPr>
+            <a:cxnSpLocks/>
+          </p:cNvCxnSpPr>
+          <p:nvPr/>
+        </p:nvCxnSpPr>
+        <p:spPr>
+          <a:xfrm>
+            <a:off x="10960666" y="3173392"/>
+            <a:ext cx="275418" cy="0"/>
+          </a:xfrm>
+          <a:prstGeom prst="line">
+            <a:avLst/>
+          </a:prstGeom>
+          <a:ln w="28575"/>
+        </p:spPr>
+        <p:style>
+          <a:lnRef idx="2">
+            <a:schemeClr val="dk1"/>
+          </a:lnRef>
+          <a:fillRef idx="0">
+            <a:schemeClr val="dk1"/>
+          </a:fillRef>
+          <a:effectRef idx="1">
+            <a:schemeClr val="dk1"/>
+          </a:effectRef>
+          <a:fontRef idx="minor">
+            <a:schemeClr val="tx1"/>
+          </a:fontRef>
+        </p:style>
+      </p:cxnSp>
+      <p:cxnSp>
+        <p:nvCxnSpPr>
+          <p:cNvPr id="1059" name="Straight Connector 1058">
+            <a:extLst>
+              <a:ext uri="{FF2B5EF4-FFF2-40B4-BE49-F238E27FC236}">
+                <a16:creationId xmlns:a16="http://schemas.microsoft.com/office/drawing/2014/main" id="{5E52C0A5-2ECC-A209-2B0A-13B812B38D80}"/>
+              </a:ext>
+            </a:extLst>
+          </p:cNvPr>
+          <p:cNvCxnSpPr>
+            <a:cxnSpLocks/>
+          </p:cNvCxnSpPr>
+          <p:nvPr/>
+        </p:nvCxnSpPr>
+        <p:spPr>
+          <a:xfrm>
+            <a:off x="11098375" y="3167380"/>
+            <a:ext cx="0" cy="882048"/>
+          </a:xfrm>
+          <a:prstGeom prst="line">
+            <a:avLst/>
+          </a:prstGeom>
+          <a:ln w="28575"/>
+        </p:spPr>
+        <p:style>
+          <a:lnRef idx="2">
+            <a:schemeClr val="dk1"/>
+          </a:lnRef>
+          <a:fillRef idx="0">
+            <a:schemeClr val="dk1"/>
+          </a:fillRef>
+          <a:effectRef idx="1">
+            <a:schemeClr val="dk1"/>
+          </a:effectRef>
+          <a:fontRef idx="minor">
+            <a:schemeClr val="tx1"/>
+          </a:fontRef>
+        </p:style>
+      </p:cxnSp>
+      <p:cxnSp>
+        <p:nvCxnSpPr>
+          <p:cNvPr id="1061" name="Straight Connector 1060">
+            <a:extLst>
+              <a:ext uri="{FF2B5EF4-FFF2-40B4-BE49-F238E27FC236}">
+                <a16:creationId xmlns:a16="http://schemas.microsoft.com/office/drawing/2014/main" id="{1B80CBB3-AFDF-08BB-DF73-C0047887287A}"/>
+              </a:ext>
+            </a:extLst>
+          </p:cNvPr>
+          <p:cNvCxnSpPr>
+            <a:cxnSpLocks/>
+          </p:cNvCxnSpPr>
+          <p:nvPr/>
+        </p:nvCxnSpPr>
+        <p:spPr>
+          <a:xfrm flipH="1" flipV="1">
+            <a:off x="10191938" y="4042092"/>
+            <a:ext cx="906435" cy="7336"/>
+          </a:xfrm>
+          <a:prstGeom prst="line">
+            <a:avLst/>
+          </a:prstGeom>
+          <a:ln w="28575"/>
+        </p:spPr>
+        <p:style>
+          <a:lnRef idx="2">
+            <a:schemeClr val="dk1"/>
+          </a:lnRef>
+          <a:fillRef idx="0">
+            <a:schemeClr val="dk1"/>
+          </a:fillRef>
+          <a:effectRef idx="1">
+            <a:schemeClr val="dk1"/>
+          </a:effectRef>
+          <a:fontRef idx="minor">
+            <a:schemeClr val="tx1"/>
+          </a:fontRef>
+        </p:style>
+      </p:cxnSp>
+      <p:sp>
+        <p:nvSpPr>
+          <p:cNvPr id="1064" name="Oval 1063">
+            <a:extLst>
+              <a:ext uri="{FF2B5EF4-FFF2-40B4-BE49-F238E27FC236}">
+                <a16:creationId xmlns:a16="http://schemas.microsoft.com/office/drawing/2014/main" id="{8439C45C-3687-5416-CEC0-2A5C965AC986}"/>
+              </a:ext>
+            </a:extLst>
+          </p:cNvPr>
+          <p:cNvSpPr/>
+          <p:nvPr/>
+        </p:nvSpPr>
+        <p:spPr>
+          <a:xfrm>
+            <a:off x="10499783" y="3858851"/>
+            <a:ext cx="342142" cy="366481"/>
+          </a:xfrm>
+          <a:prstGeom prst="ellipse">
+            <a:avLst/>
+          </a:prstGeom>
+          <a:solidFill>
+            <a:schemeClr val="bg1"/>
+          </a:solidFill>
+          <a:ln w="28575">
+            <a:solidFill>
+              <a:schemeClr val="tx1"/>
+            </a:solidFill>
+          </a:ln>
+        </p:spPr>
+        <p:style>
+          <a:lnRef idx="2">
+            <a:schemeClr val="accent1">
+              <a:shade val="15000"/>
+            </a:schemeClr>
+          </a:lnRef>
+          <a:fillRef idx="1">
+            <a:schemeClr val="accent1"/>
+          </a:fillRef>
+          <a:effectRef idx="0">
+            <a:schemeClr val="accent1"/>
+          </a:effectRef>
+          <a:fontRef idx="minor">
+            <a:schemeClr val="lt1"/>
+          </a:fontRef>
+        </p:style>
+        <p:txBody>
+          <a:bodyPr rtlCol="0" anchor="ctr"/>
+          <a:lstStyle/>
+          <a:p>
+            <a:pPr algn="ctr"/>
+            <a:endParaRPr lang="en-US"/>
+          </a:p>
+        </p:txBody>
+      </p:sp>
+      <p:sp>
+        <p:nvSpPr>
+          <p:cNvPr id="1065" name="Freeform: Shape 1064">
+            <a:extLst>
+              <a:ext uri="{FF2B5EF4-FFF2-40B4-BE49-F238E27FC236}">
+                <a16:creationId xmlns:a16="http://schemas.microsoft.com/office/drawing/2014/main" id="{9BA3400C-FD48-0074-D582-59477904CB90}"/>
+              </a:ext>
+            </a:extLst>
+          </p:cNvPr>
+          <p:cNvSpPr/>
+          <p:nvPr/>
+        </p:nvSpPr>
+        <p:spPr>
+          <a:xfrm>
+            <a:off x="10560840" y="4006010"/>
+            <a:ext cx="204788" cy="72161"/>
+          </a:xfrm>
+          <a:custGeom>
+            <a:avLst/>
+            <a:gdLst>
+              <a:gd name="csX0" fmla="*/ 0 w 180975"/>
+              <a:gd name="csY0" fmla="*/ 72121 h 110673"/>
+              <a:gd name="csX1" fmla="*/ 57150 w 180975"/>
+              <a:gd name="csY1" fmla="*/ 684 h 110673"/>
+              <a:gd name="csX2" fmla="*/ 133350 w 180975"/>
+              <a:gd name="csY2" fmla="*/ 110221 h 110673"/>
+              <a:gd name="csX3" fmla="*/ 180975 w 180975"/>
+              <a:gd name="csY3" fmla="*/ 34021 h 110673"/>
+              <a:gd name="csX0" fmla="*/ 0 w 188119"/>
+              <a:gd name="csY0" fmla="*/ 72121 h 110884"/>
+              <a:gd name="csX1" fmla="*/ 57150 w 188119"/>
+              <a:gd name="csY1" fmla="*/ 684 h 110884"/>
+              <a:gd name="csX2" fmla="*/ 133350 w 188119"/>
+              <a:gd name="csY2" fmla="*/ 110221 h 110884"/>
+              <a:gd name="csX3" fmla="*/ 188119 w 188119"/>
+              <a:gd name="csY3" fmla="*/ 50689 h 110884"/>
+              <a:gd name="csX0" fmla="*/ 0 w 178594"/>
+              <a:gd name="csY0" fmla="*/ 74400 h 110781"/>
+              <a:gd name="csX1" fmla="*/ 47625 w 178594"/>
+              <a:gd name="csY1" fmla="*/ 581 h 110781"/>
+              <a:gd name="csX2" fmla="*/ 123825 w 178594"/>
+              <a:gd name="csY2" fmla="*/ 110118 h 110781"/>
+              <a:gd name="csX3" fmla="*/ 178594 w 178594"/>
+              <a:gd name="csY3" fmla="*/ 50586 h 110781"/>
+              <a:gd name="csX0" fmla="*/ 0 w 178594"/>
+              <a:gd name="csY0" fmla="*/ 73830 h 110211"/>
+              <a:gd name="csX1" fmla="*/ 47625 w 178594"/>
+              <a:gd name="csY1" fmla="*/ 11 h 110211"/>
+              <a:gd name="csX2" fmla="*/ 123825 w 178594"/>
+              <a:gd name="csY2" fmla="*/ 109548 h 110211"/>
+              <a:gd name="csX3" fmla="*/ 178594 w 178594"/>
+              <a:gd name="csY3" fmla="*/ 50016 h 110211"/>
+              <a:gd name="csX0" fmla="*/ 0 w 178594"/>
+              <a:gd name="csY0" fmla="*/ 73830 h 110211"/>
+              <a:gd name="csX1" fmla="*/ 47625 w 178594"/>
+              <a:gd name="csY1" fmla="*/ 11 h 110211"/>
+              <a:gd name="csX2" fmla="*/ 123825 w 178594"/>
+              <a:gd name="csY2" fmla="*/ 109548 h 110211"/>
+              <a:gd name="csX3" fmla="*/ 178594 w 178594"/>
+              <a:gd name="csY3" fmla="*/ 50016 h 110211"/>
+              <a:gd name="csX0" fmla="*/ 0 w 178594"/>
+              <a:gd name="csY0" fmla="*/ 73830 h 109548"/>
+              <a:gd name="csX1" fmla="*/ 47625 w 178594"/>
+              <a:gd name="csY1" fmla="*/ 11 h 109548"/>
+              <a:gd name="csX2" fmla="*/ 123825 w 178594"/>
+              <a:gd name="csY2" fmla="*/ 109548 h 109548"/>
+              <a:gd name="csX3" fmla="*/ 178594 w 178594"/>
+              <a:gd name="csY3" fmla="*/ 50016 h 109548"/>
+              <a:gd name="csX0" fmla="*/ 0 w 178594"/>
+              <a:gd name="csY0" fmla="*/ 73829 h 109547"/>
+              <a:gd name="csX1" fmla="*/ 47625 w 178594"/>
+              <a:gd name="csY1" fmla="*/ 10 h 109547"/>
+              <a:gd name="csX2" fmla="*/ 123825 w 178594"/>
+              <a:gd name="csY2" fmla="*/ 109547 h 109547"/>
+              <a:gd name="csX3" fmla="*/ 178594 w 178594"/>
+              <a:gd name="csY3" fmla="*/ 50015 h 109547"/>
+              <a:gd name="csX0" fmla="*/ 0 w 178594"/>
+              <a:gd name="csY0" fmla="*/ 73829 h 109796"/>
+              <a:gd name="csX1" fmla="*/ 47625 w 178594"/>
+              <a:gd name="csY1" fmla="*/ 10 h 109796"/>
+              <a:gd name="csX2" fmla="*/ 123825 w 178594"/>
+              <a:gd name="csY2" fmla="*/ 109547 h 109796"/>
+              <a:gd name="csX3" fmla="*/ 178594 w 178594"/>
+              <a:gd name="csY3" fmla="*/ 50015 h 109796"/>
+              <a:gd name="csX0" fmla="*/ 0 w 178594"/>
+              <a:gd name="csY0" fmla="*/ 73829 h 109565"/>
+              <a:gd name="csX1" fmla="*/ 47625 w 178594"/>
+              <a:gd name="csY1" fmla="*/ 10 h 109565"/>
+              <a:gd name="csX2" fmla="*/ 123825 w 178594"/>
+              <a:gd name="csY2" fmla="*/ 109547 h 109565"/>
+              <a:gd name="csX3" fmla="*/ 178594 w 178594"/>
+              <a:gd name="csY3" fmla="*/ 50015 h 109565"/>
+              <a:gd name="csX0" fmla="*/ 0 w 178594"/>
+              <a:gd name="csY0" fmla="*/ 74152 h 100373"/>
+              <a:gd name="csX1" fmla="*/ 47625 w 178594"/>
+              <a:gd name="csY1" fmla="*/ 333 h 100373"/>
+              <a:gd name="csX2" fmla="*/ 123825 w 178594"/>
+              <a:gd name="csY2" fmla="*/ 100345 h 100373"/>
+              <a:gd name="csX3" fmla="*/ 178594 w 178594"/>
+              <a:gd name="csY3" fmla="*/ 50338 h 100373"/>
+              <a:gd name="csX0" fmla="*/ 0 w 178594"/>
+              <a:gd name="csY0" fmla="*/ 50723 h 77522"/>
+              <a:gd name="csX1" fmla="*/ 52388 w 178594"/>
+              <a:gd name="csY1" fmla="*/ 716 h 77522"/>
+              <a:gd name="csX2" fmla="*/ 123825 w 178594"/>
+              <a:gd name="csY2" fmla="*/ 76916 h 77522"/>
+              <a:gd name="csX3" fmla="*/ 178594 w 178594"/>
+              <a:gd name="csY3" fmla="*/ 26909 h 77522"/>
+              <a:gd name="csX0" fmla="*/ 0 w 178594"/>
+              <a:gd name="csY0" fmla="*/ 46157 h 72783"/>
+              <a:gd name="csX1" fmla="*/ 45245 w 178594"/>
+              <a:gd name="csY1" fmla="*/ 912 h 72783"/>
+              <a:gd name="csX2" fmla="*/ 123825 w 178594"/>
+              <a:gd name="csY2" fmla="*/ 72350 h 72783"/>
+              <a:gd name="csX3" fmla="*/ 178594 w 178594"/>
+              <a:gd name="csY3" fmla="*/ 22343 h 72783"/>
+              <a:gd name="csX0" fmla="*/ 0 w 178594"/>
+              <a:gd name="csY0" fmla="*/ 46157 h 72783"/>
+              <a:gd name="csX1" fmla="*/ 45245 w 178594"/>
+              <a:gd name="csY1" fmla="*/ 912 h 72783"/>
+              <a:gd name="csX2" fmla="*/ 123825 w 178594"/>
+              <a:gd name="csY2" fmla="*/ 72350 h 72783"/>
+              <a:gd name="csX3" fmla="*/ 178594 w 178594"/>
+              <a:gd name="csY3" fmla="*/ 22343 h 72783"/>
+              <a:gd name="csX0" fmla="*/ 0 w 178594"/>
+              <a:gd name="csY0" fmla="*/ 45325 h 71951"/>
+              <a:gd name="csX1" fmla="*/ 45245 w 178594"/>
+              <a:gd name="csY1" fmla="*/ 80 h 71951"/>
+              <a:gd name="csX2" fmla="*/ 123825 w 178594"/>
+              <a:gd name="csY2" fmla="*/ 71518 h 71951"/>
+              <a:gd name="csX3" fmla="*/ 178594 w 178594"/>
+              <a:gd name="csY3" fmla="*/ 21511 h 71951"/>
+              <a:gd name="csX0" fmla="*/ 0 w 178594"/>
+              <a:gd name="csY0" fmla="*/ 45325 h 71951"/>
+              <a:gd name="csX1" fmla="*/ 45245 w 178594"/>
+              <a:gd name="csY1" fmla="*/ 80 h 71951"/>
+              <a:gd name="csX2" fmla="*/ 123825 w 178594"/>
+              <a:gd name="csY2" fmla="*/ 71518 h 71951"/>
+              <a:gd name="csX3" fmla="*/ 178594 w 178594"/>
+              <a:gd name="csY3" fmla="*/ 21511 h 71951"/>
+              <a:gd name="csX0" fmla="*/ 0 w 200025"/>
+              <a:gd name="csY0" fmla="*/ 50330 h 72194"/>
+              <a:gd name="csX1" fmla="*/ 66676 w 200025"/>
+              <a:gd name="csY1" fmla="*/ 323 h 72194"/>
+              <a:gd name="csX2" fmla="*/ 145256 w 200025"/>
+              <a:gd name="csY2" fmla="*/ 71761 h 72194"/>
+              <a:gd name="csX3" fmla="*/ 200025 w 200025"/>
+              <a:gd name="csY3" fmla="*/ 21754 h 72194"/>
+              <a:gd name="csX0" fmla="*/ 0 w 200025"/>
+              <a:gd name="csY0" fmla="*/ 50330 h 72194"/>
+              <a:gd name="csX1" fmla="*/ 66676 w 200025"/>
+              <a:gd name="csY1" fmla="*/ 323 h 72194"/>
+              <a:gd name="csX2" fmla="*/ 145256 w 200025"/>
+              <a:gd name="csY2" fmla="*/ 71761 h 72194"/>
+              <a:gd name="csX3" fmla="*/ 200025 w 200025"/>
+              <a:gd name="csY3" fmla="*/ 21754 h 72194"/>
+              <a:gd name="csX0" fmla="*/ 0 w 200025"/>
+              <a:gd name="csY0" fmla="*/ 50330 h 72121"/>
+              <a:gd name="csX1" fmla="*/ 66676 w 200025"/>
+              <a:gd name="csY1" fmla="*/ 323 h 72121"/>
+              <a:gd name="csX2" fmla="*/ 145256 w 200025"/>
+              <a:gd name="csY2" fmla="*/ 71761 h 72121"/>
+              <a:gd name="csX3" fmla="*/ 200025 w 200025"/>
+              <a:gd name="csY3" fmla="*/ 21754 h 72121"/>
+              <a:gd name="csX0" fmla="*/ 0 w 211932"/>
+              <a:gd name="csY0" fmla="*/ 50330 h 72371"/>
+              <a:gd name="csX1" fmla="*/ 66676 w 211932"/>
+              <a:gd name="csY1" fmla="*/ 323 h 72371"/>
+              <a:gd name="csX2" fmla="*/ 145256 w 211932"/>
+              <a:gd name="csY2" fmla="*/ 71761 h 72371"/>
+              <a:gd name="csX3" fmla="*/ 211932 w 211932"/>
+              <a:gd name="csY3" fmla="*/ 26516 h 72371"/>
+              <a:gd name="csX0" fmla="*/ 0 w 211932"/>
+              <a:gd name="csY0" fmla="*/ 50330 h 72147"/>
+              <a:gd name="csX1" fmla="*/ 66676 w 211932"/>
+              <a:gd name="csY1" fmla="*/ 323 h 72147"/>
+              <a:gd name="csX2" fmla="*/ 145256 w 211932"/>
+              <a:gd name="csY2" fmla="*/ 71761 h 72147"/>
+              <a:gd name="csX3" fmla="*/ 211932 w 211932"/>
+              <a:gd name="csY3" fmla="*/ 26516 h 72147"/>
+              <a:gd name="csX0" fmla="*/ 0 w 204788"/>
+              <a:gd name="csY0" fmla="*/ 50330 h 72066"/>
+              <a:gd name="csX1" fmla="*/ 66676 w 204788"/>
+              <a:gd name="csY1" fmla="*/ 323 h 72066"/>
+              <a:gd name="csX2" fmla="*/ 145256 w 204788"/>
+              <a:gd name="csY2" fmla="*/ 71761 h 72066"/>
+              <a:gd name="csX3" fmla="*/ 204788 w 204788"/>
+              <a:gd name="csY3" fmla="*/ 24135 h 72066"/>
+              <a:gd name="csX0" fmla="*/ 0 w 204788"/>
+              <a:gd name="csY0" fmla="*/ 50330 h 72161"/>
+              <a:gd name="csX1" fmla="*/ 66676 w 204788"/>
+              <a:gd name="csY1" fmla="*/ 323 h 72161"/>
+              <a:gd name="csX2" fmla="*/ 145256 w 204788"/>
+              <a:gd name="csY2" fmla="*/ 71761 h 72161"/>
+              <a:gd name="csX3" fmla="*/ 204788 w 204788"/>
+              <a:gd name="csY3" fmla="*/ 24135 h 72161"/>
+            </a:gdLst>
+            <a:ahLst/>
+            <a:cxnLst>
+              <a:cxn ang="0">
+                <a:pos x="csX0" y="csY0"/>
+              </a:cxn>
+              <a:cxn ang="0">
+                <a:pos x="csX1" y="csY1"/>
+              </a:cxn>
+              <a:cxn ang="0">
+                <a:pos x="csX2" y="csY2"/>
+              </a:cxn>
+              <a:cxn ang="0">
+                <a:pos x="csX3" y="csY3"/>
+              </a:cxn>
+            </a:cxnLst>
+            <a:rect l="l" t="t" r="r" b="b"/>
+            <a:pathLst>
+              <a:path w="204788" h="72161">
+                <a:moveTo>
+                  <a:pt x="0" y="50330"/>
+                </a:moveTo>
+                <a:cubicBezTo>
+                  <a:pt x="22224" y="23342"/>
+                  <a:pt x="42467" y="-3249"/>
+                  <a:pt x="66676" y="323"/>
+                </a:cubicBezTo>
+                <a:cubicBezTo>
+                  <a:pt x="90885" y="3895"/>
+                  <a:pt x="122237" y="67792"/>
+                  <a:pt x="145256" y="71761"/>
+                </a:cubicBezTo>
+                <a:cubicBezTo>
+                  <a:pt x="168275" y="75730"/>
+                  <a:pt x="195263" y="49534"/>
+                  <a:pt x="204788" y="24135"/>
+                </a:cubicBezTo>
+              </a:path>
+            </a:pathLst>
+          </a:custGeom>
+          <a:noFill/>
+          <a:ln w="28575">
+            <a:solidFill>
+              <a:schemeClr val="tx1"/>
+            </a:solidFill>
+          </a:ln>
+        </p:spPr>
+        <p:style>
+          <a:lnRef idx="2">
+            <a:schemeClr val="accent1">
+              <a:shade val="15000"/>
+            </a:schemeClr>
+          </a:lnRef>
+          <a:fillRef idx="1">
+            <a:schemeClr val="accent1"/>
+          </a:fillRef>
+          <a:effectRef idx="0">
+            <a:schemeClr val="accent1"/>
+          </a:effectRef>
+          <a:fontRef idx="minor">
+            <a:schemeClr val="lt1"/>
+          </a:fontRef>
+        </p:style>
+        <p:txBody>
+          <a:bodyPr rtlCol="0" anchor="ctr"/>
+          <a:lstStyle/>
+          <a:p>
+            <a:pPr algn="ctr"/>
+            <a:endParaRPr lang="en-US"/>
+          </a:p>
+        </p:txBody>
+      </p:sp>
+      <mc:AlternateContent xmlns:mc="http://schemas.openxmlformats.org/markup-compatibility/2006">
+        <mc:Choice xmlns:a14="http://schemas.microsoft.com/office/drawing/2010/main" Requires="a14">
+          <p:sp>
+            <p:nvSpPr>
+              <p:cNvPr id="1066" name="TextBox 1065">
+                <a:extLst>
+                  <a:ext uri="{FF2B5EF4-FFF2-40B4-BE49-F238E27FC236}">
+                    <a16:creationId xmlns:a16="http://schemas.microsoft.com/office/drawing/2014/main" id="{A00CD14A-AC32-6535-67FC-3C7572E98F99}"/>
+                  </a:ext>
+                </a:extLst>
+              </p:cNvPr>
+              <p:cNvSpPr txBox="1"/>
+              <p:nvPr/>
+            </p:nvSpPr>
+            <p:spPr>
+              <a:xfrm>
+                <a:off x="10325182" y="4245633"/>
+                <a:ext cx="691343" cy="461665"/>
+              </a:xfrm>
+              <a:prstGeom prst="rect">
+                <a:avLst/>
+              </a:prstGeom>
+              <a:noFill/>
+            </p:spPr>
+            <p:txBody>
+              <a:bodyPr wrap="none" rtlCol="0">
+                <a:spAutoFit/>
+              </a:bodyPr>
+              <a:lstStyle/>
+              <a:p>
+                <a14:m>
+                  <m:oMathPara xmlns:m="http://schemas.openxmlformats.org/officeDocument/2006/math">
+                    <m:oMathParaPr>
+                      <m:jc m:val="centerGroup"/>
+                    </m:oMathParaPr>
+                    <m:oMath xmlns:m="http://schemas.openxmlformats.org/officeDocument/2006/math">
+                      <m:sSub>
+                        <m:sSubPr>
+                          <m:ctrlPr>
+                            <a:rPr lang="en-US" sz="2400" b="0" i="1" dirty="0" smtClean="0">
+                              <a:latin typeface="Cambria Math" panose="02040503050406030204" pitchFamily="18" charset="0"/>
+                            </a:rPr>
+                          </m:ctrlPr>
+                        </m:sSubPr>
+                        <m:e>
+                          <m:r>
+                            <a:rPr lang="en-US" sz="2400" b="0" i="1" dirty="0" smtClean="0">
+                              <a:latin typeface="Cambria Math" panose="02040503050406030204" pitchFamily="18" charset="0"/>
+                            </a:rPr>
+                            <m:t>𝑉</m:t>
+                          </m:r>
+                        </m:e>
+                        <m:sub>
+                          <m:r>
+                            <a:rPr lang="en-US" sz="2400" b="0" i="1" dirty="0" smtClean="0">
+                              <a:latin typeface="Cambria Math" panose="02040503050406030204" pitchFamily="18" charset="0"/>
+                            </a:rPr>
+                            <m:t>𝐴𝐶</m:t>
+                          </m:r>
+                        </m:sub>
+                      </m:sSub>
+                    </m:oMath>
+                  </m:oMathPara>
+                </a14:m>
+                <a:endParaRPr lang="en-US" sz="2400" b="0" dirty="0"/>
+              </a:p>
+            </p:txBody>
+          </p:sp>
+        </mc:Choice>
+        <mc:Fallback>
+          <p:sp>
+            <p:nvSpPr>
+              <p:cNvPr id="1066" name="TextBox 1065">
+                <a:extLst>
+                  <a:ext uri="{FF2B5EF4-FFF2-40B4-BE49-F238E27FC236}">
+                    <a16:creationId xmlns:a16="http://schemas.microsoft.com/office/drawing/2014/main" id="{A00CD14A-AC32-6535-67FC-3C7572E98F99}"/>
+                  </a:ext>
+                </a:extLst>
+              </p:cNvPr>
+              <p:cNvSpPr txBox="1">
+                <a:spLocks noRot="1" noChangeAspect="1" noMove="1" noResize="1" noEditPoints="1" noAdjustHandles="1" noChangeArrowheads="1" noChangeShapeType="1" noTextEdit="1"/>
+              </p:cNvSpPr>
+              <p:nvPr/>
+            </p:nvSpPr>
+            <p:spPr>
+              <a:xfrm>
+                <a:off x="10325182" y="4245633"/>
+                <a:ext cx="691343" cy="461665"/>
+              </a:xfrm>
+              <a:prstGeom prst="rect">
+                <a:avLst/>
+              </a:prstGeom>
+              <a:blipFill>
+                <a:blip r:embed="rId4"/>
+                <a:stretch>
+                  <a:fillRect/>
+                </a:stretch>
+              </a:blipFill>
+            </p:spPr>
+            <p:txBody>
+              <a:bodyPr/>
+              <a:lstStyle/>
+              <a:p>
+                <a:r>
+                  <a:rPr lang="en-US">
+                    <a:noFill/>
+                  </a:rPr>
+                  <a:t> </a:t>
+                </a:r>
+              </a:p>
+            </p:txBody>
+          </p:sp>
+        </mc:Fallback>
+      </mc:AlternateContent>
+      <mc:AlternateContent xmlns:mc="http://schemas.openxmlformats.org/markup-compatibility/2006">
+        <mc:Choice xmlns:a14="http://schemas.microsoft.com/office/drawing/2010/main" Requires="a14">
+          <p:sp>
+            <p:nvSpPr>
+              <p:cNvPr id="1067" name="TextBox 1066">
+                <a:extLst>
+                  <a:ext uri="{FF2B5EF4-FFF2-40B4-BE49-F238E27FC236}">
+                    <a16:creationId xmlns:a16="http://schemas.microsoft.com/office/drawing/2014/main" id="{12DFB241-A9CD-4E0F-8E7E-904464DD1375}"/>
+                  </a:ext>
+                </a:extLst>
+              </p:cNvPr>
+              <p:cNvSpPr txBox="1"/>
+              <p:nvPr/>
+            </p:nvSpPr>
+            <p:spPr>
+              <a:xfrm>
+                <a:off x="9623876" y="3321239"/>
+                <a:ext cx="451790" cy="461665"/>
+              </a:xfrm>
+              <a:prstGeom prst="rect">
+                <a:avLst/>
+              </a:prstGeom>
+              <a:noFill/>
+            </p:spPr>
+            <p:txBody>
+              <a:bodyPr wrap="none" rtlCol="0">
+                <a:spAutoFit/>
+              </a:bodyPr>
+              <a:lstStyle/>
+              <a:p>
+                <a14:m>
+                  <m:oMathPara xmlns:m="http://schemas.openxmlformats.org/officeDocument/2006/math">
+                    <m:oMathParaPr>
+                      <m:jc m:val="centerGroup"/>
+                    </m:oMathParaPr>
+                    <m:oMath xmlns:m="http://schemas.openxmlformats.org/officeDocument/2006/math">
+                      <m:r>
+                        <a:rPr lang="en-US" sz="2400" b="0" i="1" dirty="0" smtClean="0">
+                          <a:latin typeface="Cambria Math" panose="02040503050406030204" pitchFamily="18" charset="0"/>
+                        </a:rPr>
+                        <m:t>𝑅</m:t>
+                      </m:r>
+                    </m:oMath>
+                  </m:oMathPara>
+                </a14:m>
+                <a:endParaRPr lang="en-US" sz="2400" b="0" dirty="0"/>
+              </a:p>
+            </p:txBody>
+          </p:sp>
+        </mc:Choice>
+        <mc:Fallback>
+          <p:sp>
+            <p:nvSpPr>
+              <p:cNvPr id="1067" name="TextBox 1066">
+                <a:extLst>
+                  <a:ext uri="{FF2B5EF4-FFF2-40B4-BE49-F238E27FC236}">
+                    <a16:creationId xmlns:a16="http://schemas.microsoft.com/office/drawing/2014/main" id="{12DFB241-A9CD-4E0F-8E7E-904464DD1375}"/>
+                  </a:ext>
+                </a:extLst>
+              </p:cNvPr>
+              <p:cNvSpPr txBox="1">
+                <a:spLocks noRot="1" noChangeAspect="1" noMove="1" noResize="1" noEditPoints="1" noAdjustHandles="1" noChangeArrowheads="1" noChangeShapeType="1" noTextEdit="1"/>
+              </p:cNvSpPr>
+              <p:nvPr/>
+            </p:nvSpPr>
+            <p:spPr>
+              <a:xfrm>
+                <a:off x="9623876" y="3321239"/>
+                <a:ext cx="451790" cy="461665"/>
+              </a:xfrm>
+              <a:prstGeom prst="rect">
+                <a:avLst/>
+              </a:prstGeom>
+              <a:blipFill>
+                <a:blip r:embed="rId5"/>
+                <a:stretch>
+                  <a:fillRect/>
+                </a:stretch>
+              </a:blipFill>
+            </p:spPr>
+            <p:txBody>
+              <a:bodyPr/>
+              <a:lstStyle/>
+              <a:p>
+                <a:r>
+                  <a:rPr lang="en-US">
+                    <a:noFill/>
+                  </a:rPr>
+                  <a:t> </a:t>
+                </a:r>
+              </a:p>
+            </p:txBody>
+          </p:sp>
+        </mc:Fallback>
+      </mc:AlternateContent>
+      <mc:AlternateContent xmlns:mc="http://schemas.openxmlformats.org/markup-compatibility/2006">
+        <mc:Choice xmlns:a14="http://schemas.microsoft.com/office/drawing/2010/main" Requires="a14">
+          <p:sp>
+            <p:nvSpPr>
+              <p:cNvPr id="1068" name="TextBox 1067">
+                <a:extLst>
+                  <a:ext uri="{FF2B5EF4-FFF2-40B4-BE49-F238E27FC236}">
+                    <a16:creationId xmlns:a16="http://schemas.microsoft.com/office/drawing/2014/main" id="{2A6878E3-5D08-BA6B-2FA6-143448849D64}"/>
+                  </a:ext>
+                </a:extLst>
+              </p:cNvPr>
+              <p:cNvSpPr txBox="1"/>
+              <p:nvPr/>
+            </p:nvSpPr>
+            <p:spPr>
+              <a:xfrm>
+                <a:off x="9623876" y="2511642"/>
+                <a:ext cx="416973" cy="461665"/>
+              </a:xfrm>
+              <a:prstGeom prst="rect">
+                <a:avLst/>
+              </a:prstGeom>
+              <a:noFill/>
+            </p:spPr>
+            <p:txBody>
+              <a:bodyPr wrap="none" rtlCol="0">
+                <a:spAutoFit/>
+              </a:bodyPr>
+              <a:lstStyle/>
+              <a:p>
+                <a14:m>
+                  <m:oMathPara xmlns:m="http://schemas.openxmlformats.org/officeDocument/2006/math">
+                    <m:oMathParaPr>
+                      <m:jc m:val="centerGroup"/>
+                    </m:oMathParaPr>
+                    <m:oMath xmlns:m="http://schemas.openxmlformats.org/officeDocument/2006/math">
+                      <m:r>
+                        <a:rPr lang="en-US" sz="2400" b="0" i="1" smtClean="0">
+                          <a:latin typeface="Cambria Math" panose="02040503050406030204" pitchFamily="18" charset="0"/>
+                        </a:rPr>
+                        <m:t>𝐿</m:t>
+                      </m:r>
+                    </m:oMath>
+                  </m:oMathPara>
+                </a14:m>
+                <a:endParaRPr lang="en-US" sz="2400" b="0" dirty="0"/>
+              </a:p>
+            </p:txBody>
+          </p:sp>
+        </mc:Choice>
+        <mc:Fallback>
+          <p:sp>
+            <p:nvSpPr>
+              <p:cNvPr id="1068" name="TextBox 1067">
+                <a:extLst>
+                  <a:ext uri="{FF2B5EF4-FFF2-40B4-BE49-F238E27FC236}">
+                    <a16:creationId xmlns:a16="http://schemas.microsoft.com/office/drawing/2014/main" id="{2A6878E3-5D08-BA6B-2FA6-143448849D64}"/>
+                  </a:ext>
+                </a:extLst>
+              </p:cNvPr>
+              <p:cNvSpPr txBox="1">
+                <a:spLocks noRot="1" noChangeAspect="1" noMove="1" noResize="1" noEditPoints="1" noAdjustHandles="1" noChangeArrowheads="1" noChangeShapeType="1" noTextEdit="1"/>
+              </p:cNvSpPr>
+              <p:nvPr/>
+            </p:nvSpPr>
+            <p:spPr>
+              <a:xfrm>
+                <a:off x="9623876" y="2511642"/>
+                <a:ext cx="416973" cy="461665"/>
+              </a:xfrm>
+              <a:prstGeom prst="rect">
+                <a:avLst/>
+              </a:prstGeom>
+              <a:blipFill>
+                <a:blip r:embed="rId6"/>
+                <a:stretch>
+                  <a:fillRect/>
+                </a:stretch>
+              </a:blipFill>
+            </p:spPr>
+            <p:txBody>
+              <a:bodyPr/>
+              <a:lstStyle/>
+              <a:p>
+                <a:r>
+                  <a:rPr lang="en-US">
+                    <a:noFill/>
+                  </a:rPr>
+                  <a:t> </a:t>
+                </a:r>
+              </a:p>
+            </p:txBody>
+          </p:sp>
+        </mc:Fallback>
+      </mc:AlternateContent>
+      <mc:AlternateContent xmlns:mc="http://schemas.openxmlformats.org/markup-compatibility/2006">
+        <mc:Choice xmlns:a14="http://schemas.microsoft.com/office/drawing/2010/main" Requires="a14">
+          <p:sp>
+            <p:nvSpPr>
+              <p:cNvPr id="1069" name="TextBox 1068">
+                <a:extLst>
+                  <a:ext uri="{FF2B5EF4-FFF2-40B4-BE49-F238E27FC236}">
+                    <a16:creationId xmlns:a16="http://schemas.microsoft.com/office/drawing/2014/main" id="{901603BC-3586-0916-B875-EF0100FE182E}"/>
+                  </a:ext>
+                </a:extLst>
+              </p:cNvPr>
+              <p:cNvSpPr txBox="1"/>
+              <p:nvPr/>
+            </p:nvSpPr>
+            <p:spPr>
+              <a:xfrm>
+                <a:off x="11270005" y="2926855"/>
+                <a:ext cx="445058" cy="461665"/>
+              </a:xfrm>
+              <a:prstGeom prst="rect">
+                <a:avLst/>
+              </a:prstGeom>
+              <a:noFill/>
+            </p:spPr>
+            <p:txBody>
+              <a:bodyPr wrap="none" rtlCol="0">
+                <a:spAutoFit/>
+              </a:bodyPr>
+              <a:lstStyle/>
+              <a:p>
+                <a14:m>
+                  <m:oMathPara xmlns:m="http://schemas.openxmlformats.org/officeDocument/2006/math">
+                    <m:oMathParaPr>
+                      <m:jc m:val="centerGroup"/>
+                    </m:oMathParaPr>
+                    <m:oMath xmlns:m="http://schemas.openxmlformats.org/officeDocument/2006/math">
+                      <m:r>
+                        <a:rPr lang="en-US" sz="2400" b="0" i="1" smtClean="0">
+                          <a:latin typeface="Cambria Math" panose="02040503050406030204" pitchFamily="18" charset="0"/>
+                        </a:rPr>
+                        <m:t>𝐶</m:t>
+                      </m:r>
+                    </m:oMath>
+                  </m:oMathPara>
+                </a14:m>
+                <a:endParaRPr lang="en-US" sz="2400" b="0" dirty="0"/>
+              </a:p>
+            </p:txBody>
+          </p:sp>
+        </mc:Choice>
+        <mc:Fallback>
+          <p:sp>
+            <p:nvSpPr>
+              <p:cNvPr id="1069" name="TextBox 1068">
+                <a:extLst>
+                  <a:ext uri="{FF2B5EF4-FFF2-40B4-BE49-F238E27FC236}">
+                    <a16:creationId xmlns:a16="http://schemas.microsoft.com/office/drawing/2014/main" id="{901603BC-3586-0916-B875-EF0100FE182E}"/>
+                  </a:ext>
+                </a:extLst>
+              </p:cNvPr>
+              <p:cNvSpPr txBox="1">
+                <a:spLocks noRot="1" noChangeAspect="1" noMove="1" noResize="1" noEditPoints="1" noAdjustHandles="1" noChangeArrowheads="1" noChangeShapeType="1" noTextEdit="1"/>
+              </p:cNvSpPr>
+              <p:nvPr/>
+            </p:nvSpPr>
+            <p:spPr>
+              <a:xfrm>
+                <a:off x="11270005" y="2926855"/>
+                <a:ext cx="445058" cy="461665"/>
+              </a:xfrm>
+              <a:prstGeom prst="rect">
+                <a:avLst/>
+              </a:prstGeom>
+              <a:blipFill>
+                <a:blip r:embed="rId7"/>
+                <a:stretch>
+                  <a:fillRect/>
+                </a:stretch>
+              </a:blipFill>
+            </p:spPr>
+            <p:txBody>
+              <a:bodyPr/>
+              <a:lstStyle/>
+              <a:p>
+                <a:r>
+                  <a:rPr lang="en-US">
+                    <a:noFill/>
+                  </a:rPr>
+                  <a:t> </a:t>
+                </a:r>
+              </a:p>
+            </p:txBody>
+          </p:sp>
+        </mc:Fallback>
+      </mc:AlternateContent>
+      <p:cxnSp>
+        <p:nvCxnSpPr>
+          <p:cNvPr id="1070" name="Straight Arrow Connector 1069">
+            <a:extLst>
+              <a:ext uri="{FF2B5EF4-FFF2-40B4-BE49-F238E27FC236}">
+                <a16:creationId xmlns:a16="http://schemas.microsoft.com/office/drawing/2014/main" id="{DDD58B1F-BD6A-BA43-1382-2EC2CF9809BA}"/>
+              </a:ext>
+            </a:extLst>
+          </p:cNvPr>
+          <p:cNvCxnSpPr>
+            <a:cxnSpLocks/>
+          </p:cNvCxnSpPr>
+          <p:nvPr/>
+        </p:nvCxnSpPr>
+        <p:spPr>
+          <a:xfrm flipH="1">
+            <a:off x="10219931" y="2150141"/>
+            <a:ext cx="822328" cy="0"/>
+          </a:xfrm>
+          <a:prstGeom prst="straightConnector1">
+            <a:avLst/>
+          </a:prstGeom>
+          <a:ln w="38100">
+            <a:solidFill>
+              <a:srgbClr val="0000FF"/>
+            </a:solidFill>
+            <a:headEnd type="triangle" w="med" len="med"/>
+            <a:tailEnd type="triangle" w="med" len="med"/>
+          </a:ln>
+        </p:spPr>
+        <p:style>
+          <a:lnRef idx="2">
+            <a:schemeClr val="accent1"/>
+          </a:lnRef>
+          <a:fillRef idx="0">
+            <a:schemeClr val="accent1"/>
+          </a:fillRef>
+          <a:effectRef idx="1">
+            <a:schemeClr val="accent1"/>
+          </a:effectRef>
+          <a:fontRef idx="minor">
+            <a:schemeClr val="tx1"/>
+          </a:fontRef>
+        </p:style>
+      </p:cxnSp>
+      <mc:AlternateContent xmlns:mc="http://schemas.openxmlformats.org/markup-compatibility/2006">
+        <mc:Choice xmlns:a14="http://schemas.microsoft.com/office/drawing/2010/main" Requires="a14">
+          <p:sp>
+            <p:nvSpPr>
+              <p:cNvPr id="1072" name="TextBox 1071">
+                <a:extLst>
+                  <a:ext uri="{FF2B5EF4-FFF2-40B4-BE49-F238E27FC236}">
+                    <a16:creationId xmlns:a16="http://schemas.microsoft.com/office/drawing/2014/main" id="{095D1A60-AA14-D664-84A7-9F8600A48283}"/>
+                  </a:ext>
+                </a:extLst>
+              </p:cNvPr>
+              <p:cNvSpPr txBox="1"/>
+              <p:nvPr/>
+            </p:nvSpPr>
+            <p:spPr>
+              <a:xfrm>
+                <a:off x="10445996" y="2257628"/>
+                <a:ext cx="354712" cy="461665"/>
+              </a:xfrm>
+              <a:prstGeom prst="rect">
+                <a:avLst/>
+              </a:prstGeom>
+              <a:noFill/>
+            </p:spPr>
+            <p:txBody>
+              <a:bodyPr wrap="none" rtlCol="0">
+                <a:spAutoFit/>
+              </a:bodyPr>
+              <a:lstStyle/>
+              <a:p>
+                <a14:m>
+                  <m:oMathPara xmlns:m="http://schemas.openxmlformats.org/officeDocument/2006/math">
+                    <m:oMathParaPr>
+                      <m:jc m:val="centerGroup"/>
+                    </m:oMathParaPr>
+                    <m:oMath xmlns:m="http://schemas.openxmlformats.org/officeDocument/2006/math">
+                      <m:r>
+                        <a:rPr lang="en-US" sz="2400" b="0" i="1" dirty="0" smtClean="0">
+                          <a:solidFill>
+                            <a:srgbClr val="0000FF"/>
+                          </a:solidFill>
+                          <a:latin typeface="Cambria Math" panose="02040503050406030204" pitchFamily="18" charset="0"/>
+                        </a:rPr>
+                        <m:t>𝑖</m:t>
+                      </m:r>
+                    </m:oMath>
+                  </m:oMathPara>
+                </a14:m>
+                <a:endParaRPr lang="en-US" sz="2400" b="0" dirty="0">
+                  <a:solidFill>
+                    <a:srgbClr val="0000FF"/>
+                  </a:solidFill>
+                </a:endParaRPr>
+              </a:p>
+            </p:txBody>
+          </p:sp>
+        </mc:Choice>
+        <mc:Fallback>
+          <p:sp>
+            <p:nvSpPr>
+              <p:cNvPr id="1072" name="TextBox 1071">
+                <a:extLst>
+                  <a:ext uri="{FF2B5EF4-FFF2-40B4-BE49-F238E27FC236}">
+                    <a16:creationId xmlns:a16="http://schemas.microsoft.com/office/drawing/2014/main" id="{095D1A60-AA14-D664-84A7-9F8600A48283}"/>
+                  </a:ext>
+                </a:extLst>
+              </p:cNvPr>
+              <p:cNvSpPr txBox="1">
+                <a:spLocks noRot="1" noChangeAspect="1" noMove="1" noResize="1" noEditPoints="1" noAdjustHandles="1" noChangeArrowheads="1" noChangeShapeType="1" noTextEdit="1"/>
+              </p:cNvSpPr>
+              <p:nvPr/>
+            </p:nvSpPr>
+            <p:spPr>
+              <a:xfrm>
+                <a:off x="10445996" y="2257628"/>
+                <a:ext cx="354712" cy="461665"/>
+              </a:xfrm>
+              <a:prstGeom prst="rect">
+                <a:avLst/>
+              </a:prstGeom>
+              <a:blipFill>
+                <a:blip r:embed="rId8"/>
+                <a:stretch>
+                  <a:fillRect/>
+                </a:stretch>
+              </a:blipFill>
+            </p:spPr>
+            <p:txBody>
+              <a:bodyPr/>
+              <a:lstStyle/>
+              <a:p>
+                <a:r>
+                  <a:rPr lang="en-US">
+                    <a:noFill/>
+                  </a:rPr>
+                  <a:t> </a:t>
+                </a:r>
+              </a:p>
+            </p:txBody>
+          </p:sp>
+        </mc:Fallback>
+      </mc:AlternateContent>
+      <p:sp>
+        <p:nvSpPr>
+          <p:cNvPr id="1073" name="TextBox 1072">
+            <a:extLst>
+              <a:ext uri="{FF2B5EF4-FFF2-40B4-BE49-F238E27FC236}">
+                <a16:creationId xmlns:a16="http://schemas.microsoft.com/office/drawing/2014/main" id="{A109F2FA-7F7C-ABD7-F9EB-07FA19E5FB3F}"/>
+              </a:ext>
+            </a:extLst>
+          </p:cNvPr>
+          <p:cNvSpPr txBox="1"/>
+          <p:nvPr/>
+        </p:nvSpPr>
+        <p:spPr>
+          <a:xfrm>
+            <a:off x="10058133" y="1608090"/>
+            <a:ext cx="1130438" cy="461665"/>
+          </a:xfrm>
+          <a:prstGeom prst="rect">
+            <a:avLst/>
+          </a:prstGeom>
+          <a:noFill/>
+        </p:spPr>
+        <p:txBody>
+          <a:bodyPr wrap="none" rtlCol="0">
+            <a:spAutoFit/>
+          </a:bodyPr>
+          <a:lstStyle/>
+          <a:p>
+            <a:r>
+              <a:rPr lang="en-US" sz="2400" b="0" dirty="0">
+                <a:solidFill>
+                  <a:srgbClr val="0000FF"/>
+                </a:solidFill>
+              </a:rPr>
+              <a:t>Motion</a:t>
+            </a:r>
+          </a:p>
+        </p:txBody>
+      </p:sp>
+      <p:sp>
+        <p:nvSpPr>
+          <p:cNvPr id="1074" name="TextBox 1073">
+            <a:extLst>
+              <a:ext uri="{FF2B5EF4-FFF2-40B4-BE49-F238E27FC236}">
+                <a16:creationId xmlns:a16="http://schemas.microsoft.com/office/drawing/2014/main" id="{CF90C772-4200-DCFD-6CB9-8673A49F7411}"/>
+              </a:ext>
+            </a:extLst>
+          </p:cNvPr>
+          <p:cNvSpPr txBox="1"/>
+          <p:nvPr/>
+        </p:nvSpPr>
+        <p:spPr>
+          <a:xfrm>
+            <a:off x="9646053" y="4820171"/>
+            <a:ext cx="1970083" cy="461665"/>
+          </a:xfrm>
+          <a:prstGeom prst="rect">
+            <a:avLst/>
+          </a:prstGeom>
+          <a:noFill/>
+        </p:spPr>
+        <p:txBody>
+          <a:bodyPr wrap="square" rtlCol="0">
+            <a:spAutoFit/>
+          </a:bodyPr>
+          <a:lstStyle/>
+          <a:p>
+            <a:pPr algn="ctr"/>
+            <a:r>
+              <a:rPr lang="en-US" sz="2400" dirty="0"/>
+              <a:t>RLC Circuit</a:t>
+            </a:r>
+          </a:p>
+        </p:txBody>
+      </p:sp>
+    </p:spTree>
+    <p:extLst>
+      <p:ext uri="{BB962C8B-B14F-4D97-AF65-F5344CB8AC3E}">
+        <p14:creationId xmlns:p14="http://schemas.microsoft.com/office/powerpoint/2010/main" val="1043171857"/>
+      </p:ext>
+    </p:extLst>
+  </p:cSld>
+  <p:clrMapOvr>
+    <a:masterClrMapping/>
+  </p:clrMapOvr>
+</p:sld>
+</file>
+
+<file path=ppt/slides/slide5.xml><?xml version="1.0" encoding="utf-8"?>
+<p:sld xmlns:a="http://schemas.openxmlformats.org/drawingml/2006/main" xmlns:r="http://schemas.openxmlformats.org/officeDocument/2006/relationships" xmlns:p="http://schemas.openxmlformats.org/presentationml/2006/main">
+  <p:cSld>
+    <p:spTree>
+      <p:nvGrpSpPr>
+        <p:cNvPr id="1" name=""/>
+        <p:cNvGrpSpPr/>
+        <p:nvPr/>
+      </p:nvGrpSpPr>
+      <p:grpSpPr>
+        <a:xfrm>
+          <a:off x="0" y="0"/>
+          <a:ext cx="0" cy="0"/>
+          <a:chOff x="0" y="0"/>
+          <a:chExt cx="0" cy="0"/>
+        </a:xfrm>
+      </p:grpSpPr>
+      <p:sp>
+        <p:nvSpPr>
+          <p:cNvPr id="15" name="Rectangle 14">
+            <a:extLst>
+              <a:ext uri="{FF2B5EF4-FFF2-40B4-BE49-F238E27FC236}">
+                <a16:creationId xmlns:a16="http://schemas.microsoft.com/office/drawing/2014/main" id="{CD8BA01B-1535-EF48-8351-586D7C370F48}"/>
+              </a:ext>
+            </a:extLst>
+          </p:cNvPr>
+          <p:cNvSpPr/>
+          <p:nvPr/>
+        </p:nvSpPr>
+        <p:spPr>
+          <a:xfrm>
+            <a:off x="0" y="1995947"/>
+            <a:ext cx="12192000" cy="3057833"/>
+          </a:xfrm>
+          <a:prstGeom prst="rect">
+            <a:avLst/>
+          </a:prstGeom>
+          <a:solidFill>
+            <a:srgbClr val="FFFFFF">
+              <a:alpha val="0"/>
+            </a:srgbClr>
+          </a:solidFill>
+          <a:ln>
+            <a:noFill/>
+          </a:ln>
+        </p:spPr>
+        <p:style>
+          <a:lnRef idx="2">
+            <a:schemeClr val="accent1">
+              <a:shade val="15000"/>
+            </a:schemeClr>
+          </a:lnRef>
+          <a:fillRef idx="1">
+            <a:schemeClr val="accent1"/>
+          </a:fillRef>
+          <a:effectRef idx="0">
+            <a:schemeClr val="accent1"/>
+          </a:effectRef>
+          <a:fontRef idx="minor">
+            <a:schemeClr val="lt1"/>
+          </a:fontRef>
+        </p:style>
+        <p:txBody>
+          <a:bodyPr rtlCol="0" anchor="ctr"/>
+          <a:lstStyle/>
+          <a:p>
+            <a:pPr algn="ctr"/>
+            <a:endParaRPr lang="en-US" dirty="0"/>
+          </a:p>
+        </p:txBody>
+      </p:sp>
+      <p:sp>
+        <p:nvSpPr>
+          <p:cNvPr id="2" name="Rectangle 1">
+            <a:extLst>
+              <a:ext uri="{FF2B5EF4-FFF2-40B4-BE49-F238E27FC236}">
+                <a16:creationId xmlns:a16="http://schemas.microsoft.com/office/drawing/2014/main" id="{555FF7DB-F3C9-8A34-0B2C-152FBDDF3046}"/>
+              </a:ext>
+            </a:extLst>
+          </p:cNvPr>
+          <p:cNvSpPr/>
+          <p:nvPr/>
+        </p:nvSpPr>
+        <p:spPr>
+          <a:xfrm>
+            <a:off x="5307023" y="3087207"/>
+            <a:ext cx="1297568" cy="951808"/>
+          </a:xfrm>
+          <a:prstGeom prst="rect">
+            <a:avLst/>
+          </a:prstGeom>
+          <a:solidFill>
+            <a:srgbClr val="D9D9FF"/>
+          </a:solidFill>
+          <a:ln w="57150">
+            <a:solidFill>
+              <a:srgbClr val="0000FF"/>
+            </a:solidFill>
+          </a:ln>
+        </p:spPr>
+        <p:style>
+          <a:lnRef idx="2">
+            <a:schemeClr val="accent1">
+              <a:shade val="15000"/>
+            </a:schemeClr>
+          </a:lnRef>
+          <a:fillRef idx="1">
+            <a:schemeClr val="accent1"/>
+          </a:fillRef>
+          <a:effectRef idx="0">
+            <a:schemeClr val="accent1"/>
+          </a:effectRef>
+          <a:fontRef idx="minor">
+            <a:schemeClr val="lt1"/>
+          </a:fontRef>
+        </p:style>
+        <p:txBody>
+          <a:bodyPr rtlCol="0" anchor="ctr"/>
+          <a:lstStyle/>
+          <a:p>
+            <a:pPr algn="ctr"/>
+            <a:endParaRPr lang="en-US"/>
+          </a:p>
+        </p:txBody>
+      </p:sp>
+      <mc:AlternateContent xmlns:mc="http://schemas.openxmlformats.org/markup-compatibility/2006">
+        <mc:Choice xmlns:a14="http://schemas.microsoft.com/office/drawing/2010/main" Requires="a14">
+          <p:sp>
+            <p:nvSpPr>
+              <p:cNvPr id="3" name="TextBox 2">
+                <a:extLst>
+                  <a:ext uri="{FF2B5EF4-FFF2-40B4-BE49-F238E27FC236}">
+                    <a16:creationId xmlns:a16="http://schemas.microsoft.com/office/drawing/2014/main" id="{9F101C08-7C81-AC76-0701-35B57DF57F6C}"/>
+                  </a:ext>
+                </a:extLst>
+              </p:cNvPr>
+              <p:cNvSpPr txBox="1"/>
+              <p:nvPr/>
+            </p:nvSpPr>
+            <p:spPr>
+              <a:xfrm>
+                <a:off x="5651424" y="3252019"/>
+                <a:ext cx="619657" cy="584775"/>
+              </a:xfrm>
+              <a:prstGeom prst="rect">
+                <a:avLst/>
+              </a:prstGeom>
+              <a:noFill/>
+            </p:spPr>
+            <p:txBody>
+              <a:bodyPr wrap="none" rtlCol="0">
+                <a:spAutoFit/>
+              </a:bodyPr>
+              <a:lstStyle/>
+              <a:p>
+                <a:pPr/>
+                <a14:m>
+                  <m:oMathPara xmlns:m="http://schemas.openxmlformats.org/officeDocument/2006/math">
+                    <m:oMathParaPr>
+                      <m:jc m:val="centerGroup"/>
+                    </m:oMathParaPr>
+                    <m:oMath xmlns:m="http://schemas.openxmlformats.org/officeDocument/2006/math">
+                      <m:r>
+                        <a:rPr lang="en-US" sz="3200" b="0" i="1" smtClean="0">
+                          <a:solidFill>
+                            <a:srgbClr val="0000FF"/>
+                          </a:solidFill>
+                          <a:latin typeface="Cambria Math" panose="02040503050406030204" pitchFamily="18" charset="0"/>
+                        </a:rPr>
+                        <m:t>𝑚</m:t>
+                      </m:r>
+                    </m:oMath>
+                  </m:oMathPara>
+                </a14:m>
+                <a:endParaRPr lang="en-US" sz="3200" b="0" dirty="0">
+                  <a:solidFill>
+                    <a:srgbClr val="0000FF"/>
+                  </a:solidFill>
+                </a:endParaRPr>
+              </a:p>
+            </p:txBody>
+          </p:sp>
+        </mc:Choice>
+        <mc:Fallback>
+          <p:sp>
+            <p:nvSpPr>
+              <p:cNvPr id="3" name="TextBox 2">
+                <a:extLst>
+                  <a:ext uri="{FF2B5EF4-FFF2-40B4-BE49-F238E27FC236}">
+                    <a16:creationId xmlns:a16="http://schemas.microsoft.com/office/drawing/2014/main" id="{9F101C08-7C81-AC76-0701-35B57DF57F6C}"/>
+                  </a:ext>
+                </a:extLst>
+              </p:cNvPr>
+              <p:cNvSpPr txBox="1">
+                <a:spLocks noRot="1" noChangeAspect="1" noMove="1" noResize="1" noEditPoints="1" noAdjustHandles="1" noChangeArrowheads="1" noChangeShapeType="1" noTextEdit="1"/>
+              </p:cNvSpPr>
+              <p:nvPr/>
+            </p:nvSpPr>
+            <p:spPr>
+              <a:xfrm>
+                <a:off x="5651424" y="3252019"/>
+                <a:ext cx="619657" cy="584775"/>
+              </a:xfrm>
+              <a:prstGeom prst="rect">
+                <a:avLst/>
+              </a:prstGeom>
+              <a:blipFill>
+                <a:blip r:embed="rId2"/>
+                <a:stretch>
+                  <a:fillRect/>
+                </a:stretch>
+              </a:blipFill>
+            </p:spPr>
+            <p:txBody>
+              <a:bodyPr/>
+              <a:lstStyle/>
+              <a:p>
+                <a:r>
+                  <a:rPr lang="en-US">
+                    <a:noFill/>
+                  </a:rPr>
+                  <a:t> </a:t>
+                </a:r>
+              </a:p>
+            </p:txBody>
+          </p:sp>
+        </mc:Fallback>
+      </mc:AlternateContent>
+      <p:cxnSp>
+        <p:nvCxnSpPr>
+          <p:cNvPr id="4" name="Straight Arrow Connector 3">
+            <a:extLst>
+              <a:ext uri="{FF2B5EF4-FFF2-40B4-BE49-F238E27FC236}">
+                <a16:creationId xmlns:a16="http://schemas.microsoft.com/office/drawing/2014/main" id="{542F1189-4AA1-BD60-7D04-B5CED0A4F02F}"/>
+              </a:ext>
+            </a:extLst>
+          </p:cNvPr>
+          <p:cNvCxnSpPr>
+            <a:cxnSpLocks/>
+          </p:cNvCxnSpPr>
+          <p:nvPr/>
+        </p:nvCxnSpPr>
+        <p:spPr>
+          <a:xfrm>
+            <a:off x="4626831" y="2275083"/>
+            <a:ext cx="0" cy="813328"/>
+          </a:xfrm>
+          <a:prstGeom prst="straightConnector1">
+            <a:avLst/>
+          </a:prstGeom>
+          <a:ln w="28575">
+            <a:solidFill>
+              <a:schemeClr val="tx1"/>
+            </a:solidFill>
+            <a:tailEnd type="triangle" w="lg" len="lg"/>
+          </a:ln>
+        </p:spPr>
+        <p:style>
+          <a:lnRef idx="2">
+            <a:schemeClr val="accent1"/>
+          </a:lnRef>
+          <a:fillRef idx="0">
+            <a:schemeClr val="accent1"/>
+          </a:fillRef>
+          <a:effectRef idx="1">
+            <a:schemeClr val="accent1"/>
+          </a:effectRef>
+          <a:fontRef idx="minor">
+            <a:schemeClr val="tx1"/>
+          </a:fontRef>
+        </p:style>
+      </p:cxnSp>
+      <mc:AlternateContent xmlns:mc="http://schemas.openxmlformats.org/markup-compatibility/2006">
+        <mc:Choice xmlns:a14="http://schemas.microsoft.com/office/drawing/2010/main" Requires="a14">
+          <p:sp>
+            <p:nvSpPr>
+              <p:cNvPr id="5" name="TextBox 4">
+                <a:extLst>
+                  <a:ext uri="{FF2B5EF4-FFF2-40B4-BE49-F238E27FC236}">
+                    <a16:creationId xmlns:a16="http://schemas.microsoft.com/office/drawing/2014/main" id="{E074CBCD-1E05-5E1E-DF29-44846CA5C488}"/>
+                  </a:ext>
+                </a:extLst>
+              </p:cNvPr>
+              <p:cNvSpPr txBox="1"/>
+              <p:nvPr/>
+            </p:nvSpPr>
+            <p:spPr>
+              <a:xfrm>
+                <a:off x="3939710" y="2408064"/>
+                <a:ext cx="504241" cy="584775"/>
+              </a:xfrm>
+              <a:prstGeom prst="rect">
+                <a:avLst/>
+              </a:prstGeom>
+              <a:noFill/>
+            </p:spPr>
+            <p:txBody>
+              <a:bodyPr wrap="none" rtlCol="0">
+                <a:spAutoFit/>
+              </a:bodyPr>
+              <a:lstStyle/>
+              <a:p>
+                <a:pPr/>
+                <a14:m>
+                  <m:oMathPara xmlns:m="http://schemas.openxmlformats.org/officeDocument/2006/math">
+                    <m:oMathParaPr>
+                      <m:jc m:val="centerGroup"/>
+                    </m:oMathParaPr>
+                    <m:oMath xmlns:m="http://schemas.openxmlformats.org/officeDocument/2006/math">
+                      <m:r>
+                        <a:rPr lang="en-US" sz="3200" b="0" i="1" smtClean="0">
+                          <a:solidFill>
+                            <a:schemeClr val="tx1"/>
+                          </a:solidFill>
+                          <a:latin typeface="Cambria Math" panose="02040503050406030204" pitchFamily="18" charset="0"/>
+                        </a:rPr>
+                        <m:t>𝑦</m:t>
+                      </m:r>
+                    </m:oMath>
+                  </m:oMathPara>
+                </a14:m>
+                <a:endParaRPr lang="en-US" sz="3200" b="0" dirty="0">
+                  <a:solidFill>
+                    <a:schemeClr val="tx1"/>
+                  </a:solidFill>
+                </a:endParaRPr>
+              </a:p>
+            </p:txBody>
+          </p:sp>
+        </mc:Choice>
+        <mc:Fallback>
+          <p:sp>
+            <p:nvSpPr>
+              <p:cNvPr id="5" name="TextBox 4">
+                <a:extLst>
+                  <a:ext uri="{FF2B5EF4-FFF2-40B4-BE49-F238E27FC236}">
+                    <a16:creationId xmlns:a16="http://schemas.microsoft.com/office/drawing/2014/main" id="{E074CBCD-1E05-5E1E-DF29-44846CA5C488}"/>
+                  </a:ext>
+                </a:extLst>
+              </p:cNvPr>
+              <p:cNvSpPr txBox="1">
+                <a:spLocks noRot="1" noChangeAspect="1" noMove="1" noResize="1" noEditPoints="1" noAdjustHandles="1" noChangeArrowheads="1" noChangeShapeType="1" noTextEdit="1"/>
+              </p:cNvSpPr>
+              <p:nvPr/>
+            </p:nvSpPr>
+            <p:spPr>
+              <a:xfrm>
+                <a:off x="3939710" y="2408064"/>
+                <a:ext cx="504241" cy="584775"/>
+              </a:xfrm>
+              <a:prstGeom prst="rect">
+                <a:avLst/>
+              </a:prstGeom>
+              <a:blipFill>
+                <a:blip r:embed="rId3"/>
+                <a:stretch>
+                  <a:fillRect/>
+                </a:stretch>
+              </a:blipFill>
+            </p:spPr>
+            <p:txBody>
+              <a:bodyPr/>
+              <a:lstStyle/>
+              <a:p>
+                <a:r>
+                  <a:rPr lang="en-US">
+                    <a:noFill/>
+                  </a:rPr>
+                  <a:t> </a:t>
+                </a:r>
+              </a:p>
+            </p:txBody>
+          </p:sp>
+        </mc:Fallback>
+      </mc:AlternateContent>
+      <p:cxnSp>
+        <p:nvCxnSpPr>
+          <p:cNvPr id="6" name="Straight Connector 5">
+            <a:extLst>
+              <a:ext uri="{FF2B5EF4-FFF2-40B4-BE49-F238E27FC236}">
+                <a16:creationId xmlns:a16="http://schemas.microsoft.com/office/drawing/2014/main" id="{D022CC0D-D037-2D6E-488F-260E781C96D4}"/>
+              </a:ext>
+            </a:extLst>
+          </p:cNvPr>
+          <p:cNvCxnSpPr>
+            <a:cxnSpLocks/>
+          </p:cNvCxnSpPr>
+          <p:nvPr/>
+        </p:nvCxnSpPr>
+        <p:spPr>
+          <a:xfrm>
+            <a:off x="4443951" y="2267910"/>
+            <a:ext cx="365760" cy="0"/>
+          </a:xfrm>
+          <a:prstGeom prst="line">
+            <a:avLst/>
+          </a:prstGeom>
+          <a:ln w="28575">
+            <a:solidFill>
+              <a:schemeClr val="tx1"/>
+            </a:solidFill>
+          </a:ln>
+        </p:spPr>
+        <p:style>
+          <a:lnRef idx="2">
+            <a:schemeClr val="accent1"/>
+          </a:lnRef>
+          <a:fillRef idx="0">
+            <a:schemeClr val="accent1"/>
+          </a:fillRef>
+          <a:effectRef idx="1">
+            <a:schemeClr val="accent1"/>
+          </a:effectRef>
+          <a:fontRef idx="minor">
+            <a:schemeClr val="tx1"/>
+          </a:fontRef>
+        </p:style>
+      </p:cxnSp>
+      <p:cxnSp>
+        <p:nvCxnSpPr>
+          <p:cNvPr id="7" name="Straight Arrow Connector 6">
+            <a:extLst>
+              <a:ext uri="{FF2B5EF4-FFF2-40B4-BE49-F238E27FC236}">
+                <a16:creationId xmlns:a16="http://schemas.microsoft.com/office/drawing/2014/main" id="{07BBD92A-C2B9-0677-B495-11067C041F96}"/>
+              </a:ext>
+            </a:extLst>
+          </p:cNvPr>
+          <p:cNvCxnSpPr>
+            <a:cxnSpLocks/>
+          </p:cNvCxnSpPr>
+          <p:nvPr/>
+        </p:nvCxnSpPr>
+        <p:spPr>
+          <a:xfrm>
+            <a:off x="5976886" y="4039015"/>
+            <a:ext cx="0" cy="813328"/>
+          </a:xfrm>
+          <a:prstGeom prst="straightConnector1">
+            <a:avLst/>
+          </a:prstGeom>
+          <a:ln w="28575">
+            <a:solidFill>
+              <a:schemeClr val="tx1"/>
+            </a:solidFill>
+            <a:tailEnd type="triangle" w="lg" len="lg"/>
+          </a:ln>
+        </p:spPr>
+        <p:style>
+          <a:lnRef idx="2">
+            <a:schemeClr val="accent1"/>
+          </a:lnRef>
+          <a:fillRef idx="0">
+            <a:schemeClr val="accent1"/>
+          </a:fillRef>
+          <a:effectRef idx="1">
+            <a:schemeClr val="accent1"/>
+          </a:effectRef>
+          <a:fontRef idx="minor">
+            <a:schemeClr val="tx1"/>
+          </a:fontRef>
+        </p:style>
+      </p:cxnSp>
+      <mc:AlternateContent xmlns:mc="http://schemas.openxmlformats.org/markup-compatibility/2006">
+        <mc:Choice xmlns:a14="http://schemas.microsoft.com/office/drawing/2010/main" Requires="a14">
+          <p:sp>
+            <p:nvSpPr>
+              <p:cNvPr id="8" name="TextBox 7">
+                <a:extLst>
+                  <a:ext uri="{FF2B5EF4-FFF2-40B4-BE49-F238E27FC236}">
+                    <a16:creationId xmlns:a16="http://schemas.microsoft.com/office/drawing/2014/main" id="{5B6A8AE4-D6F3-6B86-A1AB-F04F6721476D}"/>
+                  </a:ext>
+                </a:extLst>
+              </p:cNvPr>
+              <p:cNvSpPr txBox="1"/>
+              <p:nvPr/>
+            </p:nvSpPr>
+            <p:spPr>
+              <a:xfrm>
+                <a:off x="6118298" y="4153291"/>
+                <a:ext cx="506101" cy="584775"/>
+              </a:xfrm>
+              <a:prstGeom prst="rect">
+                <a:avLst/>
+              </a:prstGeom>
+              <a:noFill/>
+            </p:spPr>
+            <p:txBody>
+              <a:bodyPr wrap="none" rtlCol="0">
+                <a:spAutoFit/>
+              </a:bodyPr>
+              <a:lstStyle/>
+              <a:p>
+                <a:pPr/>
+                <a14:m>
+                  <m:oMathPara xmlns:m="http://schemas.openxmlformats.org/officeDocument/2006/math">
+                    <m:oMathParaPr>
+                      <m:jc m:val="centerGroup"/>
+                    </m:oMathParaPr>
+                    <m:oMath xmlns:m="http://schemas.openxmlformats.org/officeDocument/2006/math">
+                      <m:r>
+                        <a:rPr lang="en-US" sz="3200" b="0" i="1" smtClean="0">
+                          <a:solidFill>
+                            <a:schemeClr val="tx1"/>
+                          </a:solidFill>
+                          <a:latin typeface="Cambria Math" panose="02040503050406030204" pitchFamily="18" charset="0"/>
+                        </a:rPr>
+                        <m:t>𝑓</m:t>
+                      </m:r>
+                    </m:oMath>
+                  </m:oMathPara>
+                </a14:m>
+                <a:endParaRPr lang="en-US" sz="3200" b="0" dirty="0">
+                  <a:solidFill>
+                    <a:schemeClr val="tx1"/>
+                  </a:solidFill>
+                </a:endParaRPr>
+              </a:p>
+            </p:txBody>
+          </p:sp>
+        </mc:Choice>
+        <mc:Fallback>
+          <p:sp>
+            <p:nvSpPr>
+              <p:cNvPr id="8" name="TextBox 7">
+                <a:extLst>
+                  <a:ext uri="{FF2B5EF4-FFF2-40B4-BE49-F238E27FC236}">
+                    <a16:creationId xmlns:a16="http://schemas.microsoft.com/office/drawing/2014/main" id="{5B6A8AE4-D6F3-6B86-A1AB-F04F6721476D}"/>
+                  </a:ext>
+                </a:extLst>
+              </p:cNvPr>
+              <p:cNvSpPr txBox="1">
+                <a:spLocks noRot="1" noChangeAspect="1" noMove="1" noResize="1" noEditPoints="1" noAdjustHandles="1" noChangeArrowheads="1" noChangeShapeType="1" noTextEdit="1"/>
+              </p:cNvSpPr>
+              <p:nvPr/>
+            </p:nvSpPr>
+            <p:spPr>
+              <a:xfrm>
+                <a:off x="6118298" y="4153291"/>
+                <a:ext cx="506101" cy="584775"/>
+              </a:xfrm>
+              <a:prstGeom prst="rect">
+                <a:avLst/>
+              </a:prstGeom>
+              <a:blipFill>
+                <a:blip r:embed="rId4"/>
+                <a:stretch>
+                  <a:fillRect/>
+                </a:stretch>
+              </a:blipFill>
+            </p:spPr>
+            <p:txBody>
+              <a:bodyPr/>
+              <a:lstStyle/>
+              <a:p>
+                <a:r>
+                  <a:rPr lang="en-US">
+                    <a:noFill/>
+                  </a:rPr>
+                  <a:t> </a:t>
+                </a:r>
+              </a:p>
+            </p:txBody>
+          </p:sp>
+        </mc:Fallback>
+      </mc:AlternateContent>
+      <p:cxnSp>
+        <p:nvCxnSpPr>
+          <p:cNvPr id="9" name="Straight Arrow Connector 8">
+            <a:extLst>
+              <a:ext uri="{FF2B5EF4-FFF2-40B4-BE49-F238E27FC236}">
+                <a16:creationId xmlns:a16="http://schemas.microsoft.com/office/drawing/2014/main" id="{91E2BB58-240F-1597-4E96-E9C8F857D92B}"/>
+              </a:ext>
+            </a:extLst>
+          </p:cNvPr>
+          <p:cNvCxnSpPr>
+            <a:cxnSpLocks/>
+          </p:cNvCxnSpPr>
+          <p:nvPr/>
+        </p:nvCxnSpPr>
+        <p:spPr>
+          <a:xfrm>
+            <a:off x="4626831" y="3235519"/>
+            <a:ext cx="0" cy="813328"/>
+          </a:xfrm>
+          <a:prstGeom prst="straightConnector1">
+            <a:avLst/>
+          </a:prstGeom>
+          <a:ln w="28575">
+            <a:solidFill>
+              <a:schemeClr val="tx1"/>
+            </a:solidFill>
+            <a:tailEnd type="triangle" w="lg" len="lg"/>
+          </a:ln>
+        </p:spPr>
+        <p:style>
+          <a:lnRef idx="2">
+            <a:schemeClr val="accent1"/>
+          </a:lnRef>
+          <a:fillRef idx="0">
+            <a:schemeClr val="accent1"/>
+          </a:fillRef>
+          <a:effectRef idx="1">
+            <a:schemeClr val="accent1"/>
+          </a:effectRef>
+          <a:fontRef idx="minor">
+            <a:schemeClr val="tx1"/>
+          </a:fontRef>
+        </p:style>
+      </p:cxnSp>
+      <mc:AlternateContent xmlns:mc="http://schemas.openxmlformats.org/markup-compatibility/2006">
+        <mc:Choice xmlns:a14="http://schemas.microsoft.com/office/drawing/2010/main" Requires="a14">
+          <p:sp>
+            <p:nvSpPr>
+              <p:cNvPr id="10" name="TextBox 9">
+                <a:extLst>
+                  <a:ext uri="{FF2B5EF4-FFF2-40B4-BE49-F238E27FC236}">
+                    <a16:creationId xmlns:a16="http://schemas.microsoft.com/office/drawing/2014/main" id="{AD45B456-18B8-FDF2-1564-127062BFDBB1}"/>
+                  </a:ext>
+                </a:extLst>
+              </p:cNvPr>
+              <p:cNvSpPr txBox="1"/>
+              <p:nvPr/>
+            </p:nvSpPr>
+            <p:spPr>
+              <a:xfrm>
+                <a:off x="3254144" y="3290219"/>
+                <a:ext cx="1273297" cy="584775"/>
+              </a:xfrm>
+              <a:prstGeom prst="rect">
+                <a:avLst/>
+              </a:prstGeom>
+              <a:noFill/>
+            </p:spPr>
+            <p:txBody>
+              <a:bodyPr wrap="none" rtlCol="0">
+                <a:spAutoFit/>
+              </a:bodyPr>
+              <a:lstStyle/>
+              <a:p>
+                <a:pPr/>
+                <a14:m>
+                  <m:oMathPara xmlns:m="http://schemas.openxmlformats.org/officeDocument/2006/math">
+                    <m:oMathParaPr>
+                      <m:jc m:val="centerGroup"/>
+                    </m:oMathParaPr>
+                    <m:oMath xmlns:m="http://schemas.openxmlformats.org/officeDocument/2006/math">
+                      <m:r>
+                        <a:rPr lang="en-US" sz="3200" b="0" i="1" smtClean="0">
+                          <a:solidFill>
+                            <a:schemeClr val="tx1"/>
+                          </a:solidFill>
+                          <a:latin typeface="Cambria Math" panose="02040503050406030204" pitchFamily="18" charset="0"/>
+                        </a:rPr>
+                        <m:t>𝑣</m:t>
+                      </m:r>
+                      <m:r>
+                        <a:rPr lang="en-US" sz="3200" b="0" i="1" smtClean="0">
+                          <a:solidFill>
+                            <a:schemeClr val="tx1"/>
+                          </a:solidFill>
+                          <a:latin typeface="Cambria Math" panose="02040503050406030204" pitchFamily="18" charset="0"/>
+                        </a:rPr>
+                        <m:t>=</m:t>
+                      </m:r>
+                      <m:acc>
+                        <m:accPr>
+                          <m:chr m:val="̇"/>
+                          <m:ctrlPr>
+                            <a:rPr lang="en-US" sz="3200" b="0" i="1" smtClean="0">
+                              <a:solidFill>
+                                <a:schemeClr val="tx1"/>
+                              </a:solidFill>
+                              <a:latin typeface="Cambria Math" panose="02040503050406030204" pitchFamily="18" charset="0"/>
+                            </a:rPr>
+                          </m:ctrlPr>
+                        </m:accPr>
+                        <m:e>
+                          <m:r>
+                            <a:rPr lang="en-US" sz="3200" b="0" i="1" smtClean="0">
+                              <a:solidFill>
+                                <a:schemeClr val="tx1"/>
+                              </a:solidFill>
+                              <a:latin typeface="Cambria Math" panose="02040503050406030204" pitchFamily="18" charset="0"/>
+                            </a:rPr>
+                            <m:t>𝑦</m:t>
+                          </m:r>
+                        </m:e>
+                      </m:acc>
+                    </m:oMath>
+                  </m:oMathPara>
+                </a14:m>
+                <a:endParaRPr lang="en-US" sz="3200" b="0" dirty="0">
+                  <a:solidFill>
+                    <a:schemeClr val="tx1"/>
+                  </a:solidFill>
+                </a:endParaRPr>
+              </a:p>
+            </p:txBody>
+          </p:sp>
+        </mc:Choice>
+        <mc:Fallback>
+          <p:sp>
+            <p:nvSpPr>
+              <p:cNvPr id="10" name="TextBox 9">
+                <a:extLst>
+                  <a:ext uri="{FF2B5EF4-FFF2-40B4-BE49-F238E27FC236}">
+                    <a16:creationId xmlns:a16="http://schemas.microsoft.com/office/drawing/2014/main" id="{AD45B456-18B8-FDF2-1564-127062BFDBB1}"/>
+                  </a:ext>
+                </a:extLst>
+              </p:cNvPr>
+              <p:cNvSpPr txBox="1">
+                <a:spLocks noRot="1" noChangeAspect="1" noMove="1" noResize="1" noEditPoints="1" noAdjustHandles="1" noChangeArrowheads="1" noChangeShapeType="1" noTextEdit="1"/>
+              </p:cNvSpPr>
+              <p:nvPr/>
+            </p:nvSpPr>
+            <p:spPr>
+              <a:xfrm>
+                <a:off x="3254144" y="3290219"/>
+                <a:ext cx="1273297" cy="584775"/>
+              </a:xfrm>
+              <a:prstGeom prst="rect">
+                <a:avLst/>
+              </a:prstGeom>
+              <a:blipFill>
+                <a:blip r:embed="rId5"/>
+                <a:stretch>
+                  <a:fillRect/>
+                </a:stretch>
+              </a:blipFill>
+            </p:spPr>
+            <p:txBody>
+              <a:bodyPr/>
+              <a:lstStyle/>
+              <a:p>
+                <a:r>
+                  <a:rPr lang="en-US">
+                    <a:noFill/>
+                  </a:rPr>
+                  <a:t> </a:t>
+                </a:r>
+              </a:p>
+            </p:txBody>
+          </p:sp>
+        </mc:Fallback>
+      </mc:AlternateContent>
+      <p:cxnSp>
+        <p:nvCxnSpPr>
+          <p:cNvPr id="11" name="Straight Arrow Connector 10">
+            <a:extLst>
+              <a:ext uri="{FF2B5EF4-FFF2-40B4-BE49-F238E27FC236}">
+                <a16:creationId xmlns:a16="http://schemas.microsoft.com/office/drawing/2014/main" id="{C4911333-F9AA-6DC5-4C31-036A72FBE8AD}"/>
+              </a:ext>
+            </a:extLst>
+          </p:cNvPr>
+          <p:cNvCxnSpPr>
+            <a:cxnSpLocks/>
+          </p:cNvCxnSpPr>
+          <p:nvPr/>
+        </p:nvCxnSpPr>
+        <p:spPr>
+          <a:xfrm flipV="1">
+            <a:off x="5749746" y="2238414"/>
+            <a:ext cx="0" cy="813328"/>
+          </a:xfrm>
+          <a:prstGeom prst="straightConnector1">
+            <a:avLst/>
+          </a:prstGeom>
+          <a:ln w="28575">
+            <a:solidFill>
+              <a:srgbClr val="AEAEAE"/>
+            </a:solidFill>
+            <a:tailEnd type="triangle" w="lg" len="lg"/>
+          </a:ln>
+        </p:spPr>
+        <p:style>
+          <a:lnRef idx="2">
+            <a:schemeClr val="accent1"/>
+          </a:lnRef>
+          <a:fillRef idx="0">
+            <a:schemeClr val="accent1"/>
+          </a:fillRef>
+          <a:effectRef idx="1">
+            <a:schemeClr val="accent1"/>
+          </a:effectRef>
+          <a:fontRef idx="minor">
+            <a:schemeClr val="tx1"/>
+          </a:fontRef>
+        </p:style>
+      </p:cxnSp>
+      <p:cxnSp>
+        <p:nvCxnSpPr>
+          <p:cNvPr id="12" name="Straight Arrow Connector 11">
+            <a:extLst>
+              <a:ext uri="{FF2B5EF4-FFF2-40B4-BE49-F238E27FC236}">
+                <a16:creationId xmlns:a16="http://schemas.microsoft.com/office/drawing/2014/main" id="{D8AD9BFA-E0B3-AB5E-ADF2-43D61998C772}"/>
+              </a:ext>
+            </a:extLst>
+          </p:cNvPr>
+          <p:cNvCxnSpPr>
+            <a:cxnSpLocks/>
+          </p:cNvCxnSpPr>
+          <p:nvPr/>
+        </p:nvCxnSpPr>
+        <p:spPr>
+          <a:xfrm flipV="1">
+            <a:off x="6162927" y="2248246"/>
+            <a:ext cx="0" cy="813328"/>
+          </a:xfrm>
+          <a:prstGeom prst="straightConnector1">
+            <a:avLst/>
+          </a:prstGeom>
+          <a:ln w="28575">
+            <a:solidFill>
+              <a:srgbClr val="FF0000"/>
+            </a:solidFill>
+            <a:tailEnd type="triangle" w="lg" len="lg"/>
+          </a:ln>
+        </p:spPr>
+        <p:style>
+          <a:lnRef idx="2">
+            <a:schemeClr val="accent1"/>
+          </a:lnRef>
+          <a:fillRef idx="0">
+            <a:schemeClr val="accent1"/>
+          </a:fillRef>
+          <a:effectRef idx="1">
+            <a:schemeClr val="accent1"/>
+          </a:effectRef>
+          <a:fontRef idx="minor">
+            <a:schemeClr val="tx1"/>
+          </a:fontRef>
+        </p:style>
+      </p:cxnSp>
+      <mc:AlternateContent xmlns:mc="http://schemas.openxmlformats.org/markup-compatibility/2006">
+        <mc:Choice xmlns:a14="http://schemas.microsoft.com/office/drawing/2010/main" Requires="a14">
+          <p:sp>
+            <p:nvSpPr>
+              <p:cNvPr id="13" name="TextBox 12">
+                <a:extLst>
+                  <a:ext uri="{FF2B5EF4-FFF2-40B4-BE49-F238E27FC236}">
+                    <a16:creationId xmlns:a16="http://schemas.microsoft.com/office/drawing/2014/main" id="{6CB20187-4E6A-88A6-0883-92166F9B5044}"/>
+                  </a:ext>
+                </a:extLst>
+              </p:cNvPr>
+              <p:cNvSpPr txBox="1"/>
+              <p:nvPr/>
+            </p:nvSpPr>
+            <p:spPr>
+              <a:xfrm>
+                <a:off x="5029747" y="2372566"/>
+                <a:ext cx="730265" cy="584775"/>
+              </a:xfrm>
+              <a:prstGeom prst="rect">
+                <a:avLst/>
+              </a:prstGeom>
+              <a:noFill/>
+            </p:spPr>
+            <p:txBody>
+              <a:bodyPr wrap="none" rtlCol="0">
+                <a:spAutoFit/>
+              </a:bodyPr>
+              <a:lstStyle/>
+              <a:p>
+                <a:pPr/>
+                <a14:m>
+                  <m:oMathPara xmlns:m="http://schemas.openxmlformats.org/officeDocument/2006/math">
+                    <m:oMathParaPr>
+                      <m:jc m:val="centerGroup"/>
+                    </m:oMathParaPr>
+                    <m:oMath xmlns:m="http://schemas.openxmlformats.org/officeDocument/2006/math">
+                      <m:r>
+                        <a:rPr lang="en-US" sz="3200" b="0" i="1" smtClean="0">
+                          <a:solidFill>
+                            <a:srgbClr val="AEAEAE"/>
+                          </a:solidFill>
+                          <a:latin typeface="Cambria Math" panose="02040503050406030204" pitchFamily="18" charset="0"/>
+                        </a:rPr>
+                        <m:t>𝑘𝑦</m:t>
+                      </m:r>
+                    </m:oMath>
+                  </m:oMathPara>
+                </a14:m>
+                <a:endParaRPr lang="en-US" sz="3200" b="0" dirty="0">
+                  <a:solidFill>
+                    <a:srgbClr val="AEAEAE"/>
+                  </a:solidFill>
+                </a:endParaRPr>
+              </a:p>
+            </p:txBody>
+          </p:sp>
+        </mc:Choice>
+        <mc:Fallback>
+          <p:sp>
+            <p:nvSpPr>
+              <p:cNvPr id="13" name="TextBox 12">
+                <a:extLst>
+                  <a:ext uri="{FF2B5EF4-FFF2-40B4-BE49-F238E27FC236}">
+                    <a16:creationId xmlns:a16="http://schemas.microsoft.com/office/drawing/2014/main" id="{6CB20187-4E6A-88A6-0883-92166F9B5044}"/>
+                  </a:ext>
+                </a:extLst>
+              </p:cNvPr>
+              <p:cNvSpPr txBox="1">
+                <a:spLocks noRot="1" noChangeAspect="1" noMove="1" noResize="1" noEditPoints="1" noAdjustHandles="1" noChangeArrowheads="1" noChangeShapeType="1" noTextEdit="1"/>
+              </p:cNvSpPr>
+              <p:nvPr/>
+            </p:nvSpPr>
+            <p:spPr>
+              <a:xfrm>
+                <a:off x="5029747" y="2372566"/>
+                <a:ext cx="730265" cy="584775"/>
+              </a:xfrm>
+              <a:prstGeom prst="rect">
+                <a:avLst/>
+              </a:prstGeom>
+              <a:blipFill>
+                <a:blip r:embed="rId6"/>
+                <a:stretch>
+                  <a:fillRect/>
+                </a:stretch>
+              </a:blipFill>
+            </p:spPr>
+            <p:txBody>
+              <a:bodyPr/>
+              <a:lstStyle/>
+              <a:p>
+                <a:r>
+                  <a:rPr lang="en-US">
+                    <a:noFill/>
+                  </a:rPr>
+                  <a:t> </a:t>
+                </a:r>
+              </a:p>
+            </p:txBody>
+          </p:sp>
+        </mc:Fallback>
+      </mc:AlternateContent>
+      <mc:AlternateContent xmlns:mc="http://schemas.openxmlformats.org/markup-compatibility/2006">
+        <mc:Choice xmlns:a14="http://schemas.microsoft.com/office/drawing/2010/main" Requires="a14">
+          <p:sp>
+            <p:nvSpPr>
+              <p:cNvPr id="14" name="TextBox 13">
+                <a:extLst>
+                  <a:ext uri="{FF2B5EF4-FFF2-40B4-BE49-F238E27FC236}">
+                    <a16:creationId xmlns:a16="http://schemas.microsoft.com/office/drawing/2014/main" id="{B885E71F-A910-370A-15B9-ECBEAC047AD9}"/>
+                  </a:ext>
+                </a:extLst>
+              </p:cNvPr>
+              <p:cNvSpPr txBox="1"/>
+              <p:nvPr/>
+            </p:nvSpPr>
+            <p:spPr>
+              <a:xfrm>
+                <a:off x="6191223" y="2389359"/>
+                <a:ext cx="706412" cy="584775"/>
+              </a:xfrm>
+              <a:prstGeom prst="rect">
+                <a:avLst/>
+              </a:prstGeom>
+              <a:noFill/>
+            </p:spPr>
+            <p:txBody>
+              <a:bodyPr wrap="none" rtlCol="0">
+                <a:spAutoFit/>
+              </a:bodyPr>
+              <a:lstStyle/>
+              <a:p>
+                <a:pPr/>
+                <a14:m>
+                  <m:oMathPara xmlns:m="http://schemas.openxmlformats.org/officeDocument/2006/math">
+                    <m:oMathParaPr>
+                      <m:jc m:val="centerGroup"/>
+                    </m:oMathParaPr>
+                    <m:oMath xmlns:m="http://schemas.openxmlformats.org/officeDocument/2006/math">
+                      <m:r>
+                        <a:rPr lang="en-US" sz="3200" b="0" i="1" smtClean="0">
+                          <a:solidFill>
+                            <a:srgbClr val="FF0000"/>
+                          </a:solidFill>
+                          <a:latin typeface="Cambria Math" panose="02040503050406030204" pitchFamily="18" charset="0"/>
+                        </a:rPr>
+                        <m:t>𝑐</m:t>
+                      </m:r>
+                      <m:acc>
+                        <m:accPr>
+                          <m:chr m:val="̇"/>
+                          <m:ctrlPr>
+                            <a:rPr lang="en-US" sz="3200" b="0" i="1" smtClean="0">
+                              <a:solidFill>
+                                <a:srgbClr val="FF0000"/>
+                              </a:solidFill>
+                              <a:latin typeface="Cambria Math" panose="02040503050406030204" pitchFamily="18" charset="0"/>
+                            </a:rPr>
+                          </m:ctrlPr>
+                        </m:accPr>
+                        <m:e>
+                          <m:r>
+                            <a:rPr lang="en-US" sz="3200" b="0" i="1" smtClean="0">
+                              <a:solidFill>
+                                <a:srgbClr val="FF0000"/>
+                              </a:solidFill>
+                              <a:latin typeface="Cambria Math" panose="02040503050406030204" pitchFamily="18" charset="0"/>
+                            </a:rPr>
+                            <m:t>𝑦</m:t>
+                          </m:r>
+                        </m:e>
+                      </m:acc>
+                    </m:oMath>
+                  </m:oMathPara>
+                </a14:m>
+                <a:endParaRPr lang="en-US" sz="3200" b="0" dirty="0">
+                  <a:solidFill>
+                    <a:srgbClr val="FF0000"/>
+                  </a:solidFill>
+                </a:endParaRPr>
+              </a:p>
+            </p:txBody>
+          </p:sp>
+        </mc:Choice>
+        <mc:Fallback>
+          <p:sp>
+            <p:nvSpPr>
+              <p:cNvPr id="14" name="TextBox 13">
+                <a:extLst>
+                  <a:ext uri="{FF2B5EF4-FFF2-40B4-BE49-F238E27FC236}">
+                    <a16:creationId xmlns:a16="http://schemas.microsoft.com/office/drawing/2014/main" id="{B885E71F-A910-370A-15B9-ECBEAC047AD9}"/>
+                  </a:ext>
+                </a:extLst>
+              </p:cNvPr>
+              <p:cNvSpPr txBox="1">
+                <a:spLocks noRot="1" noChangeAspect="1" noMove="1" noResize="1" noEditPoints="1" noAdjustHandles="1" noChangeArrowheads="1" noChangeShapeType="1" noTextEdit="1"/>
+              </p:cNvSpPr>
+              <p:nvPr/>
+            </p:nvSpPr>
+            <p:spPr>
+              <a:xfrm>
+                <a:off x="6191223" y="2389359"/>
+                <a:ext cx="706412" cy="584775"/>
+              </a:xfrm>
+              <a:prstGeom prst="rect">
+                <a:avLst/>
+              </a:prstGeom>
+              <a:blipFill>
+                <a:blip r:embed="rId7"/>
+                <a:stretch>
+                  <a:fillRect/>
+                </a:stretch>
+              </a:blipFill>
+            </p:spPr>
+            <p:txBody>
+              <a:bodyPr/>
+              <a:lstStyle/>
+              <a:p>
+                <a:r>
+                  <a:rPr lang="en-US">
+                    <a:noFill/>
+                  </a:rPr>
+                  <a:t> </a:t>
+                </a:r>
+              </a:p>
+            </p:txBody>
+          </p:sp>
+        </mc:Fallback>
+      </mc:AlternateContent>
+    </p:spTree>
+    <p:extLst>
+      <p:ext uri="{BB962C8B-B14F-4D97-AF65-F5344CB8AC3E}">
+        <p14:creationId xmlns:p14="http://schemas.microsoft.com/office/powerpoint/2010/main" val="1498015722"/>
       </p:ext>
     </p:extLst>
   </p:cSld>
